--- a/docs/Дослідження_роботи_алгоритму_apriori.pptx
+++ b/docs/Дослідження_роботи_алгоритму_apriori.pptx
@@ -5,36 +5,35 @@
     <p:sldMasterId id="2147483659" r:id="rId1"/>
   </p:sldMasterIdLst>
   <p:notesMasterIdLst>
-    <p:notesMasterId r:id="rId14"/>
+    <p:notesMasterId r:id="rId13"/>
   </p:notesMasterIdLst>
   <p:sldIdLst>
     <p:sldId id="256" r:id="rId2"/>
     <p:sldId id="260" r:id="rId3"/>
     <p:sldId id="261" r:id="rId4"/>
     <p:sldId id="262" r:id="rId5"/>
-    <p:sldId id="263" r:id="rId6"/>
-    <p:sldId id="264" r:id="rId7"/>
-    <p:sldId id="265" r:id="rId8"/>
-    <p:sldId id="266" r:id="rId9"/>
-    <p:sldId id="267" r:id="rId10"/>
-    <p:sldId id="268" r:id="rId11"/>
-    <p:sldId id="269" r:id="rId12"/>
-    <p:sldId id="270" r:id="rId13"/>
+    <p:sldId id="271" r:id="rId6"/>
+    <p:sldId id="275" r:id="rId7"/>
+    <p:sldId id="274" r:id="rId8"/>
+    <p:sldId id="276" r:id="rId9"/>
+    <p:sldId id="272" r:id="rId10"/>
+    <p:sldId id="269" r:id="rId11"/>
+    <p:sldId id="270" r:id="rId12"/>
   </p:sldIdLst>
   <p:sldSz cx="9144000" cy="5143500" type="screen16x9"/>
   <p:notesSz cx="6858000" cy="9144000"/>
   <p:embeddedFontLst>
     <p:embeddedFont>
       <p:font typeface="Nunito" panose="020B0604020202020204" charset="0"/>
-      <p:regular r:id="rId15"/>
-      <p:bold r:id="rId16"/>
-      <p:italic r:id="rId17"/>
-      <p:boldItalic r:id="rId18"/>
+      <p:regular r:id="rId14"/>
+      <p:bold r:id="rId15"/>
+      <p:italic r:id="rId16"/>
+      <p:boldItalic r:id="rId17"/>
     </p:embeddedFont>
     <p:embeddedFont>
       <p:font typeface="Maven Pro" panose="020B0604020202020204" charset="0"/>
-      <p:regular r:id="rId19"/>
-      <p:bold r:id="rId20"/>
+      <p:regular r:id="rId18"/>
+      <p:bold r:id="rId19"/>
     </p:embeddedFont>
   </p:embeddedFontLst>
   <p:defaultTextStyle>
@@ -638,112 +637,6 @@
   <p:cSld>
     <p:spTree>
       <p:nvGrpSpPr>
-        <p:cNvPr id="1" name="Shape 357"/>
-        <p:cNvGrpSpPr/>
-        <p:nvPr/>
-      </p:nvGrpSpPr>
-      <p:grpSpPr>
-        <a:xfrm>
-          <a:off x="0" y="0"/>
-          <a:ext cx="0" cy="0"/>
-          <a:chOff x="0" y="0"/>
-          <a:chExt cx="0" cy="0"/>
-        </a:xfrm>
-      </p:grpSpPr>
-      <p:sp>
-        <p:nvSpPr>
-          <p:cNvPr id="358" name="Shape 358"/>
-          <p:cNvSpPr>
-            <a:spLocks noGrp="1" noRot="1" noChangeAspect="1"/>
-          </p:cNvSpPr>
-          <p:nvPr>
-            <p:ph type="sldImg" idx="2"/>
-          </p:nvPr>
-        </p:nvSpPr>
-        <p:spPr>
-          <a:xfrm>
-            <a:off x="381000" y="685800"/>
-            <a:ext cx="6096000" cy="3429000"/>
-          </a:xfrm>
-          <a:custGeom>
-            <a:avLst/>
-            <a:gdLst/>
-            <a:ahLst/>
-            <a:cxnLst/>
-            <a:rect l="0" t="0" r="0" b="0"/>
-            <a:pathLst>
-              <a:path w="120000" h="120000" extrusionOk="0">
-                <a:moveTo>
-                  <a:pt x="0" y="0"/>
-                </a:moveTo>
-                <a:lnTo>
-                  <a:pt x="120000" y="0"/>
-                </a:lnTo>
-                <a:lnTo>
-                  <a:pt x="120000" y="120000"/>
-                </a:lnTo>
-                <a:lnTo>
-                  <a:pt x="0" y="120000"/>
-                </a:lnTo>
-                <a:close/>
-              </a:path>
-            </a:pathLst>
-          </a:custGeom>
-        </p:spPr>
-      </p:sp>
-      <p:sp>
-        <p:nvSpPr>
-          <p:cNvPr id="359" name="Shape 359"/>
-          <p:cNvSpPr txBox="1">
-            <a:spLocks noGrp="1"/>
-          </p:cNvSpPr>
-          <p:nvPr>
-            <p:ph type="body" idx="1"/>
-          </p:nvPr>
-        </p:nvSpPr>
-        <p:spPr>
-          <a:xfrm>
-            <a:off x="685800" y="4343400"/>
-            <a:ext cx="5486400" cy="4114800"/>
-          </a:xfrm>
-          <a:prstGeom prst="rect">
-            <a:avLst/>
-          </a:prstGeom>
-        </p:spPr>
-        <p:txBody>
-          <a:bodyPr wrap="square" lIns="91425" tIns="91425" rIns="91425" bIns="91425" anchor="t" anchorCtr="0">
-            <a:noAutofit/>
-          </a:bodyPr>
-          <a:lstStyle/>
-          <a:p>
-            <a:pPr marL="0" lvl="0" indent="0">
-              <a:spcBef>
-                <a:spcPts val="0"/>
-              </a:spcBef>
-              <a:buNone/>
-            </a:pPr>
-            <a:endParaRPr/>
-          </a:p>
-        </p:txBody>
-      </p:sp>
-    </p:spTree>
-    <p:extLst>
-      <p:ext uri="{BB962C8B-B14F-4D97-AF65-F5344CB8AC3E}">
-        <p14:creationId xmlns:p14="http://schemas.microsoft.com/office/powerpoint/2010/main" val="573029539"/>
-      </p:ext>
-    </p:extLst>
-  </p:cSld>
-  <p:clrMapOvr>
-    <a:masterClrMapping/>
-  </p:clrMapOvr>
-</p:notes>
-</file>
-
-<file path=ppt/notesSlides/notesSlide11.xml><?xml version="1.0" encoding="utf-8"?>
-<p:notes xmlns:a="http://schemas.openxmlformats.org/drawingml/2006/main" xmlns:r="http://schemas.openxmlformats.org/officeDocument/2006/relationships" xmlns:p="http://schemas.openxmlformats.org/presentationml/2006/main" showMasterSp="0" showMasterPhAnim="0">
-  <p:cSld>
-    <p:spTree>
-      <p:nvGrpSpPr>
         <p:cNvPr id="1" name="Shape 365"/>
         <p:cNvGrpSpPr/>
         <p:nvPr/>
@@ -845,7 +738,7 @@
 </p:notes>
 </file>
 
-<file path=ppt/notesSlides/notesSlide12.xml><?xml version="1.0" encoding="utf-8"?>
+<file path=ppt/notesSlides/notesSlide11.xml><?xml version="1.0" encoding="utf-8"?>
 <p:notes xmlns:a="http://schemas.openxmlformats.org/drawingml/2006/main" xmlns:r="http://schemas.openxmlformats.org/officeDocument/2006/relationships" xmlns:p="http://schemas.openxmlformats.org/presentationml/2006/main" showMasterSp="0" showMasterPhAnim="0">
   <p:cSld>
     <p:spTree>
@@ -1274,7 +1167,7 @@
   <p:cSld>
     <p:spTree>
       <p:nvGrpSpPr>
-        <p:cNvPr id="1" name="Shape 321"/>
+        <p:cNvPr id="1" name="Shape 314"/>
         <p:cNvGrpSpPr/>
         <p:nvPr/>
       </p:nvGrpSpPr>
@@ -1288,7 +1181,7 @@
       </p:grpSpPr>
       <p:sp>
         <p:nvSpPr>
-          <p:cNvPr id="322" name="Shape 322"/>
+          <p:cNvPr id="315" name="Shape 315"/>
           <p:cNvSpPr>
             <a:spLocks noGrp="1" noRot="1" noChangeAspect="1"/>
           </p:cNvSpPr>
@@ -1329,7 +1222,7 @@
       </p:sp>
       <p:sp>
         <p:nvSpPr>
-          <p:cNvPr id="323" name="Shape 323"/>
+          <p:cNvPr id="316" name="Shape 316"/>
           <p:cNvSpPr txBox="1">
             <a:spLocks noGrp="1"/>
           </p:cNvSpPr>
@@ -1365,7 +1258,7 @@
     </p:spTree>
     <p:extLst>
       <p:ext uri="{BB962C8B-B14F-4D97-AF65-F5344CB8AC3E}">
-        <p14:creationId xmlns:p14="http://schemas.microsoft.com/office/powerpoint/2010/main" val="3313019179"/>
+        <p14:creationId xmlns:p14="http://schemas.microsoft.com/office/powerpoint/2010/main" val="1328410530"/>
       </p:ext>
     </p:extLst>
   </p:cSld>
@@ -1380,7 +1273,7 @@
   <p:cSld>
     <p:spTree>
       <p:nvGrpSpPr>
-        <p:cNvPr id="1" name="Shape 328"/>
+        <p:cNvPr id="1" name="Shape 314"/>
         <p:cNvGrpSpPr/>
         <p:nvPr/>
       </p:nvGrpSpPr>
@@ -1394,7 +1287,7 @@
       </p:grpSpPr>
       <p:sp>
         <p:nvSpPr>
-          <p:cNvPr id="329" name="Shape 329"/>
+          <p:cNvPr id="315" name="Shape 315"/>
           <p:cNvSpPr>
             <a:spLocks noGrp="1" noRot="1" noChangeAspect="1"/>
           </p:cNvSpPr>
@@ -1435,7 +1328,7 @@
       </p:sp>
       <p:sp>
         <p:nvSpPr>
-          <p:cNvPr id="330" name="Shape 330"/>
+          <p:cNvPr id="316" name="Shape 316"/>
           <p:cNvSpPr txBox="1">
             <a:spLocks noGrp="1"/>
           </p:cNvSpPr>
@@ -1458,7 +1351,7 @@
           </a:bodyPr>
           <a:lstStyle/>
           <a:p>
-            <a:pPr marL="0" lvl="0" indent="0" rtl="0">
+            <a:pPr marL="0" lvl="0" indent="0">
               <a:spcBef>
                 <a:spcPts val="0"/>
               </a:spcBef>
@@ -1471,7 +1364,7 @@
     </p:spTree>
     <p:extLst>
       <p:ext uri="{BB962C8B-B14F-4D97-AF65-F5344CB8AC3E}">
-        <p14:creationId xmlns:p14="http://schemas.microsoft.com/office/powerpoint/2010/main" val="4280394133"/>
+        <p14:creationId xmlns:p14="http://schemas.microsoft.com/office/powerpoint/2010/main" val="1598051338"/>
       </p:ext>
     </p:extLst>
   </p:cSld>
@@ -1486,7 +1379,7 @@
   <p:cSld>
     <p:spTree>
       <p:nvGrpSpPr>
-        <p:cNvPr id="1" name="Shape 335"/>
+        <p:cNvPr id="1" name="Shape 314"/>
         <p:cNvGrpSpPr/>
         <p:nvPr/>
       </p:nvGrpSpPr>
@@ -1500,7 +1393,7 @@
       </p:grpSpPr>
       <p:sp>
         <p:nvSpPr>
-          <p:cNvPr id="336" name="Shape 336"/>
+          <p:cNvPr id="315" name="Shape 315"/>
           <p:cNvSpPr>
             <a:spLocks noGrp="1" noRot="1" noChangeAspect="1"/>
           </p:cNvSpPr>
@@ -1541,7 +1434,7 @@
       </p:sp>
       <p:sp>
         <p:nvSpPr>
-          <p:cNvPr id="337" name="Shape 337"/>
+          <p:cNvPr id="316" name="Shape 316"/>
           <p:cNvSpPr txBox="1">
             <a:spLocks noGrp="1"/>
           </p:cNvSpPr>
@@ -1564,7 +1457,7 @@
           </a:bodyPr>
           <a:lstStyle/>
           <a:p>
-            <a:pPr marL="0" lvl="0" indent="0" rtl="0">
+            <a:pPr marL="0" lvl="0" indent="0">
               <a:spcBef>
                 <a:spcPts val="0"/>
               </a:spcBef>
@@ -1577,7 +1470,7 @@
     </p:spTree>
     <p:extLst>
       <p:ext uri="{BB962C8B-B14F-4D97-AF65-F5344CB8AC3E}">
-        <p14:creationId xmlns:p14="http://schemas.microsoft.com/office/powerpoint/2010/main" val="1106110474"/>
+        <p14:creationId xmlns:p14="http://schemas.microsoft.com/office/powerpoint/2010/main" val="1630930381"/>
       </p:ext>
     </p:extLst>
   </p:cSld>
@@ -1592,7 +1485,7 @@
   <p:cSld>
     <p:spTree>
       <p:nvGrpSpPr>
-        <p:cNvPr id="1" name="Shape 342"/>
+        <p:cNvPr id="1" name="Shape 314"/>
         <p:cNvGrpSpPr/>
         <p:nvPr/>
       </p:nvGrpSpPr>
@@ -1606,7 +1499,7 @@
       </p:grpSpPr>
       <p:sp>
         <p:nvSpPr>
-          <p:cNvPr id="343" name="Shape 343"/>
+          <p:cNvPr id="315" name="Shape 315"/>
           <p:cNvSpPr>
             <a:spLocks noGrp="1" noRot="1" noChangeAspect="1"/>
           </p:cNvSpPr>
@@ -1647,7 +1540,7 @@
       </p:sp>
       <p:sp>
         <p:nvSpPr>
-          <p:cNvPr id="344" name="Shape 344"/>
+          <p:cNvPr id="316" name="Shape 316"/>
           <p:cNvSpPr txBox="1">
             <a:spLocks noGrp="1"/>
           </p:cNvSpPr>
@@ -1670,7 +1563,7 @@
           </a:bodyPr>
           <a:lstStyle/>
           <a:p>
-            <a:pPr marL="0" lvl="0" indent="0" rtl="0">
+            <a:pPr marL="0" lvl="0" indent="0">
               <a:spcBef>
                 <a:spcPts val="0"/>
               </a:spcBef>
@@ -1683,7 +1576,7 @@
     </p:spTree>
     <p:extLst>
       <p:ext uri="{BB962C8B-B14F-4D97-AF65-F5344CB8AC3E}">
-        <p14:creationId xmlns:p14="http://schemas.microsoft.com/office/powerpoint/2010/main" val="2135757528"/>
+        <p14:creationId xmlns:p14="http://schemas.microsoft.com/office/powerpoint/2010/main" val="1070485051"/>
       </p:ext>
     </p:extLst>
   </p:cSld>
@@ -1698,7 +1591,7 @@
   <p:cSld>
     <p:spTree>
       <p:nvGrpSpPr>
-        <p:cNvPr id="1" name="Shape 350"/>
+        <p:cNvPr id="1" name="Shape 314"/>
         <p:cNvGrpSpPr/>
         <p:nvPr/>
       </p:nvGrpSpPr>
@@ -1712,7 +1605,7 @@
       </p:grpSpPr>
       <p:sp>
         <p:nvSpPr>
-          <p:cNvPr id="351" name="Shape 351"/>
+          <p:cNvPr id="315" name="Shape 315"/>
           <p:cNvSpPr>
             <a:spLocks noGrp="1" noRot="1" noChangeAspect="1"/>
           </p:cNvSpPr>
@@ -1753,7 +1646,7 @@
       </p:sp>
       <p:sp>
         <p:nvSpPr>
-          <p:cNvPr id="352" name="Shape 352"/>
+          <p:cNvPr id="316" name="Shape 316"/>
           <p:cNvSpPr txBox="1">
             <a:spLocks noGrp="1"/>
           </p:cNvSpPr>
@@ -1776,7 +1669,7 @@
           </a:bodyPr>
           <a:lstStyle/>
           <a:p>
-            <a:pPr marL="0" lvl="0" indent="0" rtl="0">
+            <a:pPr marL="0" lvl="0" indent="0">
               <a:spcBef>
                 <a:spcPts val="0"/>
               </a:spcBef>
@@ -1789,7 +1682,7 @@
     </p:spTree>
     <p:extLst>
       <p:ext uri="{BB962C8B-B14F-4D97-AF65-F5344CB8AC3E}">
-        <p14:creationId xmlns:p14="http://schemas.microsoft.com/office/powerpoint/2010/main" val="2367193160"/>
+        <p14:creationId xmlns:p14="http://schemas.microsoft.com/office/powerpoint/2010/main" val="929243893"/>
       </p:ext>
     </p:extLst>
   </p:cSld>
@@ -13836,18 +13729,6 @@
               <a:t>Аналіз </a:t>
             </a:r>
             <a:r>
-              <a:rPr lang="ru-RU" sz="2400" dirty="0">
-                <a:solidFill>
-                  <a:srgbClr val="000000"/>
-                </a:solidFill>
-                <a:latin typeface="Times New Roman"/>
-                <a:ea typeface="Times New Roman"/>
-                <a:cs typeface="Times New Roman"/>
-                <a:sym typeface="Times New Roman"/>
-              </a:rPr>
-              <a:t>ефективності роботи алгоритму apriori для напівструктурованих </a:t>
-            </a:r>
-            <a:r>
               <a:rPr lang="ru-RU" sz="2400" dirty="0" smtClean="0">
                 <a:solidFill>
                   <a:srgbClr val="000000"/>
@@ -13857,7 +13738,31 @@
                 <a:cs typeface="Times New Roman"/>
                 <a:sym typeface="Times New Roman"/>
               </a:rPr>
-              <a:t>дани</a:t>
+              <a:t>продуктивності роботи алгоритму </a:t>
+            </a:r>
+            <a:r>
+              <a:rPr lang="en-US" sz="2400" dirty="0" err="1" smtClean="0">
+                <a:solidFill>
+                  <a:srgbClr val="000000"/>
+                </a:solidFill>
+                <a:latin typeface="Times New Roman"/>
+                <a:ea typeface="Times New Roman"/>
+                <a:cs typeface="Times New Roman"/>
+                <a:sym typeface="Times New Roman"/>
+              </a:rPr>
+              <a:t>Apriori</a:t>
+            </a:r>
+            <a:r>
+              <a:rPr lang="en-US" sz="2400" dirty="0" smtClean="0">
+                <a:solidFill>
+                  <a:srgbClr val="000000"/>
+                </a:solidFill>
+                <a:latin typeface="Times New Roman"/>
+                <a:ea typeface="Times New Roman"/>
+                <a:cs typeface="Times New Roman"/>
+                <a:sym typeface="Times New Roman"/>
+              </a:rPr>
+              <a:t> </a:t>
             </a:r>
             <a:r>
               <a:rPr lang="uk-UA" sz="2400" dirty="0" smtClean="0">
@@ -13869,7 +13774,7 @@
                 <a:cs typeface="Times New Roman"/>
                 <a:sym typeface="Times New Roman"/>
               </a:rPr>
-              <a:t>х</a:t>
+              <a:t>та його модифікацій</a:t>
             </a:r>
             <a:endParaRPr lang="uk" sz="2400" dirty="0">
               <a:solidFill>
@@ -13941,7 +13846,7 @@
               <a:buNone/>
             </a:pPr>
             <a:r>
-              <a:rPr lang="uk" sz="1800" dirty="0">
+              <a:rPr lang="uk" sz="1800" dirty="0" smtClean="0">
                 <a:solidFill>
                   <a:srgbClr val="FFFFFF"/>
                 </a:solidFill>
@@ -13950,7 +13855,7 @@
                 <a:cs typeface="Arial"/>
                 <a:sym typeface="Arial"/>
               </a:rPr>
-              <a:t>ст. групи </a:t>
+              <a:t>Гаврилюк </a:t>
             </a:r>
             <a:r>
               <a:rPr lang="uk" sz="1800" dirty="0" smtClean="0">
@@ -13962,39 +13867,7 @@
                 <a:cs typeface="Arial"/>
                 <a:sym typeface="Arial"/>
               </a:rPr>
-              <a:t>ПЗІП-12</a:t>
-            </a:r>
-            <a:endParaRPr lang="uk" sz="1800" dirty="0">
-              <a:solidFill>
-                <a:srgbClr val="FFFFFF"/>
-              </a:solidFill>
-              <a:latin typeface="Arial"/>
-              <a:ea typeface="Arial"/>
-              <a:cs typeface="Arial"/>
-              <a:sym typeface="Arial"/>
-            </a:endParaRPr>
-          </a:p>
-          <a:p>
-            <a:pPr marL="0" lvl="0" indent="0" algn="just" rtl="0">
-              <a:lnSpc>
-                <a:spcPct val="115000"/>
-              </a:lnSpc>
-              <a:spcBef>
-                <a:spcPts val="0"/>
-              </a:spcBef>
-              <a:buNone/>
-            </a:pPr>
-            <a:r>
-              <a:rPr lang="uk" sz="1800" dirty="0" smtClean="0">
-                <a:solidFill>
-                  <a:srgbClr val="FFFFFF"/>
-                </a:solidFill>
-                <a:latin typeface="Arial"/>
-                <a:ea typeface="Arial"/>
-                <a:cs typeface="Arial"/>
-                <a:sym typeface="Arial"/>
-              </a:rPr>
-              <a:t>Гаврилюк А.М.</a:t>
+              <a:t>А.М.</a:t>
             </a:r>
             <a:endParaRPr lang="uk" sz="1800" dirty="0">
               <a:solidFill>
@@ -14081,138 +13954,6 @@
 </file>
 
 <file path=ppt/slides/slide10.xml><?xml version="1.0" encoding="utf-8"?>
-<p:sld xmlns:a="http://schemas.openxmlformats.org/drawingml/2006/main" xmlns:r="http://schemas.openxmlformats.org/officeDocument/2006/relationships" xmlns:p="http://schemas.openxmlformats.org/presentationml/2006/main">
-  <p:cSld>
-    <p:spTree>
-      <p:nvGrpSpPr>
-        <p:cNvPr id="1" name="Shape 360"/>
-        <p:cNvGrpSpPr/>
-        <p:nvPr/>
-      </p:nvGrpSpPr>
-      <p:grpSpPr>
-        <a:xfrm>
-          <a:off x="0" y="0"/>
-          <a:ext cx="0" cy="0"/>
-          <a:chOff x="0" y="0"/>
-          <a:chExt cx="0" cy="0"/>
-        </a:xfrm>
-      </p:grpSpPr>
-      <p:sp>
-        <p:nvSpPr>
-          <p:cNvPr id="361" name="Shape 361"/>
-          <p:cNvSpPr txBox="1">
-            <a:spLocks noGrp="1"/>
-          </p:cNvSpPr>
-          <p:nvPr>
-            <p:ph type="title"/>
-          </p:nvPr>
-        </p:nvSpPr>
-        <p:spPr>
-          <a:xfrm>
-            <a:off x="10375" y="17850"/>
-            <a:ext cx="9094500" cy="625200"/>
-          </a:xfrm>
-          <a:prstGeom prst="rect">
-            <a:avLst/>
-          </a:prstGeom>
-        </p:spPr>
-        <p:txBody>
-          <a:bodyPr wrap="square" lIns="91425" tIns="91425" rIns="91425" bIns="91425" anchor="ctr" anchorCtr="0">
-            <a:noAutofit/>
-          </a:bodyPr>
-          <a:lstStyle/>
-          <a:p>
-            <a:pPr marL="0" lvl="0" indent="0" algn="ctr">
-              <a:spcBef>
-                <a:spcPts val="0"/>
-              </a:spcBef>
-              <a:buNone/>
-            </a:pPr>
-            <a:r>
-              <a:rPr lang="uk"/>
-              <a:t>Діаграма Ганта</a:t>
-            </a:r>
-          </a:p>
-        </p:txBody>
-      </p:sp>
-      <p:sp>
-        <p:nvSpPr>
-          <p:cNvPr id="362" name="Shape 362"/>
-          <p:cNvSpPr txBox="1">
-            <a:spLocks noGrp="1"/>
-          </p:cNvSpPr>
-          <p:nvPr>
-            <p:ph type="sldNum" idx="12"/>
-          </p:nvPr>
-        </p:nvSpPr>
-        <p:spPr>
-          <a:xfrm>
-            <a:off x="8451046" y="4736976"/>
-            <a:ext cx="548700" cy="393600"/>
-          </a:xfrm>
-          <a:prstGeom prst="rect">
-            <a:avLst/>
-          </a:prstGeom>
-        </p:spPr>
-        <p:txBody>
-          <a:bodyPr wrap="square" lIns="91425" tIns="91425" rIns="91425" bIns="91425" anchor="ctr" anchorCtr="0">
-            <a:noAutofit/>
-          </a:bodyPr>
-          <a:lstStyle/>
-          <a:p>
-            <a:pPr marL="0" lvl="0" indent="0">
-              <a:spcBef>
-                <a:spcPts val="0"/>
-              </a:spcBef>
-              <a:buNone/>
-            </a:pPr>
-            <a:fld id="{00000000-1234-1234-1234-123412341234}" type="slidenum">
-              <a:rPr lang="uk"/>
-              <a:t>10</a:t>
-            </a:fld>
-            <a:endParaRPr lang="uk"/>
-          </a:p>
-        </p:txBody>
-      </p:sp>
-      <p:pic>
-        <p:nvPicPr>
-          <p:cNvPr id="2" name="Picture 1"/>
-          <p:cNvPicPr>
-            <a:picLocks noChangeAspect="1"/>
-          </p:cNvPicPr>
-          <p:nvPr/>
-        </p:nvPicPr>
-        <p:blipFill>
-          <a:blip r:embed="rId3">
-            <a:extLst>
-              <a:ext uri="{28A0092B-C50C-407E-A947-70E740481C1C}">
-                <a14:useLocalDpi xmlns:a14="http://schemas.microsoft.com/office/drawing/2010/main" val="0"/>
-              </a:ext>
-            </a:extLst>
-          </a:blip>
-          <a:stretch>
-            <a:fillRect/>
-          </a:stretch>
-        </p:blipFill>
-        <p:spPr>
-          <a:xfrm>
-            <a:off x="0" y="1046366"/>
-            <a:ext cx="9144000" cy="3235702"/>
-          </a:xfrm>
-          <a:prstGeom prst="rect">
-            <a:avLst/>
-          </a:prstGeom>
-        </p:spPr>
-      </p:pic>
-    </p:spTree>
-  </p:cSld>
-  <p:clrMapOvr>
-    <a:masterClrMapping/>
-  </p:clrMapOvr>
-</p:sld>
-</file>
-
-<file path=ppt/slides/slide11.xml><?xml version="1.0" encoding="utf-8"?>
 <p:sld xmlns:a="http://schemas.openxmlformats.org/drawingml/2006/main" xmlns:r="http://schemas.openxmlformats.org/officeDocument/2006/relationships" xmlns:p="http://schemas.openxmlformats.org/presentationml/2006/main">
   <p:cSld>
     <p:spTree>
@@ -14261,7 +14002,7 @@
               <a:buNone/>
             </a:pPr>
             <a:r>
-              <a:rPr lang="uk"/>
+              <a:rPr lang="uk" dirty="0"/>
               <a:t>Висновки</a:t>
             </a:r>
           </a:p>
@@ -14306,49 +14047,6 @@
               <a:buFont typeface="Times New Roman"/>
               <a:buChar char="●"/>
             </a:pPr>
-            <a:r>
-              <a:rPr lang="uk-UA" sz="1800" dirty="0" smtClean="0">
-                <a:latin typeface="Times New Roman"/>
-                <a:ea typeface="Times New Roman"/>
-                <a:cs typeface="Times New Roman"/>
-                <a:sym typeface="Times New Roman"/>
-              </a:rPr>
-              <a:t>П</a:t>
-            </a:r>
-            <a:r>
-              <a:rPr lang="uk" sz="1800" dirty="0" smtClean="0">
-                <a:latin typeface="Times New Roman"/>
-                <a:ea typeface="Times New Roman"/>
-                <a:cs typeface="Times New Roman"/>
-                <a:sym typeface="Times New Roman"/>
-              </a:rPr>
-              <a:t>отрібно дослідити роботу алгоритму для напіструктурованих даних</a:t>
-            </a:r>
-          </a:p>
-          <a:p>
-            <a:pPr marL="457200" lvl="0" indent="-342900" rtl="0">
-              <a:lnSpc>
-                <a:spcPct val="150000"/>
-              </a:lnSpc>
-              <a:spcBef>
-                <a:spcPts val="0"/>
-              </a:spcBef>
-              <a:spcAft>
-                <a:spcPts val="0"/>
-              </a:spcAft>
-              <a:buSzPts val="1800"/>
-              <a:buFont typeface="Times New Roman"/>
-              <a:buChar char="●"/>
-            </a:pPr>
-            <a:r>
-              <a:rPr lang="uk" sz="1800" dirty="0" smtClean="0">
-                <a:latin typeface="Times New Roman"/>
-                <a:ea typeface="Times New Roman"/>
-                <a:cs typeface="Times New Roman"/>
-                <a:sym typeface="Times New Roman"/>
-              </a:rPr>
-              <a:t>Порівняти результати із структурованими даними</a:t>
-            </a:r>
             <a:endParaRPr lang="uk" sz="1800" dirty="0">
               <a:latin typeface="Times New Roman"/>
               <a:ea typeface="Times New Roman"/>
@@ -14391,7 +14089,7 @@
             </a:pPr>
             <a:fld id="{00000000-1234-1234-1234-123412341234}" type="slidenum">
               <a:rPr lang="uk"/>
-              <a:t>11</a:t>
+              <a:t>10</a:t>
             </a:fld>
             <a:endParaRPr lang="uk"/>
           </a:p>
@@ -14405,7 +14103,7 @@
 </p:sld>
 </file>
 
-<file path=ppt/slides/slide12.xml><?xml version="1.0" encoding="utf-8"?>
+<file path=ppt/slides/slide11.xml><?xml version="1.0" encoding="utf-8"?>
 <p:sld xmlns:a="http://schemas.openxmlformats.org/drawingml/2006/main" xmlns:r="http://schemas.openxmlformats.org/officeDocument/2006/relationships" xmlns:p="http://schemas.openxmlformats.org/presentationml/2006/main">
   <p:cSld>
     <p:spTree>
@@ -14455,7 +14153,7 @@
             </a:pPr>
             <a:fld id="{00000000-1234-1234-1234-123412341234}" type="slidenum">
               <a:rPr lang="uk"/>
-              <a:t>12</a:t>
+              <a:t>11</a:t>
             </a:fld>
             <a:endParaRPr lang="uk"/>
           </a:p>
@@ -14677,7 +14375,7 @@
             </a:endParaRPr>
           </a:p>
           <a:p>
-            <a:pPr marL="457200" lvl="0" indent="-342900" algn="just">
+            <a:pPr marL="114300" lvl="0" algn="just">
               <a:lnSpc>
                 <a:spcPct val="150000"/>
               </a:lnSpc>
@@ -14685,18 +14383,7 @@
                 <a:srgbClr val="000000"/>
               </a:buClr>
               <a:buSzPts val="1800"/>
-              <a:buFont typeface="Times New Roman"/>
-              <a:buChar char="●"/>
             </a:pPr>
-            <a:r>
-              <a:rPr lang="uk-UA" sz="1800" dirty="0" smtClean="0">
-                <a:latin typeface="Times New Roman"/>
-                <a:ea typeface="Times New Roman"/>
-                <a:cs typeface="Times New Roman"/>
-                <a:sym typeface="Times New Roman"/>
-              </a:rPr>
-              <a:t>Алгоритм апріорі є недостатньо опрацьований.</a:t>
-            </a:r>
             <a:endParaRPr lang="uk" sz="1800" dirty="0">
               <a:highlight>
                 <a:srgbClr val="FFFFFF"/>
@@ -14875,13 +14562,10 @@
           </a:bodyPr>
           <a:lstStyle/>
           <a:p>
-            <a:pPr marL="457200" lvl="0" indent="-342900" rtl="0">
+            <a:pPr marL="457200" lvl="0" indent="-342900">
               <a:lnSpc>
                 <a:spcPct val="150000"/>
               </a:lnSpc>
-              <a:spcBef>
-                <a:spcPts val="0"/>
-              </a:spcBef>
               <a:spcAft>
                 <a:spcPts val="0"/>
               </a:spcAft>
@@ -14929,7 +14613,7 @@
               <a:t> </a:t>
             </a:r>
             <a:r>
-              <a:rPr lang="uk" sz="1800" dirty="0" smtClean="0">
+              <a:rPr lang="uk-UA" sz="1800" dirty="0" smtClean="0">
                 <a:solidFill>
                   <a:srgbClr val="000000"/>
                 </a:solidFill>
@@ -14938,10 +14622,10 @@
                 <a:cs typeface="Times New Roman"/>
                 <a:sym typeface="Times New Roman"/>
               </a:rPr>
-              <a:t>дослідити роботу алгоритму </a:t>
+              <a:t>порівняльний аналіз </a:t>
             </a:r>
             <a:r>
-              <a:rPr lang="en-US" sz="1800" dirty="0" err="1" smtClean="0">
+              <a:rPr lang="uk-UA" sz="1800" dirty="0">
                 <a:solidFill>
                   <a:srgbClr val="000000"/>
                 </a:solidFill>
@@ -14950,7 +14634,31 @@
                 <a:cs typeface="Times New Roman"/>
                 <a:sym typeface="Times New Roman"/>
               </a:rPr>
-              <a:t>apriori</a:t>
+              <a:t>роботи алгоритму </a:t>
+            </a:r>
+            <a:r>
+              <a:rPr lang="en-US" sz="1800" dirty="0" err="1">
+                <a:solidFill>
+                  <a:srgbClr val="000000"/>
+                </a:solidFill>
+                <a:latin typeface="Times New Roman"/>
+                <a:ea typeface="Times New Roman"/>
+                <a:cs typeface="Times New Roman"/>
+                <a:sym typeface="Times New Roman"/>
+              </a:rPr>
+              <a:t>Apriori</a:t>
+            </a:r>
+            <a:r>
+              <a:rPr lang="en-US" sz="1800" dirty="0">
+                <a:solidFill>
+                  <a:srgbClr val="000000"/>
+                </a:solidFill>
+                <a:latin typeface="Times New Roman"/>
+                <a:ea typeface="Times New Roman"/>
+                <a:cs typeface="Times New Roman"/>
+                <a:sym typeface="Times New Roman"/>
+              </a:rPr>
+              <a:t>. </a:t>
             </a:r>
             <a:r>
               <a:rPr lang="uk-UA" sz="1800" dirty="0" smtClean="0">
@@ -14962,10 +14670,10 @@
                 <a:cs typeface="Times New Roman"/>
                 <a:sym typeface="Times New Roman"/>
               </a:rPr>
-              <a:t> для напівструктурованих даних та порівняти із результами для структурованих</a:t>
+              <a:t>Виробити </a:t>
             </a:r>
             <a:r>
-              <a:rPr lang="uk" sz="1800" dirty="0" smtClean="0">
+              <a:rPr lang="uk-UA" sz="1800" dirty="0">
                 <a:solidFill>
                   <a:srgbClr val="000000"/>
                 </a:solidFill>
@@ -14974,26 +14682,26 @@
                 <a:cs typeface="Times New Roman"/>
                 <a:sym typeface="Times New Roman"/>
               </a:rPr>
-              <a:t>.</a:t>
+              <a:t>на основі обчислювальних експериментів пропозицію для модифікації </a:t>
             </a:r>
-            <a:endParaRPr lang="uk" sz="1800" dirty="0">
-              <a:solidFill>
-                <a:srgbClr val="000000"/>
-              </a:solidFill>
-              <a:latin typeface="Times New Roman"/>
-              <a:ea typeface="Times New Roman"/>
-              <a:cs typeface="Times New Roman"/>
-              <a:sym typeface="Times New Roman"/>
-            </a:endParaRPr>
+            <a:r>
+              <a:rPr lang="uk-UA" sz="1800" dirty="0" smtClean="0">
+                <a:solidFill>
+                  <a:srgbClr val="000000"/>
+                </a:solidFill>
+                <a:latin typeface="Times New Roman"/>
+                <a:ea typeface="Times New Roman"/>
+                <a:cs typeface="Times New Roman"/>
+                <a:sym typeface="Times New Roman"/>
+              </a:rPr>
+              <a:t>алгоритму</a:t>
+            </a:r>
           </a:p>
           <a:p>
-            <a:pPr marL="457200" lvl="0" indent="-342900" algn="just" rtl="0">
+            <a:pPr marL="457200" lvl="0" indent="-342900">
               <a:lnSpc>
                 <a:spcPct val="150000"/>
               </a:lnSpc>
-              <a:spcBef>
-                <a:spcPts val="0"/>
-              </a:spcBef>
               <a:spcAft>
                 <a:spcPts val="0"/>
               </a:spcAft>
@@ -15005,7 +14713,7 @@
               <a:buChar char="●"/>
             </a:pPr>
             <a:r>
-              <a:rPr lang="uk" sz="1800" b="1" dirty="0">
+              <a:rPr lang="uk" sz="1800" b="1" dirty="0" smtClean="0">
                 <a:solidFill>
                   <a:srgbClr val="000000"/>
                 </a:solidFill>
@@ -15029,6 +14737,18 @@
               <a:t>: </a:t>
             </a:r>
             <a:r>
+              <a:rPr lang="uk" sz="1800" dirty="0">
+                <a:solidFill>
+                  <a:srgbClr val="000000"/>
+                </a:solidFill>
+                <a:latin typeface="Times New Roman"/>
+                <a:ea typeface="Times New Roman"/>
+                <a:cs typeface="Times New Roman"/>
+                <a:sym typeface="Times New Roman"/>
+              </a:rPr>
+              <a:t>а</a:t>
+            </a:r>
+            <a:r>
               <a:rPr lang="uk" sz="1800" dirty="0" smtClean="0">
                 <a:solidFill>
                   <a:srgbClr val="000000"/>
@@ -15038,7 +14758,7 @@
                 <a:cs typeface="Times New Roman"/>
                 <a:sym typeface="Times New Roman"/>
               </a:rPr>
-              <a:t>Алгоритм </a:t>
+              <a:t>лгоритм </a:t>
             </a:r>
             <a:r>
               <a:rPr lang="en-US" sz="1800" dirty="0" err="1" smtClean="0">
@@ -15050,10 +14770,46 @@
                 <a:cs typeface="Times New Roman"/>
                 <a:sym typeface="Times New Roman"/>
               </a:rPr>
-              <a:t>apriori</a:t>
+              <a:t>A</a:t>
             </a:r>
             <a:r>
-              <a:rPr lang="en-US" sz="1800" dirty="0">
+              <a:rPr lang="en-US" sz="1800" dirty="0" err="1" smtClean="0">
+                <a:solidFill>
+                  <a:srgbClr val="000000"/>
+                </a:solidFill>
+                <a:latin typeface="Times New Roman"/>
+                <a:ea typeface="Times New Roman"/>
+                <a:cs typeface="Times New Roman"/>
+                <a:sym typeface="Times New Roman"/>
+              </a:rPr>
+              <a:t>priori</a:t>
+            </a:r>
+            <a:r>
+              <a:rPr lang="en-US" sz="1800" dirty="0" smtClean="0">
+                <a:solidFill>
+                  <a:srgbClr val="000000"/>
+                </a:solidFill>
+                <a:latin typeface="Times New Roman"/>
+                <a:ea typeface="Times New Roman"/>
+                <a:cs typeface="Times New Roman"/>
+                <a:sym typeface="Times New Roman"/>
+              </a:rPr>
+              <a:t> </a:t>
+            </a:r>
+            <a:r>
+              <a:rPr lang="uk-UA" sz="1800" dirty="0" smtClean="0">
+                <a:solidFill>
+                  <a:srgbClr val="000000"/>
+                </a:solidFill>
+                <a:latin typeface="Times New Roman"/>
+                <a:ea typeface="Times New Roman"/>
+                <a:cs typeface="Times New Roman"/>
+                <a:sym typeface="Times New Roman"/>
+              </a:rPr>
+              <a:t>та його модифікації</a:t>
+            </a:r>
+            <a:r>
+              <a:rPr lang="en-US" sz="1800" dirty="0" smtClean="0">
                 <a:solidFill>
                   <a:srgbClr val="000000"/>
                 </a:solidFill>
@@ -15075,13 +14831,10 @@
             </a:endParaRPr>
           </a:p>
           <a:p>
-            <a:pPr marL="457200" lvl="0" indent="-342900" algn="just" rtl="0">
+            <a:pPr marL="457200" lvl="0" indent="-342900" algn="just">
               <a:lnSpc>
                 <a:spcPct val="150000"/>
               </a:lnSpc>
-              <a:spcBef>
-                <a:spcPts val="0"/>
-              </a:spcBef>
               <a:spcAft>
                 <a:spcPts val="0"/>
               </a:spcAft>
@@ -15105,6 +14858,18 @@
               <a:t>Предмет: </a:t>
             </a:r>
             <a:r>
+              <a:rPr lang="ru-RU" sz="1800" dirty="0">
+                <a:solidFill>
+                  <a:srgbClr val="000000"/>
+                </a:solidFill>
+                <a:latin typeface="Times New Roman"/>
+                <a:ea typeface="Times New Roman"/>
+                <a:cs typeface="Times New Roman"/>
+                <a:sym typeface="Times New Roman"/>
+              </a:rPr>
+              <a:t>час і точність пошуку асоціативних правил та пошук можливих модифікацій</a:t>
+            </a:r>
+            <a:r>
               <a:rPr lang="uk-UA" sz="1800" dirty="0" smtClean="0">
                 <a:solidFill>
                   <a:srgbClr val="000000"/>
@@ -15114,7 +14879,7 @@
                 <a:cs typeface="Times New Roman"/>
                 <a:sym typeface="Times New Roman"/>
               </a:rPr>
-              <a:t>Час і точність пошуку асоціативних правил.</a:t>
+              <a:t>.</a:t>
             </a:r>
             <a:endParaRPr lang="uk" sz="1800" dirty="0">
               <a:solidFill>
@@ -15440,7 +15205,7 @@
   <p:cSld>
     <p:spTree>
       <p:nvGrpSpPr>
-        <p:cNvPr id="1" name="Shape 324"/>
+        <p:cNvPr id="1" name="Shape 317"/>
         <p:cNvGrpSpPr/>
         <p:nvPr/>
       </p:nvGrpSpPr>
@@ -15454,7 +15219,7 @@
       </p:grpSpPr>
       <p:sp>
         <p:nvSpPr>
-          <p:cNvPr id="325" name="Shape 325"/>
+          <p:cNvPr id="318" name="Shape 318"/>
           <p:cNvSpPr txBox="1">
             <a:spLocks noGrp="1"/>
           </p:cNvSpPr>
@@ -15464,46 +15229,157 @@
         </p:nvSpPr>
         <p:spPr>
           <a:xfrm>
-            <a:off x="1272700" y="28225"/>
-            <a:ext cx="7030500" cy="614700"/>
+            <a:off x="1303800" y="598575"/>
+            <a:ext cx="7030500" cy="999300"/>
           </a:xfrm>
           <a:prstGeom prst="rect">
             <a:avLst/>
           </a:prstGeom>
         </p:spPr>
         <p:txBody>
-          <a:bodyPr wrap="square" lIns="91425" tIns="91425" rIns="91425" bIns="91425" anchor="ctr" anchorCtr="0">
+          <a:bodyPr wrap="square" lIns="91425" tIns="91425" rIns="91425" bIns="91425" anchor="t" anchorCtr="0">
             <a:noAutofit/>
           </a:bodyPr>
           <a:lstStyle/>
           <a:p>
-            <a:pPr marL="0" lvl="0" indent="0" rtl="0">
-              <a:lnSpc>
-                <a:spcPct val="115000"/>
-              </a:lnSpc>
+            <a:pPr marL="0" lvl="0" indent="0">
               <a:spcBef>
                 <a:spcPts val="0"/>
               </a:spcBef>
               <a:buNone/>
             </a:pPr>
             <a:r>
-              <a:rPr lang="uk" sz="2400">
-                <a:solidFill>
-                  <a:srgbClr val="000000"/>
-                </a:solidFill>
-                <a:latin typeface="Times New Roman"/>
-                <a:ea typeface="Times New Roman"/>
-                <a:cs typeface="Times New Roman"/>
-                <a:sym typeface="Times New Roman"/>
-              </a:rPr>
-              <a:t>Логіко-структурна матриця(1)</a:t>
+              <a:rPr lang="uk" dirty="0" smtClean="0"/>
+              <a:t>Запропоновані модифікації</a:t>
             </a:r>
+            <a:endParaRPr lang="uk" dirty="0"/>
           </a:p>
         </p:txBody>
       </p:sp>
       <p:sp>
         <p:nvSpPr>
-          <p:cNvPr id="326" name="Shape 326"/>
+          <p:cNvPr id="319" name="Shape 319"/>
+          <p:cNvSpPr txBox="1">
+            <a:spLocks noGrp="1"/>
+          </p:cNvSpPr>
+          <p:nvPr>
+            <p:ph type="body" idx="1"/>
+          </p:nvPr>
+        </p:nvSpPr>
+        <p:spPr>
+          <a:xfrm>
+            <a:off x="1189725" y="1647850"/>
+            <a:ext cx="7030500" cy="2541600"/>
+          </a:xfrm>
+          <a:prstGeom prst="rect">
+            <a:avLst/>
+          </a:prstGeom>
+        </p:spPr>
+        <p:txBody>
+          <a:bodyPr wrap="square" lIns="91425" tIns="91425" rIns="91425" bIns="91425" anchor="t" anchorCtr="0">
+            <a:noAutofit/>
+          </a:bodyPr>
+          <a:lstStyle/>
+          <a:p>
+            <a:pPr lvl="0">
+              <a:buNone/>
+            </a:pPr>
+            <a:r>
+              <a:rPr lang="uk-UA" dirty="0"/>
+              <a:t>Розбиття множини всіх можливих транспортних пригод </a:t>
+            </a:r>
+            <a:r>
+              <a:rPr lang="uk-UA" i="1" dirty="0"/>
+              <a:t>I = {I</a:t>
+            </a:r>
+            <a:r>
+              <a:rPr lang="en-US" i="1" baseline="-25000" dirty="0"/>
+              <a:t>s</a:t>
+            </a:r>
+            <a:r>
+              <a:rPr lang="uk-UA" i="1" dirty="0"/>
+              <a:t>, I</a:t>
+            </a:r>
+            <a:r>
+              <a:rPr lang="en-US" i="1" baseline="-25000" dirty="0"/>
+              <a:t>d</a:t>
+            </a:r>
+            <a:r>
+              <a:rPr lang="uk-UA" dirty="0"/>
+              <a:t>} на дві </a:t>
+            </a:r>
+            <a:r>
+              <a:rPr lang="uk-UA" dirty="0" smtClean="0"/>
+              <a:t>підмножини</a:t>
+            </a:r>
+            <a:r>
+              <a:rPr lang="en-US" dirty="0" smtClean="0"/>
+              <a:t>:</a:t>
+            </a:r>
+            <a:endParaRPr lang="en-US" dirty="0"/>
+          </a:p>
+          <a:p>
+            <a:pPr marL="285750" indent="-285750"/>
+            <a:r>
+              <a:rPr lang="en-US" i="1" dirty="0"/>
+              <a:t>I</a:t>
+            </a:r>
+            <a:r>
+              <a:rPr lang="en-US" i="1" baseline="-25000" dirty="0"/>
+              <a:t>s</a:t>
+            </a:r>
+            <a:r>
+              <a:rPr lang="uk-UA" dirty="0"/>
+              <a:t> – множина характеристик, дані якої для нашого випадку є абсурдними або загальновідомими фактами (стан алкогольного сп’яніння, технічний стан автомобіля, вік водія, вік авто тощо).</a:t>
+            </a:r>
+            <a:endParaRPr lang="en-US" dirty="0"/>
+          </a:p>
+          <a:p>
+            <a:pPr marL="285750" indent="-285750"/>
+            <a:r>
+              <a:rPr lang="en-US" i="1" dirty="0"/>
+              <a:t>I</a:t>
+            </a:r>
+            <a:r>
+              <a:rPr lang="en-US" i="1" baseline="-25000" dirty="0"/>
+              <a:t>d</a:t>
+            </a:r>
+            <a:r>
+              <a:rPr lang="en-US" i="1" dirty="0"/>
+              <a:t> </a:t>
+            </a:r>
+            <a:r>
+              <a:rPr lang="uk-UA" dirty="0"/>
+              <a:t>– множина характеристик, дані якої для нашого випадку будуть цікавими (місце проживання – село/місто, освіта, колір машини, кількість пасажирів, порядок власника авто тощо).</a:t>
+            </a:r>
+            <a:endParaRPr lang="en-US" dirty="0"/>
+          </a:p>
+          <a:p>
+            <a:pPr marL="114300" lvl="0" rtl="0">
+              <a:lnSpc>
+                <a:spcPct val="150000"/>
+              </a:lnSpc>
+              <a:spcBef>
+                <a:spcPts val="0"/>
+              </a:spcBef>
+              <a:spcAft>
+                <a:spcPts val="0"/>
+              </a:spcAft>
+              <a:buSzPts val="1800"/>
+              <a:buNone/>
+            </a:pPr>
+            <a:endParaRPr lang="uk" sz="1800" dirty="0">
+              <a:latin typeface="Times New Roman"/>
+              <a:ea typeface="Times New Roman"/>
+              <a:cs typeface="Times New Roman"/>
+              <a:sym typeface="Times New Roman"/>
+            </a:endParaRPr>
+          </a:p>
+        </p:txBody>
+      </p:sp>
+      <p:sp>
+        <p:nvSpPr>
+          <p:cNvPr id="320" name="Shape 320"/>
           <p:cNvSpPr txBox="1">
             <a:spLocks noGrp="1"/>
           </p:cNvSpPr>
@@ -15540,935 +15416,12 @@
           </a:p>
         </p:txBody>
       </p:sp>
-      <p:graphicFrame>
-        <p:nvGraphicFramePr>
-          <p:cNvPr id="327" name="Shape 327"/>
-          <p:cNvGraphicFramePr/>
-          <p:nvPr>
-            <p:extLst>
-              <p:ext uri="{D42A27DB-BD31-4B8C-83A1-F6EECF244321}">
-                <p14:modId xmlns:p14="http://schemas.microsoft.com/office/powerpoint/2010/main" val="4192116127"/>
-              </p:ext>
-            </p:extLst>
-          </p:nvPr>
-        </p:nvGraphicFramePr>
-        <p:xfrm>
-          <a:off x="24375" y="662700"/>
-          <a:ext cx="9074525" cy="4366020"/>
-        </p:xfrm>
-        <a:graphic>
-          <a:graphicData uri="http://schemas.openxmlformats.org/drawingml/2006/table">
-            <a:tbl>
-              <a:tblPr>
-                <a:noFill/>
-                <a:tableStyleId>{344513D4-3CC4-4AE7-BB52-9E0CC6B0FADD}</a:tableStyleId>
-              </a:tblPr>
-              <a:tblGrid>
-                <a:gridCol w="1908275">
-                  <a:extLst>
-                    <a:ext uri="{9D8B030D-6E8A-4147-A177-3AD203B41FA5}">
-                      <a16:colId xmlns:a16="http://schemas.microsoft.com/office/drawing/2014/main" val="20000"/>
-                    </a:ext>
-                  </a:extLst>
-                </a:gridCol>
-                <a:gridCol w="2794860">
-                  <a:extLst>
-                    <a:ext uri="{9D8B030D-6E8A-4147-A177-3AD203B41FA5}">
-                      <a16:colId xmlns:a16="http://schemas.microsoft.com/office/drawing/2014/main" val="20001"/>
-                    </a:ext>
-                  </a:extLst>
-                </a:gridCol>
-                <a:gridCol w="2500604">
-                  <a:extLst>
-                    <a:ext uri="{9D8B030D-6E8A-4147-A177-3AD203B41FA5}">
-                      <a16:colId xmlns:a16="http://schemas.microsoft.com/office/drawing/2014/main" val="20002"/>
-                    </a:ext>
-                  </a:extLst>
-                </a:gridCol>
-                <a:gridCol w="1870786">
-                  <a:extLst>
-                    <a:ext uri="{9D8B030D-6E8A-4147-A177-3AD203B41FA5}">
-                      <a16:colId xmlns:a16="http://schemas.microsoft.com/office/drawing/2014/main" val="20003"/>
-                    </a:ext>
-                  </a:extLst>
-                </a:gridCol>
-              </a:tblGrid>
-              <a:tr h="348400">
-                <a:tc>
-                  <a:txBody>
-                    <a:bodyPr/>
-                    <a:lstStyle/>
-                    <a:p>
-                      <a:pPr marL="0" lvl="0" indent="0" rtl="0">
-                        <a:lnSpc>
-                          <a:spcPct val="115000"/>
-                        </a:lnSpc>
-                        <a:spcBef>
-                          <a:spcPts val="0"/>
-                        </a:spcBef>
-                        <a:buNone/>
-                      </a:pPr>
-                      <a:r>
-                        <a:rPr lang="uk" sz="1200" dirty="0">
-                          <a:latin typeface="Times New Roman"/>
-                          <a:ea typeface="Times New Roman"/>
-                          <a:cs typeface="Times New Roman"/>
-                          <a:sym typeface="Times New Roman"/>
-                        </a:rPr>
-                        <a:t>Ширші цілі.</a:t>
-                      </a:r>
-                    </a:p>
-                  </a:txBody>
-                  <a:tcPr marL="68575" marR="68575" marT="91425" marB="91425">
-                    <a:lnL w="12650" cap="flat" cmpd="sng">
-                      <a:solidFill>
-                        <a:srgbClr val="000000"/>
-                      </a:solidFill>
-                      <a:prstDash val="solid"/>
-                      <a:round/>
-                      <a:headEnd type="none" w="med" len="med"/>
-                      <a:tailEnd type="none" w="med" len="med"/>
-                    </a:lnL>
-                    <a:lnR w="12650" cap="flat" cmpd="sng">
-                      <a:solidFill>
-                        <a:srgbClr val="000000"/>
-                      </a:solidFill>
-                      <a:prstDash val="solid"/>
-                      <a:round/>
-                      <a:headEnd type="none" w="med" len="med"/>
-                      <a:tailEnd type="none" w="med" len="med"/>
-                    </a:lnR>
-                    <a:lnT w="12650" cap="flat" cmpd="sng">
-                      <a:solidFill>
-                        <a:srgbClr val="000000"/>
-                      </a:solidFill>
-                      <a:prstDash val="solid"/>
-                      <a:round/>
-                      <a:headEnd type="none" w="med" len="med"/>
-                      <a:tailEnd type="none" w="med" len="med"/>
-                    </a:lnT>
-                    <a:lnB w="12650" cap="flat" cmpd="sng">
-                      <a:solidFill>
-                        <a:srgbClr val="000000"/>
-                      </a:solidFill>
-                      <a:prstDash val="solid"/>
-                      <a:round/>
-                      <a:headEnd type="none" w="med" len="med"/>
-                      <a:tailEnd type="none" w="med" len="med"/>
-                    </a:lnB>
-                    <a:solidFill>
-                      <a:srgbClr val="FABF8F"/>
-                    </a:solidFill>
-                  </a:tcPr>
-                </a:tc>
-                <a:tc>
-                  <a:txBody>
-                    <a:bodyPr/>
-                    <a:lstStyle/>
-                    <a:p>
-                      <a:pPr marL="0" lvl="0" indent="0" rtl="0">
-                        <a:lnSpc>
-                          <a:spcPct val="115000"/>
-                        </a:lnSpc>
-                        <a:spcBef>
-                          <a:spcPts val="0"/>
-                        </a:spcBef>
-                        <a:buNone/>
-                      </a:pPr>
-                      <a:r>
-                        <a:rPr lang="uk" sz="1200">
-                          <a:latin typeface="Times New Roman"/>
-                          <a:ea typeface="Times New Roman"/>
-                          <a:cs typeface="Times New Roman"/>
-                          <a:sym typeface="Times New Roman"/>
-                        </a:rPr>
-                        <a:t>Показники прогресу.</a:t>
-                      </a:r>
-                    </a:p>
-                  </a:txBody>
-                  <a:tcPr marL="68575" marR="68575" marT="91425" marB="91425">
-                    <a:lnL w="12650" cap="flat" cmpd="sng">
-                      <a:solidFill>
-                        <a:srgbClr val="000000"/>
-                      </a:solidFill>
-                      <a:prstDash val="solid"/>
-                      <a:round/>
-                      <a:headEnd type="none" w="med" len="med"/>
-                      <a:tailEnd type="none" w="med" len="med"/>
-                    </a:lnL>
-                    <a:lnR w="12650" cap="flat" cmpd="sng">
-                      <a:solidFill>
-                        <a:srgbClr val="000000"/>
-                      </a:solidFill>
-                      <a:prstDash val="solid"/>
-                      <a:round/>
-                      <a:headEnd type="none" w="med" len="med"/>
-                      <a:tailEnd type="none" w="med" len="med"/>
-                    </a:lnR>
-                    <a:lnT w="12650" cap="flat" cmpd="sng">
-                      <a:solidFill>
-                        <a:srgbClr val="000000"/>
-                      </a:solidFill>
-                      <a:prstDash val="solid"/>
-                      <a:round/>
-                      <a:headEnd type="none" w="med" len="med"/>
-                      <a:tailEnd type="none" w="med" len="med"/>
-                    </a:lnT>
-                    <a:lnB w="12650" cap="flat" cmpd="sng">
-                      <a:solidFill>
-                        <a:srgbClr val="000000"/>
-                      </a:solidFill>
-                      <a:prstDash val="solid"/>
-                      <a:round/>
-                      <a:headEnd type="none" w="med" len="med"/>
-                      <a:tailEnd type="none" w="med" len="med"/>
-                    </a:lnB>
-                    <a:solidFill>
-                      <a:srgbClr val="FABF8F"/>
-                    </a:solidFill>
-                  </a:tcPr>
-                </a:tc>
-                <a:tc>
-                  <a:txBody>
-                    <a:bodyPr/>
-                    <a:lstStyle/>
-                    <a:p>
-                      <a:pPr marL="0" lvl="0" indent="0" rtl="0">
-                        <a:lnSpc>
-                          <a:spcPct val="115000"/>
-                        </a:lnSpc>
-                        <a:spcBef>
-                          <a:spcPts val="0"/>
-                        </a:spcBef>
-                        <a:buNone/>
-                      </a:pPr>
-                      <a:r>
-                        <a:rPr lang="uk" sz="1200">
-                          <a:latin typeface="Times New Roman"/>
-                          <a:ea typeface="Times New Roman"/>
-                          <a:cs typeface="Times New Roman"/>
-                          <a:sym typeface="Times New Roman"/>
-                        </a:rPr>
-                        <a:t>Як оцінювати показники.</a:t>
-                      </a:r>
-                    </a:p>
-                  </a:txBody>
-                  <a:tcPr marL="68575" marR="68575" marT="91425" marB="91425">
-                    <a:lnL w="12650" cap="flat" cmpd="sng">
-                      <a:solidFill>
-                        <a:srgbClr val="000000"/>
-                      </a:solidFill>
-                      <a:prstDash val="solid"/>
-                      <a:round/>
-                      <a:headEnd type="none" w="med" len="med"/>
-                      <a:tailEnd type="none" w="med" len="med"/>
-                    </a:lnL>
-                    <a:lnR w="12650" cap="flat" cmpd="sng">
-                      <a:solidFill>
-                        <a:srgbClr val="000000"/>
-                      </a:solidFill>
-                      <a:prstDash val="solid"/>
-                      <a:round/>
-                      <a:headEnd type="none" w="med" len="med"/>
-                      <a:tailEnd type="none" w="med" len="med"/>
-                    </a:lnR>
-                    <a:lnT w="12650" cap="flat" cmpd="sng">
-                      <a:solidFill>
-                        <a:srgbClr val="000000"/>
-                      </a:solidFill>
-                      <a:prstDash val="solid"/>
-                      <a:round/>
-                      <a:headEnd type="none" w="med" len="med"/>
-                      <a:tailEnd type="none" w="med" len="med"/>
-                    </a:lnT>
-                    <a:lnB w="12650" cap="flat" cmpd="sng">
-                      <a:solidFill>
-                        <a:srgbClr val="000000"/>
-                      </a:solidFill>
-                      <a:prstDash val="solid"/>
-                      <a:round/>
-                      <a:headEnd type="none" w="med" len="med"/>
-                      <a:tailEnd type="none" w="med" len="med"/>
-                    </a:lnB>
-                    <a:solidFill>
-                      <a:srgbClr val="FABF8F"/>
-                    </a:solidFill>
-                  </a:tcPr>
-                </a:tc>
-                <a:tc>
-                  <a:txBody>
-                    <a:bodyPr/>
-                    <a:lstStyle/>
-                    <a:p>
-                      <a:pPr marL="0" marR="0" lvl="0" indent="0" algn="l" defTabSz="914400" rtl="0" eaLnBrk="1" fontAlgn="auto" latinLnBrk="0" hangingPunct="1">
-                        <a:lnSpc>
-                          <a:spcPct val="115000"/>
-                        </a:lnSpc>
-                        <a:spcBef>
-                          <a:spcPts val="0"/>
-                        </a:spcBef>
-                        <a:spcAft>
-                          <a:spcPts val="0"/>
-                        </a:spcAft>
-                        <a:buClrTx/>
-                        <a:buSzTx/>
-                        <a:buFontTx/>
-                        <a:buNone/>
-                        <a:tabLst/>
-                        <a:defRPr/>
-                      </a:pPr>
-                      <a:r>
-                        <a:rPr lang="uk" sz="1200" dirty="0">
-                          <a:latin typeface="Times New Roman"/>
-                          <a:ea typeface="Times New Roman"/>
-                          <a:cs typeface="Times New Roman"/>
-                          <a:sym typeface="Times New Roman"/>
-                        </a:rPr>
-                        <a:t> </a:t>
-                      </a:r>
-                      <a:endParaRPr lang="uk" sz="1200" dirty="0" smtClean="0">
-                        <a:latin typeface="Times New Roman"/>
-                        <a:ea typeface="Times New Roman"/>
-                        <a:cs typeface="Times New Roman"/>
-                        <a:sym typeface="Times New Roman"/>
-                      </a:endParaRPr>
-                    </a:p>
-                  </a:txBody>
-                  <a:tcPr marL="68575" marR="68575" marT="91425" marB="91425">
-                    <a:lnL w="12650" cap="flat" cmpd="sng">
-                      <a:solidFill>
-                        <a:srgbClr val="000000"/>
-                      </a:solidFill>
-                      <a:prstDash val="solid"/>
-                      <a:round/>
-                      <a:headEnd type="none" w="med" len="med"/>
-                      <a:tailEnd type="none" w="med" len="med"/>
-                    </a:lnL>
-                    <a:lnR w="12650" cap="flat" cmpd="sng">
-                      <a:solidFill>
-                        <a:srgbClr val="000000"/>
-                      </a:solidFill>
-                      <a:prstDash val="solid"/>
-                      <a:round/>
-                      <a:headEnd type="none" w="med" len="med"/>
-                      <a:tailEnd type="none" w="med" len="med"/>
-                    </a:lnR>
-                    <a:lnT w="12650" cap="flat" cmpd="sng">
-                      <a:solidFill>
-                        <a:srgbClr val="000000"/>
-                      </a:solidFill>
-                      <a:prstDash val="solid"/>
-                      <a:round/>
-                      <a:headEnd type="none" w="med" len="med"/>
-                      <a:tailEnd type="none" w="med" len="med"/>
-                    </a:lnT>
-                    <a:lnB w="12650" cap="flat" cmpd="sng">
-                      <a:solidFill>
-                        <a:srgbClr val="000000"/>
-                      </a:solidFill>
-                      <a:prstDash val="solid"/>
-                      <a:round/>
-                      <a:headEnd type="none" w="med" len="med"/>
-                      <a:tailEnd type="none" w="med" len="med"/>
-                    </a:lnB>
-                    <a:solidFill>
-                      <a:srgbClr val="FABF8F"/>
-                    </a:solidFill>
-                  </a:tcPr>
-                </a:tc>
-                <a:extLst>
-                  <a:ext uri="{0D108BD9-81ED-4DB2-BD59-A6C34878D82A}">
-                    <a16:rowId xmlns:a16="http://schemas.microsoft.com/office/drawing/2014/main" val="10000"/>
-                  </a:ext>
-                </a:extLst>
-              </a:tr>
-              <a:tr h="669775">
-                <a:tc>
-                  <a:txBody>
-                    <a:bodyPr/>
-                    <a:lstStyle/>
-                    <a:p>
-                      <a:pPr marL="0" lvl="0" indent="0" rtl="0">
-                        <a:lnSpc>
-                          <a:spcPct val="115000"/>
-                        </a:lnSpc>
-                        <a:spcBef>
-                          <a:spcPts val="0"/>
-                        </a:spcBef>
-                        <a:buNone/>
-                      </a:pPr>
-                      <a:r>
-                        <a:rPr lang="uk" sz="1100">
-                          <a:latin typeface="Times New Roman"/>
-                          <a:ea typeface="Times New Roman"/>
-                          <a:cs typeface="Times New Roman"/>
-                          <a:sym typeface="Times New Roman"/>
-                        </a:rPr>
-                        <a:t>Що являє собою більш широку ціль, якій сприятиме проект?</a:t>
-                      </a:r>
-                    </a:p>
-                  </a:txBody>
-                  <a:tcPr marL="68575" marR="68575" marT="91425" marB="91425">
-                    <a:lnL w="12650" cap="flat" cmpd="sng">
-                      <a:solidFill>
-                        <a:srgbClr val="000000"/>
-                      </a:solidFill>
-                      <a:prstDash val="solid"/>
-                      <a:round/>
-                      <a:headEnd type="none" w="med" len="med"/>
-                      <a:tailEnd type="none" w="med" len="med"/>
-                    </a:lnL>
-                    <a:lnR w="12650" cap="flat" cmpd="sng">
-                      <a:solidFill>
-                        <a:srgbClr val="000000"/>
-                      </a:solidFill>
-                      <a:prstDash val="solid"/>
-                      <a:round/>
-                      <a:headEnd type="none" w="med" len="med"/>
-                      <a:tailEnd type="none" w="med" len="med"/>
-                    </a:lnR>
-                    <a:lnT w="12650" cap="flat" cmpd="sng">
-                      <a:solidFill>
-                        <a:srgbClr val="000000"/>
-                      </a:solidFill>
-                      <a:prstDash val="solid"/>
-                      <a:round/>
-                      <a:headEnd type="none" w="med" len="med"/>
-                      <a:tailEnd type="none" w="med" len="med"/>
-                    </a:lnT>
-                    <a:lnB w="12650" cap="flat" cmpd="sng">
-                      <a:solidFill>
-                        <a:srgbClr val="000000"/>
-                      </a:solidFill>
-                      <a:prstDash val="solid"/>
-                      <a:round/>
-                      <a:headEnd type="none" w="med" len="med"/>
-                      <a:tailEnd type="none" w="med" len="med"/>
-                    </a:lnB>
-                    <a:solidFill>
-                      <a:srgbClr val="C2D69B"/>
-                    </a:solidFill>
-                  </a:tcPr>
-                </a:tc>
-                <a:tc>
-                  <a:txBody>
-                    <a:bodyPr/>
-                    <a:lstStyle/>
-                    <a:p>
-                      <a:pPr marL="0" lvl="0" indent="0" rtl="0">
-                        <a:lnSpc>
-                          <a:spcPct val="115000"/>
-                        </a:lnSpc>
-                        <a:spcBef>
-                          <a:spcPts val="0"/>
-                        </a:spcBef>
-                        <a:buNone/>
-                      </a:pPr>
-                      <a:r>
-                        <a:rPr lang="uk" sz="1100">
-                          <a:latin typeface="Times New Roman"/>
-                          <a:ea typeface="Times New Roman"/>
-                          <a:cs typeface="Times New Roman"/>
-                          <a:sym typeface="Times New Roman"/>
-                        </a:rPr>
-                        <a:t>Які основні показники, пов’язані з більш ширшою метою?</a:t>
-                      </a:r>
-                    </a:p>
-                  </a:txBody>
-                  <a:tcPr marL="68575" marR="68575" marT="91425" marB="91425">
-                    <a:lnL w="12650" cap="flat" cmpd="sng">
-                      <a:solidFill>
-                        <a:srgbClr val="000000"/>
-                      </a:solidFill>
-                      <a:prstDash val="solid"/>
-                      <a:round/>
-                      <a:headEnd type="none" w="med" len="med"/>
-                      <a:tailEnd type="none" w="med" len="med"/>
-                    </a:lnL>
-                    <a:lnR w="12650" cap="flat" cmpd="sng">
-                      <a:solidFill>
-                        <a:srgbClr val="000000"/>
-                      </a:solidFill>
-                      <a:prstDash val="solid"/>
-                      <a:round/>
-                      <a:headEnd type="none" w="med" len="med"/>
-                      <a:tailEnd type="none" w="med" len="med"/>
-                    </a:lnR>
-                    <a:lnT w="12650" cap="flat" cmpd="sng">
-                      <a:solidFill>
-                        <a:srgbClr val="000000"/>
-                      </a:solidFill>
-                      <a:prstDash val="solid"/>
-                      <a:round/>
-                      <a:headEnd type="none" w="med" len="med"/>
-                      <a:tailEnd type="none" w="med" len="med"/>
-                    </a:lnT>
-                    <a:lnB w="12650" cap="flat" cmpd="sng">
-                      <a:solidFill>
-                        <a:srgbClr val="000000"/>
-                      </a:solidFill>
-                      <a:prstDash val="solid"/>
-                      <a:round/>
-                      <a:headEnd type="none" w="med" len="med"/>
-                      <a:tailEnd type="none" w="med" len="med"/>
-                    </a:lnB>
-                    <a:solidFill>
-                      <a:srgbClr val="C2D69B"/>
-                    </a:solidFill>
-                  </a:tcPr>
-                </a:tc>
-                <a:tc>
-                  <a:txBody>
-                    <a:bodyPr/>
-                    <a:lstStyle/>
-                    <a:p>
-                      <a:pPr marL="0" lvl="0" indent="0" rtl="0">
-                        <a:lnSpc>
-                          <a:spcPct val="115000"/>
-                        </a:lnSpc>
-                        <a:spcBef>
-                          <a:spcPts val="0"/>
-                        </a:spcBef>
-                        <a:buNone/>
-                      </a:pPr>
-                      <a:r>
-                        <a:rPr lang="uk" sz="1100">
-                          <a:latin typeface="Times New Roman"/>
-                          <a:ea typeface="Times New Roman"/>
-                          <a:cs typeface="Times New Roman"/>
-                          <a:sym typeface="Times New Roman"/>
-                        </a:rPr>
-                        <a:t>Які є джерела інформації за цими показниками?</a:t>
-                      </a:r>
-                    </a:p>
-                  </a:txBody>
-                  <a:tcPr marL="68575" marR="68575" marT="91425" marB="91425">
-                    <a:lnL w="12650" cap="flat" cmpd="sng">
-                      <a:solidFill>
-                        <a:srgbClr val="000000"/>
-                      </a:solidFill>
-                      <a:prstDash val="solid"/>
-                      <a:round/>
-                      <a:headEnd type="none" w="med" len="med"/>
-                      <a:tailEnd type="none" w="med" len="med"/>
-                    </a:lnL>
-                    <a:lnR w="12650" cap="flat" cmpd="sng">
-                      <a:solidFill>
-                        <a:srgbClr val="000000"/>
-                      </a:solidFill>
-                      <a:prstDash val="solid"/>
-                      <a:round/>
-                      <a:headEnd type="none" w="med" len="med"/>
-                      <a:tailEnd type="none" w="med" len="med"/>
-                    </a:lnR>
-                    <a:lnT w="12650" cap="flat" cmpd="sng">
-                      <a:solidFill>
-                        <a:srgbClr val="000000"/>
-                      </a:solidFill>
-                      <a:prstDash val="solid"/>
-                      <a:round/>
-                      <a:headEnd type="none" w="med" len="med"/>
-                      <a:tailEnd type="none" w="med" len="med"/>
-                    </a:lnT>
-                    <a:lnB w="12650" cap="flat" cmpd="sng">
-                      <a:solidFill>
-                        <a:srgbClr val="000000"/>
-                      </a:solidFill>
-                      <a:prstDash val="solid"/>
-                      <a:round/>
-                      <a:headEnd type="none" w="med" len="med"/>
-                      <a:tailEnd type="none" w="med" len="med"/>
-                    </a:lnB>
-                    <a:solidFill>
-                      <a:srgbClr val="C2D69B"/>
-                    </a:solidFill>
-                  </a:tcPr>
-                </a:tc>
-                <a:tc>
-                  <a:txBody>
-                    <a:bodyPr/>
-                    <a:lstStyle/>
-                    <a:p>
-                      <a:pPr marL="0" lvl="0" indent="0" rtl="0">
-                        <a:lnSpc>
-                          <a:spcPct val="115000"/>
-                        </a:lnSpc>
-                        <a:spcBef>
-                          <a:spcPts val="0"/>
-                        </a:spcBef>
-                        <a:buNone/>
-                      </a:pPr>
-                      <a:r>
-                        <a:rPr lang="uk" sz="1100">
-                          <a:latin typeface="Times New Roman"/>
-                          <a:ea typeface="Times New Roman"/>
-                          <a:cs typeface="Times New Roman"/>
-                          <a:sym typeface="Times New Roman"/>
-                        </a:rPr>
-                        <a:t> </a:t>
-                      </a:r>
-                    </a:p>
-                  </a:txBody>
-                  <a:tcPr marL="68575" marR="68575" marT="91425" marB="91425">
-                    <a:lnL w="12650" cap="flat" cmpd="sng">
-                      <a:solidFill>
-                        <a:srgbClr val="000000"/>
-                      </a:solidFill>
-                      <a:prstDash val="solid"/>
-                      <a:round/>
-                      <a:headEnd type="none" w="med" len="med"/>
-                      <a:tailEnd type="none" w="med" len="med"/>
-                    </a:lnL>
-                    <a:lnR w="12650" cap="flat" cmpd="sng">
-                      <a:solidFill>
-                        <a:srgbClr val="000000"/>
-                      </a:solidFill>
-                      <a:prstDash val="solid"/>
-                      <a:round/>
-                      <a:headEnd type="none" w="med" len="med"/>
-                      <a:tailEnd type="none" w="med" len="med"/>
-                    </a:lnR>
-                    <a:lnT w="12650" cap="flat" cmpd="sng">
-                      <a:solidFill>
-                        <a:srgbClr val="000000"/>
-                      </a:solidFill>
-                      <a:prstDash val="solid"/>
-                      <a:round/>
-                      <a:headEnd type="none" w="med" len="med"/>
-                      <a:tailEnd type="none" w="med" len="med"/>
-                    </a:lnT>
-                    <a:lnB w="12650" cap="flat" cmpd="sng">
-                      <a:solidFill>
-                        <a:srgbClr val="000000"/>
-                      </a:solidFill>
-                      <a:prstDash val="solid"/>
-                      <a:round/>
-                      <a:headEnd type="none" w="med" len="med"/>
-                      <a:tailEnd type="none" w="med" len="med"/>
-                    </a:lnB>
-                    <a:solidFill>
-                      <a:srgbClr val="C2D69B"/>
-                    </a:solidFill>
-                  </a:tcPr>
-                </a:tc>
-                <a:extLst>
-                  <a:ext uri="{0D108BD9-81ED-4DB2-BD59-A6C34878D82A}">
-                    <a16:rowId xmlns:a16="http://schemas.microsoft.com/office/drawing/2014/main" val="10001"/>
-                  </a:ext>
-                </a:extLst>
-              </a:tr>
-              <a:tr h="3211650">
-                <a:tc>
-                  <a:txBody>
-                    <a:bodyPr/>
-                    <a:lstStyle/>
-                    <a:p>
-                      <a:pPr marL="0" lvl="0" indent="0" rtl="0">
-                        <a:lnSpc>
-                          <a:spcPct val="115000"/>
-                        </a:lnSpc>
-                        <a:spcBef>
-                          <a:spcPts val="0"/>
-                        </a:spcBef>
-                        <a:buNone/>
-                      </a:pPr>
-                      <a:r>
-                        <a:rPr lang="uk" sz="1200" baseline="0" dirty="0" smtClean="0">
-                          <a:latin typeface="Times New Roman"/>
-                          <a:ea typeface="Times New Roman"/>
-                          <a:cs typeface="Times New Roman"/>
-                          <a:sym typeface="Times New Roman"/>
-                        </a:rPr>
-                        <a:t>Дослідження доцільності застосування алгоритму апріорі для аналізу великих даних</a:t>
-                      </a:r>
-                      <a:r>
-                        <a:rPr lang="uk-UA" sz="1200" baseline="0" dirty="0" smtClean="0">
-                          <a:latin typeface="Times New Roman"/>
-                          <a:ea typeface="Times New Roman"/>
-                          <a:cs typeface="Times New Roman"/>
-                          <a:sym typeface="Times New Roman"/>
-                        </a:rPr>
-                        <a:t>.</a:t>
-                      </a:r>
-                      <a:endParaRPr lang="uk" sz="1200" dirty="0">
-                        <a:latin typeface="Times New Roman"/>
-                        <a:ea typeface="Times New Roman"/>
-                        <a:cs typeface="Times New Roman"/>
-                        <a:sym typeface="Times New Roman"/>
-                      </a:endParaRPr>
-                    </a:p>
-                  </a:txBody>
-                  <a:tcPr marL="68575" marR="68575" marT="91425" marB="91425">
-                    <a:lnL w="12650" cap="flat" cmpd="sng">
-                      <a:solidFill>
-                        <a:srgbClr val="000000"/>
-                      </a:solidFill>
-                      <a:prstDash val="solid"/>
-                      <a:round/>
-                      <a:headEnd type="none" w="med" len="med"/>
-                      <a:tailEnd type="none" w="med" len="med"/>
-                    </a:lnL>
-                    <a:lnR w="12650" cap="flat" cmpd="sng">
-                      <a:solidFill>
-                        <a:srgbClr val="000000"/>
-                      </a:solidFill>
-                      <a:prstDash val="solid"/>
-                      <a:round/>
-                      <a:headEnd type="none" w="med" len="med"/>
-                      <a:tailEnd type="none" w="med" len="med"/>
-                    </a:lnR>
-                    <a:lnT w="12650" cap="flat" cmpd="sng">
-                      <a:solidFill>
-                        <a:srgbClr val="000000"/>
-                      </a:solidFill>
-                      <a:prstDash val="solid"/>
-                      <a:round/>
-                      <a:headEnd type="none" w="med" len="med"/>
-                      <a:tailEnd type="none" w="med" len="med"/>
-                    </a:lnT>
-                    <a:lnB w="12650" cap="flat" cmpd="sng">
-                      <a:solidFill>
-                        <a:srgbClr val="000000"/>
-                      </a:solidFill>
-                      <a:prstDash val="solid"/>
-                      <a:round/>
-                      <a:headEnd type="none" w="med" len="med"/>
-                      <a:tailEnd type="none" w="med" len="med"/>
-                    </a:lnB>
-                  </a:tcPr>
-                </a:tc>
-                <a:tc>
-                  <a:txBody>
-                    <a:bodyPr/>
-                    <a:lstStyle/>
-                    <a:p>
-                      <a:pPr marL="0" lvl="0" indent="0" rtl="0">
-                        <a:lnSpc>
-                          <a:spcPct val="115000"/>
-                        </a:lnSpc>
-                        <a:spcBef>
-                          <a:spcPts val="0"/>
-                        </a:spcBef>
-                        <a:buNone/>
-                      </a:pPr>
-                      <a:r>
-                        <a:rPr lang="uk" sz="1200" dirty="0" smtClean="0">
-                          <a:latin typeface="Times New Roman"/>
-                          <a:ea typeface="Times New Roman"/>
-                          <a:cs typeface="Times New Roman"/>
-                          <a:sym typeface="Times New Roman"/>
-                        </a:rPr>
-                        <a:t>Час і точність роботи алгоритму.</a:t>
-                      </a:r>
-                      <a:endParaRPr lang="uk" sz="1200" dirty="0">
-                        <a:latin typeface="Times New Roman"/>
-                        <a:ea typeface="Times New Roman"/>
-                        <a:cs typeface="Times New Roman"/>
-                        <a:sym typeface="Times New Roman"/>
-                      </a:endParaRPr>
-                    </a:p>
-                  </a:txBody>
-                  <a:tcPr marL="68575" marR="68575" marT="91425" marB="91425">
-                    <a:lnL w="12650" cap="flat" cmpd="sng">
-                      <a:solidFill>
-                        <a:srgbClr val="000000"/>
-                      </a:solidFill>
-                      <a:prstDash val="solid"/>
-                      <a:round/>
-                      <a:headEnd type="none" w="med" len="med"/>
-                      <a:tailEnd type="none" w="med" len="med"/>
-                    </a:lnL>
-                    <a:lnR w="12650" cap="flat" cmpd="sng">
-                      <a:solidFill>
-                        <a:srgbClr val="000000"/>
-                      </a:solidFill>
-                      <a:prstDash val="solid"/>
-                      <a:round/>
-                      <a:headEnd type="none" w="med" len="med"/>
-                      <a:tailEnd type="none" w="med" len="med"/>
-                    </a:lnR>
-                    <a:lnT w="12650" cap="flat" cmpd="sng">
-                      <a:solidFill>
-                        <a:srgbClr val="000000"/>
-                      </a:solidFill>
-                      <a:prstDash val="solid"/>
-                      <a:round/>
-                      <a:headEnd type="none" w="med" len="med"/>
-                      <a:tailEnd type="none" w="med" len="med"/>
-                    </a:lnT>
-                    <a:lnB w="12650" cap="flat" cmpd="sng">
-                      <a:solidFill>
-                        <a:srgbClr val="000000"/>
-                      </a:solidFill>
-                      <a:prstDash val="solid"/>
-                      <a:round/>
-                      <a:headEnd type="none" w="med" len="med"/>
-                      <a:tailEnd type="none" w="med" len="med"/>
-                    </a:lnB>
-                  </a:tcPr>
-                </a:tc>
-                <a:tc>
-                  <a:txBody>
-                    <a:bodyPr/>
-                    <a:lstStyle/>
-                    <a:p>
-                      <a:pPr marL="0" lvl="0" indent="0" rtl="0">
-                        <a:lnSpc>
-                          <a:spcPct val="115000"/>
-                        </a:lnSpc>
-                        <a:spcBef>
-                          <a:spcPts val="0"/>
-                        </a:spcBef>
-                        <a:buNone/>
-                      </a:pPr>
-                      <a:r>
-                        <a:rPr lang="uk-UA" sz="1200" dirty="0" smtClean="0">
-                          <a:latin typeface="Times New Roman"/>
-                          <a:ea typeface="Times New Roman"/>
-                          <a:cs typeface="Times New Roman"/>
-                          <a:sym typeface="Times New Roman"/>
-                        </a:rPr>
-                        <a:t>Наукова</a:t>
-                      </a:r>
-                      <a:r>
-                        <a:rPr lang="uk-UA" sz="1200" baseline="0" dirty="0" smtClean="0">
-                          <a:latin typeface="Times New Roman"/>
-                          <a:ea typeface="Times New Roman"/>
-                          <a:cs typeface="Times New Roman"/>
-                          <a:sym typeface="Times New Roman"/>
-                        </a:rPr>
-                        <a:t> стаття</a:t>
-                      </a:r>
-                      <a:endParaRPr lang="uk" sz="1200" dirty="0">
-                        <a:latin typeface="Times New Roman"/>
-                        <a:ea typeface="Times New Roman"/>
-                        <a:cs typeface="Times New Roman"/>
-                        <a:sym typeface="Times New Roman"/>
-                      </a:endParaRPr>
-                    </a:p>
-                  </a:txBody>
-                  <a:tcPr marL="68575" marR="68575" marT="91425" marB="91425">
-                    <a:lnL w="12650" cap="flat" cmpd="sng">
-                      <a:solidFill>
-                        <a:srgbClr val="000000"/>
-                      </a:solidFill>
-                      <a:prstDash val="solid"/>
-                      <a:round/>
-                      <a:headEnd type="none" w="med" len="med"/>
-                      <a:tailEnd type="none" w="med" len="med"/>
-                    </a:lnL>
-                    <a:lnR w="12650" cap="flat" cmpd="sng">
-                      <a:solidFill>
-                        <a:srgbClr val="000000"/>
-                      </a:solidFill>
-                      <a:prstDash val="solid"/>
-                      <a:round/>
-                      <a:headEnd type="none" w="med" len="med"/>
-                      <a:tailEnd type="none" w="med" len="med"/>
-                    </a:lnR>
-                    <a:lnT w="12650" cap="flat" cmpd="sng">
-                      <a:solidFill>
-                        <a:srgbClr val="000000"/>
-                      </a:solidFill>
-                      <a:prstDash val="solid"/>
-                      <a:round/>
-                      <a:headEnd type="none" w="med" len="med"/>
-                      <a:tailEnd type="none" w="med" len="med"/>
-                    </a:lnT>
-                    <a:lnB w="12650" cap="flat" cmpd="sng">
-                      <a:solidFill>
-                        <a:srgbClr val="000000"/>
-                      </a:solidFill>
-                      <a:prstDash val="solid"/>
-                      <a:round/>
-                      <a:headEnd type="none" w="med" len="med"/>
-                      <a:tailEnd type="none" w="med" len="med"/>
-                    </a:lnB>
-                  </a:tcPr>
-                </a:tc>
-                <a:tc>
-                  <a:txBody>
-                    <a:bodyPr/>
-                    <a:lstStyle/>
-                    <a:p>
-                      <a:pPr marL="0" marR="0" lvl="0" indent="0" algn="l" defTabSz="914400" rtl="0" eaLnBrk="1" fontAlgn="auto" latinLnBrk="0" hangingPunct="1">
-                        <a:lnSpc>
-                          <a:spcPct val="115000"/>
-                        </a:lnSpc>
-                        <a:spcBef>
-                          <a:spcPts val="0"/>
-                        </a:spcBef>
-                        <a:spcAft>
-                          <a:spcPts val="0"/>
-                        </a:spcAft>
-                        <a:buClrTx/>
-                        <a:buSzTx/>
-                        <a:buFontTx/>
-                        <a:buNone/>
-                        <a:tabLst/>
-                        <a:defRPr/>
-                      </a:pPr>
-                      <a:r>
-                        <a:rPr lang="uk" sz="1200" dirty="0">
-                          <a:latin typeface="Times New Roman"/>
-                          <a:ea typeface="Times New Roman"/>
-                          <a:cs typeface="Times New Roman"/>
-                          <a:sym typeface="Times New Roman"/>
-                        </a:rPr>
-                        <a:t> </a:t>
-                      </a:r>
-                    </a:p>
-                  </a:txBody>
-                  <a:tcPr marL="68575" marR="68575" marT="91425" marB="91425">
-                    <a:lnL w="12650" cap="flat" cmpd="sng">
-                      <a:solidFill>
-                        <a:srgbClr val="000000"/>
-                      </a:solidFill>
-                      <a:prstDash val="solid"/>
-                      <a:round/>
-                      <a:headEnd type="none" w="med" len="med"/>
-                      <a:tailEnd type="none" w="med" len="med"/>
-                    </a:lnL>
-                    <a:lnR w="12650" cap="flat" cmpd="sng">
-                      <a:solidFill>
-                        <a:srgbClr val="000000"/>
-                      </a:solidFill>
-                      <a:prstDash val="solid"/>
-                      <a:round/>
-                      <a:headEnd type="none" w="med" len="med"/>
-                      <a:tailEnd type="none" w="med" len="med"/>
-                    </a:lnR>
-                    <a:lnT w="12650" cap="flat" cmpd="sng">
-                      <a:solidFill>
-                        <a:srgbClr val="000000"/>
-                      </a:solidFill>
-                      <a:prstDash val="solid"/>
-                      <a:round/>
-                      <a:headEnd type="none" w="med" len="med"/>
-                      <a:tailEnd type="none" w="med" len="med"/>
-                    </a:lnT>
-                    <a:lnB w="12650" cap="flat" cmpd="sng">
-                      <a:solidFill>
-                        <a:srgbClr val="000000"/>
-                      </a:solidFill>
-                      <a:prstDash val="solid"/>
-                      <a:round/>
-                      <a:headEnd type="none" w="med" len="med"/>
-                      <a:tailEnd type="none" w="med" len="med"/>
-                    </a:lnB>
-                  </a:tcPr>
-                </a:tc>
-                <a:extLst>
-                  <a:ext uri="{0D108BD9-81ED-4DB2-BD59-A6C34878D82A}">
-                    <a16:rowId xmlns:a16="http://schemas.microsoft.com/office/drawing/2014/main" val="10002"/>
-                  </a:ext>
-                </a:extLst>
-              </a:tr>
-            </a:tbl>
-          </a:graphicData>
-        </a:graphic>
-      </p:graphicFrame>
     </p:spTree>
+    <p:extLst>
+      <p:ext uri="{BB962C8B-B14F-4D97-AF65-F5344CB8AC3E}">
+        <p14:creationId xmlns:p14="http://schemas.microsoft.com/office/powerpoint/2010/main" val="1868316812"/>
+      </p:ext>
+    </p:extLst>
   </p:cSld>
   <p:clrMapOvr>
     <a:masterClrMapping/>
@@ -16481,7 +15434,7 @@
   <p:cSld>
     <p:spTree>
       <p:nvGrpSpPr>
-        <p:cNvPr id="1" name="Shape 331"/>
+        <p:cNvPr id="1" name="Shape 317"/>
         <p:cNvGrpSpPr/>
         <p:nvPr/>
       </p:nvGrpSpPr>
@@ -16495,7 +15448,7 @@
       </p:grpSpPr>
       <p:sp>
         <p:nvSpPr>
-          <p:cNvPr id="332" name="Shape 332"/>
+          <p:cNvPr id="318" name="Shape 318"/>
           <p:cNvSpPr txBox="1">
             <a:spLocks noGrp="1"/>
           </p:cNvSpPr>
@@ -16505,46 +15458,84 @@
         </p:nvSpPr>
         <p:spPr>
           <a:xfrm>
-            <a:off x="1272700" y="28225"/>
-            <a:ext cx="7030500" cy="614700"/>
+            <a:off x="1303800" y="598575"/>
+            <a:ext cx="7030500" cy="999300"/>
           </a:xfrm>
           <a:prstGeom prst="rect">
             <a:avLst/>
           </a:prstGeom>
         </p:spPr>
         <p:txBody>
-          <a:bodyPr wrap="square" lIns="91425" tIns="91425" rIns="91425" bIns="91425" anchor="ctr" anchorCtr="0">
+          <a:bodyPr wrap="square" lIns="91425" tIns="91425" rIns="91425" bIns="91425" anchor="t" anchorCtr="0">
             <a:noAutofit/>
           </a:bodyPr>
           <a:lstStyle/>
           <a:p>
-            <a:pPr marL="0" lvl="0" indent="0" rtl="0">
-              <a:lnSpc>
-                <a:spcPct val="100000"/>
-              </a:lnSpc>
+            <a:pPr marL="0" lvl="0" indent="0">
               <a:spcBef>
                 <a:spcPts val="0"/>
               </a:spcBef>
               <a:buNone/>
             </a:pPr>
             <a:r>
-              <a:rPr lang="uk" sz="2400">
-                <a:solidFill>
-                  <a:srgbClr val="000000"/>
-                </a:solidFill>
-                <a:latin typeface="Times New Roman"/>
-                <a:ea typeface="Times New Roman"/>
-                <a:cs typeface="Times New Roman"/>
-                <a:sym typeface="Times New Roman"/>
-              </a:rPr>
-              <a:t>Логіко-структурна матриця(2)</a:t>
+              <a:rPr lang="uk" dirty="0" smtClean="0"/>
+              <a:t>Запропоновані модифікації</a:t>
             </a:r>
+            <a:endParaRPr lang="uk" dirty="0"/>
           </a:p>
         </p:txBody>
       </p:sp>
       <p:sp>
         <p:nvSpPr>
-          <p:cNvPr id="333" name="Shape 333"/>
+          <p:cNvPr id="319" name="Shape 319"/>
+          <p:cNvSpPr txBox="1">
+            <a:spLocks noGrp="1"/>
+          </p:cNvSpPr>
+          <p:nvPr>
+            <p:ph type="body" idx="1"/>
+          </p:nvPr>
+        </p:nvSpPr>
+        <p:spPr>
+          <a:xfrm>
+            <a:off x="1189725" y="1647850"/>
+            <a:ext cx="7030500" cy="2541600"/>
+          </a:xfrm>
+          <a:prstGeom prst="rect">
+            <a:avLst/>
+          </a:prstGeom>
+        </p:spPr>
+        <p:txBody>
+          <a:bodyPr wrap="square" lIns="91425" tIns="91425" rIns="91425" bIns="91425" anchor="t" anchorCtr="0">
+            <a:noAutofit/>
+          </a:bodyPr>
+          <a:lstStyle/>
+          <a:p>
+            <a:pPr lvl="0">
+              <a:buNone/>
+            </a:pPr>
+            <a:r>
+              <a:rPr lang="uk-UA" dirty="0"/>
+              <a:t>Додати ще одну характеристику асоціативних правил Ліфт (англ. lift) - це відношення частоти появи умови в транзакціях, які містять й умову, і наслідок, до частоти появи наслідку в цілому</a:t>
+            </a:r>
+            <a:r>
+              <a:rPr lang="uk-UA" dirty="0" smtClean="0"/>
+              <a:t>. </a:t>
+            </a:r>
+            <a:r>
+              <a:rPr lang="uk-UA" dirty="0"/>
+              <a:t>Обраховуючи Ліфт на кожному кроці алгоритму можна здійснити більше відсікання абсурдних або випадкових груп правил, отже швидкість алгоритму повинна зрости адже не потрібно здійснювати наступні кроки по вже відкинутих правилах</a:t>
+            </a:r>
+            <a:r>
+              <a:rPr lang="uk-UA" dirty="0" smtClean="0"/>
+              <a:t>.</a:t>
+            </a:r>
+            <a:endParaRPr lang="en-US" dirty="0" smtClean="0"/>
+          </a:p>
+        </p:txBody>
+      </p:sp>
+      <p:sp>
+        <p:nvSpPr>
+          <p:cNvPr id="320" name="Shape 320"/>
           <p:cNvSpPr txBox="1">
             <a:spLocks noGrp="1"/>
           </p:cNvSpPr>
@@ -16567,10 +15558,7 @@
           </a:bodyPr>
           <a:lstStyle/>
           <a:p>
-            <a:pPr marL="0" lvl="0" indent="0" rtl="0">
-              <a:lnSpc>
-                <a:spcPct val="100000"/>
-              </a:lnSpc>
+            <a:pPr marL="0" lvl="0" indent="0">
               <a:spcBef>
                 <a:spcPts val="0"/>
               </a:spcBef>
@@ -16584,1127 +15572,12 @@
           </a:p>
         </p:txBody>
       </p:sp>
-      <p:graphicFrame>
-        <p:nvGraphicFramePr>
-          <p:cNvPr id="334" name="Shape 334"/>
-          <p:cNvGraphicFramePr/>
-          <p:nvPr>
-            <p:extLst>
-              <p:ext uri="{D42A27DB-BD31-4B8C-83A1-F6EECF244321}">
-                <p14:modId xmlns:p14="http://schemas.microsoft.com/office/powerpoint/2010/main" val="2920064599"/>
-              </p:ext>
-            </p:extLst>
-          </p:nvPr>
-        </p:nvGraphicFramePr>
-        <p:xfrm>
-          <a:off x="24375" y="662700"/>
-          <a:ext cx="9074525" cy="4357600"/>
-        </p:xfrm>
-        <a:graphic>
-          <a:graphicData uri="http://schemas.openxmlformats.org/drawingml/2006/table">
-            <a:tbl>
-              <a:tblPr>
-                <a:noFill/>
-                <a:tableStyleId>{344513D4-3CC4-4AE7-BB52-9E0CC6B0FADD}</a:tableStyleId>
-              </a:tblPr>
-              <a:tblGrid>
-                <a:gridCol w="2074175">
-                  <a:extLst>
-                    <a:ext uri="{9D8B030D-6E8A-4147-A177-3AD203B41FA5}">
-                      <a16:colId xmlns:a16="http://schemas.microsoft.com/office/drawing/2014/main" val="20000"/>
-                    </a:ext>
-                  </a:extLst>
-                </a:gridCol>
-                <a:gridCol w="2146775">
-                  <a:extLst>
-                    <a:ext uri="{9D8B030D-6E8A-4147-A177-3AD203B41FA5}">
-                      <a16:colId xmlns:a16="http://schemas.microsoft.com/office/drawing/2014/main" val="20001"/>
-                    </a:ext>
-                  </a:extLst>
-                </a:gridCol>
-                <a:gridCol w="2706800">
-                  <a:extLst>
-                    <a:ext uri="{9D8B030D-6E8A-4147-A177-3AD203B41FA5}">
-                      <a16:colId xmlns:a16="http://schemas.microsoft.com/office/drawing/2014/main" val="20002"/>
-                    </a:ext>
-                  </a:extLst>
-                </a:gridCol>
-                <a:gridCol w="2146775">
-                  <a:extLst>
-                    <a:ext uri="{9D8B030D-6E8A-4147-A177-3AD203B41FA5}">
-                      <a16:colId xmlns:a16="http://schemas.microsoft.com/office/drawing/2014/main" val="20003"/>
-                    </a:ext>
-                  </a:extLst>
-                </a:gridCol>
-              </a:tblGrid>
-              <a:tr h="368300">
-                <a:tc>
-                  <a:txBody>
-                    <a:bodyPr/>
-                    <a:lstStyle/>
-                    <a:p>
-                      <a:pPr marL="0" lvl="0" indent="0" rtl="0">
-                        <a:lnSpc>
-                          <a:spcPct val="100000"/>
-                        </a:lnSpc>
-                        <a:spcBef>
-                          <a:spcPts val="0"/>
-                        </a:spcBef>
-                        <a:buNone/>
-                      </a:pPr>
-                      <a:r>
-                        <a:rPr lang="uk" sz="1200" dirty="0">
-                          <a:latin typeface="Times New Roman"/>
-                          <a:ea typeface="Times New Roman"/>
-                          <a:cs typeface="Times New Roman"/>
-                          <a:sym typeface="Times New Roman"/>
-                        </a:rPr>
-                        <a:t>Конкретні цілі.</a:t>
-                      </a:r>
-                    </a:p>
-                  </a:txBody>
-                  <a:tcPr marL="68575" marR="68575" marT="91425" marB="91425">
-                    <a:lnL w="12650" cap="flat" cmpd="sng">
-                      <a:solidFill>
-                        <a:srgbClr val="000000"/>
-                      </a:solidFill>
-                      <a:prstDash val="solid"/>
-                      <a:round/>
-                      <a:headEnd type="none" w="med" len="med"/>
-                      <a:tailEnd type="none" w="med" len="med"/>
-                    </a:lnL>
-                    <a:lnR w="12650" cap="flat" cmpd="sng">
-                      <a:solidFill>
-                        <a:srgbClr val="000000"/>
-                      </a:solidFill>
-                      <a:prstDash val="solid"/>
-                      <a:round/>
-                      <a:headEnd type="none" w="med" len="med"/>
-                      <a:tailEnd type="none" w="med" len="med"/>
-                    </a:lnR>
-                    <a:lnT w="12650" cap="flat" cmpd="sng">
-                      <a:solidFill>
-                        <a:srgbClr val="000000"/>
-                      </a:solidFill>
-                      <a:prstDash val="solid"/>
-                      <a:round/>
-                      <a:headEnd type="none" w="med" len="med"/>
-                      <a:tailEnd type="none" w="med" len="med"/>
-                    </a:lnT>
-                    <a:lnB w="12650" cap="flat" cmpd="sng">
-                      <a:solidFill>
-                        <a:srgbClr val="000000"/>
-                      </a:solidFill>
-                      <a:prstDash val="solid"/>
-                      <a:round/>
-                      <a:headEnd type="none" w="med" len="med"/>
-                      <a:tailEnd type="none" w="med" len="med"/>
-                    </a:lnB>
-                    <a:solidFill>
-                      <a:srgbClr val="FABF8F"/>
-                    </a:solidFill>
-                  </a:tcPr>
-                </a:tc>
-                <a:tc>
-                  <a:txBody>
-                    <a:bodyPr/>
-                    <a:lstStyle/>
-                    <a:p>
-                      <a:pPr marL="0" lvl="0" indent="0" rtl="0">
-                        <a:lnSpc>
-                          <a:spcPct val="100000"/>
-                        </a:lnSpc>
-                        <a:spcBef>
-                          <a:spcPts val="0"/>
-                        </a:spcBef>
-                        <a:buNone/>
-                      </a:pPr>
-                      <a:r>
-                        <a:rPr lang="uk" sz="1200">
-                          <a:latin typeface="Times New Roman"/>
-                          <a:ea typeface="Times New Roman"/>
-                          <a:cs typeface="Times New Roman"/>
-                          <a:sym typeface="Times New Roman"/>
-                        </a:rPr>
-                        <a:t>Показники прогресу.</a:t>
-                      </a:r>
-                    </a:p>
-                  </a:txBody>
-                  <a:tcPr marL="68575" marR="68575" marT="91425" marB="91425">
-                    <a:lnL w="12650" cap="flat" cmpd="sng">
-                      <a:solidFill>
-                        <a:srgbClr val="000000"/>
-                      </a:solidFill>
-                      <a:prstDash val="solid"/>
-                      <a:round/>
-                      <a:headEnd type="none" w="med" len="med"/>
-                      <a:tailEnd type="none" w="med" len="med"/>
-                    </a:lnL>
-                    <a:lnR w="12650" cap="flat" cmpd="sng">
-                      <a:solidFill>
-                        <a:srgbClr val="000000"/>
-                      </a:solidFill>
-                      <a:prstDash val="solid"/>
-                      <a:round/>
-                      <a:headEnd type="none" w="med" len="med"/>
-                      <a:tailEnd type="none" w="med" len="med"/>
-                    </a:lnR>
-                    <a:lnT w="12650" cap="flat" cmpd="sng">
-                      <a:solidFill>
-                        <a:srgbClr val="000000"/>
-                      </a:solidFill>
-                      <a:prstDash val="solid"/>
-                      <a:round/>
-                      <a:headEnd type="none" w="med" len="med"/>
-                      <a:tailEnd type="none" w="med" len="med"/>
-                    </a:lnT>
-                    <a:lnB w="12650" cap="flat" cmpd="sng">
-                      <a:solidFill>
-                        <a:srgbClr val="000000"/>
-                      </a:solidFill>
-                      <a:prstDash val="solid"/>
-                      <a:round/>
-                      <a:headEnd type="none" w="med" len="med"/>
-                      <a:tailEnd type="none" w="med" len="med"/>
-                    </a:lnB>
-                    <a:solidFill>
-                      <a:srgbClr val="FABF8F"/>
-                    </a:solidFill>
-                  </a:tcPr>
-                </a:tc>
-                <a:tc>
-                  <a:txBody>
-                    <a:bodyPr/>
-                    <a:lstStyle/>
-                    <a:p>
-                      <a:pPr marL="0" lvl="0" indent="0" rtl="0">
-                        <a:lnSpc>
-                          <a:spcPct val="100000"/>
-                        </a:lnSpc>
-                        <a:spcBef>
-                          <a:spcPts val="0"/>
-                        </a:spcBef>
-                        <a:buNone/>
-                      </a:pPr>
-                      <a:r>
-                        <a:rPr lang="uk" sz="1200">
-                          <a:latin typeface="Times New Roman"/>
-                          <a:ea typeface="Times New Roman"/>
-                          <a:cs typeface="Times New Roman"/>
-                          <a:sym typeface="Times New Roman"/>
-                        </a:rPr>
-                        <a:t>Як оцінювати показники.</a:t>
-                      </a:r>
-                    </a:p>
-                  </a:txBody>
-                  <a:tcPr marL="68575" marR="68575" marT="91425" marB="91425">
-                    <a:lnL w="12650" cap="flat" cmpd="sng">
-                      <a:solidFill>
-                        <a:srgbClr val="000000"/>
-                      </a:solidFill>
-                      <a:prstDash val="solid"/>
-                      <a:round/>
-                      <a:headEnd type="none" w="med" len="med"/>
-                      <a:tailEnd type="none" w="med" len="med"/>
-                    </a:lnL>
-                    <a:lnR w="12650" cap="flat" cmpd="sng">
-                      <a:solidFill>
-                        <a:srgbClr val="000000"/>
-                      </a:solidFill>
-                      <a:prstDash val="solid"/>
-                      <a:round/>
-                      <a:headEnd type="none" w="med" len="med"/>
-                      <a:tailEnd type="none" w="med" len="med"/>
-                    </a:lnR>
-                    <a:lnT w="12650" cap="flat" cmpd="sng">
-                      <a:solidFill>
-                        <a:srgbClr val="000000"/>
-                      </a:solidFill>
-                      <a:prstDash val="solid"/>
-                      <a:round/>
-                      <a:headEnd type="none" w="med" len="med"/>
-                      <a:tailEnd type="none" w="med" len="med"/>
-                    </a:lnT>
-                    <a:lnB w="12650" cap="flat" cmpd="sng">
-                      <a:solidFill>
-                        <a:srgbClr val="000000"/>
-                      </a:solidFill>
-                      <a:prstDash val="solid"/>
-                      <a:round/>
-                      <a:headEnd type="none" w="med" len="med"/>
-                      <a:tailEnd type="none" w="med" len="med"/>
-                    </a:lnB>
-                    <a:solidFill>
-                      <a:srgbClr val="FABF8F"/>
-                    </a:solidFill>
-                  </a:tcPr>
-                </a:tc>
-                <a:tc>
-                  <a:txBody>
-                    <a:bodyPr/>
-                    <a:lstStyle/>
-                    <a:p>
-                      <a:pPr marL="0" lvl="0" indent="0" rtl="0">
-                        <a:lnSpc>
-                          <a:spcPct val="100000"/>
-                        </a:lnSpc>
-                        <a:spcBef>
-                          <a:spcPts val="0"/>
-                        </a:spcBef>
-                        <a:buNone/>
-                      </a:pPr>
-                      <a:r>
-                        <a:rPr lang="uk" sz="1200" dirty="0">
-                          <a:latin typeface="Times New Roman"/>
-                          <a:ea typeface="Times New Roman"/>
-                          <a:cs typeface="Times New Roman"/>
-                          <a:sym typeface="Times New Roman"/>
-                        </a:rPr>
-                        <a:t>Припущення та ризики.</a:t>
-                      </a:r>
-                    </a:p>
-                  </a:txBody>
-                  <a:tcPr marL="68575" marR="68575" marT="91425" marB="91425">
-                    <a:lnL w="12650" cap="flat" cmpd="sng">
-                      <a:solidFill>
-                        <a:srgbClr val="000000"/>
-                      </a:solidFill>
-                      <a:prstDash val="solid"/>
-                      <a:round/>
-                      <a:headEnd type="none" w="med" len="med"/>
-                      <a:tailEnd type="none" w="med" len="med"/>
-                    </a:lnL>
-                    <a:lnR w="12650" cap="flat" cmpd="sng">
-                      <a:solidFill>
-                        <a:srgbClr val="000000"/>
-                      </a:solidFill>
-                      <a:prstDash val="solid"/>
-                      <a:round/>
-                      <a:headEnd type="none" w="med" len="med"/>
-                      <a:tailEnd type="none" w="med" len="med"/>
-                    </a:lnR>
-                    <a:lnT w="12650" cap="flat" cmpd="sng">
-                      <a:solidFill>
-                        <a:srgbClr val="000000"/>
-                      </a:solidFill>
-                      <a:prstDash val="solid"/>
-                      <a:round/>
-                      <a:headEnd type="none" w="med" len="med"/>
-                      <a:tailEnd type="none" w="med" len="med"/>
-                    </a:lnT>
-                    <a:lnB w="12650" cap="flat" cmpd="sng">
-                      <a:solidFill>
-                        <a:srgbClr val="000000"/>
-                      </a:solidFill>
-                      <a:prstDash val="solid"/>
-                      <a:round/>
-                      <a:headEnd type="none" w="med" len="med"/>
-                      <a:tailEnd type="none" w="med" len="med"/>
-                    </a:lnB>
-                    <a:solidFill>
-                      <a:srgbClr val="FABF8F"/>
-                    </a:solidFill>
-                  </a:tcPr>
-                </a:tc>
-                <a:extLst>
-                  <a:ext uri="{0D108BD9-81ED-4DB2-BD59-A6C34878D82A}">
-                    <a16:rowId xmlns:a16="http://schemas.microsoft.com/office/drawing/2014/main" val="10000"/>
-                  </a:ext>
-                </a:extLst>
-              </a:tr>
-              <a:tr h="1244400">
-                <a:tc>
-                  <a:txBody>
-                    <a:bodyPr/>
-                    <a:lstStyle/>
-                    <a:p>
-                      <a:pPr marL="0" lvl="0" indent="0" rtl="0">
-                        <a:lnSpc>
-                          <a:spcPct val="100000"/>
-                        </a:lnSpc>
-                        <a:spcBef>
-                          <a:spcPts val="0"/>
-                        </a:spcBef>
-                        <a:buNone/>
-                      </a:pPr>
-                      <a:r>
-                        <a:rPr lang="uk" sz="1100">
-                          <a:latin typeface="Times New Roman"/>
-                          <a:ea typeface="Times New Roman"/>
-                          <a:cs typeface="Times New Roman"/>
-                          <a:sym typeface="Times New Roman"/>
-                        </a:rPr>
-                        <a:t>Які є особливі цілі, які досягне проект?</a:t>
-                      </a:r>
-                    </a:p>
-                  </a:txBody>
-                  <a:tcPr marL="68575" marR="68575" marT="91425" marB="91425">
-                    <a:lnL w="12650" cap="flat" cmpd="sng">
-                      <a:solidFill>
-                        <a:srgbClr val="000000"/>
-                      </a:solidFill>
-                      <a:prstDash val="solid"/>
-                      <a:round/>
-                      <a:headEnd type="none" w="med" len="med"/>
-                      <a:tailEnd type="none" w="med" len="med"/>
-                    </a:lnL>
-                    <a:lnR w="12650" cap="flat" cmpd="sng">
-                      <a:solidFill>
-                        <a:srgbClr val="000000"/>
-                      </a:solidFill>
-                      <a:prstDash val="solid"/>
-                      <a:round/>
-                      <a:headEnd type="none" w="med" len="med"/>
-                      <a:tailEnd type="none" w="med" len="med"/>
-                    </a:lnR>
-                    <a:lnT w="12650" cap="flat" cmpd="sng">
-                      <a:solidFill>
-                        <a:srgbClr val="000000"/>
-                      </a:solidFill>
-                      <a:prstDash val="solid"/>
-                      <a:round/>
-                      <a:headEnd type="none" w="med" len="med"/>
-                      <a:tailEnd type="none" w="med" len="med"/>
-                    </a:lnT>
-                    <a:lnB w="12650" cap="flat" cmpd="sng">
-                      <a:solidFill>
-                        <a:srgbClr val="000000"/>
-                      </a:solidFill>
-                      <a:prstDash val="solid"/>
-                      <a:round/>
-                      <a:headEnd type="none" w="med" len="med"/>
-                      <a:tailEnd type="none" w="med" len="med"/>
-                    </a:lnB>
-                    <a:solidFill>
-                      <a:srgbClr val="C2D69B"/>
-                    </a:solidFill>
-                  </a:tcPr>
-                </a:tc>
-                <a:tc>
-                  <a:txBody>
-                    <a:bodyPr/>
-                    <a:lstStyle/>
-                    <a:p>
-                      <a:pPr marL="0" lvl="0" indent="0" rtl="0">
-                        <a:lnSpc>
-                          <a:spcPct val="100000"/>
-                        </a:lnSpc>
-                        <a:spcBef>
-                          <a:spcPts val="0"/>
-                        </a:spcBef>
-                        <a:buNone/>
-                      </a:pPr>
-                      <a:r>
-                        <a:rPr lang="uk" sz="1100" dirty="0">
-                          <a:latin typeface="Times New Roman"/>
-                          <a:ea typeface="Times New Roman"/>
-                          <a:cs typeface="Times New Roman"/>
-                          <a:sym typeface="Times New Roman"/>
-                        </a:rPr>
-                        <a:t>Які є кількісні та  якісні індикатори, що показують чи та якою мірою конкретні цілі проекту  буде досягнуто?</a:t>
-                      </a:r>
-                    </a:p>
-                  </a:txBody>
-                  <a:tcPr marL="68575" marR="68575" marT="91425" marB="91425">
-                    <a:lnL w="12650" cap="flat" cmpd="sng">
-                      <a:solidFill>
-                        <a:srgbClr val="000000"/>
-                      </a:solidFill>
-                      <a:prstDash val="solid"/>
-                      <a:round/>
-                      <a:headEnd type="none" w="med" len="med"/>
-                      <a:tailEnd type="none" w="med" len="med"/>
-                    </a:lnL>
-                    <a:lnR w="12650" cap="flat" cmpd="sng">
-                      <a:solidFill>
-                        <a:srgbClr val="000000"/>
-                      </a:solidFill>
-                      <a:prstDash val="solid"/>
-                      <a:round/>
-                      <a:headEnd type="none" w="med" len="med"/>
-                      <a:tailEnd type="none" w="med" len="med"/>
-                    </a:lnR>
-                    <a:lnT w="12650" cap="flat" cmpd="sng">
-                      <a:solidFill>
-                        <a:srgbClr val="000000"/>
-                      </a:solidFill>
-                      <a:prstDash val="solid"/>
-                      <a:round/>
-                      <a:headEnd type="none" w="med" len="med"/>
-                      <a:tailEnd type="none" w="med" len="med"/>
-                    </a:lnT>
-                    <a:lnB w="12650" cap="flat" cmpd="sng">
-                      <a:solidFill>
-                        <a:srgbClr val="000000"/>
-                      </a:solidFill>
-                      <a:prstDash val="solid"/>
-                      <a:round/>
-                      <a:headEnd type="none" w="med" len="med"/>
-                      <a:tailEnd type="none" w="med" len="med"/>
-                    </a:lnB>
-                    <a:solidFill>
-                      <a:srgbClr val="C2D69B"/>
-                    </a:solidFill>
-                  </a:tcPr>
-                </a:tc>
-                <a:tc>
-                  <a:txBody>
-                    <a:bodyPr/>
-                    <a:lstStyle/>
-                    <a:p>
-                      <a:pPr marL="0" lvl="0" indent="0" rtl="0">
-                        <a:lnSpc>
-                          <a:spcPct val="100000"/>
-                        </a:lnSpc>
-                        <a:spcBef>
-                          <a:spcPts val="0"/>
-                        </a:spcBef>
-                        <a:buNone/>
-                      </a:pPr>
-                      <a:r>
-                        <a:rPr lang="uk" sz="1100">
-                          <a:latin typeface="Times New Roman"/>
-                          <a:ea typeface="Times New Roman"/>
-                          <a:cs typeface="Times New Roman"/>
-                          <a:sym typeface="Times New Roman"/>
-                        </a:rPr>
-                        <a:t>Які джерела інформації існують і які можуть бути  зібрані? Які методи  є необхідні для отримання цієї інформації?</a:t>
-                      </a:r>
-                    </a:p>
-                  </a:txBody>
-                  <a:tcPr marL="68575" marR="68575" marT="91425" marB="91425">
-                    <a:lnL w="12650" cap="flat" cmpd="sng">
-                      <a:solidFill>
-                        <a:srgbClr val="000000"/>
-                      </a:solidFill>
-                      <a:prstDash val="solid"/>
-                      <a:round/>
-                      <a:headEnd type="none" w="med" len="med"/>
-                      <a:tailEnd type="none" w="med" len="med"/>
-                    </a:lnL>
-                    <a:lnR w="12650" cap="flat" cmpd="sng">
-                      <a:solidFill>
-                        <a:srgbClr val="000000"/>
-                      </a:solidFill>
-                      <a:prstDash val="solid"/>
-                      <a:round/>
-                      <a:headEnd type="none" w="med" len="med"/>
-                      <a:tailEnd type="none" w="med" len="med"/>
-                    </a:lnR>
-                    <a:lnT w="12650" cap="flat" cmpd="sng">
-                      <a:solidFill>
-                        <a:srgbClr val="000000"/>
-                      </a:solidFill>
-                      <a:prstDash val="solid"/>
-                      <a:round/>
-                      <a:headEnd type="none" w="med" len="med"/>
-                      <a:tailEnd type="none" w="med" len="med"/>
-                    </a:lnT>
-                    <a:lnB w="12650" cap="flat" cmpd="sng">
-                      <a:solidFill>
-                        <a:srgbClr val="000000"/>
-                      </a:solidFill>
-                      <a:prstDash val="solid"/>
-                      <a:round/>
-                      <a:headEnd type="none" w="med" len="med"/>
-                      <a:tailEnd type="none" w="med" len="med"/>
-                    </a:lnB>
-                    <a:solidFill>
-                      <a:srgbClr val="C2D69B"/>
-                    </a:solidFill>
-                  </a:tcPr>
-                </a:tc>
-                <a:tc>
-                  <a:txBody>
-                    <a:bodyPr/>
-                    <a:lstStyle/>
-                    <a:p>
-                      <a:pPr marL="0" lvl="0" indent="0" rtl="0">
-                        <a:lnSpc>
-                          <a:spcPct val="100000"/>
-                        </a:lnSpc>
-                        <a:spcBef>
-                          <a:spcPts val="0"/>
-                        </a:spcBef>
-                        <a:buNone/>
-                      </a:pPr>
-                      <a:r>
-                        <a:rPr lang="uk" sz="1100" dirty="0">
-                          <a:latin typeface="Times New Roman"/>
-                          <a:ea typeface="Times New Roman"/>
-                          <a:cs typeface="Times New Roman"/>
-                          <a:sym typeface="Times New Roman"/>
-                        </a:rPr>
-                        <a:t>Які чинники та  умови, які не перебувають під прямим контролем проекту, необхідні для досягнення цих цілей? Які небезпеки необхідно взяти до уваги?</a:t>
-                      </a:r>
-                    </a:p>
-                  </a:txBody>
-                  <a:tcPr marL="68575" marR="68575" marT="91425" marB="91425">
-                    <a:lnL w="12650" cap="flat" cmpd="sng">
-                      <a:solidFill>
-                        <a:srgbClr val="000000"/>
-                      </a:solidFill>
-                      <a:prstDash val="solid"/>
-                      <a:round/>
-                      <a:headEnd type="none" w="med" len="med"/>
-                      <a:tailEnd type="none" w="med" len="med"/>
-                    </a:lnL>
-                    <a:lnR w="12650" cap="flat" cmpd="sng">
-                      <a:solidFill>
-                        <a:srgbClr val="000000"/>
-                      </a:solidFill>
-                      <a:prstDash val="solid"/>
-                      <a:round/>
-                      <a:headEnd type="none" w="med" len="med"/>
-                      <a:tailEnd type="none" w="med" len="med"/>
-                    </a:lnR>
-                    <a:lnT w="12650" cap="flat" cmpd="sng">
-                      <a:solidFill>
-                        <a:srgbClr val="000000"/>
-                      </a:solidFill>
-                      <a:prstDash val="solid"/>
-                      <a:round/>
-                      <a:headEnd type="none" w="med" len="med"/>
-                      <a:tailEnd type="none" w="med" len="med"/>
-                    </a:lnT>
-                    <a:lnB w="12650" cap="flat" cmpd="sng">
-                      <a:solidFill>
-                        <a:srgbClr val="000000"/>
-                      </a:solidFill>
-                      <a:prstDash val="solid"/>
-                      <a:round/>
-                      <a:headEnd type="none" w="med" len="med"/>
-                      <a:tailEnd type="none" w="med" len="med"/>
-                    </a:lnB>
-                    <a:solidFill>
-                      <a:srgbClr val="C2D69B"/>
-                    </a:solidFill>
-                  </a:tcPr>
-                </a:tc>
-                <a:extLst>
-                  <a:ext uri="{0D108BD9-81ED-4DB2-BD59-A6C34878D82A}">
-                    <a16:rowId xmlns:a16="http://schemas.microsoft.com/office/drawing/2014/main" val="10001"/>
-                  </a:ext>
-                </a:extLst>
-              </a:tr>
-              <a:tr h="2744900">
-                <a:tc>
-                  <a:txBody>
-                    <a:bodyPr/>
-                    <a:lstStyle/>
-                    <a:p>
-                      <a:pPr marL="228600" lvl="0" indent="-228600" rtl="0">
-                        <a:lnSpc>
-                          <a:spcPct val="100000"/>
-                        </a:lnSpc>
-                        <a:spcBef>
-                          <a:spcPts val="0"/>
-                        </a:spcBef>
-                        <a:buAutoNum type="arabicPeriod"/>
-                      </a:pPr>
-                      <a:r>
-                        <a:rPr lang="uk" sz="1200" dirty="0" smtClean="0">
-                          <a:latin typeface="Times New Roman"/>
-                          <a:ea typeface="Times New Roman"/>
-                          <a:cs typeface="Times New Roman"/>
-                          <a:sym typeface="Times New Roman"/>
-                        </a:rPr>
-                        <a:t>Дослідження</a:t>
-                      </a:r>
-                      <a:r>
-                        <a:rPr lang="uk" sz="1200" baseline="0" dirty="0" smtClean="0">
-                          <a:latin typeface="Times New Roman"/>
-                          <a:ea typeface="Times New Roman"/>
-                          <a:cs typeface="Times New Roman"/>
-                          <a:sym typeface="Times New Roman"/>
-                        </a:rPr>
-                        <a:t> роботи алгоритму для структурованих даних.</a:t>
-                      </a:r>
-                    </a:p>
-                    <a:p>
-                      <a:pPr marL="228600" marR="0" lvl="0" indent="-228600" algn="l" defTabSz="914400" rtl="0" eaLnBrk="1" fontAlgn="auto" latinLnBrk="0" hangingPunct="1">
-                        <a:lnSpc>
-                          <a:spcPct val="100000"/>
-                        </a:lnSpc>
-                        <a:spcBef>
-                          <a:spcPts val="0"/>
-                        </a:spcBef>
-                        <a:spcAft>
-                          <a:spcPts val="0"/>
-                        </a:spcAft>
-                        <a:buClrTx/>
-                        <a:buSzTx/>
-                        <a:buFontTx/>
-                        <a:buAutoNum type="arabicPeriod"/>
-                        <a:tabLst/>
-                        <a:defRPr/>
-                      </a:pPr>
-                      <a:r>
-                        <a:rPr lang="uk" sz="1200" dirty="0" smtClean="0">
-                          <a:latin typeface="Times New Roman"/>
-                          <a:ea typeface="Times New Roman"/>
-                          <a:cs typeface="Times New Roman"/>
-                          <a:sym typeface="Times New Roman"/>
-                        </a:rPr>
-                        <a:t>Дослідження</a:t>
-                      </a:r>
-                      <a:r>
-                        <a:rPr lang="uk" sz="1200" baseline="0" dirty="0" smtClean="0">
-                          <a:latin typeface="Times New Roman"/>
-                          <a:ea typeface="Times New Roman"/>
-                          <a:cs typeface="Times New Roman"/>
-                          <a:sym typeface="Times New Roman"/>
-                        </a:rPr>
-                        <a:t> роботи алгоритму для напівструктурованих даних.</a:t>
-                      </a:r>
-                    </a:p>
-                    <a:p>
-                      <a:pPr marL="228600" marR="0" lvl="0" indent="-228600" algn="l" defTabSz="914400" rtl="0" eaLnBrk="1" fontAlgn="auto" latinLnBrk="0" hangingPunct="1">
-                        <a:lnSpc>
-                          <a:spcPct val="100000"/>
-                        </a:lnSpc>
-                        <a:spcBef>
-                          <a:spcPts val="0"/>
-                        </a:spcBef>
-                        <a:spcAft>
-                          <a:spcPts val="0"/>
-                        </a:spcAft>
-                        <a:buClrTx/>
-                        <a:buSzTx/>
-                        <a:buFontTx/>
-                        <a:buAutoNum type="arabicPeriod"/>
-                        <a:tabLst/>
-                        <a:defRPr/>
-                      </a:pPr>
-                      <a:r>
-                        <a:rPr lang="uk" sz="1200" dirty="0" smtClean="0">
-                          <a:latin typeface="Times New Roman"/>
-                          <a:ea typeface="Times New Roman"/>
-                          <a:cs typeface="Times New Roman"/>
-                          <a:sym typeface="Times New Roman"/>
-                        </a:rPr>
-                        <a:t>Порівняння</a:t>
-                      </a:r>
-                      <a:r>
-                        <a:rPr lang="uk" sz="1200" baseline="0" dirty="0" smtClean="0">
-                          <a:latin typeface="Times New Roman"/>
-                          <a:ea typeface="Times New Roman"/>
-                          <a:cs typeface="Times New Roman"/>
-                          <a:sym typeface="Times New Roman"/>
-                        </a:rPr>
-                        <a:t> роботи алгоритму для структурованих та напіструктурованих даних.</a:t>
-                      </a:r>
-                      <a:endParaRPr lang="uk" sz="1200" dirty="0" smtClean="0">
-                        <a:latin typeface="Times New Roman"/>
-                        <a:ea typeface="Times New Roman"/>
-                        <a:cs typeface="Times New Roman"/>
-                        <a:sym typeface="Times New Roman"/>
-                      </a:endParaRPr>
-                    </a:p>
-                    <a:p>
-                      <a:pPr marL="228600" lvl="0" indent="-228600" rtl="0">
-                        <a:lnSpc>
-                          <a:spcPct val="100000"/>
-                        </a:lnSpc>
-                        <a:spcBef>
-                          <a:spcPts val="0"/>
-                        </a:spcBef>
-                        <a:buAutoNum type="arabicPeriod"/>
-                      </a:pPr>
-                      <a:endParaRPr lang="uk" sz="1200" dirty="0">
-                        <a:latin typeface="Times New Roman"/>
-                        <a:ea typeface="Times New Roman"/>
-                        <a:cs typeface="Times New Roman"/>
-                        <a:sym typeface="Times New Roman"/>
-                      </a:endParaRPr>
-                    </a:p>
-                  </a:txBody>
-                  <a:tcPr marL="68575" marR="68575" marT="91425" marB="91425">
-                    <a:lnL w="12650" cap="flat" cmpd="sng">
-                      <a:solidFill>
-                        <a:srgbClr val="000000"/>
-                      </a:solidFill>
-                      <a:prstDash val="solid"/>
-                      <a:round/>
-                      <a:headEnd type="none" w="med" len="med"/>
-                      <a:tailEnd type="none" w="med" len="med"/>
-                    </a:lnL>
-                    <a:lnR w="12650" cap="flat" cmpd="sng">
-                      <a:solidFill>
-                        <a:srgbClr val="000000"/>
-                      </a:solidFill>
-                      <a:prstDash val="solid"/>
-                      <a:round/>
-                      <a:headEnd type="none" w="med" len="med"/>
-                      <a:tailEnd type="none" w="med" len="med"/>
-                    </a:lnR>
-                    <a:lnT w="12650" cap="flat" cmpd="sng">
-                      <a:solidFill>
-                        <a:srgbClr val="000000"/>
-                      </a:solidFill>
-                      <a:prstDash val="solid"/>
-                      <a:round/>
-                      <a:headEnd type="none" w="med" len="med"/>
-                      <a:tailEnd type="none" w="med" len="med"/>
-                    </a:lnT>
-                    <a:lnB w="12650" cap="flat" cmpd="sng">
-                      <a:solidFill>
-                        <a:srgbClr val="000000"/>
-                      </a:solidFill>
-                      <a:prstDash val="solid"/>
-                      <a:round/>
-                      <a:headEnd type="none" w="med" len="med"/>
-                      <a:tailEnd type="none" w="med" len="med"/>
-                    </a:lnB>
-                  </a:tcPr>
-                </a:tc>
-                <a:tc>
-                  <a:txBody>
-                    <a:bodyPr/>
-                    <a:lstStyle/>
-                    <a:p>
-                      <a:pPr marL="0" lvl="0" indent="0" rtl="0">
-                        <a:lnSpc>
-                          <a:spcPct val="115000"/>
-                        </a:lnSpc>
-                        <a:spcBef>
-                          <a:spcPts val="0"/>
-                        </a:spcBef>
-                        <a:buNone/>
-                      </a:pPr>
-                      <a:r>
-                        <a:rPr lang="uk" sz="1200" dirty="0" smtClean="0">
-                          <a:latin typeface="Times New Roman"/>
-                          <a:ea typeface="Times New Roman"/>
-                          <a:cs typeface="Times New Roman"/>
-                          <a:sym typeface="Times New Roman"/>
-                        </a:rPr>
-                        <a:t>Час роботи</a:t>
-                      </a:r>
-                      <a:r>
-                        <a:rPr lang="uk" sz="1200" baseline="0" dirty="0" smtClean="0">
-                          <a:latin typeface="Times New Roman"/>
-                          <a:ea typeface="Times New Roman"/>
-                          <a:cs typeface="Times New Roman"/>
-                          <a:sym typeface="Times New Roman"/>
-                        </a:rPr>
-                        <a:t> алгоритму.</a:t>
-                      </a:r>
-                    </a:p>
-                    <a:p>
-                      <a:pPr marL="0" lvl="0" indent="0" rtl="0">
-                        <a:lnSpc>
-                          <a:spcPct val="115000"/>
-                        </a:lnSpc>
-                        <a:spcBef>
-                          <a:spcPts val="0"/>
-                        </a:spcBef>
-                        <a:buNone/>
-                      </a:pPr>
-                      <a:endParaRPr lang="uk" sz="1200" dirty="0" smtClean="0">
-                        <a:latin typeface="Times New Roman"/>
-                        <a:ea typeface="Times New Roman"/>
-                        <a:cs typeface="Times New Roman"/>
-                        <a:sym typeface="Times New Roman"/>
-                      </a:endParaRPr>
-                    </a:p>
-                    <a:p>
-                      <a:pPr marL="0" lvl="0" indent="0" rtl="0">
-                        <a:lnSpc>
-                          <a:spcPct val="115000"/>
-                        </a:lnSpc>
-                        <a:spcBef>
-                          <a:spcPts val="0"/>
-                        </a:spcBef>
-                        <a:buNone/>
-                      </a:pPr>
-                      <a:r>
-                        <a:rPr lang="uk" sz="1200" dirty="0" smtClean="0">
-                          <a:latin typeface="Times New Roman"/>
-                          <a:ea typeface="Times New Roman"/>
-                          <a:cs typeface="Times New Roman"/>
-                          <a:sym typeface="Times New Roman"/>
-                        </a:rPr>
-                        <a:t>Кількість знайдених</a:t>
-                      </a:r>
-                      <a:r>
-                        <a:rPr lang="uk" sz="1200" baseline="0" dirty="0" smtClean="0">
-                          <a:latin typeface="Times New Roman"/>
-                          <a:ea typeface="Times New Roman"/>
-                          <a:cs typeface="Times New Roman"/>
-                          <a:sym typeface="Times New Roman"/>
-                        </a:rPr>
-                        <a:t> асоціативних правил</a:t>
-                      </a:r>
-                      <a:r>
-                        <a:rPr lang="uk" sz="1200" dirty="0" smtClean="0">
-                          <a:latin typeface="Times New Roman"/>
-                          <a:ea typeface="Times New Roman"/>
-                          <a:cs typeface="Times New Roman"/>
-                          <a:sym typeface="Times New Roman"/>
-                        </a:rPr>
-                        <a:t> алгоритму.</a:t>
-                      </a:r>
-                      <a:endParaRPr lang="uk" sz="1200" dirty="0">
-                        <a:latin typeface="Times New Roman"/>
-                        <a:ea typeface="Times New Roman"/>
-                        <a:cs typeface="Times New Roman"/>
-                        <a:sym typeface="Times New Roman"/>
-                      </a:endParaRPr>
-                    </a:p>
-                  </a:txBody>
-                  <a:tcPr marL="68575" marR="68575" marT="91425" marB="91425">
-                    <a:lnL w="12650" cap="flat" cmpd="sng">
-                      <a:solidFill>
-                        <a:srgbClr val="000000"/>
-                      </a:solidFill>
-                      <a:prstDash val="solid"/>
-                      <a:round/>
-                      <a:headEnd type="none" w="med" len="med"/>
-                      <a:tailEnd type="none" w="med" len="med"/>
-                    </a:lnL>
-                    <a:lnR w="12650" cap="flat" cmpd="sng">
-                      <a:solidFill>
-                        <a:srgbClr val="000000"/>
-                      </a:solidFill>
-                      <a:prstDash val="solid"/>
-                      <a:round/>
-                      <a:headEnd type="none" w="med" len="med"/>
-                      <a:tailEnd type="none" w="med" len="med"/>
-                    </a:lnR>
-                    <a:lnT w="12650" cap="flat" cmpd="sng">
-                      <a:solidFill>
-                        <a:srgbClr val="000000"/>
-                      </a:solidFill>
-                      <a:prstDash val="solid"/>
-                      <a:round/>
-                      <a:headEnd type="none" w="med" len="med"/>
-                      <a:tailEnd type="none" w="med" len="med"/>
-                    </a:lnT>
-                    <a:lnB w="12650" cap="flat" cmpd="sng">
-                      <a:solidFill>
-                        <a:srgbClr val="000000"/>
-                      </a:solidFill>
-                      <a:prstDash val="solid"/>
-                      <a:round/>
-                      <a:headEnd type="none" w="med" len="med"/>
-                      <a:tailEnd type="none" w="med" len="med"/>
-                    </a:lnB>
-                  </a:tcPr>
-                </a:tc>
-                <a:tc>
-                  <a:txBody>
-                    <a:bodyPr/>
-                    <a:lstStyle/>
-                    <a:p>
-                      <a:pPr marL="0" lvl="0" indent="0" rtl="0">
-                        <a:lnSpc>
-                          <a:spcPct val="100000"/>
-                        </a:lnSpc>
-                        <a:spcBef>
-                          <a:spcPts val="0"/>
-                        </a:spcBef>
-                        <a:buNone/>
-                      </a:pPr>
-                      <a:r>
-                        <a:rPr lang="uk" sz="1200" dirty="0" smtClean="0">
-                          <a:latin typeface="Times New Roman"/>
-                          <a:ea typeface="Times New Roman"/>
-                          <a:cs typeface="Times New Roman"/>
-                          <a:sym typeface="Times New Roman"/>
-                        </a:rPr>
-                        <a:t>Наукові статті.</a:t>
-                      </a:r>
-                    </a:p>
-                    <a:p>
-                      <a:pPr marL="0" lvl="0" indent="0" rtl="0">
-                        <a:lnSpc>
-                          <a:spcPct val="100000"/>
-                        </a:lnSpc>
-                        <a:spcBef>
-                          <a:spcPts val="0"/>
-                        </a:spcBef>
-                        <a:buNone/>
-                      </a:pPr>
-                      <a:r>
-                        <a:rPr lang="uk" sz="1200" dirty="0" smtClean="0">
-                          <a:latin typeface="Times New Roman"/>
-                          <a:ea typeface="Times New Roman"/>
-                          <a:cs typeface="Times New Roman"/>
-                          <a:sym typeface="Times New Roman"/>
-                        </a:rPr>
-                        <a:t>  </a:t>
-                      </a:r>
-                    </a:p>
-                    <a:p>
-                      <a:pPr marL="0" lvl="0" indent="0" rtl="0">
-                        <a:lnSpc>
-                          <a:spcPct val="100000"/>
-                        </a:lnSpc>
-                        <a:spcBef>
-                          <a:spcPts val="0"/>
-                        </a:spcBef>
-                        <a:buNone/>
-                      </a:pPr>
-                      <a:r>
-                        <a:rPr lang="uk" sz="1200" dirty="0" smtClean="0">
-                          <a:latin typeface="Times New Roman"/>
-                          <a:ea typeface="Times New Roman"/>
-                          <a:cs typeface="Times New Roman"/>
-                          <a:sym typeface="Times New Roman"/>
-                        </a:rPr>
-                        <a:t>Звіт про випробування системи.</a:t>
-                      </a:r>
-                    </a:p>
-                    <a:p>
-                      <a:pPr marL="0" lvl="0" indent="0" rtl="0">
-                        <a:lnSpc>
-                          <a:spcPct val="100000"/>
-                        </a:lnSpc>
-                        <a:spcBef>
-                          <a:spcPts val="0"/>
-                        </a:spcBef>
-                        <a:buNone/>
-                      </a:pPr>
-                      <a:r>
-                        <a:rPr lang="uk" sz="1200" dirty="0" smtClean="0">
-                          <a:latin typeface="Times New Roman"/>
-                          <a:ea typeface="Times New Roman"/>
-                          <a:cs typeface="Times New Roman"/>
-                          <a:sym typeface="Times New Roman"/>
-                        </a:rPr>
-                        <a:t> </a:t>
-                      </a:r>
-                    </a:p>
-                  </a:txBody>
-                  <a:tcPr marL="68575" marR="68575" marT="91425" marB="91425">
-                    <a:lnL w="12650" cap="flat" cmpd="sng">
-                      <a:solidFill>
-                        <a:srgbClr val="000000"/>
-                      </a:solidFill>
-                      <a:prstDash val="solid"/>
-                      <a:round/>
-                      <a:headEnd type="none" w="med" len="med"/>
-                      <a:tailEnd type="none" w="med" len="med"/>
-                    </a:lnL>
-                    <a:lnR w="12650" cap="flat" cmpd="sng">
-                      <a:solidFill>
-                        <a:srgbClr val="000000"/>
-                      </a:solidFill>
-                      <a:prstDash val="solid"/>
-                      <a:round/>
-                      <a:headEnd type="none" w="med" len="med"/>
-                      <a:tailEnd type="none" w="med" len="med"/>
-                    </a:lnR>
-                    <a:lnT w="12650" cap="flat" cmpd="sng">
-                      <a:solidFill>
-                        <a:srgbClr val="000000"/>
-                      </a:solidFill>
-                      <a:prstDash val="solid"/>
-                      <a:round/>
-                      <a:headEnd type="none" w="med" len="med"/>
-                      <a:tailEnd type="none" w="med" len="med"/>
-                    </a:lnT>
-                    <a:lnB w="12650" cap="flat" cmpd="sng">
-                      <a:solidFill>
-                        <a:srgbClr val="000000"/>
-                      </a:solidFill>
-                      <a:prstDash val="solid"/>
-                      <a:round/>
-                      <a:headEnd type="none" w="med" len="med"/>
-                      <a:tailEnd type="none" w="med" len="med"/>
-                    </a:lnB>
-                  </a:tcPr>
-                </a:tc>
-                <a:tc>
-                  <a:txBody>
-                    <a:bodyPr/>
-                    <a:lstStyle/>
-                    <a:p>
-                      <a:pPr marL="0" lvl="0" indent="0" rtl="0">
-                        <a:lnSpc>
-                          <a:spcPct val="100000"/>
-                        </a:lnSpc>
-                        <a:spcBef>
-                          <a:spcPts val="0"/>
-                        </a:spcBef>
-                        <a:buNone/>
-                      </a:pPr>
-                      <a:r>
-                        <a:rPr lang="uk-UA" sz="1200" dirty="0" smtClean="0">
-                          <a:latin typeface="Times New Roman"/>
-                          <a:ea typeface="Times New Roman"/>
-                          <a:cs typeface="Times New Roman"/>
-                          <a:sym typeface="Times New Roman"/>
-                        </a:rPr>
-                        <a:t>Некоректний формат вхідних даних</a:t>
-                      </a:r>
-                      <a:br>
-                        <a:rPr lang="uk-UA" sz="1200" dirty="0" smtClean="0">
-                          <a:latin typeface="Times New Roman"/>
-                          <a:ea typeface="Times New Roman"/>
-                          <a:cs typeface="Times New Roman"/>
-                          <a:sym typeface="Times New Roman"/>
-                        </a:rPr>
-                      </a:br>
-                      <a:endParaRPr lang="uk" sz="1200" dirty="0">
-                        <a:latin typeface="Times New Roman"/>
-                        <a:ea typeface="Times New Roman"/>
-                        <a:cs typeface="Times New Roman"/>
-                        <a:sym typeface="Times New Roman"/>
-                      </a:endParaRPr>
-                    </a:p>
-                  </a:txBody>
-                  <a:tcPr marL="68575" marR="68575" marT="91425" marB="91425">
-                    <a:lnL w="12650" cap="flat" cmpd="sng">
-                      <a:solidFill>
-                        <a:srgbClr val="000000"/>
-                      </a:solidFill>
-                      <a:prstDash val="solid"/>
-                      <a:round/>
-                      <a:headEnd type="none" w="med" len="med"/>
-                      <a:tailEnd type="none" w="med" len="med"/>
-                    </a:lnL>
-                    <a:lnR w="12650" cap="flat" cmpd="sng">
-                      <a:solidFill>
-                        <a:srgbClr val="000000"/>
-                      </a:solidFill>
-                      <a:prstDash val="solid"/>
-                      <a:round/>
-                      <a:headEnd type="none" w="med" len="med"/>
-                      <a:tailEnd type="none" w="med" len="med"/>
-                    </a:lnR>
-                    <a:lnT w="12650" cap="flat" cmpd="sng">
-                      <a:solidFill>
-                        <a:srgbClr val="000000"/>
-                      </a:solidFill>
-                      <a:prstDash val="solid"/>
-                      <a:round/>
-                      <a:headEnd type="none" w="med" len="med"/>
-                      <a:tailEnd type="none" w="med" len="med"/>
-                    </a:lnT>
-                    <a:lnB w="12650" cap="flat" cmpd="sng">
-                      <a:solidFill>
-                        <a:srgbClr val="000000"/>
-                      </a:solidFill>
-                      <a:prstDash val="solid"/>
-                      <a:round/>
-                      <a:headEnd type="none" w="med" len="med"/>
-                      <a:tailEnd type="none" w="med" len="med"/>
-                    </a:lnB>
-                  </a:tcPr>
-                </a:tc>
-                <a:extLst>
-                  <a:ext uri="{0D108BD9-81ED-4DB2-BD59-A6C34878D82A}">
-                    <a16:rowId xmlns:a16="http://schemas.microsoft.com/office/drawing/2014/main" val="10002"/>
-                  </a:ext>
-                </a:extLst>
-              </a:tr>
-            </a:tbl>
-          </a:graphicData>
-        </a:graphic>
-      </p:graphicFrame>
     </p:spTree>
+    <p:extLst>
+      <p:ext uri="{BB962C8B-B14F-4D97-AF65-F5344CB8AC3E}">
+        <p14:creationId xmlns:p14="http://schemas.microsoft.com/office/powerpoint/2010/main" val="301181759"/>
+      </p:ext>
+    </p:extLst>
   </p:cSld>
   <p:clrMapOvr>
     <a:masterClrMapping/>
@@ -17717,7 +15590,7 @@
   <p:cSld>
     <p:spTree>
       <p:nvGrpSpPr>
-        <p:cNvPr id="1" name="Shape 338"/>
+        <p:cNvPr id="1" name="Shape 317"/>
         <p:cNvGrpSpPr/>
         <p:nvPr/>
       </p:nvGrpSpPr>
@@ -17731,7 +15604,7 @@
       </p:grpSpPr>
       <p:sp>
         <p:nvSpPr>
-          <p:cNvPr id="339" name="Shape 339"/>
+          <p:cNvPr id="318" name="Shape 318"/>
           <p:cNvSpPr txBox="1">
             <a:spLocks noGrp="1"/>
           </p:cNvSpPr>
@@ -17741,46 +15614,36 @@
         </p:nvSpPr>
         <p:spPr>
           <a:xfrm>
-            <a:off x="1272700" y="28225"/>
-            <a:ext cx="7030500" cy="614700"/>
+            <a:off x="1303800" y="0"/>
+            <a:ext cx="7030500" cy="999300"/>
           </a:xfrm>
           <a:prstGeom prst="rect">
             <a:avLst/>
           </a:prstGeom>
         </p:spPr>
         <p:txBody>
-          <a:bodyPr wrap="square" lIns="91425" tIns="91425" rIns="91425" bIns="91425" anchor="ctr" anchorCtr="0">
+          <a:bodyPr wrap="square" lIns="91425" tIns="91425" rIns="91425" bIns="91425" anchor="t" anchorCtr="0">
             <a:noAutofit/>
           </a:bodyPr>
           <a:lstStyle/>
           <a:p>
-            <a:pPr marL="0" lvl="0" indent="0" rtl="0">
-              <a:lnSpc>
-                <a:spcPct val="100000"/>
-              </a:lnSpc>
+            <a:pPr marL="0" lvl="0" indent="0">
               <a:spcBef>
                 <a:spcPts val="0"/>
               </a:spcBef>
               <a:buNone/>
             </a:pPr>
             <a:r>
-              <a:rPr lang="uk" sz="2400">
-                <a:solidFill>
-                  <a:srgbClr val="000000"/>
-                </a:solidFill>
-                <a:latin typeface="Times New Roman"/>
-                <a:ea typeface="Times New Roman"/>
-                <a:cs typeface="Times New Roman"/>
-                <a:sym typeface="Times New Roman"/>
-              </a:rPr>
-              <a:t>Логіко-структурна матриця(3)</a:t>
+              <a:rPr lang="uk-UA" dirty="0" smtClean="0"/>
+              <a:t>Блок схема базового алгоритму</a:t>
             </a:r>
+            <a:endParaRPr lang="uk" dirty="0"/>
           </a:p>
         </p:txBody>
       </p:sp>
       <p:sp>
         <p:nvSpPr>
-          <p:cNvPr id="340" name="Shape 340"/>
+          <p:cNvPr id="320" name="Shape 320"/>
           <p:cNvSpPr txBox="1">
             <a:spLocks noGrp="1"/>
           </p:cNvSpPr>
@@ -17803,10 +15666,7 @@
           </a:bodyPr>
           <a:lstStyle/>
           <a:p>
-            <a:pPr marL="0" lvl="0" indent="0" rtl="0">
-              <a:lnSpc>
-                <a:spcPct val="100000"/>
-              </a:lnSpc>
+            <a:pPr marL="0" lvl="0" indent="0">
               <a:spcBef>
                 <a:spcPts val="0"/>
               </a:spcBef>
@@ -17820,1047 +15680,46 @@
           </a:p>
         </p:txBody>
       </p:sp>
-      <p:graphicFrame>
-        <p:nvGraphicFramePr>
-          <p:cNvPr id="341" name="Shape 341"/>
-          <p:cNvGraphicFramePr/>
-          <p:nvPr>
-            <p:extLst>
-              <p:ext uri="{D42A27DB-BD31-4B8C-83A1-F6EECF244321}">
-                <p14:modId xmlns:p14="http://schemas.microsoft.com/office/powerpoint/2010/main" val="1306016203"/>
-              </p:ext>
-            </p:extLst>
-          </p:nvPr>
-        </p:nvGraphicFramePr>
-        <p:xfrm>
-          <a:off x="24375" y="662700"/>
-          <a:ext cx="9074525" cy="4382462"/>
-        </p:xfrm>
-        <a:graphic>
-          <a:graphicData uri="http://schemas.openxmlformats.org/drawingml/2006/table">
-            <a:tbl>
-              <a:tblPr>
-                <a:noFill/>
-                <a:tableStyleId>{344513D4-3CC4-4AE7-BB52-9E0CC6B0FADD}</a:tableStyleId>
-              </a:tblPr>
-              <a:tblGrid>
-                <a:gridCol w="2074175">
-                  <a:extLst>
-                    <a:ext uri="{9D8B030D-6E8A-4147-A177-3AD203B41FA5}">
-                      <a16:colId xmlns:a16="http://schemas.microsoft.com/office/drawing/2014/main" val="20000"/>
-                    </a:ext>
-                  </a:extLst>
-                </a:gridCol>
-                <a:gridCol w="2364550">
-                  <a:extLst>
-                    <a:ext uri="{9D8B030D-6E8A-4147-A177-3AD203B41FA5}">
-                      <a16:colId xmlns:a16="http://schemas.microsoft.com/office/drawing/2014/main" val="20001"/>
-                    </a:ext>
-                  </a:extLst>
-                </a:gridCol>
-                <a:gridCol w="2177925">
-                  <a:extLst>
-                    <a:ext uri="{9D8B030D-6E8A-4147-A177-3AD203B41FA5}">
-                      <a16:colId xmlns:a16="http://schemas.microsoft.com/office/drawing/2014/main" val="20002"/>
-                    </a:ext>
-                  </a:extLst>
-                </a:gridCol>
-                <a:gridCol w="2457875">
-                  <a:extLst>
-                    <a:ext uri="{9D8B030D-6E8A-4147-A177-3AD203B41FA5}">
-                      <a16:colId xmlns:a16="http://schemas.microsoft.com/office/drawing/2014/main" val="20003"/>
-                    </a:ext>
-                  </a:extLst>
-                </a:gridCol>
-              </a:tblGrid>
-              <a:tr h="368300">
-                <a:tc>
-                  <a:txBody>
-                    <a:bodyPr/>
-                    <a:lstStyle/>
-                    <a:p>
-                      <a:pPr marL="0" lvl="0" indent="0" rtl="0">
-                        <a:lnSpc>
-                          <a:spcPct val="115000"/>
-                        </a:lnSpc>
-                        <a:spcBef>
-                          <a:spcPts val="0"/>
-                        </a:spcBef>
-                        <a:buNone/>
-                      </a:pPr>
-                      <a:r>
-                        <a:rPr lang="uk" sz="1200" dirty="0">
-                          <a:latin typeface="Times New Roman"/>
-                          <a:ea typeface="Times New Roman"/>
-                          <a:cs typeface="Times New Roman"/>
-                          <a:sym typeface="Times New Roman"/>
-                        </a:rPr>
-                        <a:t>Підсумки і результати</a:t>
-                      </a:r>
-                    </a:p>
-                  </a:txBody>
-                  <a:tcPr marL="68575" marR="68575" marT="91425" marB="91425">
-                    <a:lnL w="12650" cap="flat" cmpd="sng">
-                      <a:solidFill>
-                        <a:srgbClr val="000000"/>
-                      </a:solidFill>
-                      <a:prstDash val="solid"/>
-                      <a:round/>
-                      <a:headEnd type="none" w="med" len="med"/>
-                      <a:tailEnd type="none" w="med" len="med"/>
-                    </a:lnL>
-                    <a:lnR w="12650" cap="flat" cmpd="sng">
-                      <a:solidFill>
-                        <a:srgbClr val="000000"/>
-                      </a:solidFill>
-                      <a:prstDash val="solid"/>
-                      <a:round/>
-                      <a:headEnd type="none" w="med" len="med"/>
-                      <a:tailEnd type="none" w="med" len="med"/>
-                    </a:lnR>
-                    <a:lnT w="12650" cap="flat" cmpd="sng">
-                      <a:solidFill>
-                        <a:srgbClr val="000000"/>
-                      </a:solidFill>
-                      <a:prstDash val="solid"/>
-                      <a:round/>
-                      <a:headEnd type="none" w="med" len="med"/>
-                      <a:tailEnd type="none" w="med" len="med"/>
-                    </a:lnT>
-                    <a:lnB w="12650" cap="flat" cmpd="sng">
-                      <a:solidFill>
-                        <a:srgbClr val="000000"/>
-                      </a:solidFill>
-                      <a:prstDash val="solid"/>
-                      <a:round/>
-                      <a:headEnd type="none" w="med" len="med"/>
-                      <a:tailEnd type="none" w="med" len="med"/>
-                    </a:lnB>
-                    <a:solidFill>
-                      <a:srgbClr val="FABF8F"/>
-                    </a:solidFill>
-                  </a:tcPr>
-                </a:tc>
-                <a:tc>
-                  <a:txBody>
-                    <a:bodyPr/>
-                    <a:lstStyle/>
-                    <a:p>
-                      <a:pPr marL="0" lvl="0" indent="0" rtl="0">
-                        <a:lnSpc>
-                          <a:spcPct val="115000"/>
-                        </a:lnSpc>
-                        <a:spcBef>
-                          <a:spcPts val="0"/>
-                        </a:spcBef>
-                        <a:buNone/>
-                      </a:pPr>
-                      <a:r>
-                        <a:rPr lang="uk" sz="1200">
-                          <a:latin typeface="Times New Roman"/>
-                          <a:ea typeface="Times New Roman"/>
-                          <a:cs typeface="Times New Roman"/>
-                          <a:sym typeface="Times New Roman"/>
-                        </a:rPr>
-                        <a:t>Показники прогресу.</a:t>
-                      </a:r>
-                    </a:p>
-                  </a:txBody>
-                  <a:tcPr marL="68575" marR="68575" marT="91425" marB="91425">
-                    <a:lnL w="12650" cap="flat" cmpd="sng">
-                      <a:solidFill>
-                        <a:srgbClr val="000000"/>
-                      </a:solidFill>
-                      <a:prstDash val="solid"/>
-                      <a:round/>
-                      <a:headEnd type="none" w="med" len="med"/>
-                      <a:tailEnd type="none" w="med" len="med"/>
-                    </a:lnL>
-                    <a:lnR w="12650" cap="flat" cmpd="sng">
-                      <a:solidFill>
-                        <a:srgbClr val="000000"/>
-                      </a:solidFill>
-                      <a:prstDash val="solid"/>
-                      <a:round/>
-                      <a:headEnd type="none" w="med" len="med"/>
-                      <a:tailEnd type="none" w="med" len="med"/>
-                    </a:lnR>
-                    <a:lnT w="12650" cap="flat" cmpd="sng">
-                      <a:solidFill>
-                        <a:srgbClr val="000000"/>
-                      </a:solidFill>
-                      <a:prstDash val="solid"/>
-                      <a:round/>
-                      <a:headEnd type="none" w="med" len="med"/>
-                      <a:tailEnd type="none" w="med" len="med"/>
-                    </a:lnT>
-                    <a:lnB w="12650" cap="flat" cmpd="sng">
-                      <a:solidFill>
-                        <a:srgbClr val="000000"/>
-                      </a:solidFill>
-                      <a:prstDash val="solid"/>
-                      <a:round/>
-                      <a:headEnd type="none" w="med" len="med"/>
-                      <a:tailEnd type="none" w="med" len="med"/>
-                    </a:lnB>
-                    <a:solidFill>
-                      <a:srgbClr val="FABF8F"/>
-                    </a:solidFill>
-                  </a:tcPr>
-                </a:tc>
-                <a:tc>
-                  <a:txBody>
-                    <a:bodyPr/>
-                    <a:lstStyle/>
-                    <a:p>
-                      <a:pPr marL="0" lvl="0" indent="0" rtl="0">
-                        <a:lnSpc>
-                          <a:spcPct val="115000"/>
-                        </a:lnSpc>
-                        <a:spcBef>
-                          <a:spcPts val="0"/>
-                        </a:spcBef>
-                        <a:buNone/>
-                      </a:pPr>
-                      <a:r>
-                        <a:rPr lang="uk" sz="1200">
-                          <a:latin typeface="Times New Roman"/>
-                          <a:ea typeface="Times New Roman"/>
-                          <a:cs typeface="Times New Roman"/>
-                          <a:sym typeface="Times New Roman"/>
-                        </a:rPr>
-                        <a:t>Як оцінювати показники.</a:t>
-                      </a:r>
-                    </a:p>
-                  </a:txBody>
-                  <a:tcPr marL="68575" marR="68575" marT="91425" marB="91425">
-                    <a:lnL w="12650" cap="flat" cmpd="sng">
-                      <a:solidFill>
-                        <a:srgbClr val="000000"/>
-                      </a:solidFill>
-                      <a:prstDash val="solid"/>
-                      <a:round/>
-                      <a:headEnd type="none" w="med" len="med"/>
-                      <a:tailEnd type="none" w="med" len="med"/>
-                    </a:lnL>
-                    <a:lnR w="12650" cap="flat" cmpd="sng">
-                      <a:solidFill>
-                        <a:srgbClr val="000000"/>
-                      </a:solidFill>
-                      <a:prstDash val="solid"/>
-                      <a:round/>
-                      <a:headEnd type="none" w="med" len="med"/>
-                      <a:tailEnd type="none" w="med" len="med"/>
-                    </a:lnR>
-                    <a:lnT w="12650" cap="flat" cmpd="sng">
-                      <a:solidFill>
-                        <a:srgbClr val="000000"/>
-                      </a:solidFill>
-                      <a:prstDash val="solid"/>
-                      <a:round/>
-                      <a:headEnd type="none" w="med" len="med"/>
-                      <a:tailEnd type="none" w="med" len="med"/>
-                    </a:lnT>
-                    <a:lnB w="12650" cap="flat" cmpd="sng">
-                      <a:solidFill>
-                        <a:srgbClr val="000000"/>
-                      </a:solidFill>
-                      <a:prstDash val="solid"/>
-                      <a:round/>
-                      <a:headEnd type="none" w="med" len="med"/>
-                      <a:tailEnd type="none" w="med" len="med"/>
-                    </a:lnB>
-                    <a:solidFill>
-                      <a:srgbClr val="FABF8F"/>
-                    </a:solidFill>
-                  </a:tcPr>
-                </a:tc>
-                <a:tc>
-                  <a:txBody>
-                    <a:bodyPr/>
-                    <a:lstStyle/>
-                    <a:p>
-                      <a:pPr marL="0" lvl="0" indent="0" rtl="0">
-                        <a:lnSpc>
-                          <a:spcPct val="115000"/>
-                        </a:lnSpc>
-                        <a:spcBef>
-                          <a:spcPts val="0"/>
-                        </a:spcBef>
-                        <a:buNone/>
-                      </a:pPr>
-                      <a:r>
-                        <a:rPr lang="uk" sz="1200">
-                          <a:latin typeface="Times New Roman"/>
-                          <a:ea typeface="Times New Roman"/>
-                          <a:cs typeface="Times New Roman"/>
-                          <a:sym typeface="Times New Roman"/>
-                        </a:rPr>
-                        <a:t>Припущення та ризики.</a:t>
-                      </a:r>
-                    </a:p>
-                  </a:txBody>
-                  <a:tcPr marL="68575" marR="68575" marT="91425" marB="91425">
-                    <a:lnL w="12650" cap="flat" cmpd="sng">
-                      <a:solidFill>
-                        <a:srgbClr val="000000"/>
-                      </a:solidFill>
-                      <a:prstDash val="solid"/>
-                      <a:round/>
-                      <a:headEnd type="none" w="med" len="med"/>
-                      <a:tailEnd type="none" w="med" len="med"/>
-                    </a:lnL>
-                    <a:lnR w="12650" cap="flat" cmpd="sng">
-                      <a:solidFill>
-                        <a:srgbClr val="000000"/>
-                      </a:solidFill>
-                      <a:prstDash val="solid"/>
-                      <a:round/>
-                      <a:headEnd type="none" w="med" len="med"/>
-                      <a:tailEnd type="none" w="med" len="med"/>
-                    </a:lnR>
-                    <a:lnT w="12650" cap="flat" cmpd="sng">
-                      <a:solidFill>
-                        <a:srgbClr val="000000"/>
-                      </a:solidFill>
-                      <a:prstDash val="solid"/>
-                      <a:round/>
-                      <a:headEnd type="none" w="med" len="med"/>
-                      <a:tailEnd type="none" w="med" len="med"/>
-                    </a:lnT>
-                    <a:lnB w="12650" cap="flat" cmpd="sng">
-                      <a:solidFill>
-                        <a:srgbClr val="000000"/>
-                      </a:solidFill>
-                      <a:prstDash val="solid"/>
-                      <a:round/>
-                      <a:headEnd type="none" w="med" len="med"/>
-                      <a:tailEnd type="none" w="med" len="med"/>
-                    </a:lnB>
-                    <a:solidFill>
-                      <a:srgbClr val="FABF8F"/>
-                    </a:solidFill>
-                  </a:tcPr>
-                </a:tc>
-                <a:extLst>
-                  <a:ext uri="{0D108BD9-81ED-4DB2-BD59-A6C34878D82A}">
-                    <a16:rowId xmlns:a16="http://schemas.microsoft.com/office/drawing/2014/main" val="10000"/>
-                  </a:ext>
-                </a:extLst>
-              </a:tr>
-              <a:tr h="1244400">
-                <a:tc>
-                  <a:txBody>
-                    <a:bodyPr/>
-                    <a:lstStyle/>
-                    <a:p>
-                      <a:pPr marL="0" lvl="0" indent="0" rtl="0">
-                        <a:lnSpc>
-                          <a:spcPct val="115000"/>
-                        </a:lnSpc>
-                        <a:spcBef>
-                          <a:spcPts val="0"/>
-                        </a:spcBef>
-                        <a:buNone/>
-                      </a:pPr>
-                      <a:r>
-                        <a:rPr lang="uk" sz="1100">
-                          <a:latin typeface="Times New Roman"/>
-                          <a:ea typeface="Times New Roman"/>
-                          <a:cs typeface="Times New Roman"/>
-                          <a:sym typeface="Times New Roman"/>
-                        </a:rPr>
-                        <a:t>Список конкретних результатів - підсумки / результати, які призведуть до вирішення конкретних цілей</a:t>
-                      </a:r>
-                    </a:p>
-                  </a:txBody>
-                  <a:tcPr marL="68575" marR="68575" marT="91425" marB="91425">
-                    <a:lnL w="12650" cap="flat" cmpd="sng">
-                      <a:solidFill>
-                        <a:srgbClr val="000000"/>
-                      </a:solidFill>
-                      <a:prstDash val="solid"/>
-                      <a:round/>
-                      <a:headEnd type="none" w="med" len="med"/>
-                      <a:tailEnd type="none" w="med" len="med"/>
-                    </a:lnL>
-                    <a:lnR w="12650" cap="flat" cmpd="sng">
-                      <a:solidFill>
-                        <a:srgbClr val="000000"/>
-                      </a:solidFill>
-                      <a:prstDash val="solid"/>
-                      <a:round/>
-                      <a:headEnd type="none" w="med" len="med"/>
-                      <a:tailEnd type="none" w="med" len="med"/>
-                    </a:lnR>
-                    <a:lnT w="12650" cap="flat" cmpd="sng">
-                      <a:solidFill>
-                        <a:srgbClr val="000000"/>
-                      </a:solidFill>
-                      <a:prstDash val="solid"/>
-                      <a:round/>
-                      <a:headEnd type="none" w="med" len="med"/>
-                      <a:tailEnd type="none" w="med" len="med"/>
-                    </a:lnT>
-                    <a:lnB w="12650" cap="flat" cmpd="sng">
-                      <a:solidFill>
-                        <a:srgbClr val="000000"/>
-                      </a:solidFill>
-                      <a:prstDash val="solid"/>
-                      <a:round/>
-                      <a:headEnd type="none" w="med" len="med"/>
-                      <a:tailEnd type="none" w="med" len="med"/>
-                    </a:lnB>
-                    <a:solidFill>
-                      <a:srgbClr val="C2D69B"/>
-                    </a:solidFill>
-                  </a:tcPr>
-                </a:tc>
-                <a:tc>
-                  <a:txBody>
-                    <a:bodyPr/>
-                    <a:lstStyle/>
-                    <a:p>
-                      <a:pPr marL="0" lvl="0" indent="0" rtl="0">
-                        <a:lnSpc>
-                          <a:spcPct val="115000"/>
-                        </a:lnSpc>
-                        <a:spcBef>
-                          <a:spcPts val="0"/>
-                        </a:spcBef>
-                        <a:buNone/>
-                      </a:pPr>
-                      <a:r>
-                        <a:rPr lang="uk" sz="1100">
-                          <a:latin typeface="Times New Roman"/>
-                          <a:ea typeface="Times New Roman"/>
-                          <a:cs typeface="Times New Roman"/>
-                          <a:sym typeface="Times New Roman"/>
-                        </a:rPr>
-                        <a:t>Які є показники  для вимірювання  чи і в якій мірі проект досягає запланованих резуьтатів та ефекту?</a:t>
-                      </a:r>
-                    </a:p>
-                  </a:txBody>
-                  <a:tcPr marL="68575" marR="68575" marT="91425" marB="91425">
-                    <a:lnL w="12650" cap="flat" cmpd="sng">
-                      <a:solidFill>
-                        <a:srgbClr val="000000"/>
-                      </a:solidFill>
-                      <a:prstDash val="solid"/>
-                      <a:round/>
-                      <a:headEnd type="none" w="med" len="med"/>
-                      <a:tailEnd type="none" w="med" len="med"/>
-                    </a:lnL>
-                    <a:lnR w="12650" cap="flat" cmpd="sng">
-                      <a:solidFill>
-                        <a:srgbClr val="000000"/>
-                      </a:solidFill>
-                      <a:prstDash val="solid"/>
-                      <a:round/>
-                      <a:headEnd type="none" w="med" len="med"/>
-                      <a:tailEnd type="none" w="med" len="med"/>
-                    </a:lnR>
-                    <a:lnT w="12650" cap="flat" cmpd="sng">
-                      <a:solidFill>
-                        <a:srgbClr val="000000"/>
-                      </a:solidFill>
-                      <a:prstDash val="solid"/>
-                      <a:round/>
-                      <a:headEnd type="none" w="med" len="med"/>
-                      <a:tailEnd type="none" w="med" len="med"/>
-                    </a:lnT>
-                    <a:lnB w="12650" cap="flat" cmpd="sng">
-                      <a:solidFill>
-                        <a:srgbClr val="000000"/>
-                      </a:solidFill>
-                      <a:prstDash val="solid"/>
-                      <a:round/>
-                      <a:headEnd type="none" w="med" len="med"/>
-                      <a:tailEnd type="none" w="med" len="med"/>
-                    </a:lnB>
-                    <a:solidFill>
-                      <a:srgbClr val="C2D69B"/>
-                    </a:solidFill>
-                  </a:tcPr>
-                </a:tc>
-                <a:tc>
-                  <a:txBody>
-                    <a:bodyPr/>
-                    <a:lstStyle/>
-                    <a:p>
-                      <a:pPr marL="0" lvl="0" indent="0" rtl="0">
-                        <a:lnSpc>
-                          <a:spcPct val="115000"/>
-                        </a:lnSpc>
-                        <a:spcBef>
-                          <a:spcPts val="0"/>
-                        </a:spcBef>
-                        <a:buNone/>
-                      </a:pPr>
-                      <a:r>
-                        <a:rPr lang="uk" sz="1100">
-                          <a:latin typeface="Times New Roman"/>
-                          <a:ea typeface="Times New Roman"/>
-                          <a:cs typeface="Times New Roman"/>
-                          <a:sym typeface="Times New Roman"/>
-                        </a:rPr>
-                        <a:t>Які є джерела інформації за  цими показниками?</a:t>
-                      </a:r>
-                    </a:p>
-                  </a:txBody>
-                  <a:tcPr marL="68575" marR="68575" marT="91425" marB="91425">
-                    <a:lnL w="12650" cap="flat" cmpd="sng">
-                      <a:solidFill>
-                        <a:srgbClr val="000000"/>
-                      </a:solidFill>
-                      <a:prstDash val="solid"/>
-                      <a:round/>
-                      <a:headEnd type="none" w="med" len="med"/>
-                      <a:tailEnd type="none" w="med" len="med"/>
-                    </a:lnL>
-                    <a:lnR w="12650" cap="flat" cmpd="sng">
-                      <a:solidFill>
-                        <a:srgbClr val="000000"/>
-                      </a:solidFill>
-                      <a:prstDash val="solid"/>
-                      <a:round/>
-                      <a:headEnd type="none" w="med" len="med"/>
-                      <a:tailEnd type="none" w="med" len="med"/>
-                    </a:lnR>
-                    <a:lnT w="12650" cap="flat" cmpd="sng">
-                      <a:solidFill>
-                        <a:srgbClr val="000000"/>
-                      </a:solidFill>
-                      <a:prstDash val="solid"/>
-                      <a:round/>
-                      <a:headEnd type="none" w="med" len="med"/>
-                      <a:tailEnd type="none" w="med" len="med"/>
-                    </a:lnT>
-                    <a:lnB w="12650" cap="flat" cmpd="sng">
-                      <a:solidFill>
-                        <a:srgbClr val="000000"/>
-                      </a:solidFill>
-                      <a:prstDash val="solid"/>
-                      <a:round/>
-                      <a:headEnd type="none" w="med" len="med"/>
-                      <a:tailEnd type="none" w="med" len="med"/>
-                    </a:lnB>
-                    <a:solidFill>
-                      <a:srgbClr val="C2D69B"/>
-                    </a:solidFill>
-                  </a:tcPr>
-                </a:tc>
-                <a:tc>
-                  <a:txBody>
-                    <a:bodyPr/>
-                    <a:lstStyle/>
-                    <a:p>
-                      <a:pPr marL="0" lvl="0" indent="0" rtl="0">
-                        <a:lnSpc>
-                          <a:spcPct val="115000"/>
-                        </a:lnSpc>
-                        <a:spcBef>
-                          <a:spcPts val="0"/>
-                        </a:spcBef>
-                        <a:buNone/>
-                      </a:pPr>
-                      <a:r>
-                        <a:rPr lang="uk" sz="1100">
-                          <a:latin typeface="Times New Roman"/>
-                          <a:ea typeface="Times New Roman"/>
-                          <a:cs typeface="Times New Roman"/>
-                          <a:sym typeface="Times New Roman"/>
-                        </a:rPr>
-                        <a:t>Які зовнішні чинники і умови повинні бути реалізовані для отримання очікуваних результатів та результатів за графіком?</a:t>
-                      </a:r>
-                    </a:p>
-                  </a:txBody>
-                  <a:tcPr marL="68575" marR="68575" marT="91425" marB="91425">
-                    <a:lnL w="12650" cap="flat" cmpd="sng">
-                      <a:solidFill>
-                        <a:srgbClr val="000000"/>
-                      </a:solidFill>
-                      <a:prstDash val="solid"/>
-                      <a:round/>
-                      <a:headEnd type="none" w="med" len="med"/>
-                      <a:tailEnd type="none" w="med" len="med"/>
-                    </a:lnL>
-                    <a:lnR w="12650" cap="flat" cmpd="sng">
-                      <a:solidFill>
-                        <a:srgbClr val="000000"/>
-                      </a:solidFill>
-                      <a:prstDash val="solid"/>
-                      <a:round/>
-                      <a:headEnd type="none" w="med" len="med"/>
-                      <a:tailEnd type="none" w="med" len="med"/>
-                    </a:lnR>
-                    <a:lnT w="12650" cap="flat" cmpd="sng">
-                      <a:solidFill>
-                        <a:srgbClr val="000000"/>
-                      </a:solidFill>
-                      <a:prstDash val="solid"/>
-                      <a:round/>
-                      <a:headEnd type="none" w="med" len="med"/>
-                      <a:tailEnd type="none" w="med" len="med"/>
-                    </a:lnT>
-                    <a:lnB w="12650" cap="flat" cmpd="sng">
-                      <a:solidFill>
-                        <a:srgbClr val="000000"/>
-                      </a:solidFill>
-                      <a:prstDash val="solid"/>
-                      <a:round/>
-                      <a:headEnd type="none" w="med" len="med"/>
-                      <a:tailEnd type="none" w="med" len="med"/>
-                    </a:lnB>
-                    <a:solidFill>
-                      <a:srgbClr val="C2D69B"/>
-                    </a:solidFill>
-                  </a:tcPr>
-                </a:tc>
-                <a:extLst>
-                  <a:ext uri="{0D108BD9-81ED-4DB2-BD59-A6C34878D82A}">
-                    <a16:rowId xmlns:a16="http://schemas.microsoft.com/office/drawing/2014/main" val="10001"/>
-                  </a:ext>
-                </a:extLst>
-              </a:tr>
-              <a:tr h="2744900">
-                <a:tc>
-                  <a:txBody>
-                    <a:bodyPr/>
-                    <a:lstStyle/>
-                    <a:p>
-                      <a:pPr marL="228600" lvl="0" indent="-228600" rtl="0">
-                        <a:lnSpc>
-                          <a:spcPct val="100000"/>
-                        </a:lnSpc>
-                        <a:spcBef>
-                          <a:spcPts val="0"/>
-                        </a:spcBef>
-                        <a:buAutoNum type="arabicPeriod"/>
-                      </a:pPr>
-                      <a:r>
-                        <a:rPr lang="uk" sz="1200" dirty="0" smtClean="0">
-                          <a:latin typeface="Times New Roman"/>
-                          <a:ea typeface="Times New Roman"/>
-                          <a:cs typeface="Times New Roman"/>
-                          <a:sym typeface="Times New Roman"/>
-                        </a:rPr>
-                        <a:t>Створено веб</a:t>
-                      </a:r>
-                      <a:r>
-                        <a:rPr lang="uk" sz="1200" baseline="0" dirty="0" smtClean="0">
-                          <a:latin typeface="Times New Roman"/>
-                          <a:ea typeface="Times New Roman"/>
-                          <a:cs typeface="Times New Roman"/>
-                          <a:sym typeface="Times New Roman"/>
-                        </a:rPr>
-                        <a:t> додаток для завантаження та відображення інформації. </a:t>
-                      </a:r>
-                    </a:p>
-                    <a:p>
-                      <a:pPr marL="228600" lvl="0" indent="-228600" rtl="0">
-                        <a:lnSpc>
-                          <a:spcPct val="100000"/>
-                        </a:lnSpc>
-                        <a:spcBef>
-                          <a:spcPts val="0"/>
-                        </a:spcBef>
-                        <a:buAutoNum type="arabicPeriod"/>
-                      </a:pPr>
-                      <a:endParaRPr lang="uk" sz="1200" baseline="0" dirty="0" smtClean="0">
-                        <a:latin typeface="Times New Roman"/>
-                        <a:ea typeface="Times New Roman"/>
-                        <a:cs typeface="Times New Roman"/>
-                        <a:sym typeface="Times New Roman"/>
-                      </a:endParaRPr>
-                    </a:p>
-                    <a:p>
-                      <a:pPr marL="228600" marR="0" lvl="0" indent="-228600" algn="l" defTabSz="914400" rtl="0" eaLnBrk="1" fontAlgn="auto" latinLnBrk="0" hangingPunct="1">
-                        <a:lnSpc>
-                          <a:spcPct val="100000"/>
-                        </a:lnSpc>
-                        <a:spcBef>
-                          <a:spcPts val="0"/>
-                        </a:spcBef>
-                        <a:spcAft>
-                          <a:spcPts val="0"/>
-                        </a:spcAft>
-                        <a:buClrTx/>
-                        <a:buSzTx/>
-                        <a:buFontTx/>
-                        <a:buAutoNum type="arabicPeriod"/>
-                        <a:tabLst/>
-                        <a:defRPr/>
-                      </a:pPr>
-                      <a:r>
-                        <a:rPr lang="uk" sz="1200" dirty="0" smtClean="0">
-                          <a:latin typeface="Times New Roman"/>
-                          <a:ea typeface="Times New Roman"/>
-                          <a:cs typeface="Times New Roman"/>
-                          <a:sym typeface="Times New Roman"/>
-                        </a:rPr>
-                        <a:t>Результати роботи алгоритму</a:t>
-                      </a:r>
-                      <a:r>
-                        <a:rPr lang="uk" sz="1200" baseline="0" dirty="0" smtClean="0">
-                          <a:latin typeface="Times New Roman"/>
-                          <a:ea typeface="Times New Roman"/>
-                          <a:cs typeface="Times New Roman"/>
-                          <a:sym typeface="Times New Roman"/>
-                        </a:rPr>
-                        <a:t> для різних типів даних.</a:t>
-                      </a:r>
-                      <a:endParaRPr lang="uk" sz="1200" dirty="0" smtClean="0">
-                        <a:latin typeface="Times New Roman"/>
-                        <a:ea typeface="Times New Roman"/>
-                        <a:cs typeface="Times New Roman"/>
-                        <a:sym typeface="Times New Roman"/>
-                      </a:endParaRPr>
-                    </a:p>
-                  </a:txBody>
-                  <a:tcPr marL="68575" marR="68575" marT="91425" marB="91425">
-                    <a:lnL w="12650" cap="flat" cmpd="sng">
-                      <a:solidFill>
-                        <a:srgbClr val="000000"/>
-                      </a:solidFill>
-                      <a:prstDash val="solid"/>
-                      <a:round/>
-                      <a:headEnd type="none" w="med" len="med"/>
-                      <a:tailEnd type="none" w="med" len="med"/>
-                    </a:lnL>
-                    <a:lnR w="12650" cap="flat" cmpd="sng">
-                      <a:solidFill>
-                        <a:srgbClr val="000000"/>
-                      </a:solidFill>
-                      <a:prstDash val="solid"/>
-                      <a:round/>
-                      <a:headEnd type="none" w="med" len="med"/>
-                      <a:tailEnd type="none" w="med" len="med"/>
-                    </a:lnR>
-                    <a:lnT w="12650" cap="flat" cmpd="sng">
-                      <a:solidFill>
-                        <a:srgbClr val="000000"/>
-                      </a:solidFill>
-                      <a:prstDash val="solid"/>
-                      <a:round/>
-                      <a:headEnd type="none" w="med" len="med"/>
-                      <a:tailEnd type="none" w="med" len="med"/>
-                    </a:lnT>
-                    <a:lnB w="12650" cap="flat" cmpd="sng">
-                      <a:solidFill>
-                        <a:srgbClr val="000000"/>
-                      </a:solidFill>
-                      <a:prstDash val="solid"/>
-                      <a:round/>
-                      <a:headEnd type="none" w="med" len="med"/>
-                      <a:tailEnd type="none" w="med" len="med"/>
-                    </a:lnB>
-                  </a:tcPr>
-                </a:tc>
-                <a:tc>
-                  <a:txBody>
-                    <a:bodyPr/>
-                    <a:lstStyle/>
-                    <a:p>
-                      <a:pPr marL="0" lvl="0" indent="0" rtl="0">
-                        <a:lnSpc>
-                          <a:spcPct val="115000"/>
-                        </a:lnSpc>
-                        <a:spcBef>
-                          <a:spcPts val="0"/>
-                        </a:spcBef>
-                        <a:buNone/>
-                      </a:pPr>
-                      <a:r>
-                        <a:rPr lang="uk" sz="1200" dirty="0" smtClean="0">
-                          <a:latin typeface="Times New Roman"/>
-                          <a:ea typeface="Times New Roman"/>
-                          <a:cs typeface="Times New Roman"/>
-                          <a:sym typeface="Times New Roman"/>
-                        </a:rPr>
-                        <a:t>Програмна система розроблена і протестована.</a:t>
-                      </a:r>
-                    </a:p>
-                    <a:p>
-                      <a:pPr marL="0" lvl="0" indent="0" rtl="0">
-                        <a:lnSpc>
-                          <a:spcPct val="115000"/>
-                        </a:lnSpc>
-                        <a:spcBef>
-                          <a:spcPts val="0"/>
-                        </a:spcBef>
-                        <a:buNone/>
-                      </a:pPr>
-                      <a:endParaRPr lang="uk" sz="1200" dirty="0" smtClean="0">
-                        <a:latin typeface="Times New Roman"/>
-                        <a:ea typeface="Times New Roman"/>
-                        <a:cs typeface="Times New Roman"/>
-                        <a:sym typeface="Times New Roman"/>
-                      </a:endParaRPr>
-                    </a:p>
-                    <a:p>
-                      <a:pPr marL="0" lvl="0" indent="0" rtl="0">
-                        <a:lnSpc>
-                          <a:spcPct val="115000"/>
-                        </a:lnSpc>
-                        <a:spcBef>
-                          <a:spcPts val="0"/>
-                        </a:spcBef>
-                        <a:buNone/>
-                      </a:pPr>
-                      <a:r>
-                        <a:rPr lang="uk" sz="1200" dirty="0" smtClean="0">
-                          <a:latin typeface="Times New Roman"/>
-                          <a:ea typeface="Times New Roman"/>
-                          <a:cs typeface="Times New Roman"/>
-                          <a:sym typeface="Times New Roman"/>
-                        </a:rPr>
-                        <a:t>Результати роботи суттєво не відрізняються.</a:t>
-                      </a:r>
-                      <a:endParaRPr lang="uk" sz="1200" dirty="0">
-                        <a:latin typeface="Times New Roman"/>
-                        <a:ea typeface="Times New Roman"/>
-                        <a:cs typeface="Times New Roman"/>
-                        <a:sym typeface="Times New Roman"/>
-                      </a:endParaRPr>
-                    </a:p>
-                  </a:txBody>
-                  <a:tcPr marL="68575" marR="68575" marT="91425" marB="91425">
-                    <a:lnL w="12650" cap="flat" cmpd="sng">
-                      <a:solidFill>
-                        <a:srgbClr val="000000"/>
-                      </a:solidFill>
-                      <a:prstDash val="solid"/>
-                      <a:round/>
-                      <a:headEnd type="none" w="med" len="med"/>
-                      <a:tailEnd type="none" w="med" len="med"/>
-                    </a:lnL>
-                    <a:lnR w="12650" cap="flat" cmpd="sng">
-                      <a:solidFill>
-                        <a:srgbClr val="000000"/>
-                      </a:solidFill>
-                      <a:prstDash val="solid"/>
-                      <a:round/>
-                      <a:headEnd type="none" w="med" len="med"/>
-                      <a:tailEnd type="none" w="med" len="med"/>
-                    </a:lnR>
-                    <a:lnT w="12650" cap="flat" cmpd="sng">
-                      <a:solidFill>
-                        <a:srgbClr val="000000"/>
-                      </a:solidFill>
-                      <a:prstDash val="solid"/>
-                      <a:round/>
-                      <a:headEnd type="none" w="med" len="med"/>
-                      <a:tailEnd type="none" w="med" len="med"/>
-                    </a:lnT>
-                    <a:lnB w="12650" cap="flat" cmpd="sng">
-                      <a:solidFill>
-                        <a:srgbClr val="000000"/>
-                      </a:solidFill>
-                      <a:prstDash val="solid"/>
-                      <a:round/>
-                      <a:headEnd type="none" w="med" len="med"/>
-                      <a:tailEnd type="none" w="med" len="med"/>
-                    </a:lnB>
-                  </a:tcPr>
-                </a:tc>
-                <a:tc>
-                  <a:txBody>
-                    <a:bodyPr/>
-                    <a:lstStyle/>
-                    <a:p>
-                      <a:pPr marL="0" lvl="0" indent="0" rtl="0">
-                        <a:lnSpc>
-                          <a:spcPct val="115000"/>
-                        </a:lnSpc>
-                        <a:spcBef>
-                          <a:spcPts val="0"/>
-                        </a:spcBef>
-                        <a:buNone/>
-                      </a:pPr>
-                      <a:r>
-                        <a:rPr lang="uk" sz="1200" dirty="0" smtClean="0">
-                          <a:latin typeface="Times New Roman"/>
-                          <a:ea typeface="Times New Roman"/>
-                          <a:cs typeface="Times New Roman"/>
-                          <a:sym typeface="Times New Roman"/>
-                        </a:rPr>
-                        <a:t>Звіти про виконання тестування системи</a:t>
-                      </a:r>
-                    </a:p>
-                    <a:p>
-                      <a:pPr marL="0" lvl="0" indent="0" rtl="0">
-                        <a:lnSpc>
-                          <a:spcPct val="115000"/>
-                        </a:lnSpc>
-                        <a:spcBef>
-                          <a:spcPts val="0"/>
-                        </a:spcBef>
-                        <a:buNone/>
-                      </a:pPr>
-                      <a:endParaRPr lang="uk" sz="1200" dirty="0" smtClean="0">
-                        <a:latin typeface="Times New Roman"/>
-                        <a:ea typeface="Times New Roman"/>
-                        <a:cs typeface="Times New Roman"/>
-                        <a:sym typeface="Times New Roman"/>
-                      </a:endParaRPr>
-                    </a:p>
-                    <a:p>
-                      <a:pPr marL="0" lvl="0" indent="0" rtl="0">
-                        <a:lnSpc>
-                          <a:spcPct val="115000"/>
-                        </a:lnSpc>
-                        <a:spcBef>
-                          <a:spcPts val="0"/>
-                        </a:spcBef>
-                        <a:buNone/>
-                      </a:pPr>
-                      <a:r>
-                        <a:rPr lang="uk" sz="1200" dirty="0" smtClean="0">
-                          <a:latin typeface="Times New Roman"/>
-                          <a:ea typeface="Times New Roman"/>
-                          <a:cs typeface="Times New Roman"/>
-                          <a:sym typeface="Times New Roman"/>
-                        </a:rPr>
-                        <a:t>Звіт про виконання досліджень.</a:t>
-                      </a:r>
-                      <a:endParaRPr lang="uk" sz="1200" dirty="0">
-                        <a:latin typeface="Times New Roman"/>
-                        <a:ea typeface="Times New Roman"/>
-                        <a:cs typeface="Times New Roman"/>
-                        <a:sym typeface="Times New Roman"/>
-                      </a:endParaRPr>
-                    </a:p>
-                  </a:txBody>
-                  <a:tcPr marL="68575" marR="68575" marT="91425" marB="91425">
-                    <a:lnL w="12650" cap="flat" cmpd="sng">
-                      <a:solidFill>
-                        <a:srgbClr val="000000"/>
-                      </a:solidFill>
-                      <a:prstDash val="solid"/>
-                      <a:round/>
-                      <a:headEnd type="none" w="med" len="med"/>
-                      <a:tailEnd type="none" w="med" len="med"/>
-                    </a:lnL>
-                    <a:lnR w="12650" cap="flat" cmpd="sng">
-                      <a:solidFill>
-                        <a:srgbClr val="000000"/>
-                      </a:solidFill>
-                      <a:prstDash val="solid"/>
-                      <a:round/>
-                      <a:headEnd type="none" w="med" len="med"/>
-                      <a:tailEnd type="none" w="med" len="med"/>
-                    </a:lnR>
-                    <a:lnT w="12650" cap="flat" cmpd="sng">
-                      <a:solidFill>
-                        <a:srgbClr val="000000"/>
-                      </a:solidFill>
-                      <a:prstDash val="solid"/>
-                      <a:round/>
-                      <a:headEnd type="none" w="med" len="med"/>
-                      <a:tailEnd type="none" w="med" len="med"/>
-                    </a:lnT>
-                    <a:lnB w="12650" cap="flat" cmpd="sng">
-                      <a:solidFill>
-                        <a:srgbClr val="000000"/>
-                      </a:solidFill>
-                      <a:prstDash val="solid"/>
-                      <a:round/>
-                      <a:headEnd type="none" w="med" len="med"/>
-                      <a:tailEnd type="none" w="med" len="med"/>
-                    </a:lnB>
-                  </a:tcPr>
-                </a:tc>
-                <a:tc>
-                  <a:txBody>
-                    <a:bodyPr/>
-                    <a:lstStyle/>
-                    <a:p>
-                      <a:pPr marL="0" lvl="0" indent="0" rtl="0">
-                        <a:lnSpc>
-                          <a:spcPct val="115000"/>
-                        </a:lnSpc>
-                        <a:spcBef>
-                          <a:spcPts val="0"/>
-                        </a:spcBef>
-                        <a:buNone/>
-                      </a:pPr>
-                      <a:r>
-                        <a:rPr lang="uk" sz="1200" dirty="0" smtClean="0">
-                          <a:latin typeface="Times New Roman"/>
-                          <a:ea typeface="Times New Roman"/>
-                          <a:cs typeface="Times New Roman"/>
-                          <a:sym typeface="Times New Roman"/>
-                        </a:rPr>
-                        <a:t>Тестування</a:t>
-                      </a:r>
-                      <a:r>
-                        <a:rPr lang="uk" sz="1200" baseline="0" dirty="0" smtClean="0">
-                          <a:latin typeface="Times New Roman"/>
-                          <a:ea typeface="Times New Roman"/>
-                          <a:cs typeface="Times New Roman"/>
-                          <a:sym typeface="Times New Roman"/>
-                        </a:rPr>
-                        <a:t> алгоритму на різних типах і обсягах даних.</a:t>
-                      </a:r>
-                      <a:endParaRPr lang="uk" sz="1200" dirty="0">
-                        <a:latin typeface="Times New Roman"/>
-                        <a:ea typeface="Times New Roman"/>
-                        <a:cs typeface="Times New Roman"/>
-                        <a:sym typeface="Times New Roman"/>
-                      </a:endParaRPr>
-                    </a:p>
-                  </a:txBody>
-                  <a:tcPr marL="68575" marR="68575" marT="91425" marB="91425">
-                    <a:lnL w="12650" cap="flat" cmpd="sng">
-                      <a:solidFill>
-                        <a:srgbClr val="000000"/>
-                      </a:solidFill>
-                      <a:prstDash val="solid"/>
-                      <a:round/>
-                      <a:headEnd type="none" w="med" len="med"/>
-                      <a:tailEnd type="none" w="med" len="med"/>
-                    </a:lnL>
-                    <a:lnR w="12650" cap="flat" cmpd="sng">
-                      <a:solidFill>
-                        <a:srgbClr val="000000"/>
-                      </a:solidFill>
-                      <a:prstDash val="solid"/>
-                      <a:round/>
-                      <a:headEnd type="none" w="med" len="med"/>
-                      <a:tailEnd type="none" w="med" len="med"/>
-                    </a:lnR>
-                    <a:lnT w="12650" cap="flat" cmpd="sng">
-                      <a:solidFill>
-                        <a:srgbClr val="000000"/>
-                      </a:solidFill>
-                      <a:prstDash val="solid"/>
-                      <a:round/>
-                      <a:headEnd type="none" w="med" len="med"/>
-                      <a:tailEnd type="none" w="med" len="med"/>
-                    </a:lnT>
-                    <a:lnB w="12650" cap="flat" cmpd="sng">
-                      <a:solidFill>
-                        <a:srgbClr val="000000"/>
-                      </a:solidFill>
-                      <a:prstDash val="solid"/>
-                      <a:round/>
-                      <a:headEnd type="none" w="med" len="med"/>
-                      <a:tailEnd type="none" w="med" len="med"/>
-                    </a:lnB>
-                  </a:tcPr>
-                </a:tc>
-                <a:extLst>
-                  <a:ext uri="{0D108BD9-81ED-4DB2-BD59-A6C34878D82A}">
-                    <a16:rowId xmlns:a16="http://schemas.microsoft.com/office/drawing/2014/main" val="10002"/>
-                  </a:ext>
-                </a:extLst>
-              </a:tr>
-            </a:tbl>
-          </a:graphicData>
-        </a:graphic>
-      </p:graphicFrame>
+      <p:pic>
+        <p:nvPicPr>
+          <p:cNvPr id="5" name="Picture 4"/>
+          <p:cNvPicPr/>
+          <p:nvPr/>
+        </p:nvPicPr>
+        <p:blipFill>
+          <a:blip r:embed="rId3">
+            <a:extLst>
+              <a:ext uri="{28A0092B-C50C-407E-A947-70E740481C1C}">
+                <a14:useLocalDpi xmlns:a14="http://schemas.microsoft.com/office/drawing/2010/main" val="0"/>
+              </a:ext>
+            </a:extLst>
+          </a:blip>
+          <a:srcRect/>
+          <a:stretch>
+            <a:fillRect/>
+          </a:stretch>
+        </p:blipFill>
+        <p:spPr bwMode="auto">
+          <a:xfrm>
+            <a:off x="3294504" y="667495"/>
+            <a:ext cx="1936258" cy="4337123"/>
+          </a:xfrm>
+          <a:prstGeom prst="rect">
+            <a:avLst/>
+          </a:prstGeom>
+          <a:noFill/>
+          <a:ln>
+            <a:noFill/>
+          </a:ln>
+          <a:extLst/>
+        </p:spPr>
+      </p:pic>
     </p:spTree>
+    <p:extLst>
+      <p:ext uri="{BB962C8B-B14F-4D97-AF65-F5344CB8AC3E}">
+        <p14:creationId xmlns:p14="http://schemas.microsoft.com/office/powerpoint/2010/main" val="1249297738"/>
+      </p:ext>
+    </p:extLst>
   </p:cSld>
   <p:clrMapOvr>
     <a:masterClrMapping/>
@@ -18873,7 +15732,7 @@
   <p:cSld>
     <p:spTree>
       <p:nvGrpSpPr>
-        <p:cNvPr id="1" name="Shape 345"/>
+        <p:cNvPr id="1" name="Shape 317"/>
         <p:cNvGrpSpPr/>
         <p:nvPr/>
       </p:nvGrpSpPr>
@@ -18887,7 +15746,7 @@
       </p:grpSpPr>
       <p:sp>
         <p:nvSpPr>
-          <p:cNvPr id="346" name="Shape 346"/>
+          <p:cNvPr id="318" name="Shape 318"/>
           <p:cNvSpPr txBox="1">
             <a:spLocks noGrp="1"/>
           </p:cNvSpPr>
@@ -18897,46 +15756,36 @@
         </p:nvSpPr>
         <p:spPr>
           <a:xfrm>
-            <a:off x="1272700" y="28225"/>
-            <a:ext cx="7030500" cy="614700"/>
+            <a:off x="1303800" y="0"/>
+            <a:ext cx="7030500" cy="999300"/>
           </a:xfrm>
           <a:prstGeom prst="rect">
             <a:avLst/>
           </a:prstGeom>
         </p:spPr>
         <p:txBody>
-          <a:bodyPr wrap="square" lIns="91425" tIns="91425" rIns="91425" bIns="91425" anchor="ctr" anchorCtr="0">
+          <a:bodyPr wrap="square" lIns="91425" tIns="91425" rIns="91425" bIns="91425" anchor="t" anchorCtr="0">
             <a:noAutofit/>
           </a:bodyPr>
           <a:lstStyle/>
           <a:p>
-            <a:pPr marL="0" lvl="0" indent="0" rtl="0">
-              <a:lnSpc>
-                <a:spcPct val="100000"/>
-              </a:lnSpc>
+            <a:pPr marL="0" lvl="0" indent="0">
               <a:spcBef>
                 <a:spcPts val="0"/>
               </a:spcBef>
               <a:buNone/>
             </a:pPr>
             <a:r>
-              <a:rPr lang="uk" sz="2400">
-                <a:solidFill>
-                  <a:srgbClr val="000000"/>
-                </a:solidFill>
-                <a:latin typeface="Times New Roman"/>
-                <a:ea typeface="Times New Roman"/>
-                <a:cs typeface="Times New Roman"/>
-                <a:sym typeface="Times New Roman"/>
-              </a:rPr>
-              <a:t>Логіко-структурна матриця(4)</a:t>
+              <a:rPr lang="uk-UA" dirty="0" smtClean="0"/>
+              <a:t>Блок схема модифікованого алгоритму</a:t>
             </a:r>
+            <a:endParaRPr lang="uk" dirty="0"/>
           </a:p>
         </p:txBody>
       </p:sp>
       <p:sp>
         <p:nvSpPr>
-          <p:cNvPr id="347" name="Shape 347"/>
+          <p:cNvPr id="320" name="Shape 320"/>
           <p:cNvSpPr txBox="1">
             <a:spLocks noGrp="1"/>
           </p:cNvSpPr>
@@ -18959,10 +15808,7 @@
           </a:bodyPr>
           <a:lstStyle/>
           <a:p>
-            <a:pPr marL="0" lvl="0" indent="0" rtl="0">
-              <a:lnSpc>
-                <a:spcPct val="100000"/>
-              </a:lnSpc>
+            <a:pPr marL="0" lvl="0" indent="0">
               <a:spcBef>
                 <a:spcPts val="0"/>
               </a:spcBef>
@@ -18976,1507 +15822,34 @@
           </a:p>
         </p:txBody>
       </p:sp>
-      <p:graphicFrame>
-        <p:nvGraphicFramePr>
-          <p:cNvPr id="348" name="Shape 348"/>
-          <p:cNvGraphicFramePr/>
-          <p:nvPr>
-            <p:extLst>
-              <p:ext uri="{D42A27DB-BD31-4B8C-83A1-F6EECF244321}">
-                <p14:modId xmlns:p14="http://schemas.microsoft.com/office/powerpoint/2010/main" val="1825992924"/>
-              </p:ext>
-            </p:extLst>
-          </p:nvPr>
-        </p:nvGraphicFramePr>
-        <p:xfrm>
-          <a:off x="0" y="564215"/>
-          <a:ext cx="9074525" cy="5263044"/>
-        </p:xfrm>
-        <a:graphic>
-          <a:graphicData uri="http://schemas.openxmlformats.org/drawingml/2006/table">
-            <a:tbl>
-              <a:tblPr>
-                <a:noFill/>
-                <a:tableStyleId>{344513D4-3CC4-4AE7-BB52-9E0CC6B0FADD}</a:tableStyleId>
-              </a:tblPr>
-              <a:tblGrid>
-                <a:gridCol w="4192859">
-                  <a:extLst>
-                    <a:ext uri="{9D8B030D-6E8A-4147-A177-3AD203B41FA5}">
-                      <a16:colId xmlns:a16="http://schemas.microsoft.com/office/drawing/2014/main" val="20000"/>
-                    </a:ext>
-                  </a:extLst>
-                </a:gridCol>
-                <a:gridCol w="1801366">
-                  <a:extLst>
-                    <a:ext uri="{9D8B030D-6E8A-4147-A177-3AD203B41FA5}">
-                      <a16:colId xmlns:a16="http://schemas.microsoft.com/office/drawing/2014/main" val="20001"/>
-                    </a:ext>
-                  </a:extLst>
-                </a:gridCol>
-                <a:gridCol w="1223875">
-                  <a:extLst>
-                    <a:ext uri="{9D8B030D-6E8A-4147-A177-3AD203B41FA5}">
-                      <a16:colId xmlns:a16="http://schemas.microsoft.com/office/drawing/2014/main" val="20002"/>
-                    </a:ext>
-                  </a:extLst>
-                </a:gridCol>
-                <a:gridCol w="1856425">
-                  <a:extLst>
-                    <a:ext uri="{9D8B030D-6E8A-4147-A177-3AD203B41FA5}">
-                      <a16:colId xmlns:a16="http://schemas.microsoft.com/office/drawing/2014/main" val="20003"/>
-                    </a:ext>
-                  </a:extLst>
-                </a:gridCol>
-              </a:tblGrid>
-              <a:tr h="0">
-                <a:tc>
-                  <a:txBody>
-                    <a:bodyPr/>
-                    <a:lstStyle/>
-                    <a:p>
-                      <a:pPr marL="0" lvl="0" indent="0" rtl="0">
-                        <a:lnSpc>
-                          <a:spcPct val="115000"/>
-                        </a:lnSpc>
-                        <a:spcBef>
-                          <a:spcPts val="0"/>
-                        </a:spcBef>
-                        <a:buNone/>
-                      </a:pPr>
-                      <a:r>
-                        <a:rPr lang="uk" sz="1200" dirty="0">
-                          <a:latin typeface="Times New Roman"/>
-                          <a:ea typeface="Times New Roman"/>
-                          <a:cs typeface="Times New Roman"/>
-                          <a:sym typeface="Times New Roman"/>
-                        </a:rPr>
-                        <a:t>Дії</a:t>
-                      </a:r>
-                    </a:p>
-                  </a:txBody>
-                  <a:tcPr marL="68575" marR="68575" marT="91425" marB="91425">
-                    <a:lnL w="12650" cap="flat" cmpd="sng">
-                      <a:solidFill>
-                        <a:srgbClr val="000000"/>
-                      </a:solidFill>
-                      <a:prstDash val="solid"/>
-                      <a:round/>
-                      <a:headEnd type="none" w="med" len="med"/>
-                      <a:tailEnd type="none" w="med" len="med"/>
-                    </a:lnL>
-                    <a:lnR w="12650" cap="flat" cmpd="sng">
-                      <a:solidFill>
-                        <a:srgbClr val="000000"/>
-                      </a:solidFill>
-                      <a:prstDash val="solid"/>
-                      <a:round/>
-                      <a:headEnd type="none" w="med" len="med"/>
-                      <a:tailEnd type="none" w="med" len="med"/>
-                    </a:lnR>
-                    <a:lnT w="12650" cap="flat" cmpd="sng">
-                      <a:solidFill>
-                        <a:srgbClr val="000000"/>
-                      </a:solidFill>
-                      <a:prstDash val="solid"/>
-                      <a:round/>
-                      <a:headEnd type="none" w="med" len="med"/>
-                      <a:tailEnd type="none" w="med" len="med"/>
-                    </a:lnT>
-                    <a:lnB w="12650" cap="flat" cmpd="sng">
-                      <a:solidFill>
-                        <a:srgbClr val="000000"/>
-                      </a:solidFill>
-                      <a:prstDash val="solid"/>
-                      <a:round/>
-                      <a:headEnd type="none" w="med" len="med"/>
-                      <a:tailEnd type="none" w="med" len="med"/>
-                    </a:lnB>
-                    <a:solidFill>
-                      <a:srgbClr val="FABF8F"/>
-                    </a:solidFill>
-                  </a:tcPr>
-                </a:tc>
-                <a:tc>
-                  <a:txBody>
-                    <a:bodyPr/>
-                    <a:lstStyle/>
-                    <a:p>
-                      <a:pPr marL="0" lvl="0" indent="0" rtl="0">
-                        <a:lnSpc>
-                          <a:spcPct val="115000"/>
-                        </a:lnSpc>
-                        <a:spcBef>
-                          <a:spcPts val="0"/>
-                        </a:spcBef>
-                        <a:buNone/>
-                      </a:pPr>
-                      <a:r>
-                        <a:rPr lang="uk" sz="1200">
-                          <a:latin typeface="Times New Roman"/>
-                          <a:ea typeface="Times New Roman"/>
-                          <a:cs typeface="Times New Roman"/>
-                          <a:sym typeface="Times New Roman"/>
-                        </a:rPr>
-                        <a:t>Ресурси.</a:t>
-                      </a:r>
-                    </a:p>
-                  </a:txBody>
-                  <a:tcPr marL="68575" marR="68575" marT="91425" marB="91425">
-                    <a:lnL w="12650" cap="flat" cmpd="sng">
-                      <a:solidFill>
-                        <a:srgbClr val="000000"/>
-                      </a:solidFill>
-                      <a:prstDash val="solid"/>
-                      <a:round/>
-                      <a:headEnd type="none" w="med" len="med"/>
-                      <a:tailEnd type="none" w="med" len="med"/>
-                    </a:lnL>
-                    <a:lnR w="12650" cap="flat" cmpd="sng">
-                      <a:solidFill>
-                        <a:srgbClr val="000000"/>
-                      </a:solidFill>
-                      <a:prstDash val="solid"/>
-                      <a:round/>
-                      <a:headEnd type="none" w="med" len="med"/>
-                      <a:tailEnd type="none" w="med" len="med"/>
-                    </a:lnR>
-                    <a:lnT w="12650" cap="flat" cmpd="sng">
-                      <a:solidFill>
-                        <a:srgbClr val="000000"/>
-                      </a:solidFill>
-                      <a:prstDash val="solid"/>
-                      <a:round/>
-                      <a:headEnd type="none" w="med" len="med"/>
-                      <a:tailEnd type="none" w="med" len="med"/>
-                    </a:lnT>
-                    <a:lnB w="12650" cap="flat" cmpd="sng">
-                      <a:solidFill>
-                        <a:srgbClr val="000000"/>
-                      </a:solidFill>
-                      <a:prstDash val="solid"/>
-                      <a:round/>
-                      <a:headEnd type="none" w="med" len="med"/>
-                      <a:tailEnd type="none" w="med" len="med"/>
-                    </a:lnB>
-                    <a:solidFill>
-                      <a:srgbClr val="FABF8F"/>
-                    </a:solidFill>
-                  </a:tcPr>
-                </a:tc>
-                <a:tc>
-                  <a:txBody>
-                    <a:bodyPr/>
-                    <a:lstStyle/>
-                    <a:p>
-                      <a:pPr marL="0" lvl="0" indent="0" rtl="0">
-                        <a:lnSpc>
-                          <a:spcPct val="115000"/>
-                        </a:lnSpc>
-                        <a:spcBef>
-                          <a:spcPts val="0"/>
-                        </a:spcBef>
-                        <a:buNone/>
-                      </a:pPr>
-                      <a:r>
-                        <a:rPr lang="uk" sz="1200">
-                          <a:latin typeface="Times New Roman"/>
-                          <a:ea typeface="Times New Roman"/>
-                          <a:cs typeface="Times New Roman"/>
-                          <a:sym typeface="Times New Roman"/>
-                        </a:rPr>
-                        <a:t>Витрати.</a:t>
-                      </a:r>
-                    </a:p>
-                  </a:txBody>
-                  <a:tcPr marL="68575" marR="68575" marT="91425" marB="91425">
-                    <a:lnL w="12650" cap="flat" cmpd="sng">
-                      <a:solidFill>
-                        <a:srgbClr val="000000"/>
-                      </a:solidFill>
-                      <a:prstDash val="solid"/>
-                      <a:round/>
-                      <a:headEnd type="none" w="med" len="med"/>
-                      <a:tailEnd type="none" w="med" len="med"/>
-                    </a:lnL>
-                    <a:lnR w="12650" cap="flat" cmpd="sng">
-                      <a:solidFill>
-                        <a:srgbClr val="000000"/>
-                      </a:solidFill>
-                      <a:prstDash val="solid"/>
-                      <a:round/>
-                      <a:headEnd type="none" w="med" len="med"/>
-                      <a:tailEnd type="none" w="med" len="med"/>
-                    </a:lnR>
-                    <a:lnT w="12650" cap="flat" cmpd="sng">
-                      <a:solidFill>
-                        <a:srgbClr val="000000"/>
-                      </a:solidFill>
-                      <a:prstDash val="solid"/>
-                      <a:round/>
-                      <a:headEnd type="none" w="med" len="med"/>
-                      <a:tailEnd type="none" w="med" len="med"/>
-                    </a:lnT>
-                    <a:lnB w="12650" cap="flat" cmpd="sng">
-                      <a:solidFill>
-                        <a:srgbClr val="000000"/>
-                      </a:solidFill>
-                      <a:prstDash val="solid"/>
-                      <a:round/>
-                      <a:headEnd type="none" w="med" len="med"/>
-                      <a:tailEnd type="none" w="med" len="med"/>
-                    </a:lnB>
-                    <a:solidFill>
-                      <a:srgbClr val="FABF8F"/>
-                    </a:solidFill>
-                  </a:tcPr>
-                </a:tc>
-                <a:tc>
-                  <a:txBody>
-                    <a:bodyPr/>
-                    <a:lstStyle/>
-                    <a:p>
-                      <a:pPr marL="0" lvl="0" indent="0" rtl="0">
-                        <a:lnSpc>
-                          <a:spcPct val="115000"/>
-                        </a:lnSpc>
-                        <a:spcBef>
-                          <a:spcPts val="0"/>
-                        </a:spcBef>
-                        <a:buNone/>
-                      </a:pPr>
-                      <a:r>
-                        <a:rPr lang="uk" sz="1200">
-                          <a:latin typeface="Times New Roman"/>
-                          <a:ea typeface="Times New Roman"/>
-                          <a:cs typeface="Times New Roman"/>
-                          <a:sym typeface="Times New Roman"/>
-                        </a:rPr>
-                        <a:t>Припущення, ризики та передумови.</a:t>
-                      </a:r>
-                    </a:p>
-                  </a:txBody>
-                  <a:tcPr marL="68575" marR="68575" marT="91425" marB="91425">
-                    <a:lnL w="12650" cap="flat" cmpd="sng">
-                      <a:solidFill>
-                        <a:srgbClr val="000000"/>
-                      </a:solidFill>
-                      <a:prstDash val="solid"/>
-                      <a:round/>
-                      <a:headEnd type="none" w="med" len="med"/>
-                      <a:tailEnd type="none" w="med" len="med"/>
-                    </a:lnL>
-                    <a:lnR w="12650" cap="flat" cmpd="sng">
-                      <a:solidFill>
-                        <a:srgbClr val="000000"/>
-                      </a:solidFill>
-                      <a:prstDash val="solid"/>
-                      <a:round/>
-                      <a:headEnd type="none" w="med" len="med"/>
-                      <a:tailEnd type="none" w="med" len="med"/>
-                    </a:lnR>
-                    <a:lnT w="12650" cap="flat" cmpd="sng">
-                      <a:solidFill>
-                        <a:srgbClr val="000000"/>
-                      </a:solidFill>
-                      <a:prstDash val="solid"/>
-                      <a:round/>
-                      <a:headEnd type="none" w="med" len="med"/>
-                      <a:tailEnd type="none" w="med" len="med"/>
-                    </a:lnT>
-                    <a:lnB w="12650" cap="flat" cmpd="sng">
-                      <a:solidFill>
-                        <a:srgbClr val="000000"/>
-                      </a:solidFill>
-                      <a:prstDash val="solid"/>
-                      <a:round/>
-                      <a:headEnd type="none" w="med" len="med"/>
-                      <a:tailEnd type="none" w="med" len="med"/>
-                    </a:lnB>
-                    <a:solidFill>
-                      <a:srgbClr val="FABF8F"/>
-                    </a:solidFill>
-                  </a:tcPr>
-                </a:tc>
-                <a:extLst>
-                  <a:ext uri="{0D108BD9-81ED-4DB2-BD59-A6C34878D82A}">
-                    <a16:rowId xmlns:a16="http://schemas.microsoft.com/office/drawing/2014/main" val="10000"/>
-                  </a:ext>
-                </a:extLst>
-              </a:tr>
-              <a:tr h="1352691">
-                <a:tc>
-                  <a:txBody>
-                    <a:bodyPr/>
-                    <a:lstStyle/>
-                    <a:p>
-                      <a:pPr marL="0" lvl="0" indent="0" rtl="0">
-                        <a:lnSpc>
-                          <a:spcPct val="115000"/>
-                        </a:lnSpc>
-                        <a:spcBef>
-                          <a:spcPts val="0"/>
-                        </a:spcBef>
-                        <a:buNone/>
-                      </a:pPr>
-                      <a:r>
-                        <a:rPr lang="uk" sz="1100">
-                          <a:latin typeface="Times New Roman"/>
-                          <a:ea typeface="Times New Roman"/>
-                          <a:cs typeface="Times New Roman"/>
-                          <a:sym typeface="Times New Roman"/>
-                        </a:rPr>
-                        <a:t>Які основні заходи будуть здійснюватись (згруповані у етапи роботи) та в якій послідовності вони будуть проводитись для того, щоб отримати очікувані результати?</a:t>
-                      </a:r>
-                    </a:p>
-                  </a:txBody>
-                  <a:tcPr marL="68575" marR="68575" marT="91425" marB="91425">
-                    <a:lnL w="12650" cap="flat" cmpd="sng">
-                      <a:solidFill>
-                        <a:srgbClr val="000000"/>
-                      </a:solidFill>
-                      <a:prstDash val="solid"/>
-                      <a:round/>
-                      <a:headEnd type="none" w="med" len="med"/>
-                      <a:tailEnd type="none" w="med" len="med"/>
-                    </a:lnL>
-                    <a:lnR w="12650" cap="flat" cmpd="sng">
-                      <a:solidFill>
-                        <a:srgbClr val="000000"/>
-                      </a:solidFill>
-                      <a:prstDash val="solid"/>
-                      <a:round/>
-                      <a:headEnd type="none" w="med" len="med"/>
-                      <a:tailEnd type="none" w="med" len="med"/>
-                    </a:lnR>
-                    <a:lnT w="12650" cap="flat" cmpd="sng">
-                      <a:solidFill>
-                        <a:srgbClr val="000000"/>
-                      </a:solidFill>
-                      <a:prstDash val="solid"/>
-                      <a:round/>
-                      <a:headEnd type="none" w="med" len="med"/>
-                      <a:tailEnd type="none" w="med" len="med"/>
-                    </a:lnT>
-                    <a:lnB w="12650" cap="flat" cmpd="sng">
-                      <a:solidFill>
-                        <a:srgbClr val="000000"/>
-                      </a:solidFill>
-                      <a:prstDash val="solid"/>
-                      <a:round/>
-                      <a:headEnd type="none" w="med" len="med"/>
-                      <a:tailEnd type="none" w="med" len="med"/>
-                    </a:lnB>
-                    <a:solidFill>
-                      <a:srgbClr val="C2D69B"/>
-                    </a:solidFill>
-                  </a:tcPr>
-                </a:tc>
-                <a:tc>
-                  <a:txBody>
-                    <a:bodyPr/>
-                    <a:lstStyle/>
-                    <a:p>
-                      <a:pPr marL="0" lvl="0" indent="0" rtl="0">
-                        <a:lnSpc>
-                          <a:spcPct val="115000"/>
-                        </a:lnSpc>
-                        <a:spcBef>
-                          <a:spcPts val="0"/>
-                        </a:spcBef>
-                        <a:buNone/>
-                      </a:pPr>
-                      <a:r>
-                        <a:rPr lang="uk" sz="1100">
-                          <a:latin typeface="Times New Roman"/>
-                          <a:ea typeface="Times New Roman"/>
-                          <a:cs typeface="Times New Roman"/>
-                          <a:sym typeface="Times New Roman"/>
-                        </a:rPr>
-                        <a:t>Які ресурси  необхідні для здійснення цих видів діяльності?</a:t>
-                      </a:r>
-                    </a:p>
-                  </a:txBody>
-                  <a:tcPr marL="68575" marR="68575" marT="91425" marB="91425">
-                    <a:lnL w="12650" cap="flat" cmpd="sng">
-                      <a:solidFill>
-                        <a:srgbClr val="000000"/>
-                      </a:solidFill>
-                      <a:prstDash val="solid"/>
-                      <a:round/>
-                      <a:headEnd type="none" w="med" len="med"/>
-                      <a:tailEnd type="none" w="med" len="med"/>
-                    </a:lnL>
-                    <a:lnR w="12650" cap="flat" cmpd="sng">
-                      <a:solidFill>
-                        <a:srgbClr val="000000"/>
-                      </a:solidFill>
-                      <a:prstDash val="solid"/>
-                      <a:round/>
-                      <a:headEnd type="none" w="med" len="med"/>
-                      <a:tailEnd type="none" w="med" len="med"/>
-                    </a:lnR>
-                    <a:lnT w="12650" cap="flat" cmpd="sng">
-                      <a:solidFill>
-                        <a:srgbClr val="000000"/>
-                      </a:solidFill>
-                      <a:prstDash val="solid"/>
-                      <a:round/>
-                      <a:headEnd type="none" w="med" len="med"/>
-                      <a:tailEnd type="none" w="med" len="med"/>
-                    </a:lnT>
-                    <a:lnB w="12650" cap="flat" cmpd="sng">
-                      <a:solidFill>
-                        <a:srgbClr val="000000"/>
-                      </a:solidFill>
-                      <a:prstDash val="solid"/>
-                      <a:round/>
-                      <a:headEnd type="none" w="med" len="med"/>
-                      <a:tailEnd type="none" w="med" len="med"/>
-                    </a:lnB>
-                    <a:solidFill>
-                      <a:srgbClr val="C2D69B"/>
-                    </a:solidFill>
-                  </a:tcPr>
-                </a:tc>
-                <a:tc>
-                  <a:txBody>
-                    <a:bodyPr/>
-                    <a:lstStyle/>
-                    <a:p>
-                      <a:pPr marL="0" lvl="0" indent="0" rtl="0">
-                        <a:lnSpc>
-                          <a:spcPct val="115000"/>
-                        </a:lnSpc>
-                        <a:spcBef>
-                          <a:spcPts val="0"/>
-                        </a:spcBef>
-                        <a:buNone/>
-                      </a:pPr>
-                      <a:r>
-                        <a:rPr lang="uk" sz="1200">
-                          <a:latin typeface="Times New Roman"/>
-                          <a:ea typeface="Times New Roman"/>
-                          <a:cs typeface="Times New Roman"/>
-                          <a:sym typeface="Times New Roman"/>
-                        </a:rPr>
-                        <a:t>Якою буде загальна вартість реалізації проекту?</a:t>
-                      </a:r>
-                    </a:p>
-                  </a:txBody>
-                  <a:tcPr marL="68575" marR="68575" marT="91425" marB="91425">
-                    <a:lnL w="12650" cap="flat" cmpd="sng">
-                      <a:solidFill>
-                        <a:srgbClr val="000000"/>
-                      </a:solidFill>
-                      <a:prstDash val="solid"/>
-                      <a:round/>
-                      <a:headEnd type="none" w="med" len="med"/>
-                      <a:tailEnd type="none" w="med" len="med"/>
-                    </a:lnL>
-                    <a:lnR w="12650" cap="flat" cmpd="sng">
-                      <a:solidFill>
-                        <a:srgbClr val="000000"/>
-                      </a:solidFill>
-                      <a:prstDash val="solid"/>
-                      <a:round/>
-                      <a:headEnd type="none" w="med" len="med"/>
-                      <a:tailEnd type="none" w="med" len="med"/>
-                    </a:lnR>
-                    <a:lnT w="12650" cap="flat" cmpd="sng">
-                      <a:solidFill>
-                        <a:srgbClr val="000000"/>
-                      </a:solidFill>
-                      <a:prstDash val="solid"/>
-                      <a:round/>
-                      <a:headEnd type="none" w="med" len="med"/>
-                      <a:tailEnd type="none" w="med" len="med"/>
-                    </a:lnT>
-                    <a:lnB w="12650" cap="flat" cmpd="sng">
-                      <a:solidFill>
-                        <a:srgbClr val="000000"/>
-                      </a:solidFill>
-                      <a:prstDash val="solid"/>
-                      <a:round/>
-                      <a:headEnd type="none" w="med" len="med"/>
-                      <a:tailEnd type="none" w="med" len="med"/>
-                    </a:lnB>
-                    <a:solidFill>
-                      <a:srgbClr val="C2D69B"/>
-                    </a:solidFill>
-                  </a:tcPr>
-                </a:tc>
-                <a:tc>
-                  <a:txBody>
-                    <a:bodyPr/>
-                    <a:lstStyle/>
-                    <a:p>
-                      <a:pPr marL="0" lvl="0" indent="0" rtl="0">
-                        <a:lnSpc>
-                          <a:spcPct val="115000"/>
-                        </a:lnSpc>
-                        <a:spcBef>
-                          <a:spcPts val="0"/>
-                        </a:spcBef>
-                        <a:buNone/>
-                      </a:pPr>
-                      <a:r>
-                        <a:rPr lang="uk" sz="1100">
-                          <a:latin typeface="Times New Roman"/>
-                          <a:ea typeface="Times New Roman"/>
-                          <a:cs typeface="Times New Roman"/>
-                          <a:sym typeface="Times New Roman"/>
-                        </a:rPr>
-                        <a:t>Які попередні умови потрібні до початку проекту? Які умови  поза  прямого контролю проекту повинні бути присутніми  для здійснення запланованих заходів?</a:t>
-                      </a:r>
-                    </a:p>
-                  </a:txBody>
-                  <a:tcPr marL="68575" marR="68575" marT="91425" marB="91425">
-                    <a:lnL w="12650" cap="flat" cmpd="sng">
-                      <a:solidFill>
-                        <a:srgbClr val="000000"/>
-                      </a:solidFill>
-                      <a:prstDash val="solid"/>
-                      <a:round/>
-                      <a:headEnd type="none" w="med" len="med"/>
-                      <a:tailEnd type="none" w="med" len="med"/>
-                    </a:lnL>
-                    <a:lnR w="12650" cap="flat" cmpd="sng">
-                      <a:solidFill>
-                        <a:srgbClr val="000000"/>
-                      </a:solidFill>
-                      <a:prstDash val="solid"/>
-                      <a:round/>
-                      <a:headEnd type="none" w="med" len="med"/>
-                      <a:tailEnd type="none" w="med" len="med"/>
-                    </a:lnR>
-                    <a:lnT w="12650" cap="flat" cmpd="sng">
-                      <a:solidFill>
-                        <a:srgbClr val="000000"/>
-                      </a:solidFill>
-                      <a:prstDash val="solid"/>
-                      <a:round/>
-                      <a:headEnd type="none" w="med" len="med"/>
-                      <a:tailEnd type="none" w="med" len="med"/>
-                    </a:lnT>
-                    <a:lnB w="12650" cap="flat" cmpd="sng">
-                      <a:solidFill>
-                        <a:srgbClr val="000000"/>
-                      </a:solidFill>
-                      <a:prstDash val="solid"/>
-                      <a:round/>
-                      <a:headEnd type="none" w="med" len="med"/>
-                      <a:tailEnd type="none" w="med" len="med"/>
-                    </a:lnB>
-                    <a:solidFill>
-                      <a:srgbClr val="C2D69B"/>
-                    </a:solidFill>
-                  </a:tcPr>
-                </a:tc>
-                <a:extLst>
-                  <a:ext uri="{0D108BD9-81ED-4DB2-BD59-A6C34878D82A}">
-                    <a16:rowId xmlns:a16="http://schemas.microsoft.com/office/drawing/2014/main" val="10001"/>
-                  </a:ext>
-                </a:extLst>
-              </a:tr>
-              <a:tr h="2773584">
-                <a:tc>
-                  <a:txBody>
-                    <a:bodyPr/>
-                    <a:lstStyle/>
-                    <a:p>
-                      <a:pPr marL="0" lvl="0" indent="0" rtl="0">
-                        <a:lnSpc>
-                          <a:spcPct val="115000"/>
-                        </a:lnSpc>
-                        <a:spcBef>
-                          <a:spcPts val="0"/>
-                        </a:spcBef>
-                        <a:buNone/>
-                      </a:pPr>
-                      <a:r>
-                        <a:rPr lang="uk" sz="1200" dirty="0">
-                          <a:latin typeface="Times New Roman"/>
-                          <a:ea typeface="Times New Roman"/>
-                          <a:cs typeface="Times New Roman"/>
-                          <a:sym typeface="Times New Roman"/>
-                        </a:rPr>
-                        <a:t>1.</a:t>
-                      </a:r>
-                      <a:r>
-                        <a:rPr lang="uk" sz="700" dirty="0">
-                          <a:latin typeface="Times New Roman"/>
-                          <a:ea typeface="Times New Roman"/>
-                          <a:cs typeface="Times New Roman"/>
-                          <a:sym typeface="Times New Roman"/>
-                        </a:rPr>
-                        <a:t>      </a:t>
-                      </a:r>
-                      <a:r>
-                        <a:rPr lang="uk" sz="1200" dirty="0">
-                          <a:latin typeface="Times New Roman"/>
-                          <a:ea typeface="Times New Roman"/>
-                          <a:cs typeface="Times New Roman"/>
-                          <a:sym typeface="Times New Roman"/>
-                        </a:rPr>
-                        <a:t>Ознайомлення із літературними джерелами в даній предметній області.</a:t>
-                      </a:r>
-                    </a:p>
-                    <a:p>
-                      <a:pPr marL="0" lvl="0" indent="0" rtl="0">
-                        <a:lnSpc>
-                          <a:spcPct val="115000"/>
-                        </a:lnSpc>
-                        <a:spcBef>
-                          <a:spcPts val="0"/>
-                        </a:spcBef>
-                        <a:buNone/>
-                      </a:pPr>
-                      <a:r>
-                        <a:rPr lang="uk" sz="1200" dirty="0">
-                          <a:latin typeface="Times New Roman"/>
-                          <a:ea typeface="Times New Roman"/>
-                          <a:cs typeface="Times New Roman"/>
-                          <a:sym typeface="Times New Roman"/>
-                        </a:rPr>
-                        <a:t>2.</a:t>
-                      </a:r>
-                      <a:r>
-                        <a:rPr lang="uk" sz="700" dirty="0">
-                          <a:latin typeface="Times New Roman"/>
-                          <a:ea typeface="Times New Roman"/>
-                          <a:cs typeface="Times New Roman"/>
-                          <a:sym typeface="Times New Roman"/>
-                        </a:rPr>
-                        <a:t>      </a:t>
-                      </a:r>
-                      <a:r>
-                        <a:rPr lang="uk" sz="1200" dirty="0" smtClean="0">
-                          <a:latin typeface="Times New Roman"/>
-                          <a:ea typeface="Times New Roman"/>
-                          <a:cs typeface="Times New Roman"/>
-                          <a:sym typeface="Times New Roman"/>
-                        </a:rPr>
-                        <a:t>Ознайомлення</a:t>
-                      </a:r>
-                      <a:r>
-                        <a:rPr lang="uk" sz="1200" baseline="0" dirty="0" smtClean="0">
-                          <a:latin typeface="Times New Roman"/>
-                          <a:ea typeface="Times New Roman"/>
-                          <a:cs typeface="Times New Roman"/>
-                          <a:sym typeface="Times New Roman"/>
-                        </a:rPr>
-                        <a:t> та розуміння принципу роботи алгоритму, пошук переваг та недоліків</a:t>
-                      </a:r>
-                      <a:r>
-                        <a:rPr lang="uk" sz="1200" dirty="0" smtClean="0">
-                          <a:latin typeface="Times New Roman"/>
-                          <a:ea typeface="Times New Roman"/>
-                          <a:cs typeface="Times New Roman"/>
-                          <a:sym typeface="Times New Roman"/>
-                        </a:rPr>
-                        <a:t>.</a:t>
-                      </a:r>
-                      <a:endParaRPr lang="uk" sz="1200" dirty="0">
-                        <a:latin typeface="Times New Roman"/>
-                        <a:ea typeface="Times New Roman"/>
-                        <a:cs typeface="Times New Roman"/>
-                        <a:sym typeface="Times New Roman"/>
-                      </a:endParaRPr>
-                    </a:p>
-                    <a:p>
-                      <a:pPr marL="0" lvl="0" indent="0" rtl="0">
-                        <a:lnSpc>
-                          <a:spcPct val="115000"/>
-                        </a:lnSpc>
-                        <a:spcBef>
-                          <a:spcPts val="0"/>
-                        </a:spcBef>
-                        <a:buNone/>
-                      </a:pPr>
-                      <a:r>
-                        <a:rPr lang="uk" sz="1200" dirty="0">
-                          <a:latin typeface="Times New Roman"/>
-                          <a:ea typeface="Times New Roman"/>
-                          <a:cs typeface="Times New Roman"/>
-                          <a:sym typeface="Times New Roman"/>
-                        </a:rPr>
-                        <a:t>3.</a:t>
-                      </a:r>
-                      <a:r>
-                        <a:rPr lang="uk" sz="700" dirty="0">
-                          <a:latin typeface="Times New Roman"/>
-                          <a:ea typeface="Times New Roman"/>
-                          <a:cs typeface="Times New Roman"/>
-                          <a:sym typeface="Times New Roman"/>
-                        </a:rPr>
-                        <a:t>      </a:t>
-                      </a:r>
-                      <a:r>
-                        <a:rPr lang="uk" sz="1200" dirty="0" smtClean="0">
-                          <a:latin typeface="Times New Roman"/>
-                          <a:ea typeface="Times New Roman"/>
-                          <a:cs typeface="Times New Roman"/>
-                          <a:sym typeface="Times New Roman"/>
-                        </a:rPr>
-                        <a:t>Ознайомлення із технологією</a:t>
-                      </a:r>
-                      <a:r>
-                        <a:rPr lang="uk" sz="1200" baseline="0" dirty="0" smtClean="0">
-                          <a:latin typeface="Times New Roman"/>
-                          <a:ea typeface="Times New Roman"/>
-                          <a:cs typeface="Times New Roman"/>
-                          <a:sym typeface="Times New Roman"/>
-                        </a:rPr>
-                        <a:t> </a:t>
-                      </a:r>
-                      <a:r>
-                        <a:rPr lang="en-US" sz="1200" baseline="0" dirty="0" smtClean="0">
-                          <a:latin typeface="Times New Roman"/>
-                          <a:ea typeface="Times New Roman"/>
-                          <a:cs typeface="Times New Roman"/>
-                          <a:sym typeface="Times New Roman"/>
-                        </a:rPr>
-                        <a:t>Hadoop.</a:t>
-                      </a:r>
-                      <a:endParaRPr lang="uk" sz="1200" dirty="0">
-                        <a:latin typeface="Times New Roman"/>
-                        <a:ea typeface="Times New Roman"/>
-                        <a:cs typeface="Times New Roman"/>
-                        <a:sym typeface="Times New Roman"/>
-                      </a:endParaRPr>
-                    </a:p>
-                    <a:p>
-                      <a:pPr marL="0" lvl="0" indent="0" rtl="0">
-                        <a:lnSpc>
-                          <a:spcPct val="115000"/>
-                        </a:lnSpc>
-                        <a:spcBef>
-                          <a:spcPts val="0"/>
-                        </a:spcBef>
-                        <a:buNone/>
-                      </a:pPr>
-                      <a:r>
-                        <a:rPr lang="uk" sz="1200" dirty="0">
-                          <a:latin typeface="Times New Roman"/>
-                          <a:ea typeface="Times New Roman"/>
-                          <a:cs typeface="Times New Roman"/>
-                          <a:sym typeface="Times New Roman"/>
-                        </a:rPr>
-                        <a:t>4.</a:t>
-                      </a:r>
-                      <a:r>
-                        <a:rPr lang="uk" sz="700" dirty="0">
-                          <a:latin typeface="Times New Roman"/>
-                          <a:ea typeface="Times New Roman"/>
-                          <a:cs typeface="Times New Roman"/>
-                          <a:sym typeface="Times New Roman"/>
-                        </a:rPr>
-                        <a:t>     </a:t>
-                      </a:r>
-                      <a:r>
-                        <a:rPr lang="uk" sz="700" dirty="0" smtClean="0">
-                          <a:latin typeface="Times New Roman"/>
-                          <a:ea typeface="Times New Roman"/>
-                          <a:cs typeface="Times New Roman"/>
-                          <a:sym typeface="Times New Roman"/>
-                        </a:rPr>
-                        <a:t> </a:t>
-                      </a:r>
-                      <a:r>
-                        <a:rPr lang="uk-UA" sz="1200" dirty="0" smtClean="0">
-                          <a:latin typeface="Times New Roman"/>
-                          <a:ea typeface="Times New Roman"/>
-                          <a:cs typeface="Times New Roman"/>
-                          <a:sym typeface="Times New Roman"/>
-                        </a:rPr>
-                        <a:t>С</a:t>
-                      </a:r>
-                      <a:r>
-                        <a:rPr lang="uk" sz="1200" dirty="0" smtClean="0">
-                          <a:latin typeface="Times New Roman"/>
-                          <a:ea typeface="Times New Roman"/>
-                          <a:cs typeface="Times New Roman"/>
-                          <a:sym typeface="Times New Roman"/>
-                        </a:rPr>
-                        <a:t>творення величезної бази даних </a:t>
-                      </a:r>
-                      <a:r>
-                        <a:rPr lang="ru-RU" sz="1200" dirty="0" smtClean="0">
-                          <a:latin typeface="Times New Roman"/>
-                          <a:ea typeface="Times New Roman"/>
-                          <a:cs typeface="Times New Roman"/>
-                          <a:sym typeface="Times New Roman"/>
-                        </a:rPr>
-                        <a:t>товарів, що міститимуть</a:t>
-                      </a:r>
-                      <a:r>
-                        <a:rPr lang="ru-RU" sz="1200" baseline="0" dirty="0" smtClean="0">
-                          <a:latin typeface="Times New Roman"/>
-                          <a:ea typeface="Times New Roman"/>
-                          <a:cs typeface="Times New Roman"/>
-                          <a:sym typeface="Times New Roman"/>
-                        </a:rPr>
-                        <a:t> </a:t>
-                      </a:r>
-                      <a:r>
-                        <a:rPr lang="ru-RU" sz="1200" dirty="0" smtClean="0">
-                          <a:latin typeface="Times New Roman"/>
-                          <a:ea typeface="Times New Roman"/>
-                          <a:cs typeface="Times New Roman"/>
-                          <a:sym typeface="Times New Roman"/>
-                        </a:rPr>
-                        <a:t>інформацію про всі транзакції над певним набором продуктів та їх покупцями п</a:t>
-                      </a:r>
-                      <a:r>
-                        <a:rPr lang="uk" sz="1200" dirty="0" smtClean="0">
-                          <a:latin typeface="Times New Roman"/>
-                          <a:ea typeface="Times New Roman"/>
-                          <a:cs typeface="Times New Roman"/>
-                          <a:sym typeface="Times New Roman"/>
-                        </a:rPr>
-                        <a:t>оділ джерел появи ризиків та потенційно ризикових подій по групам.</a:t>
-                      </a:r>
-                    </a:p>
-                    <a:p>
-                      <a:pPr marL="0" lvl="0" indent="0" rtl="0">
-                        <a:lnSpc>
-                          <a:spcPct val="115000"/>
-                        </a:lnSpc>
-                        <a:spcBef>
-                          <a:spcPts val="0"/>
-                        </a:spcBef>
-                        <a:buNone/>
-                      </a:pPr>
-                      <a:r>
-                        <a:rPr lang="uk" sz="1200" dirty="0" smtClean="0">
-                          <a:latin typeface="Times New Roman"/>
-                          <a:ea typeface="Times New Roman"/>
-                          <a:cs typeface="Times New Roman"/>
-                          <a:sym typeface="Times New Roman"/>
-                        </a:rPr>
-                        <a:t>5.</a:t>
-                      </a:r>
-                      <a:r>
-                        <a:rPr lang="uk" sz="700" dirty="0" smtClean="0">
-                          <a:latin typeface="Times New Roman"/>
-                          <a:ea typeface="Times New Roman"/>
-                          <a:cs typeface="Times New Roman"/>
-                          <a:sym typeface="Times New Roman"/>
-                        </a:rPr>
-                        <a:t>      </a:t>
-                      </a:r>
-                      <a:r>
-                        <a:rPr lang="uk" sz="1200" dirty="0" smtClean="0">
-                          <a:latin typeface="Times New Roman"/>
-                          <a:ea typeface="Times New Roman"/>
-                          <a:cs typeface="Times New Roman"/>
-                          <a:sym typeface="Times New Roman"/>
-                        </a:rPr>
-                        <a:t>Реалізація</a:t>
-                      </a:r>
-                      <a:r>
-                        <a:rPr lang="uk" sz="1200" baseline="0" dirty="0" smtClean="0">
-                          <a:latin typeface="Times New Roman"/>
-                          <a:ea typeface="Times New Roman"/>
-                          <a:cs typeface="Times New Roman"/>
-                          <a:sym typeface="Times New Roman"/>
-                        </a:rPr>
-                        <a:t> алгоритму та створення веб додатку для завантаження та відображення інформації</a:t>
-                      </a:r>
-                      <a:r>
-                        <a:rPr lang="uk" sz="1200" dirty="0" smtClean="0">
-                          <a:latin typeface="Times New Roman"/>
-                          <a:ea typeface="Times New Roman"/>
-                          <a:cs typeface="Times New Roman"/>
-                          <a:sym typeface="Times New Roman"/>
-                        </a:rPr>
-                        <a:t>.</a:t>
-                      </a:r>
-                    </a:p>
-                  </a:txBody>
-                  <a:tcPr marL="68575" marR="68575" marT="91425" marB="91425">
-                    <a:lnL w="12650" cap="flat" cmpd="sng">
-                      <a:solidFill>
-                        <a:srgbClr val="000000"/>
-                      </a:solidFill>
-                      <a:prstDash val="solid"/>
-                      <a:round/>
-                      <a:headEnd type="none" w="med" len="med"/>
-                      <a:tailEnd type="none" w="med" len="med"/>
-                    </a:lnL>
-                    <a:lnR w="12650" cap="flat" cmpd="sng">
-                      <a:solidFill>
-                        <a:srgbClr val="000000"/>
-                      </a:solidFill>
-                      <a:prstDash val="solid"/>
-                      <a:round/>
-                      <a:headEnd type="none" w="med" len="med"/>
-                      <a:tailEnd type="none" w="med" len="med"/>
-                    </a:lnR>
-                    <a:lnT w="12650" cap="flat" cmpd="sng">
-                      <a:solidFill>
-                        <a:srgbClr val="000000"/>
-                      </a:solidFill>
-                      <a:prstDash val="solid"/>
-                      <a:round/>
-                      <a:headEnd type="none" w="med" len="med"/>
-                      <a:tailEnd type="none" w="med" len="med"/>
-                    </a:lnT>
-                    <a:lnB w="12650" cap="flat" cmpd="sng">
-                      <a:solidFill>
-                        <a:srgbClr val="000000"/>
-                      </a:solidFill>
-                      <a:prstDash val="solid"/>
-                      <a:round/>
-                      <a:headEnd type="none" w="med" len="med"/>
-                      <a:tailEnd type="none" w="med" len="med"/>
-                    </a:lnB>
-                  </a:tcPr>
-                </a:tc>
-                <a:tc>
-                  <a:txBody>
-                    <a:bodyPr/>
-                    <a:lstStyle/>
-                    <a:p>
-                      <a:pPr marL="171450" lvl="0" indent="-171450" rtl="0">
-                        <a:lnSpc>
-                          <a:spcPct val="115000"/>
-                        </a:lnSpc>
-                        <a:spcBef>
-                          <a:spcPts val="0"/>
-                        </a:spcBef>
-                        <a:buFont typeface="Arial" panose="020B0604020202020204" pitchFamily="34" charset="0"/>
-                        <a:buChar char="•"/>
-                      </a:pPr>
-                      <a:r>
-                        <a:rPr lang="uk" sz="1200" dirty="0">
-                          <a:latin typeface="Times New Roman"/>
-                          <a:ea typeface="Times New Roman"/>
-                          <a:cs typeface="Times New Roman"/>
-                          <a:sym typeface="Times New Roman"/>
-                        </a:rPr>
-                        <a:t>Персональний комп’ютер з всім додатковим обладнанням.(1 шт</a:t>
-                      </a:r>
-                      <a:r>
-                        <a:rPr lang="uk" sz="1200" dirty="0" smtClean="0">
-                          <a:latin typeface="Times New Roman"/>
-                          <a:ea typeface="Times New Roman"/>
-                          <a:cs typeface="Times New Roman"/>
-                          <a:sym typeface="Times New Roman"/>
-                        </a:rPr>
-                        <a:t>.)</a:t>
-                      </a:r>
-                      <a:endParaRPr lang="uk" sz="1200" dirty="0">
-                        <a:latin typeface="Times New Roman"/>
-                        <a:ea typeface="Times New Roman"/>
-                        <a:cs typeface="Times New Roman"/>
-                        <a:sym typeface="Times New Roman"/>
-                      </a:endParaRPr>
-                    </a:p>
-                    <a:p>
-                      <a:pPr marL="171450" lvl="0" indent="-171450" rtl="0">
-                        <a:lnSpc>
-                          <a:spcPct val="115000"/>
-                        </a:lnSpc>
-                        <a:spcBef>
-                          <a:spcPts val="0"/>
-                        </a:spcBef>
-                        <a:buFont typeface="Arial" panose="020B0604020202020204" pitchFamily="34" charset="0"/>
-                        <a:buChar char="•"/>
-                      </a:pPr>
-                      <a:r>
-                        <a:rPr lang="uk" sz="1200" dirty="0">
-                          <a:latin typeface="Times New Roman"/>
-                          <a:ea typeface="Times New Roman"/>
-                          <a:cs typeface="Times New Roman"/>
-                          <a:sym typeface="Times New Roman"/>
-                        </a:rPr>
-                        <a:t>Папір А-4(500 шт</a:t>
-                      </a:r>
-                      <a:r>
-                        <a:rPr lang="uk" sz="1200" dirty="0" smtClean="0">
-                          <a:latin typeface="Times New Roman"/>
-                          <a:ea typeface="Times New Roman"/>
-                          <a:cs typeface="Times New Roman"/>
-                          <a:sym typeface="Times New Roman"/>
-                        </a:rPr>
-                        <a:t>.)</a:t>
-                      </a:r>
-                      <a:endParaRPr lang="uk" sz="1200" dirty="0">
-                        <a:latin typeface="Times New Roman"/>
-                        <a:ea typeface="Times New Roman"/>
-                        <a:cs typeface="Times New Roman"/>
-                        <a:sym typeface="Times New Roman"/>
-                      </a:endParaRPr>
-                    </a:p>
-                    <a:p>
-                      <a:pPr marL="171450" lvl="0" indent="-171450" rtl="0">
-                        <a:lnSpc>
-                          <a:spcPct val="115000"/>
-                        </a:lnSpc>
-                        <a:spcBef>
-                          <a:spcPts val="0"/>
-                        </a:spcBef>
-                        <a:buFont typeface="Arial" panose="020B0604020202020204" pitchFamily="34" charset="0"/>
-                        <a:buChar char="•"/>
-                      </a:pPr>
-                      <a:r>
-                        <a:rPr lang="uk" sz="1200" dirty="0">
-                          <a:latin typeface="Times New Roman"/>
-                          <a:ea typeface="Times New Roman"/>
-                          <a:cs typeface="Times New Roman"/>
-                          <a:sym typeface="Times New Roman"/>
-                        </a:rPr>
-                        <a:t>Ручка.(2 шт.)</a:t>
-                      </a:r>
-                    </a:p>
-                    <a:p>
-                      <a:pPr marL="171450" marR="0" lvl="0" indent="-171450" algn="l" defTabSz="914400" rtl="0" eaLnBrk="1" fontAlgn="auto" latinLnBrk="0" hangingPunct="1">
-                        <a:lnSpc>
-                          <a:spcPct val="115000"/>
-                        </a:lnSpc>
-                        <a:spcBef>
-                          <a:spcPts val="0"/>
-                        </a:spcBef>
-                        <a:spcAft>
-                          <a:spcPts val="0"/>
-                        </a:spcAft>
-                        <a:buClrTx/>
-                        <a:buSzTx/>
-                        <a:buFont typeface="Arial" panose="020B0604020202020204" pitchFamily="34" charset="0"/>
-                        <a:buChar char="•"/>
-                        <a:tabLst/>
-                        <a:defRPr/>
-                      </a:pPr>
-                      <a:r>
-                        <a:rPr lang="uk" sz="1200" dirty="0">
-                          <a:latin typeface="Times New Roman"/>
-                          <a:ea typeface="Times New Roman"/>
-                          <a:cs typeface="Times New Roman"/>
-                          <a:sym typeface="Times New Roman"/>
-                        </a:rPr>
-                        <a:t> </a:t>
-                      </a:r>
-                      <a:r>
-                        <a:rPr lang="uk" sz="1200" dirty="0" smtClean="0">
-                          <a:latin typeface="Times New Roman"/>
-                          <a:ea typeface="Times New Roman"/>
-                          <a:cs typeface="Times New Roman"/>
-                          <a:sym typeface="Times New Roman"/>
-                        </a:rPr>
-                        <a:t>240 робочих днів для програміста та його керівника(2 год на день.)</a:t>
-                      </a:r>
-                      <a:endParaRPr lang="uk" sz="1200" dirty="0">
-                        <a:latin typeface="Times New Roman"/>
-                        <a:ea typeface="Times New Roman"/>
-                        <a:cs typeface="Times New Roman"/>
-                        <a:sym typeface="Times New Roman"/>
-                      </a:endParaRPr>
-                    </a:p>
-                    <a:p>
-                      <a:pPr marL="0" lvl="0" indent="0" rtl="0">
-                        <a:lnSpc>
-                          <a:spcPct val="115000"/>
-                        </a:lnSpc>
-                        <a:spcBef>
-                          <a:spcPts val="0"/>
-                        </a:spcBef>
-                        <a:buNone/>
-                      </a:pPr>
-                      <a:endParaRPr sz="1200" dirty="0">
-                        <a:latin typeface="Times New Roman"/>
-                        <a:ea typeface="Times New Roman"/>
-                        <a:cs typeface="Times New Roman"/>
-                        <a:sym typeface="Times New Roman"/>
-                      </a:endParaRPr>
-                    </a:p>
-                    <a:p>
-                      <a:pPr marL="0" lvl="0" indent="0" rtl="0">
-                        <a:lnSpc>
-                          <a:spcPct val="115000"/>
-                        </a:lnSpc>
-                        <a:spcBef>
-                          <a:spcPts val="0"/>
-                        </a:spcBef>
-                        <a:buNone/>
-                      </a:pPr>
-                      <a:r>
-                        <a:rPr lang="uk" sz="1200" dirty="0">
-                          <a:latin typeface="Times New Roman"/>
-                          <a:ea typeface="Times New Roman"/>
-                          <a:cs typeface="Times New Roman"/>
-                          <a:sym typeface="Times New Roman"/>
-                        </a:rPr>
-                        <a:t> </a:t>
-                      </a:r>
-                    </a:p>
-                    <a:p>
-                      <a:pPr marL="0" lvl="0" indent="0" rtl="0">
-                        <a:lnSpc>
-                          <a:spcPct val="115000"/>
-                        </a:lnSpc>
-                        <a:spcBef>
-                          <a:spcPts val="0"/>
-                        </a:spcBef>
-                        <a:buNone/>
-                      </a:pPr>
-                      <a:endParaRPr sz="1200" dirty="0">
-                        <a:latin typeface="Times New Roman"/>
-                        <a:ea typeface="Times New Roman"/>
-                        <a:cs typeface="Times New Roman"/>
-                        <a:sym typeface="Times New Roman"/>
-                      </a:endParaRPr>
-                    </a:p>
-                  </a:txBody>
-                  <a:tcPr marL="68575" marR="68575" marT="91425" marB="91425">
-                    <a:lnL w="12650" cap="flat" cmpd="sng">
-                      <a:solidFill>
-                        <a:srgbClr val="000000"/>
-                      </a:solidFill>
-                      <a:prstDash val="solid"/>
-                      <a:round/>
-                      <a:headEnd type="none" w="med" len="med"/>
-                      <a:tailEnd type="none" w="med" len="med"/>
-                    </a:lnL>
-                    <a:lnR w="12650" cap="flat" cmpd="sng">
-                      <a:solidFill>
-                        <a:srgbClr val="000000"/>
-                      </a:solidFill>
-                      <a:prstDash val="solid"/>
-                      <a:round/>
-                      <a:headEnd type="none" w="med" len="med"/>
-                      <a:tailEnd type="none" w="med" len="med"/>
-                    </a:lnR>
-                    <a:lnT w="12650" cap="flat" cmpd="sng">
-                      <a:solidFill>
-                        <a:srgbClr val="000000"/>
-                      </a:solidFill>
-                      <a:prstDash val="solid"/>
-                      <a:round/>
-                      <a:headEnd type="none" w="med" len="med"/>
-                      <a:tailEnd type="none" w="med" len="med"/>
-                    </a:lnT>
-                    <a:lnB w="12650" cap="flat" cmpd="sng">
-                      <a:solidFill>
-                        <a:srgbClr val="000000"/>
-                      </a:solidFill>
-                      <a:prstDash val="solid"/>
-                      <a:round/>
-                      <a:headEnd type="none" w="med" len="med"/>
-                      <a:tailEnd type="none" w="med" len="med"/>
-                    </a:lnB>
-                  </a:tcPr>
-                </a:tc>
-                <a:tc>
-                  <a:txBody>
-                    <a:bodyPr/>
-                    <a:lstStyle/>
-                    <a:p>
-                      <a:pPr marL="0" lvl="0" indent="0" rtl="0">
-                        <a:lnSpc>
-                          <a:spcPct val="115000"/>
-                        </a:lnSpc>
-                        <a:spcBef>
-                          <a:spcPts val="0"/>
-                        </a:spcBef>
-                        <a:buNone/>
-                      </a:pPr>
-                      <a:r>
-                        <a:rPr lang="uk" sz="1200" dirty="0">
-                          <a:latin typeface="Times New Roman"/>
-                          <a:ea typeface="Times New Roman"/>
-                          <a:cs typeface="Times New Roman"/>
-                          <a:sym typeface="Times New Roman"/>
-                        </a:rPr>
-                        <a:t>30 тис. грн</a:t>
-                      </a:r>
-                      <a:r>
-                        <a:rPr lang="uk" sz="1200" dirty="0" smtClean="0">
-                          <a:latin typeface="Times New Roman"/>
-                          <a:ea typeface="Times New Roman"/>
-                          <a:cs typeface="Times New Roman"/>
-                          <a:sym typeface="Times New Roman"/>
-                        </a:rPr>
-                        <a:t>. </a:t>
-                      </a:r>
-                      <a:r>
-                        <a:rPr lang="uk" sz="1200" dirty="0">
-                          <a:latin typeface="Times New Roman"/>
-                          <a:ea typeface="Times New Roman"/>
-                          <a:cs typeface="Times New Roman"/>
-                          <a:sym typeface="Times New Roman"/>
-                        </a:rPr>
-                        <a:t>+ 100 грн. + 15 грн. +36 тис. грн. + 2 тис. грн. + 20 грн. </a:t>
-                      </a:r>
-                      <a:r>
-                        <a:rPr lang="uk" sz="1200" dirty="0" smtClean="0">
-                          <a:latin typeface="Times New Roman"/>
-                          <a:ea typeface="Times New Roman"/>
-                          <a:cs typeface="Times New Roman"/>
-                          <a:sym typeface="Times New Roman"/>
-                        </a:rPr>
-                        <a:t>= </a:t>
-                      </a:r>
-                    </a:p>
-                    <a:p>
-                      <a:pPr marL="0" lvl="0" indent="0" rtl="0">
-                        <a:lnSpc>
-                          <a:spcPct val="115000"/>
-                        </a:lnSpc>
-                        <a:spcBef>
-                          <a:spcPts val="0"/>
-                        </a:spcBef>
-                        <a:buNone/>
-                      </a:pPr>
-                      <a:r>
-                        <a:rPr lang="uk" sz="1200" dirty="0" smtClean="0">
-                          <a:latin typeface="Times New Roman"/>
-                          <a:ea typeface="Times New Roman"/>
-                          <a:cs typeface="Times New Roman"/>
-                          <a:sym typeface="Times New Roman"/>
-                        </a:rPr>
-                        <a:t>68 135 грн</a:t>
-                      </a:r>
-                      <a:endParaRPr lang="uk" sz="1200" dirty="0">
-                        <a:latin typeface="Times New Roman"/>
-                        <a:ea typeface="Times New Roman"/>
-                        <a:cs typeface="Times New Roman"/>
-                        <a:sym typeface="Times New Roman"/>
-                      </a:endParaRPr>
-                    </a:p>
-                  </a:txBody>
-                  <a:tcPr marL="68575" marR="68575" marT="91425" marB="91425">
-                    <a:lnL w="12650" cap="flat" cmpd="sng">
-                      <a:solidFill>
-                        <a:srgbClr val="000000"/>
-                      </a:solidFill>
-                      <a:prstDash val="solid"/>
-                      <a:round/>
-                      <a:headEnd type="none" w="med" len="med"/>
-                      <a:tailEnd type="none" w="med" len="med"/>
-                    </a:lnL>
-                    <a:lnR w="12650" cap="flat" cmpd="sng">
-                      <a:solidFill>
-                        <a:srgbClr val="000000"/>
-                      </a:solidFill>
-                      <a:prstDash val="solid"/>
-                      <a:round/>
-                      <a:headEnd type="none" w="med" len="med"/>
-                      <a:tailEnd type="none" w="med" len="med"/>
-                    </a:lnR>
-                    <a:lnT w="12650" cap="flat" cmpd="sng">
-                      <a:solidFill>
-                        <a:srgbClr val="000000"/>
-                      </a:solidFill>
-                      <a:prstDash val="solid"/>
-                      <a:round/>
-                      <a:headEnd type="none" w="med" len="med"/>
-                      <a:tailEnd type="none" w="med" len="med"/>
-                    </a:lnT>
-                    <a:lnB w="12650" cap="flat" cmpd="sng">
-                      <a:solidFill>
-                        <a:srgbClr val="000000"/>
-                      </a:solidFill>
-                      <a:prstDash val="solid"/>
-                      <a:round/>
-                      <a:headEnd type="none" w="med" len="med"/>
-                      <a:tailEnd type="none" w="med" len="med"/>
-                    </a:lnB>
-                  </a:tcPr>
-                </a:tc>
-                <a:tc>
-                  <a:txBody>
-                    <a:bodyPr/>
-                    <a:lstStyle/>
-                    <a:p>
-                      <a:pPr marL="0" lvl="0" indent="0" rtl="0">
-                        <a:lnSpc>
-                          <a:spcPct val="115000"/>
-                        </a:lnSpc>
-                        <a:spcBef>
-                          <a:spcPts val="0"/>
-                        </a:spcBef>
-                        <a:buNone/>
-                      </a:pPr>
-                      <a:r>
-                        <a:rPr lang="uk" sz="1200" dirty="0">
-                          <a:latin typeface="Times New Roman"/>
-                          <a:ea typeface="Times New Roman"/>
-                          <a:cs typeface="Times New Roman"/>
-                          <a:sym typeface="Times New Roman"/>
-                        </a:rPr>
-                        <a:t>Можливі додаткові витрати на техніку чи залучення додаткового персоналу.</a:t>
-                      </a:r>
-                    </a:p>
-                    <a:p>
-                      <a:pPr marL="0" lvl="0" indent="0" rtl="0">
-                        <a:lnSpc>
-                          <a:spcPct val="115000"/>
-                        </a:lnSpc>
-                        <a:spcBef>
-                          <a:spcPts val="0"/>
-                        </a:spcBef>
-                        <a:buNone/>
-                      </a:pPr>
-                      <a:r>
-                        <a:rPr lang="uk" sz="1200" dirty="0">
-                          <a:latin typeface="Times New Roman"/>
-                          <a:ea typeface="Times New Roman"/>
-                          <a:cs typeface="Times New Roman"/>
-                          <a:sym typeface="Times New Roman"/>
-                        </a:rPr>
-                        <a:t> </a:t>
-                      </a:r>
-                    </a:p>
-                    <a:p>
-                      <a:pPr marL="0" lvl="0" indent="0" rtl="0">
-                        <a:lnSpc>
-                          <a:spcPct val="115000"/>
-                        </a:lnSpc>
-                        <a:spcBef>
-                          <a:spcPts val="0"/>
-                        </a:spcBef>
-                        <a:buNone/>
-                      </a:pPr>
-                      <a:r>
-                        <a:rPr lang="uk" sz="1200" dirty="0">
-                          <a:latin typeface="Times New Roman"/>
-                          <a:ea typeface="Times New Roman"/>
-                          <a:cs typeface="Times New Roman"/>
-                          <a:sym typeface="Times New Roman"/>
-                        </a:rPr>
-                        <a:t>Проект може не бути завершений за 240 робочих днів, тому можливі перевитрати бюджету та часу.</a:t>
-                      </a:r>
-                    </a:p>
-                    <a:p>
-                      <a:pPr marL="0" lvl="0" indent="0" rtl="0">
-                        <a:lnSpc>
-                          <a:spcPct val="115000"/>
-                        </a:lnSpc>
-                        <a:spcBef>
-                          <a:spcPts val="0"/>
-                        </a:spcBef>
-                        <a:buNone/>
-                      </a:pPr>
-                      <a:r>
-                        <a:rPr lang="uk" sz="1200" dirty="0">
-                          <a:latin typeface="Times New Roman"/>
-                          <a:ea typeface="Times New Roman"/>
-                          <a:cs typeface="Times New Roman"/>
-                          <a:sym typeface="Times New Roman"/>
-                        </a:rPr>
-                        <a:t> </a:t>
-                      </a:r>
-                    </a:p>
-                    <a:p>
-                      <a:pPr marL="0" lvl="0" indent="0" rtl="0">
-                        <a:lnSpc>
-                          <a:spcPct val="115000"/>
-                        </a:lnSpc>
-                        <a:spcBef>
-                          <a:spcPts val="0"/>
-                        </a:spcBef>
-                        <a:buNone/>
-                      </a:pPr>
-                      <a:endParaRPr sz="1200" dirty="0">
-                        <a:latin typeface="Times New Roman"/>
-                        <a:ea typeface="Times New Roman"/>
-                        <a:cs typeface="Times New Roman"/>
-                        <a:sym typeface="Times New Roman"/>
-                      </a:endParaRPr>
-                    </a:p>
-                    <a:p>
-                      <a:pPr marL="0" lvl="0" indent="0" rtl="0">
-                        <a:lnSpc>
-                          <a:spcPct val="115000"/>
-                        </a:lnSpc>
-                        <a:spcBef>
-                          <a:spcPts val="0"/>
-                        </a:spcBef>
-                        <a:buNone/>
-                      </a:pPr>
-                      <a:r>
-                        <a:rPr lang="uk" sz="1200" dirty="0">
-                          <a:latin typeface="Times New Roman"/>
-                          <a:ea typeface="Times New Roman"/>
-                          <a:cs typeface="Times New Roman"/>
-                          <a:sym typeface="Times New Roman"/>
-                        </a:rPr>
-                        <a:t> </a:t>
-                      </a:r>
-                    </a:p>
-                    <a:p>
-                      <a:pPr marL="0" lvl="0" indent="0" rtl="0">
-                        <a:lnSpc>
-                          <a:spcPct val="115000"/>
-                        </a:lnSpc>
-                        <a:spcBef>
-                          <a:spcPts val="0"/>
-                        </a:spcBef>
-                        <a:buNone/>
-                      </a:pPr>
-                      <a:r>
-                        <a:rPr lang="uk" sz="1200" dirty="0">
-                          <a:latin typeface="Times New Roman"/>
-                          <a:ea typeface="Times New Roman"/>
-                          <a:cs typeface="Times New Roman"/>
-                          <a:sym typeface="Times New Roman"/>
-                        </a:rPr>
-                        <a:t> </a:t>
-                      </a:r>
-                    </a:p>
-                  </a:txBody>
-                  <a:tcPr marL="68575" marR="68575" marT="91425" marB="91425">
-                    <a:lnL w="12650" cap="flat" cmpd="sng">
-                      <a:solidFill>
-                        <a:srgbClr val="000000"/>
-                      </a:solidFill>
-                      <a:prstDash val="solid"/>
-                      <a:round/>
-                      <a:headEnd type="none" w="med" len="med"/>
-                      <a:tailEnd type="none" w="med" len="med"/>
-                    </a:lnL>
-                    <a:lnR w="12650" cap="flat" cmpd="sng">
-                      <a:solidFill>
-                        <a:srgbClr val="000000"/>
-                      </a:solidFill>
-                      <a:prstDash val="solid"/>
-                      <a:round/>
-                      <a:headEnd type="none" w="med" len="med"/>
-                      <a:tailEnd type="none" w="med" len="med"/>
-                    </a:lnR>
-                    <a:lnT w="12650" cap="flat" cmpd="sng">
-                      <a:solidFill>
-                        <a:srgbClr val="000000"/>
-                      </a:solidFill>
-                      <a:prstDash val="solid"/>
-                      <a:round/>
-                      <a:headEnd type="none" w="med" len="med"/>
-                      <a:tailEnd type="none" w="med" len="med"/>
-                    </a:lnT>
-                    <a:lnB w="12650" cap="flat" cmpd="sng">
-                      <a:solidFill>
-                        <a:srgbClr val="000000"/>
-                      </a:solidFill>
-                      <a:prstDash val="solid"/>
-                      <a:round/>
-                      <a:headEnd type="none" w="med" len="med"/>
-                      <a:tailEnd type="none" w="med" len="med"/>
-                    </a:lnB>
-                  </a:tcPr>
-                </a:tc>
-                <a:extLst>
-                  <a:ext uri="{0D108BD9-81ED-4DB2-BD59-A6C34878D82A}">
-                    <a16:rowId xmlns:a16="http://schemas.microsoft.com/office/drawing/2014/main" val="10002"/>
-                  </a:ext>
-                </a:extLst>
-              </a:tr>
-            </a:tbl>
-          </a:graphicData>
-        </a:graphic>
-      </p:graphicFrame>
+      <p:pic>
+        <p:nvPicPr>
+          <p:cNvPr id="6" name="Picture 5"/>
+          <p:cNvPicPr/>
+          <p:nvPr/>
+        </p:nvPicPr>
+        <p:blipFill>
+          <a:blip r:embed="rId3"/>
+          <a:stretch>
+            <a:fillRect/>
+          </a:stretch>
+        </p:blipFill>
+        <p:spPr>
+          <a:xfrm>
+            <a:off x="3424238" y="560439"/>
+            <a:ext cx="1963839" cy="4570137"/>
+          </a:xfrm>
+          <a:prstGeom prst="rect">
+            <a:avLst/>
+          </a:prstGeom>
+        </p:spPr>
+      </p:pic>
     </p:spTree>
+    <p:extLst>
+      <p:ext uri="{BB962C8B-B14F-4D97-AF65-F5344CB8AC3E}">
+        <p14:creationId xmlns:p14="http://schemas.microsoft.com/office/powerpoint/2010/main" val="1868822326"/>
+      </p:ext>
+    </p:extLst>
   </p:cSld>
   <p:clrMapOvr>
     <a:masterClrMapping/>
@@ -20489,7 +15862,7 @@
   <p:cSld>
     <p:spTree>
       <p:nvGrpSpPr>
-        <p:cNvPr id="1" name="Shape 353"/>
+        <p:cNvPr id="1" name="Shape 317"/>
         <p:cNvGrpSpPr/>
         <p:nvPr/>
       </p:nvGrpSpPr>
@@ -20503,7 +15876,7 @@
       </p:grpSpPr>
       <p:sp>
         <p:nvSpPr>
-          <p:cNvPr id="354" name="Shape 354"/>
+          <p:cNvPr id="318" name="Shape 318"/>
           <p:cNvSpPr txBox="1">
             <a:spLocks noGrp="1"/>
           </p:cNvSpPr>
@@ -20513,46 +15886,84 @@
         </p:nvSpPr>
         <p:spPr>
           <a:xfrm>
-            <a:off x="1251950" y="28225"/>
-            <a:ext cx="7030500" cy="614700"/>
+            <a:off x="1303800" y="598575"/>
+            <a:ext cx="7030500" cy="999300"/>
           </a:xfrm>
           <a:prstGeom prst="rect">
             <a:avLst/>
           </a:prstGeom>
         </p:spPr>
         <p:txBody>
-          <a:bodyPr wrap="square" lIns="91425" tIns="91425" rIns="91425" bIns="91425" anchor="ctr" anchorCtr="0">
+          <a:bodyPr wrap="square" lIns="91425" tIns="91425" rIns="91425" bIns="91425" anchor="t" anchorCtr="0">
             <a:noAutofit/>
           </a:bodyPr>
           <a:lstStyle/>
           <a:p>
-            <a:pPr marL="0" lvl="0" indent="0" rtl="0">
-              <a:lnSpc>
-                <a:spcPct val="100000"/>
-              </a:lnSpc>
+            <a:pPr marL="0" lvl="0" indent="0">
               <a:spcBef>
                 <a:spcPts val="0"/>
               </a:spcBef>
               <a:buNone/>
             </a:pPr>
             <a:r>
-              <a:rPr lang="uk" sz="2400">
-                <a:solidFill>
-                  <a:srgbClr val="000000"/>
-                </a:solidFill>
-                <a:latin typeface="Times New Roman"/>
-                <a:ea typeface="Times New Roman"/>
-                <a:cs typeface="Times New Roman"/>
-                <a:sym typeface="Times New Roman"/>
-              </a:rPr>
-              <a:t>Логіко-структурна матриця(5)</a:t>
+              <a:rPr lang="uk" dirty="0" smtClean="0"/>
+              <a:t>Результати</a:t>
             </a:r>
+            <a:endParaRPr lang="uk" dirty="0"/>
           </a:p>
         </p:txBody>
       </p:sp>
       <p:sp>
         <p:nvSpPr>
-          <p:cNvPr id="355" name="Shape 355"/>
+          <p:cNvPr id="319" name="Shape 319"/>
+          <p:cNvSpPr txBox="1">
+            <a:spLocks noGrp="1"/>
+          </p:cNvSpPr>
+          <p:nvPr>
+            <p:ph type="body" idx="1"/>
+          </p:nvPr>
+        </p:nvSpPr>
+        <p:spPr>
+          <a:xfrm>
+            <a:off x="1189725" y="1647850"/>
+            <a:ext cx="7030500" cy="2541600"/>
+          </a:xfrm>
+          <a:prstGeom prst="rect">
+            <a:avLst/>
+          </a:prstGeom>
+        </p:spPr>
+        <p:txBody>
+          <a:bodyPr wrap="square" lIns="91425" tIns="91425" rIns="91425" bIns="91425" anchor="t" anchorCtr="0">
+            <a:noAutofit/>
+          </a:bodyPr>
+          <a:lstStyle/>
+          <a:p>
+            <a:pPr marL="457200" lvl="0" indent="-342900" rtl="0">
+              <a:lnSpc>
+                <a:spcPct val="150000"/>
+              </a:lnSpc>
+              <a:spcBef>
+                <a:spcPts val="0"/>
+              </a:spcBef>
+              <a:spcAft>
+                <a:spcPts val="0"/>
+              </a:spcAft>
+              <a:buSzPts val="1800"/>
+              <a:buFont typeface="Times New Roman"/>
+              <a:buChar char="●"/>
+            </a:pPr>
+            <a:endParaRPr lang="uk" sz="1800" dirty="0">
+              <a:latin typeface="Times New Roman"/>
+              <a:ea typeface="Times New Roman"/>
+              <a:cs typeface="Times New Roman"/>
+              <a:sym typeface="Times New Roman"/>
+            </a:endParaRPr>
+          </a:p>
+        </p:txBody>
+      </p:sp>
+      <p:sp>
+        <p:nvSpPr>
+          <p:cNvPr id="320" name="Shape 320"/>
           <p:cNvSpPr txBox="1">
             <a:spLocks noGrp="1"/>
           </p:cNvSpPr>
@@ -20575,10 +15986,7 @@
           </a:bodyPr>
           <a:lstStyle/>
           <a:p>
-            <a:pPr marL="0" lvl="0" indent="0" rtl="0">
-              <a:lnSpc>
-                <a:spcPct val="100000"/>
-              </a:lnSpc>
+            <a:pPr marL="0" lvl="0" indent="0">
               <a:spcBef>
                 <a:spcPts val="0"/>
               </a:spcBef>
@@ -20592,755 +16000,12 @@
           </a:p>
         </p:txBody>
       </p:sp>
-      <p:graphicFrame>
-        <p:nvGraphicFramePr>
-          <p:cNvPr id="356" name="Shape 356"/>
-          <p:cNvGraphicFramePr/>
-          <p:nvPr>
-            <p:extLst>
-              <p:ext uri="{D42A27DB-BD31-4B8C-83A1-F6EECF244321}">
-                <p14:modId xmlns:p14="http://schemas.microsoft.com/office/powerpoint/2010/main" val="31658161"/>
-              </p:ext>
-            </p:extLst>
-          </p:nvPr>
-        </p:nvGraphicFramePr>
-        <p:xfrm>
-          <a:off x="14000" y="673075"/>
-          <a:ext cx="9074525" cy="3348374"/>
-        </p:xfrm>
-        <a:graphic>
-          <a:graphicData uri="http://schemas.openxmlformats.org/drawingml/2006/table">
-            <a:tbl>
-              <a:tblPr>
-                <a:noFill/>
-                <a:tableStyleId>{344513D4-3CC4-4AE7-BB52-9E0CC6B0FADD}</a:tableStyleId>
-              </a:tblPr>
-              <a:tblGrid>
-                <a:gridCol w="4067346">
-                  <a:extLst>
-                    <a:ext uri="{9D8B030D-6E8A-4147-A177-3AD203B41FA5}">
-                      <a16:colId xmlns:a16="http://schemas.microsoft.com/office/drawing/2014/main" val="20000"/>
-                    </a:ext>
-                  </a:extLst>
-                </a:gridCol>
-                <a:gridCol w="1709129">
-                  <a:extLst>
-                    <a:ext uri="{9D8B030D-6E8A-4147-A177-3AD203B41FA5}">
-                      <a16:colId xmlns:a16="http://schemas.microsoft.com/office/drawing/2014/main" val="20001"/>
-                    </a:ext>
-                  </a:extLst>
-                </a:gridCol>
-                <a:gridCol w="840175">
-                  <a:extLst>
-                    <a:ext uri="{9D8B030D-6E8A-4147-A177-3AD203B41FA5}">
-                      <a16:colId xmlns:a16="http://schemas.microsoft.com/office/drawing/2014/main" val="20002"/>
-                    </a:ext>
-                  </a:extLst>
-                </a:gridCol>
-                <a:gridCol w="2457875">
-                  <a:extLst>
-                    <a:ext uri="{9D8B030D-6E8A-4147-A177-3AD203B41FA5}">
-                      <a16:colId xmlns:a16="http://schemas.microsoft.com/office/drawing/2014/main" val="20003"/>
-                    </a:ext>
-                  </a:extLst>
-                </a:gridCol>
-              </a:tblGrid>
-              <a:tr h="0">
-                <a:tc>
-                  <a:txBody>
-                    <a:bodyPr/>
-                    <a:lstStyle/>
-                    <a:p>
-                      <a:pPr marL="0" lvl="0" indent="0" rtl="0">
-                        <a:lnSpc>
-                          <a:spcPct val="115000"/>
-                        </a:lnSpc>
-                        <a:spcBef>
-                          <a:spcPts val="0"/>
-                        </a:spcBef>
-                        <a:buNone/>
-                      </a:pPr>
-                      <a:r>
-                        <a:rPr lang="uk" sz="1200" dirty="0">
-                          <a:latin typeface="Times New Roman"/>
-                          <a:ea typeface="Times New Roman"/>
-                          <a:cs typeface="Times New Roman"/>
-                          <a:sym typeface="Times New Roman"/>
-                        </a:rPr>
-                        <a:t>Дії</a:t>
-                      </a:r>
-                    </a:p>
-                  </a:txBody>
-                  <a:tcPr marL="68575" marR="68575" marT="91425" marB="91425">
-                    <a:lnL w="12650" cap="flat" cmpd="sng">
-                      <a:solidFill>
-                        <a:srgbClr val="000000"/>
-                      </a:solidFill>
-                      <a:prstDash val="solid"/>
-                      <a:round/>
-                      <a:headEnd type="none" w="med" len="med"/>
-                      <a:tailEnd type="none" w="med" len="med"/>
-                    </a:lnL>
-                    <a:lnR w="12650" cap="flat" cmpd="sng">
-                      <a:solidFill>
-                        <a:srgbClr val="000000"/>
-                      </a:solidFill>
-                      <a:prstDash val="solid"/>
-                      <a:round/>
-                      <a:headEnd type="none" w="med" len="med"/>
-                      <a:tailEnd type="none" w="med" len="med"/>
-                    </a:lnR>
-                    <a:lnT w="12650" cap="flat" cmpd="sng">
-                      <a:solidFill>
-                        <a:srgbClr val="000000"/>
-                      </a:solidFill>
-                      <a:prstDash val="solid"/>
-                      <a:round/>
-                      <a:headEnd type="none" w="med" len="med"/>
-                      <a:tailEnd type="none" w="med" len="med"/>
-                    </a:lnT>
-                    <a:lnB w="12650" cap="flat" cmpd="sng">
-                      <a:solidFill>
-                        <a:srgbClr val="000000"/>
-                      </a:solidFill>
-                      <a:prstDash val="solid"/>
-                      <a:round/>
-                      <a:headEnd type="none" w="med" len="med"/>
-                      <a:tailEnd type="none" w="med" len="med"/>
-                    </a:lnB>
-                    <a:solidFill>
-                      <a:srgbClr val="FABF8F"/>
-                    </a:solidFill>
-                  </a:tcPr>
-                </a:tc>
-                <a:tc>
-                  <a:txBody>
-                    <a:bodyPr/>
-                    <a:lstStyle/>
-                    <a:p>
-                      <a:pPr marL="0" lvl="0" indent="0" rtl="0">
-                        <a:lnSpc>
-                          <a:spcPct val="115000"/>
-                        </a:lnSpc>
-                        <a:spcBef>
-                          <a:spcPts val="0"/>
-                        </a:spcBef>
-                        <a:buNone/>
-                      </a:pPr>
-                      <a:r>
-                        <a:rPr lang="uk" sz="1200">
-                          <a:latin typeface="Times New Roman"/>
-                          <a:ea typeface="Times New Roman"/>
-                          <a:cs typeface="Times New Roman"/>
-                          <a:sym typeface="Times New Roman"/>
-                        </a:rPr>
-                        <a:t>Ресурси.</a:t>
-                      </a:r>
-                    </a:p>
-                  </a:txBody>
-                  <a:tcPr marL="68575" marR="68575" marT="91425" marB="91425">
-                    <a:lnL w="12650" cap="flat" cmpd="sng">
-                      <a:solidFill>
-                        <a:srgbClr val="000000"/>
-                      </a:solidFill>
-                      <a:prstDash val="solid"/>
-                      <a:round/>
-                      <a:headEnd type="none" w="med" len="med"/>
-                      <a:tailEnd type="none" w="med" len="med"/>
-                    </a:lnL>
-                    <a:lnR w="12650" cap="flat" cmpd="sng">
-                      <a:solidFill>
-                        <a:srgbClr val="000000"/>
-                      </a:solidFill>
-                      <a:prstDash val="solid"/>
-                      <a:round/>
-                      <a:headEnd type="none" w="med" len="med"/>
-                      <a:tailEnd type="none" w="med" len="med"/>
-                    </a:lnR>
-                    <a:lnT w="12650" cap="flat" cmpd="sng">
-                      <a:solidFill>
-                        <a:srgbClr val="000000"/>
-                      </a:solidFill>
-                      <a:prstDash val="solid"/>
-                      <a:round/>
-                      <a:headEnd type="none" w="med" len="med"/>
-                      <a:tailEnd type="none" w="med" len="med"/>
-                    </a:lnT>
-                    <a:lnB w="12650" cap="flat" cmpd="sng">
-                      <a:solidFill>
-                        <a:srgbClr val="000000"/>
-                      </a:solidFill>
-                      <a:prstDash val="solid"/>
-                      <a:round/>
-                      <a:headEnd type="none" w="med" len="med"/>
-                      <a:tailEnd type="none" w="med" len="med"/>
-                    </a:lnB>
-                    <a:solidFill>
-                      <a:srgbClr val="FABF8F"/>
-                    </a:solidFill>
-                  </a:tcPr>
-                </a:tc>
-                <a:tc>
-                  <a:txBody>
-                    <a:bodyPr/>
-                    <a:lstStyle/>
-                    <a:p>
-                      <a:pPr marL="0" lvl="0" indent="0" rtl="0">
-                        <a:lnSpc>
-                          <a:spcPct val="115000"/>
-                        </a:lnSpc>
-                        <a:spcBef>
-                          <a:spcPts val="0"/>
-                        </a:spcBef>
-                        <a:buNone/>
-                      </a:pPr>
-                      <a:r>
-                        <a:rPr lang="uk" sz="1200">
-                          <a:latin typeface="Times New Roman"/>
-                          <a:ea typeface="Times New Roman"/>
-                          <a:cs typeface="Times New Roman"/>
-                          <a:sym typeface="Times New Roman"/>
-                        </a:rPr>
-                        <a:t>Витрати.</a:t>
-                      </a:r>
-                    </a:p>
-                  </a:txBody>
-                  <a:tcPr marL="68575" marR="68575" marT="91425" marB="91425">
-                    <a:lnL w="12650" cap="flat" cmpd="sng">
-                      <a:solidFill>
-                        <a:srgbClr val="000000"/>
-                      </a:solidFill>
-                      <a:prstDash val="solid"/>
-                      <a:round/>
-                      <a:headEnd type="none" w="med" len="med"/>
-                      <a:tailEnd type="none" w="med" len="med"/>
-                    </a:lnL>
-                    <a:lnR w="12650" cap="flat" cmpd="sng">
-                      <a:solidFill>
-                        <a:srgbClr val="000000"/>
-                      </a:solidFill>
-                      <a:prstDash val="solid"/>
-                      <a:round/>
-                      <a:headEnd type="none" w="med" len="med"/>
-                      <a:tailEnd type="none" w="med" len="med"/>
-                    </a:lnR>
-                    <a:lnT w="12650" cap="flat" cmpd="sng">
-                      <a:solidFill>
-                        <a:srgbClr val="000000"/>
-                      </a:solidFill>
-                      <a:prstDash val="solid"/>
-                      <a:round/>
-                      <a:headEnd type="none" w="med" len="med"/>
-                      <a:tailEnd type="none" w="med" len="med"/>
-                    </a:lnT>
-                    <a:lnB w="12650" cap="flat" cmpd="sng">
-                      <a:solidFill>
-                        <a:srgbClr val="000000"/>
-                      </a:solidFill>
-                      <a:prstDash val="solid"/>
-                      <a:round/>
-                      <a:headEnd type="none" w="med" len="med"/>
-                      <a:tailEnd type="none" w="med" len="med"/>
-                    </a:lnB>
-                    <a:solidFill>
-                      <a:srgbClr val="FABF8F"/>
-                    </a:solidFill>
-                  </a:tcPr>
-                </a:tc>
-                <a:tc>
-                  <a:txBody>
-                    <a:bodyPr/>
-                    <a:lstStyle/>
-                    <a:p>
-                      <a:pPr marL="0" lvl="0" indent="0" rtl="0">
-                        <a:lnSpc>
-                          <a:spcPct val="115000"/>
-                        </a:lnSpc>
-                        <a:spcBef>
-                          <a:spcPts val="0"/>
-                        </a:spcBef>
-                        <a:buNone/>
-                      </a:pPr>
-                      <a:r>
-                        <a:rPr lang="uk" sz="1200">
-                          <a:latin typeface="Times New Roman"/>
-                          <a:ea typeface="Times New Roman"/>
-                          <a:cs typeface="Times New Roman"/>
-                          <a:sym typeface="Times New Roman"/>
-                        </a:rPr>
-                        <a:t>Припущення, ризики та передумови.</a:t>
-                      </a:r>
-                    </a:p>
-                  </a:txBody>
-                  <a:tcPr marL="68575" marR="68575" marT="91425" marB="91425">
-                    <a:lnL w="12650" cap="flat" cmpd="sng">
-                      <a:solidFill>
-                        <a:srgbClr val="000000"/>
-                      </a:solidFill>
-                      <a:prstDash val="solid"/>
-                      <a:round/>
-                      <a:headEnd type="none" w="med" len="med"/>
-                      <a:tailEnd type="none" w="med" len="med"/>
-                    </a:lnL>
-                    <a:lnR w="12650" cap="flat" cmpd="sng">
-                      <a:solidFill>
-                        <a:srgbClr val="000000"/>
-                      </a:solidFill>
-                      <a:prstDash val="solid"/>
-                      <a:round/>
-                      <a:headEnd type="none" w="med" len="med"/>
-                      <a:tailEnd type="none" w="med" len="med"/>
-                    </a:lnR>
-                    <a:lnT w="12650" cap="flat" cmpd="sng">
-                      <a:solidFill>
-                        <a:srgbClr val="000000"/>
-                      </a:solidFill>
-                      <a:prstDash val="solid"/>
-                      <a:round/>
-                      <a:headEnd type="none" w="med" len="med"/>
-                      <a:tailEnd type="none" w="med" len="med"/>
-                    </a:lnT>
-                    <a:lnB w="12650" cap="flat" cmpd="sng">
-                      <a:solidFill>
-                        <a:srgbClr val="000000"/>
-                      </a:solidFill>
-                      <a:prstDash val="solid"/>
-                      <a:round/>
-                      <a:headEnd type="none" w="med" len="med"/>
-                      <a:tailEnd type="none" w="med" len="med"/>
-                    </a:lnB>
-                    <a:solidFill>
-                      <a:srgbClr val="FABF8F"/>
-                    </a:solidFill>
-                  </a:tcPr>
-                </a:tc>
-                <a:extLst>
-                  <a:ext uri="{0D108BD9-81ED-4DB2-BD59-A6C34878D82A}">
-                    <a16:rowId xmlns:a16="http://schemas.microsoft.com/office/drawing/2014/main" val="10000"/>
-                  </a:ext>
-                </a:extLst>
-              </a:tr>
-              <a:tr h="2744900">
-                <a:tc>
-                  <a:txBody>
-                    <a:bodyPr/>
-                    <a:lstStyle/>
-                    <a:p>
-                      <a:pPr marL="228600" lvl="0" indent="-228600" rtl="0">
-                        <a:lnSpc>
-                          <a:spcPct val="115000"/>
-                        </a:lnSpc>
-                        <a:spcBef>
-                          <a:spcPts val="0"/>
-                        </a:spcBef>
-                        <a:buAutoNum type="arabicPeriod" startAt="6"/>
-                      </a:pPr>
-                      <a:r>
-                        <a:rPr lang="uk" sz="1200" dirty="0" smtClean="0">
-                          <a:latin typeface="Times New Roman"/>
-                          <a:ea typeface="Times New Roman"/>
-                          <a:cs typeface="Times New Roman"/>
-                          <a:sym typeface="Times New Roman"/>
-                        </a:rPr>
-                        <a:t>Дослідження алгоритму для структурованих даних.</a:t>
-                      </a:r>
-                    </a:p>
-                    <a:p>
-                      <a:pPr marL="228600" lvl="0" indent="-228600" rtl="0">
-                        <a:lnSpc>
-                          <a:spcPct val="115000"/>
-                        </a:lnSpc>
-                        <a:spcBef>
-                          <a:spcPts val="0"/>
-                        </a:spcBef>
-                        <a:buAutoNum type="arabicPeriod" startAt="6"/>
-                      </a:pPr>
-                      <a:r>
-                        <a:rPr lang="uk" sz="1200" dirty="0" smtClean="0">
-                          <a:latin typeface="Times New Roman"/>
-                          <a:ea typeface="Times New Roman"/>
-                          <a:cs typeface="Times New Roman"/>
-                          <a:sym typeface="Times New Roman"/>
-                        </a:rPr>
-                        <a:t>Дослідження алгоритму для напіструктурованих даних</a:t>
-                      </a:r>
-                      <a:r>
-                        <a:rPr lang="en-US" sz="1200" dirty="0" smtClean="0">
-                          <a:latin typeface="Times New Roman"/>
-                          <a:ea typeface="Times New Roman"/>
-                          <a:cs typeface="Times New Roman"/>
-                          <a:sym typeface="Times New Roman"/>
-                        </a:rPr>
-                        <a:t>.</a:t>
-                      </a:r>
-                      <a:endParaRPr lang="uk" sz="1200" dirty="0">
-                        <a:latin typeface="Times New Roman"/>
-                        <a:ea typeface="Times New Roman"/>
-                        <a:cs typeface="Times New Roman"/>
-                        <a:sym typeface="Times New Roman"/>
-                      </a:endParaRPr>
-                    </a:p>
-                    <a:p>
-                      <a:pPr marL="228600" lvl="0" indent="-228600" rtl="0">
-                        <a:lnSpc>
-                          <a:spcPct val="115000"/>
-                        </a:lnSpc>
-                        <a:spcBef>
-                          <a:spcPts val="0"/>
-                        </a:spcBef>
-                        <a:buAutoNum type="arabicPeriod" startAt="8"/>
-                      </a:pPr>
-                      <a:r>
-                        <a:rPr lang="uk" sz="1200" dirty="0" smtClean="0">
-                          <a:latin typeface="Times New Roman"/>
-                          <a:ea typeface="Times New Roman"/>
-                          <a:cs typeface="Times New Roman"/>
-                          <a:sym typeface="Times New Roman"/>
-                        </a:rPr>
-                        <a:t>Порівняння</a:t>
-                      </a:r>
-                      <a:r>
-                        <a:rPr lang="uk" sz="1200" baseline="0" dirty="0" smtClean="0">
-                          <a:latin typeface="Times New Roman"/>
-                          <a:ea typeface="Times New Roman"/>
-                          <a:cs typeface="Times New Roman"/>
-                          <a:sym typeface="Times New Roman"/>
-                        </a:rPr>
-                        <a:t> результатів дял структурованих та напіструктурованих даних.</a:t>
-                      </a:r>
-                    </a:p>
-                  </a:txBody>
-                  <a:tcPr marL="68575" marR="68575" marT="91425" marB="91425">
-                    <a:lnL w="12650" cap="flat" cmpd="sng">
-                      <a:solidFill>
-                        <a:srgbClr val="000000"/>
-                      </a:solidFill>
-                      <a:prstDash val="solid"/>
-                      <a:round/>
-                      <a:headEnd type="none" w="med" len="med"/>
-                      <a:tailEnd type="none" w="med" len="med"/>
-                    </a:lnL>
-                    <a:lnR w="12650" cap="flat" cmpd="sng">
-                      <a:solidFill>
-                        <a:srgbClr val="000000"/>
-                      </a:solidFill>
-                      <a:prstDash val="solid"/>
-                      <a:round/>
-                      <a:headEnd type="none" w="med" len="med"/>
-                      <a:tailEnd type="none" w="med" len="med"/>
-                    </a:lnR>
-                    <a:lnT w="12650" cap="flat" cmpd="sng">
-                      <a:solidFill>
-                        <a:srgbClr val="000000"/>
-                      </a:solidFill>
-                      <a:prstDash val="solid"/>
-                      <a:round/>
-                      <a:headEnd type="none" w="med" len="med"/>
-                      <a:tailEnd type="none" w="med" len="med"/>
-                    </a:lnT>
-                    <a:lnB w="12650" cap="flat" cmpd="sng">
-                      <a:solidFill>
-                        <a:srgbClr val="000000"/>
-                      </a:solidFill>
-                      <a:prstDash val="solid"/>
-                      <a:round/>
-                      <a:headEnd type="none" w="med" len="med"/>
-                      <a:tailEnd type="none" w="med" len="med"/>
-                    </a:lnB>
-                  </a:tcPr>
-                </a:tc>
-                <a:tc>
-                  <a:txBody>
-                    <a:bodyPr/>
-                    <a:lstStyle/>
-                    <a:p>
-                      <a:pPr marL="171450" lvl="0" indent="-171450" rtl="0">
-                        <a:lnSpc>
-                          <a:spcPct val="115000"/>
-                        </a:lnSpc>
-                        <a:spcBef>
-                          <a:spcPts val="0"/>
-                        </a:spcBef>
-                        <a:buFont typeface="Arial" panose="020B0604020202020204" pitchFamily="34" charset="0"/>
-                        <a:buChar char="•"/>
-                      </a:pPr>
-                      <a:r>
-                        <a:rPr lang="uk" sz="1200" dirty="0" smtClean="0">
-                          <a:latin typeface="Times New Roman"/>
-                          <a:ea typeface="Times New Roman"/>
-                          <a:cs typeface="Times New Roman"/>
-                          <a:sym typeface="Times New Roman"/>
-                        </a:rPr>
-                        <a:t>Ліцензія </a:t>
-                      </a:r>
-                      <a:r>
-                        <a:rPr lang="uk" sz="1200" dirty="0">
-                          <a:latin typeface="Times New Roman"/>
-                          <a:ea typeface="Times New Roman"/>
-                          <a:cs typeface="Times New Roman"/>
-                          <a:sym typeface="Times New Roman"/>
-                        </a:rPr>
-                        <a:t>на необхідне програмне забезпечення(Visual Studio 2017 Enterprice, Microsoft Ofice</a:t>
-                      </a:r>
-                      <a:r>
-                        <a:rPr lang="uk" sz="1200" dirty="0" smtClean="0">
-                          <a:latin typeface="Times New Roman"/>
-                          <a:ea typeface="Times New Roman"/>
-                          <a:cs typeface="Times New Roman"/>
-                          <a:sym typeface="Times New Roman"/>
-                        </a:rPr>
-                        <a:t>)</a:t>
-                      </a:r>
-                      <a:endParaRPr lang="uk" sz="1200" dirty="0">
-                        <a:latin typeface="Times New Roman"/>
-                        <a:ea typeface="Times New Roman"/>
-                        <a:cs typeface="Times New Roman"/>
-                        <a:sym typeface="Times New Roman"/>
-                      </a:endParaRPr>
-                    </a:p>
-                  </a:txBody>
-                  <a:tcPr marL="68575" marR="68575" marT="91425" marB="91425">
-                    <a:lnL w="12650" cap="flat" cmpd="sng">
-                      <a:solidFill>
-                        <a:srgbClr val="000000"/>
-                      </a:solidFill>
-                      <a:prstDash val="solid"/>
-                      <a:round/>
-                      <a:headEnd type="none" w="med" len="med"/>
-                      <a:tailEnd type="none" w="med" len="med"/>
-                    </a:lnL>
-                    <a:lnR w="12650" cap="flat" cmpd="sng">
-                      <a:solidFill>
-                        <a:srgbClr val="000000"/>
-                      </a:solidFill>
-                      <a:prstDash val="solid"/>
-                      <a:round/>
-                      <a:headEnd type="none" w="med" len="med"/>
-                      <a:tailEnd type="none" w="med" len="med"/>
-                    </a:lnR>
-                    <a:lnT w="12650" cap="flat" cmpd="sng">
-                      <a:solidFill>
-                        <a:srgbClr val="000000"/>
-                      </a:solidFill>
-                      <a:prstDash val="solid"/>
-                      <a:round/>
-                      <a:headEnd type="none" w="med" len="med"/>
-                      <a:tailEnd type="none" w="med" len="med"/>
-                    </a:lnT>
-                    <a:lnB w="12650" cap="flat" cmpd="sng">
-                      <a:solidFill>
-                        <a:srgbClr val="000000"/>
-                      </a:solidFill>
-                      <a:prstDash val="solid"/>
-                      <a:round/>
-                      <a:headEnd type="none" w="med" len="med"/>
-                      <a:tailEnd type="none" w="med" len="med"/>
-                    </a:lnB>
-                  </a:tcPr>
-                </a:tc>
-                <a:tc>
-                  <a:txBody>
-                    <a:bodyPr/>
-                    <a:lstStyle/>
-                    <a:p>
-                      <a:pPr marL="0" lvl="0" indent="0" rtl="0">
-                        <a:lnSpc>
-                          <a:spcPct val="115000"/>
-                        </a:lnSpc>
-                        <a:spcBef>
-                          <a:spcPts val="0"/>
-                        </a:spcBef>
-                        <a:buNone/>
-                      </a:pPr>
-                      <a:endParaRPr sz="1200">
-                        <a:highlight>
-                          <a:srgbClr val="00B050"/>
-                        </a:highlight>
-                        <a:latin typeface="Times New Roman"/>
-                        <a:ea typeface="Times New Roman"/>
-                        <a:cs typeface="Times New Roman"/>
-                        <a:sym typeface="Times New Roman"/>
-                      </a:endParaRPr>
-                    </a:p>
-                  </a:txBody>
-                  <a:tcPr marL="68575" marR="68575" marT="91425" marB="91425">
-                    <a:lnL w="12650" cap="flat" cmpd="sng">
-                      <a:solidFill>
-                        <a:srgbClr val="000000"/>
-                      </a:solidFill>
-                      <a:prstDash val="solid"/>
-                      <a:round/>
-                      <a:headEnd type="none" w="med" len="med"/>
-                      <a:tailEnd type="none" w="med" len="med"/>
-                    </a:lnL>
-                    <a:lnR w="12650" cap="flat" cmpd="sng">
-                      <a:solidFill>
-                        <a:srgbClr val="000000"/>
-                      </a:solidFill>
-                      <a:prstDash val="solid"/>
-                      <a:round/>
-                      <a:headEnd type="none" w="med" len="med"/>
-                      <a:tailEnd type="none" w="med" len="med"/>
-                    </a:lnR>
-                    <a:lnT w="12650" cap="flat" cmpd="sng">
-                      <a:solidFill>
-                        <a:srgbClr val="000000"/>
-                      </a:solidFill>
-                      <a:prstDash val="solid"/>
-                      <a:round/>
-                      <a:headEnd type="none" w="med" len="med"/>
-                      <a:tailEnd type="none" w="med" len="med"/>
-                    </a:lnT>
-                    <a:lnB w="12650" cap="flat" cmpd="sng">
-                      <a:solidFill>
-                        <a:srgbClr val="000000"/>
-                      </a:solidFill>
-                      <a:prstDash val="solid"/>
-                      <a:round/>
-                      <a:headEnd type="none" w="med" len="med"/>
-                      <a:tailEnd type="none" w="med" len="med"/>
-                    </a:lnB>
-                  </a:tcPr>
-                </a:tc>
-                <a:tc>
-                  <a:txBody>
-                    <a:bodyPr/>
-                    <a:lstStyle/>
-                    <a:p>
-                      <a:pPr marL="0" lvl="0" indent="0" rtl="0">
-                        <a:lnSpc>
-                          <a:spcPct val="115000"/>
-                        </a:lnSpc>
-                        <a:spcBef>
-                          <a:spcPts val="0"/>
-                        </a:spcBef>
-                        <a:buNone/>
-                      </a:pPr>
-                      <a:r>
-                        <a:rPr lang="uk" sz="1200" dirty="0" smtClean="0">
-                          <a:latin typeface="Times New Roman"/>
-                          <a:ea typeface="Times New Roman"/>
-                          <a:cs typeface="Times New Roman"/>
-                          <a:sym typeface="Times New Roman"/>
-                        </a:rPr>
-                        <a:t>Додатковий</a:t>
-                      </a:r>
-                      <a:r>
-                        <a:rPr lang="uk" sz="1200" baseline="0" dirty="0" smtClean="0">
-                          <a:latin typeface="Times New Roman"/>
-                          <a:ea typeface="Times New Roman"/>
-                          <a:cs typeface="Times New Roman"/>
-                          <a:sym typeface="Times New Roman"/>
-                        </a:rPr>
-                        <a:t> час для навчання персоналу</a:t>
-                      </a:r>
-                      <a:r>
-                        <a:rPr lang="uk" sz="1200" dirty="0" smtClean="0">
-                          <a:latin typeface="Times New Roman"/>
-                          <a:ea typeface="Times New Roman"/>
-                          <a:cs typeface="Times New Roman"/>
-                          <a:sym typeface="Times New Roman"/>
-                        </a:rPr>
-                        <a:t>.</a:t>
-                      </a:r>
-                      <a:endParaRPr lang="uk" sz="1200" dirty="0">
-                        <a:latin typeface="Times New Roman"/>
-                        <a:ea typeface="Times New Roman"/>
-                        <a:cs typeface="Times New Roman"/>
-                        <a:sym typeface="Times New Roman"/>
-                      </a:endParaRPr>
-                    </a:p>
-                    <a:p>
-                      <a:pPr marL="0" lvl="0" indent="0" rtl="0">
-                        <a:lnSpc>
-                          <a:spcPct val="115000"/>
-                        </a:lnSpc>
-                        <a:spcBef>
-                          <a:spcPts val="0"/>
-                        </a:spcBef>
-                        <a:buNone/>
-                      </a:pPr>
-                      <a:r>
-                        <a:rPr lang="uk" sz="1200" dirty="0">
-                          <a:latin typeface="Times New Roman"/>
-                          <a:ea typeface="Times New Roman"/>
-                          <a:cs typeface="Times New Roman"/>
-                          <a:sym typeface="Times New Roman"/>
-                        </a:rPr>
-                        <a:t> </a:t>
-                      </a:r>
-                    </a:p>
-                    <a:p>
-                      <a:pPr marL="0" lvl="0" indent="0" rtl="0">
-                        <a:lnSpc>
-                          <a:spcPct val="115000"/>
-                        </a:lnSpc>
-                        <a:spcBef>
-                          <a:spcPts val="0"/>
-                        </a:spcBef>
-                        <a:buNone/>
-                      </a:pPr>
-                      <a:r>
-                        <a:rPr lang="uk" sz="1200" dirty="0">
-                          <a:latin typeface="Times New Roman"/>
-                          <a:ea typeface="Times New Roman"/>
-                          <a:cs typeface="Times New Roman"/>
-                          <a:sym typeface="Times New Roman"/>
-                        </a:rPr>
-                        <a:t> </a:t>
-                      </a:r>
-                    </a:p>
-                  </a:txBody>
-                  <a:tcPr marL="68575" marR="68575" marT="91425" marB="91425">
-                    <a:lnL w="12650" cap="flat" cmpd="sng">
-                      <a:solidFill>
-                        <a:srgbClr val="000000"/>
-                      </a:solidFill>
-                      <a:prstDash val="solid"/>
-                      <a:round/>
-                      <a:headEnd type="none" w="med" len="med"/>
-                      <a:tailEnd type="none" w="med" len="med"/>
-                    </a:lnL>
-                    <a:lnR w="12650" cap="flat" cmpd="sng">
-                      <a:solidFill>
-                        <a:srgbClr val="000000"/>
-                      </a:solidFill>
-                      <a:prstDash val="solid"/>
-                      <a:round/>
-                      <a:headEnd type="none" w="med" len="med"/>
-                      <a:tailEnd type="none" w="med" len="med"/>
-                    </a:lnR>
-                    <a:lnT w="12650" cap="flat" cmpd="sng">
-                      <a:solidFill>
-                        <a:srgbClr val="000000"/>
-                      </a:solidFill>
-                      <a:prstDash val="solid"/>
-                      <a:round/>
-                      <a:headEnd type="none" w="med" len="med"/>
-                      <a:tailEnd type="none" w="med" len="med"/>
-                    </a:lnT>
-                    <a:lnB w="12650" cap="flat" cmpd="sng">
-                      <a:solidFill>
-                        <a:srgbClr val="000000"/>
-                      </a:solidFill>
-                      <a:prstDash val="solid"/>
-                      <a:round/>
-                      <a:headEnd type="none" w="med" len="med"/>
-                      <a:tailEnd type="none" w="med" len="med"/>
-                    </a:lnB>
-                  </a:tcPr>
-                </a:tc>
-                <a:extLst>
-                  <a:ext uri="{0D108BD9-81ED-4DB2-BD59-A6C34878D82A}">
-                    <a16:rowId xmlns:a16="http://schemas.microsoft.com/office/drawing/2014/main" val="10001"/>
-                  </a:ext>
-                </a:extLst>
-              </a:tr>
-            </a:tbl>
-          </a:graphicData>
-        </a:graphic>
-      </p:graphicFrame>
     </p:spTree>
+    <p:extLst>
+      <p:ext uri="{BB962C8B-B14F-4D97-AF65-F5344CB8AC3E}">
+        <p14:creationId xmlns:p14="http://schemas.microsoft.com/office/powerpoint/2010/main" val="1545413636"/>
+      </p:ext>
+    </p:extLst>
   </p:cSld>
   <p:clrMapOvr>
     <a:masterClrMapping/>

--- a/docs/Дослідження_роботи_алгоритму_apriori.pptx
+++ b/docs/Дослідження_роботи_алгоритму_apriori.pptx
@@ -6,54 +6,57 @@
     <p:sldMasterId id="2147483673" r:id="rId2"/>
   </p:sldMasterIdLst>
   <p:notesMasterIdLst>
-    <p:notesMasterId r:id="rId15"/>
+    <p:notesMasterId r:id="rId18"/>
   </p:notesMasterIdLst>
   <p:sldIdLst>
     <p:sldId id="256" r:id="rId3"/>
     <p:sldId id="260" r:id="rId4"/>
-    <p:sldId id="277" r:id="rId5"/>
+    <p:sldId id="286" r:id="rId5"/>
     <p:sldId id="261" r:id="rId6"/>
     <p:sldId id="279" r:id="rId7"/>
-    <p:sldId id="271" r:id="rId8"/>
-    <p:sldId id="275" r:id="rId9"/>
-    <p:sldId id="274" r:id="rId10"/>
-    <p:sldId id="276" r:id="rId11"/>
-    <p:sldId id="272" r:id="rId12"/>
-    <p:sldId id="269" r:id="rId13"/>
-    <p:sldId id="270" r:id="rId14"/>
+    <p:sldId id="274" r:id="rId8"/>
+    <p:sldId id="271" r:id="rId9"/>
+    <p:sldId id="275" r:id="rId10"/>
+    <p:sldId id="280" r:id="rId11"/>
+    <p:sldId id="281" r:id="rId12"/>
+    <p:sldId id="282" r:id="rId13"/>
+    <p:sldId id="283" r:id="rId14"/>
+    <p:sldId id="285" r:id="rId15"/>
+    <p:sldId id="284" r:id="rId16"/>
+    <p:sldId id="270" r:id="rId17"/>
   </p:sldIdLst>
   <p:sldSz cx="9144000" cy="5143500" type="screen16x9"/>
   <p:notesSz cx="6858000" cy="9144000"/>
   <p:embeddedFontLst>
     <p:embeddedFont>
-      <p:font typeface="Wingdings 3" panose="05040102010807070707" pitchFamily="18" charset="2"/>
-      <p:regular r:id="rId16"/>
-    </p:embeddedFont>
-    <p:embeddedFont>
-      <p:font typeface="Calibri Light" panose="020F0302020204030204" pitchFamily="34" charset="0"/>
-      <p:regular r:id="rId17"/>
-      <p:italic r:id="rId18"/>
-    </p:embeddedFont>
-    <p:embeddedFont>
-      <p:font typeface="Nunito" panose="020B0604020202020204" charset="0"/>
+      <p:font typeface="Century Gothic" panose="020B0502020202020204" pitchFamily="34" charset="0"/>
       <p:regular r:id="rId19"/>
       <p:bold r:id="rId20"/>
       <p:italic r:id="rId21"/>
       <p:boldItalic r:id="rId22"/>
     </p:embeddedFont>
     <p:embeddedFont>
-      <p:font typeface="Century Gothic" panose="020B0502020202020204" pitchFamily="34" charset="0"/>
+      <p:font typeface="Calibri" panose="020F0502020204030204" pitchFamily="34" charset="0"/>
       <p:regular r:id="rId23"/>
       <p:bold r:id="rId24"/>
       <p:italic r:id="rId25"/>
       <p:boldItalic r:id="rId26"/>
     </p:embeddedFont>
     <p:embeddedFont>
-      <p:font typeface="Calibri" panose="020F0502020204030204" pitchFamily="34" charset="0"/>
+      <p:font typeface="Nunito" panose="020B0604020202020204" charset="0"/>
       <p:regular r:id="rId27"/>
       <p:bold r:id="rId28"/>
       <p:italic r:id="rId29"/>
       <p:boldItalic r:id="rId30"/>
+    </p:embeddedFont>
+    <p:embeddedFont>
+      <p:font typeface="Wingdings 3" panose="05040102010807070707" pitchFamily="18" charset="2"/>
+      <p:regular r:id="rId31"/>
+    </p:embeddedFont>
+    <p:embeddedFont>
+      <p:font typeface="Calibri Light" panose="020F0302020204030204" pitchFamily="34" charset="0"/>
+      <p:regular r:id="rId32"/>
+      <p:italic r:id="rId33"/>
     </p:embeddedFont>
   </p:embeddedFontLst>
   <p:defaultTextStyle>
@@ -641,7 +644,7 @@
     </p:spTree>
     <p:extLst>
       <p:ext uri="{BB962C8B-B14F-4D97-AF65-F5344CB8AC3E}">
-        <p14:creationId xmlns:p14="http://schemas.microsoft.com/office/powerpoint/2010/main" val="929243893"/>
+        <p14:creationId xmlns:p14="http://schemas.microsoft.com/office/powerpoint/2010/main" val="4277184874"/>
       </p:ext>
     </p:extLst>
   </p:cSld>
@@ -656,7 +659,7 @@
   <p:cSld>
     <p:spTree>
       <p:nvGrpSpPr>
-        <p:cNvPr id="1" name="Shape 365"/>
+        <p:cNvPr id="1" name="Shape 314"/>
         <p:cNvGrpSpPr/>
         <p:nvPr/>
       </p:nvGrpSpPr>
@@ -670,7 +673,7 @@
       </p:grpSpPr>
       <p:sp>
         <p:nvSpPr>
-          <p:cNvPr id="366" name="Shape 366"/>
+          <p:cNvPr id="315" name="Shape 315"/>
           <p:cNvSpPr>
             <a:spLocks noGrp="1" noRot="1" noChangeAspect="1"/>
           </p:cNvSpPr>
@@ -711,7 +714,7 @@
       </p:sp>
       <p:sp>
         <p:nvSpPr>
-          <p:cNvPr id="367" name="Shape 367"/>
+          <p:cNvPr id="316" name="Shape 316"/>
           <p:cNvSpPr txBox="1">
             <a:spLocks noGrp="1"/>
           </p:cNvSpPr>
@@ -740,14 +743,14 @@
               </a:spcBef>
               <a:buNone/>
             </a:pPr>
-            <a:endParaRPr dirty="0"/>
+            <a:endParaRPr/>
           </a:p>
         </p:txBody>
       </p:sp>
     </p:spTree>
     <p:extLst>
       <p:ext uri="{BB962C8B-B14F-4D97-AF65-F5344CB8AC3E}">
-        <p14:creationId xmlns:p14="http://schemas.microsoft.com/office/powerpoint/2010/main" val="3281897516"/>
+        <p14:creationId xmlns:p14="http://schemas.microsoft.com/office/powerpoint/2010/main" val="3947738928"/>
       </p:ext>
     </p:extLst>
   </p:cSld>
@@ -762,7 +765,7 @@
   <p:cSld>
     <p:spTree>
       <p:nvGrpSpPr>
-        <p:cNvPr id="1" name="Shape 372"/>
+        <p:cNvPr id="1" name="Shape 314"/>
         <p:cNvGrpSpPr/>
         <p:nvPr/>
       </p:nvGrpSpPr>
@@ -776,7 +779,7 @@
       </p:grpSpPr>
       <p:sp>
         <p:nvSpPr>
-          <p:cNvPr id="373" name="Shape 373"/>
+          <p:cNvPr id="315" name="Shape 315"/>
           <p:cNvSpPr>
             <a:spLocks noGrp="1" noRot="1" noChangeAspect="1"/>
           </p:cNvSpPr>
@@ -817,6 +820,324 @@
       </p:sp>
       <p:sp>
         <p:nvSpPr>
+          <p:cNvPr id="316" name="Shape 316"/>
+          <p:cNvSpPr txBox="1">
+            <a:spLocks noGrp="1"/>
+          </p:cNvSpPr>
+          <p:nvPr>
+            <p:ph type="body" idx="1"/>
+          </p:nvPr>
+        </p:nvSpPr>
+        <p:spPr>
+          <a:xfrm>
+            <a:off x="685800" y="4343400"/>
+            <a:ext cx="5486400" cy="4114800"/>
+          </a:xfrm>
+          <a:prstGeom prst="rect">
+            <a:avLst/>
+          </a:prstGeom>
+        </p:spPr>
+        <p:txBody>
+          <a:bodyPr wrap="square" lIns="91425" tIns="91425" rIns="91425" bIns="91425" anchor="t" anchorCtr="0">
+            <a:noAutofit/>
+          </a:bodyPr>
+          <a:lstStyle/>
+          <a:p>
+            <a:pPr marL="0" lvl="0" indent="0">
+              <a:spcBef>
+                <a:spcPts val="0"/>
+              </a:spcBef>
+              <a:buNone/>
+            </a:pPr>
+            <a:endParaRPr/>
+          </a:p>
+        </p:txBody>
+      </p:sp>
+    </p:spTree>
+    <p:extLst>
+      <p:ext uri="{BB962C8B-B14F-4D97-AF65-F5344CB8AC3E}">
+        <p14:creationId xmlns:p14="http://schemas.microsoft.com/office/powerpoint/2010/main" val="1010862259"/>
+      </p:ext>
+    </p:extLst>
+  </p:cSld>
+  <p:clrMapOvr>
+    <a:masterClrMapping/>
+  </p:clrMapOvr>
+</p:notes>
+</file>
+
+<file path=ppt/notesSlides/notesSlide13.xml><?xml version="1.0" encoding="utf-8"?>
+<p:notes xmlns:a="http://schemas.openxmlformats.org/drawingml/2006/main" xmlns:r="http://schemas.openxmlformats.org/officeDocument/2006/relationships" xmlns:p="http://schemas.openxmlformats.org/presentationml/2006/main" showMasterSp="0" showMasterPhAnim="0">
+  <p:cSld>
+    <p:spTree>
+      <p:nvGrpSpPr>
+        <p:cNvPr id="1" name="Shape 314"/>
+        <p:cNvGrpSpPr/>
+        <p:nvPr/>
+      </p:nvGrpSpPr>
+      <p:grpSpPr>
+        <a:xfrm>
+          <a:off x="0" y="0"/>
+          <a:ext cx="0" cy="0"/>
+          <a:chOff x="0" y="0"/>
+          <a:chExt cx="0" cy="0"/>
+        </a:xfrm>
+      </p:grpSpPr>
+      <p:sp>
+        <p:nvSpPr>
+          <p:cNvPr id="315" name="Shape 315"/>
+          <p:cNvSpPr>
+            <a:spLocks noGrp="1" noRot="1" noChangeAspect="1"/>
+          </p:cNvSpPr>
+          <p:nvPr>
+            <p:ph type="sldImg" idx="2"/>
+          </p:nvPr>
+        </p:nvSpPr>
+        <p:spPr>
+          <a:xfrm>
+            <a:off x="381000" y="685800"/>
+            <a:ext cx="6096000" cy="3429000"/>
+          </a:xfrm>
+          <a:custGeom>
+            <a:avLst/>
+            <a:gdLst/>
+            <a:ahLst/>
+            <a:cxnLst/>
+            <a:rect l="0" t="0" r="0" b="0"/>
+            <a:pathLst>
+              <a:path w="120000" h="120000" extrusionOk="0">
+                <a:moveTo>
+                  <a:pt x="0" y="0"/>
+                </a:moveTo>
+                <a:lnTo>
+                  <a:pt x="120000" y="0"/>
+                </a:lnTo>
+                <a:lnTo>
+                  <a:pt x="120000" y="120000"/>
+                </a:lnTo>
+                <a:lnTo>
+                  <a:pt x="0" y="120000"/>
+                </a:lnTo>
+                <a:close/>
+              </a:path>
+            </a:pathLst>
+          </a:custGeom>
+        </p:spPr>
+      </p:sp>
+      <p:sp>
+        <p:nvSpPr>
+          <p:cNvPr id="316" name="Shape 316"/>
+          <p:cNvSpPr txBox="1">
+            <a:spLocks noGrp="1"/>
+          </p:cNvSpPr>
+          <p:nvPr>
+            <p:ph type="body" idx="1"/>
+          </p:nvPr>
+        </p:nvSpPr>
+        <p:spPr>
+          <a:xfrm>
+            <a:off x="685800" y="4343400"/>
+            <a:ext cx="5486400" cy="4114800"/>
+          </a:xfrm>
+          <a:prstGeom prst="rect">
+            <a:avLst/>
+          </a:prstGeom>
+        </p:spPr>
+        <p:txBody>
+          <a:bodyPr wrap="square" lIns="91425" tIns="91425" rIns="91425" bIns="91425" anchor="t" anchorCtr="0">
+            <a:noAutofit/>
+          </a:bodyPr>
+          <a:lstStyle/>
+          <a:p>
+            <a:pPr marL="0" lvl="0" indent="0">
+              <a:spcBef>
+                <a:spcPts val="0"/>
+              </a:spcBef>
+              <a:buNone/>
+            </a:pPr>
+            <a:endParaRPr/>
+          </a:p>
+        </p:txBody>
+      </p:sp>
+    </p:spTree>
+    <p:extLst>
+      <p:ext uri="{BB962C8B-B14F-4D97-AF65-F5344CB8AC3E}">
+        <p14:creationId xmlns:p14="http://schemas.microsoft.com/office/powerpoint/2010/main" val="855141859"/>
+      </p:ext>
+    </p:extLst>
+  </p:cSld>
+  <p:clrMapOvr>
+    <a:masterClrMapping/>
+  </p:clrMapOvr>
+</p:notes>
+</file>
+
+<file path=ppt/notesSlides/notesSlide14.xml><?xml version="1.0" encoding="utf-8"?>
+<p:notes xmlns:a="http://schemas.openxmlformats.org/drawingml/2006/main" xmlns:r="http://schemas.openxmlformats.org/officeDocument/2006/relationships" xmlns:p="http://schemas.openxmlformats.org/presentationml/2006/main" showMasterSp="0" showMasterPhAnim="0">
+  <p:cSld>
+    <p:spTree>
+      <p:nvGrpSpPr>
+        <p:cNvPr id="1" name="Shape 314"/>
+        <p:cNvGrpSpPr/>
+        <p:nvPr/>
+      </p:nvGrpSpPr>
+      <p:grpSpPr>
+        <a:xfrm>
+          <a:off x="0" y="0"/>
+          <a:ext cx="0" cy="0"/>
+          <a:chOff x="0" y="0"/>
+          <a:chExt cx="0" cy="0"/>
+        </a:xfrm>
+      </p:grpSpPr>
+      <p:sp>
+        <p:nvSpPr>
+          <p:cNvPr id="315" name="Shape 315"/>
+          <p:cNvSpPr>
+            <a:spLocks noGrp="1" noRot="1" noChangeAspect="1"/>
+          </p:cNvSpPr>
+          <p:nvPr>
+            <p:ph type="sldImg" idx="2"/>
+          </p:nvPr>
+        </p:nvSpPr>
+        <p:spPr>
+          <a:xfrm>
+            <a:off x="381000" y="685800"/>
+            <a:ext cx="6096000" cy="3429000"/>
+          </a:xfrm>
+          <a:custGeom>
+            <a:avLst/>
+            <a:gdLst/>
+            <a:ahLst/>
+            <a:cxnLst/>
+            <a:rect l="0" t="0" r="0" b="0"/>
+            <a:pathLst>
+              <a:path w="120000" h="120000" extrusionOk="0">
+                <a:moveTo>
+                  <a:pt x="0" y="0"/>
+                </a:moveTo>
+                <a:lnTo>
+                  <a:pt x="120000" y="0"/>
+                </a:lnTo>
+                <a:lnTo>
+                  <a:pt x="120000" y="120000"/>
+                </a:lnTo>
+                <a:lnTo>
+                  <a:pt x="0" y="120000"/>
+                </a:lnTo>
+                <a:close/>
+              </a:path>
+            </a:pathLst>
+          </a:custGeom>
+        </p:spPr>
+      </p:sp>
+      <p:sp>
+        <p:nvSpPr>
+          <p:cNvPr id="316" name="Shape 316"/>
+          <p:cNvSpPr txBox="1">
+            <a:spLocks noGrp="1"/>
+          </p:cNvSpPr>
+          <p:nvPr>
+            <p:ph type="body" idx="1"/>
+          </p:nvPr>
+        </p:nvSpPr>
+        <p:spPr>
+          <a:xfrm>
+            <a:off x="685800" y="4343400"/>
+            <a:ext cx="5486400" cy="4114800"/>
+          </a:xfrm>
+          <a:prstGeom prst="rect">
+            <a:avLst/>
+          </a:prstGeom>
+        </p:spPr>
+        <p:txBody>
+          <a:bodyPr wrap="square" lIns="91425" tIns="91425" rIns="91425" bIns="91425" anchor="t" anchorCtr="0">
+            <a:noAutofit/>
+          </a:bodyPr>
+          <a:lstStyle/>
+          <a:p>
+            <a:pPr marL="0" lvl="0" indent="0">
+              <a:spcBef>
+                <a:spcPts val="0"/>
+              </a:spcBef>
+              <a:buNone/>
+            </a:pPr>
+            <a:endParaRPr/>
+          </a:p>
+        </p:txBody>
+      </p:sp>
+    </p:spTree>
+    <p:extLst>
+      <p:ext uri="{BB962C8B-B14F-4D97-AF65-F5344CB8AC3E}">
+        <p14:creationId xmlns:p14="http://schemas.microsoft.com/office/powerpoint/2010/main" val="1695934870"/>
+      </p:ext>
+    </p:extLst>
+  </p:cSld>
+  <p:clrMapOvr>
+    <a:masterClrMapping/>
+  </p:clrMapOvr>
+</p:notes>
+</file>
+
+<file path=ppt/notesSlides/notesSlide15.xml><?xml version="1.0" encoding="utf-8"?>
+<p:notes xmlns:a="http://schemas.openxmlformats.org/drawingml/2006/main" xmlns:r="http://schemas.openxmlformats.org/officeDocument/2006/relationships" xmlns:p="http://schemas.openxmlformats.org/presentationml/2006/main" showMasterSp="0" showMasterPhAnim="0">
+  <p:cSld>
+    <p:spTree>
+      <p:nvGrpSpPr>
+        <p:cNvPr id="1" name="Shape 372"/>
+        <p:cNvGrpSpPr/>
+        <p:nvPr/>
+      </p:nvGrpSpPr>
+      <p:grpSpPr>
+        <a:xfrm>
+          <a:off x="0" y="0"/>
+          <a:ext cx="0" cy="0"/>
+          <a:chOff x="0" y="0"/>
+          <a:chExt cx="0" cy="0"/>
+        </a:xfrm>
+      </p:grpSpPr>
+      <p:sp>
+        <p:nvSpPr>
+          <p:cNvPr id="373" name="Shape 373"/>
+          <p:cNvSpPr>
+            <a:spLocks noGrp="1" noRot="1" noChangeAspect="1"/>
+          </p:cNvSpPr>
+          <p:nvPr>
+            <p:ph type="sldImg" idx="2"/>
+          </p:nvPr>
+        </p:nvSpPr>
+        <p:spPr>
+          <a:xfrm>
+            <a:off x="381000" y="685800"/>
+            <a:ext cx="6096000" cy="3429000"/>
+          </a:xfrm>
+          <a:custGeom>
+            <a:avLst/>
+            <a:gdLst/>
+            <a:ahLst/>
+            <a:cxnLst/>
+            <a:rect l="0" t="0" r="0" b="0"/>
+            <a:pathLst>
+              <a:path w="120000" h="120000" extrusionOk="0">
+                <a:moveTo>
+                  <a:pt x="0" y="0"/>
+                </a:moveTo>
+                <a:lnTo>
+                  <a:pt x="120000" y="0"/>
+                </a:lnTo>
+                <a:lnTo>
+                  <a:pt x="120000" y="120000"/>
+                </a:lnTo>
+                <a:lnTo>
+                  <a:pt x="0" y="120000"/>
+                </a:lnTo>
+                <a:close/>
+              </a:path>
+            </a:pathLst>
+          </a:custGeom>
+        </p:spPr>
+      </p:sp>
+      <p:sp>
+        <p:nvSpPr>
           <p:cNvPr id="374" name="Shape 374"/>
           <p:cNvSpPr txBox="1">
             <a:spLocks noGrp="1"/>
@@ -1065,7 +1386,7 @@
     </p:spTree>
     <p:extLst>
       <p:ext uri="{BB962C8B-B14F-4D97-AF65-F5344CB8AC3E}">
-        <p14:creationId xmlns:p14="http://schemas.microsoft.com/office/powerpoint/2010/main" val="2672692019"/>
+        <p14:creationId xmlns:p14="http://schemas.microsoft.com/office/powerpoint/2010/main" val="261463040"/>
       </p:ext>
     </p:extLst>
   </p:cSld>
@@ -1383,7 +1704,7 @@
     </p:spTree>
     <p:extLst>
       <p:ext uri="{BB962C8B-B14F-4D97-AF65-F5344CB8AC3E}">
-        <p14:creationId xmlns:p14="http://schemas.microsoft.com/office/powerpoint/2010/main" val="1328410530"/>
+        <p14:creationId xmlns:p14="http://schemas.microsoft.com/office/powerpoint/2010/main" val="1630930381"/>
       </p:ext>
     </p:extLst>
   </p:cSld>
@@ -1489,7 +1810,7 @@
     </p:spTree>
     <p:extLst>
       <p:ext uri="{BB962C8B-B14F-4D97-AF65-F5344CB8AC3E}">
-        <p14:creationId xmlns:p14="http://schemas.microsoft.com/office/powerpoint/2010/main" val="1598051338"/>
+        <p14:creationId xmlns:p14="http://schemas.microsoft.com/office/powerpoint/2010/main" val="1328410530"/>
       </p:ext>
     </p:extLst>
   </p:cSld>
@@ -1595,7 +1916,7 @@
     </p:spTree>
     <p:extLst>
       <p:ext uri="{BB962C8B-B14F-4D97-AF65-F5344CB8AC3E}">
-        <p14:creationId xmlns:p14="http://schemas.microsoft.com/office/powerpoint/2010/main" val="1630930381"/>
+        <p14:creationId xmlns:p14="http://schemas.microsoft.com/office/powerpoint/2010/main" val="1598051338"/>
       </p:ext>
     </p:extLst>
   </p:cSld>
@@ -1701,7 +2022,7 @@
     </p:spTree>
     <p:extLst>
       <p:ext uri="{BB962C8B-B14F-4D97-AF65-F5344CB8AC3E}">
-        <p14:creationId xmlns:p14="http://schemas.microsoft.com/office/powerpoint/2010/main" val="1070485051"/>
+        <p14:creationId xmlns:p14="http://schemas.microsoft.com/office/powerpoint/2010/main" val="328158788"/>
       </p:ext>
     </p:extLst>
   </p:cSld>
@@ -1842,7 +2163,7 @@
           <a:p>
             <a:fld id="{01AA25B3-4A2C-4DB2-A94F-1A845DBDD4B9}" type="datetimeFigureOut">
               <a:rPr lang="en-US" smtClean="0"/>
-              <a:t>12/13/2018</a:t>
+              <a:t>12/17/2018</a:t>
             </a:fld>
             <a:endParaRPr lang="en-US"/>
           </a:p>
@@ -2035,7 +2356,7 @@
           <a:p>
             <a:fld id="{01AA25B3-4A2C-4DB2-A94F-1A845DBDD4B9}" type="datetimeFigureOut">
               <a:rPr lang="en-US" smtClean="0"/>
-              <a:t>12/13/2018</a:t>
+              <a:t>12/17/2018</a:t>
             </a:fld>
             <a:endParaRPr lang="en-US"/>
           </a:p>
@@ -2238,7 +2559,7 @@
           <a:p>
             <a:fld id="{01AA25B3-4A2C-4DB2-A94F-1A845DBDD4B9}" type="datetimeFigureOut">
               <a:rPr lang="en-US" smtClean="0"/>
-              <a:t>12/13/2018</a:t>
+              <a:t>12/17/2018</a:t>
             </a:fld>
             <a:endParaRPr lang="en-US"/>
           </a:p>
@@ -2779,7 +3100,7 @@
           <a:p>
             <a:fld id="{01AA25B3-4A2C-4DB2-A94F-1A845DBDD4B9}" type="datetimeFigureOut">
               <a:rPr lang="en-US" smtClean="0"/>
-              <a:t>12/13/2018</a:t>
+              <a:t>12/17/2018</a:t>
             </a:fld>
             <a:endParaRPr lang="en-US"/>
           </a:p>
@@ -3069,7 +3390,7 @@
           <a:p>
             <a:fld id="{01AA25B3-4A2C-4DB2-A94F-1A845DBDD4B9}" type="datetimeFigureOut">
               <a:rPr lang="en-US" smtClean="0"/>
-              <a:t>12/13/2018</a:t>
+              <a:t>12/17/2018</a:t>
             </a:fld>
             <a:endParaRPr lang="en-US"/>
           </a:p>
@@ -3421,7 +3742,7 @@
           <a:p>
             <a:fld id="{01AA25B3-4A2C-4DB2-A94F-1A845DBDD4B9}" type="datetimeFigureOut">
               <a:rPr lang="en-US" smtClean="0"/>
-              <a:t>12/13/2018</a:t>
+              <a:t>12/17/2018</a:t>
             </a:fld>
             <a:endParaRPr lang="en-US"/>
           </a:p>
@@ -3767,7 +4088,7 @@
           <a:p>
             <a:fld id="{01AA25B3-4A2C-4DB2-A94F-1A845DBDD4B9}" type="datetimeFigureOut">
               <a:rPr lang="en-US" smtClean="0"/>
-              <a:t>12/13/2018</a:t>
+              <a:t>12/17/2018</a:t>
             </a:fld>
             <a:endParaRPr lang="en-US"/>
           </a:p>
@@ -4247,7 +4568,7 @@
           <a:p>
             <a:fld id="{01AA25B3-4A2C-4DB2-A94F-1A845DBDD4B9}" type="datetimeFigureOut">
               <a:rPr lang="en-US" smtClean="0"/>
-              <a:t>12/13/2018</a:t>
+              <a:t>12/17/2018</a:t>
             </a:fld>
             <a:endParaRPr lang="en-US"/>
           </a:p>
@@ -4475,7 +4796,7 @@
           <a:p>
             <a:fld id="{01AA25B3-4A2C-4DB2-A94F-1A845DBDD4B9}" type="datetimeFigureOut">
               <a:rPr lang="en-US" smtClean="0"/>
-              <a:t>12/13/2018</a:t>
+              <a:t>12/17/2018</a:t>
             </a:fld>
             <a:endParaRPr lang="en-US"/>
           </a:p>
@@ -4675,7 +4996,7 @@
           <a:p>
             <a:fld id="{01AA25B3-4A2C-4DB2-A94F-1A845DBDD4B9}" type="datetimeFigureOut">
               <a:rPr lang="en-US" smtClean="0"/>
-              <a:t>12/13/2018</a:t>
+              <a:t>12/17/2018</a:t>
             </a:fld>
             <a:endParaRPr lang="en-US"/>
           </a:p>
@@ -4933,7 +5254,7 @@
           <a:p>
             <a:fld id="{01AA25B3-4A2C-4DB2-A94F-1A845DBDD4B9}" type="datetimeFigureOut">
               <a:rPr lang="en-US" smtClean="0"/>
-              <a:t>12/13/2018</a:t>
+              <a:t>12/17/2018</a:t>
             </a:fld>
             <a:endParaRPr lang="en-US"/>
           </a:p>
@@ -5207,7 +5528,7 @@
           <a:p>
             <a:fld id="{01AA25B3-4A2C-4DB2-A94F-1A845DBDD4B9}" type="datetimeFigureOut">
               <a:rPr lang="en-US" smtClean="0"/>
-              <a:t>12/13/2018</a:t>
+              <a:t>12/17/2018</a:t>
             </a:fld>
             <a:endParaRPr lang="en-US"/>
           </a:p>
@@ -5575,7 +5896,7 @@
           <a:p>
             <a:fld id="{01AA25B3-4A2C-4DB2-A94F-1A845DBDD4B9}" type="datetimeFigureOut">
               <a:rPr lang="en-US" smtClean="0"/>
-              <a:t>12/13/2018</a:t>
+              <a:t>12/17/2018</a:t>
             </a:fld>
             <a:endParaRPr lang="en-US"/>
           </a:p>
@@ -5936,7 +6257,7 @@
           <a:p>
             <a:fld id="{01AA25B3-4A2C-4DB2-A94F-1A845DBDD4B9}" type="datetimeFigureOut">
               <a:rPr lang="en-US" smtClean="0"/>
-              <a:t>12/13/2018</a:t>
+              <a:t>12/17/2018</a:t>
             </a:fld>
             <a:endParaRPr lang="en-US"/>
           </a:p>
@@ -6360,7 +6681,7 @@
           <a:p>
             <a:fld id="{01AA25B3-4A2C-4DB2-A94F-1A845DBDD4B9}" type="datetimeFigureOut">
               <a:rPr lang="en-US" smtClean="0"/>
-              <a:t>12/13/2018</a:t>
+              <a:t>12/17/2018</a:t>
             </a:fld>
             <a:endParaRPr lang="en-US"/>
           </a:p>
@@ -6719,7 +7040,7 @@
           <a:p>
             <a:fld id="{01AA25B3-4A2C-4DB2-A94F-1A845DBDD4B9}" type="datetimeFigureOut">
               <a:rPr lang="en-US" smtClean="0"/>
-              <a:t>12/13/2018</a:t>
+              <a:t>12/17/2018</a:t>
             </a:fld>
             <a:endParaRPr lang="en-US"/>
           </a:p>
@@ -7062,7 +7383,7 @@
           <a:p>
             <a:fld id="{01AA25B3-4A2C-4DB2-A94F-1A845DBDD4B9}" type="datetimeFigureOut">
               <a:rPr lang="en-US" smtClean="0"/>
-              <a:t>12/13/2018</a:t>
+              <a:t>12/17/2018</a:t>
             </a:fld>
             <a:endParaRPr lang="en-US"/>
           </a:p>
@@ -7481,7 +7802,7 @@
           <a:p>
             <a:fld id="{01AA25B3-4A2C-4DB2-A94F-1A845DBDD4B9}" type="datetimeFigureOut">
               <a:rPr lang="en-US" smtClean="0"/>
-              <a:t>12/13/2018</a:t>
+              <a:t>12/17/2018</a:t>
             </a:fld>
             <a:endParaRPr lang="en-US"/>
           </a:p>
@@ -7761,7 +8082,7 @@
           <a:p>
             <a:fld id="{01AA25B3-4A2C-4DB2-A94F-1A845DBDD4B9}" type="datetimeFigureOut">
               <a:rPr lang="en-US" smtClean="0"/>
-              <a:t>12/13/2018</a:t>
+              <a:t>12/17/2018</a:t>
             </a:fld>
             <a:endParaRPr lang="en-US"/>
           </a:p>
@@ -8046,7 +8367,7 @@
           <a:p>
             <a:fld id="{01AA25B3-4A2C-4DB2-A94F-1A845DBDD4B9}" type="datetimeFigureOut">
               <a:rPr lang="en-US" smtClean="0"/>
-              <a:t>12/13/2018</a:t>
+              <a:t>12/17/2018</a:t>
             </a:fld>
             <a:endParaRPr lang="en-US"/>
           </a:p>
@@ -8397,7 +8718,7 @@
           <a:p>
             <a:fld id="{01AA25B3-4A2C-4DB2-A94F-1A845DBDD4B9}" type="datetimeFigureOut">
               <a:rPr lang="en-US" smtClean="0"/>
-              <a:t>12/13/2018</a:t>
+              <a:t>12/17/2018</a:t>
             </a:fld>
             <a:endParaRPr lang="en-US"/>
           </a:p>
@@ -8652,7 +8973,7 @@
           <a:p>
             <a:fld id="{01AA25B3-4A2C-4DB2-A94F-1A845DBDD4B9}" type="datetimeFigureOut">
               <a:rPr lang="en-US" smtClean="0"/>
-              <a:t>12/13/2018</a:t>
+              <a:t>12/17/2018</a:t>
             </a:fld>
             <a:endParaRPr lang="en-US"/>
           </a:p>
@@ -9042,7 +9363,7 @@
           <a:p>
             <a:fld id="{01AA25B3-4A2C-4DB2-A94F-1A845DBDD4B9}" type="datetimeFigureOut">
               <a:rPr lang="en-US" smtClean="0"/>
-              <a:t>12/13/2018</a:t>
+              <a:t>12/17/2018</a:t>
             </a:fld>
             <a:endParaRPr lang="en-US"/>
           </a:p>
@@ -9183,7 +9504,7 @@
           <a:p>
             <a:fld id="{01AA25B3-4A2C-4DB2-A94F-1A845DBDD4B9}" type="datetimeFigureOut">
               <a:rPr lang="en-US" smtClean="0"/>
-              <a:t>12/13/2018</a:t>
+              <a:t>12/17/2018</a:t>
             </a:fld>
             <a:endParaRPr lang="en-US"/>
           </a:p>
@@ -9301,7 +9622,7 @@
           <a:p>
             <a:fld id="{01AA25B3-4A2C-4DB2-A94F-1A845DBDD4B9}" type="datetimeFigureOut">
               <a:rPr lang="en-US" smtClean="0"/>
-              <a:t>12/13/2018</a:t>
+              <a:t>12/17/2018</a:t>
             </a:fld>
             <a:endParaRPr lang="en-US"/>
           </a:p>
@@ -9584,7 +9905,7 @@
           <a:p>
             <a:fld id="{01AA25B3-4A2C-4DB2-A94F-1A845DBDD4B9}" type="datetimeFigureOut">
               <a:rPr lang="en-US" smtClean="0"/>
-              <a:t>12/13/2018</a:t>
+              <a:t>12/17/2018</a:t>
             </a:fld>
             <a:endParaRPr lang="en-US"/>
           </a:p>
@@ -9860,7 +10181,7 @@
           <a:p>
             <a:fld id="{01AA25B3-4A2C-4DB2-A94F-1A845DBDD4B9}" type="datetimeFigureOut">
               <a:rPr lang="en-US" smtClean="0"/>
-              <a:t>12/13/2018</a:t>
+              <a:t>12/17/2018</a:t>
             </a:fld>
             <a:endParaRPr lang="en-US"/>
           </a:p>
@@ -10096,7 +10417,7 @@
           <a:p>
             <a:fld id="{01AA25B3-4A2C-4DB2-A94F-1A845DBDD4B9}" type="datetimeFigureOut">
               <a:rPr lang="en-US" smtClean="0"/>
-              <a:t>12/13/2018</a:t>
+              <a:t>12/17/2018</a:t>
             </a:fld>
             <a:endParaRPr lang="en-US"/>
           </a:p>
@@ -12477,7 +12798,7 @@
           <a:p>
             <a:fld id="{01AA25B3-4A2C-4DB2-A94F-1A845DBDD4B9}" type="datetimeFigureOut">
               <a:rPr lang="en-US" smtClean="0"/>
-              <a:t>12/13/2018</a:t>
+              <a:t>12/17/2018</a:t>
             </a:fld>
             <a:endParaRPr lang="en-US"/>
           </a:p>
@@ -13208,6 +13529,18 @@
               <a:buNone/>
             </a:pPr>
             <a:r>
+              <a:rPr lang="uk" sz="1800" smtClean="0">
+                <a:solidFill>
+                  <a:schemeClr val="tx1"/>
+                </a:solidFill>
+                <a:latin typeface="Arial"/>
+                <a:ea typeface="Arial"/>
+                <a:cs typeface="Arial"/>
+                <a:sym typeface="Arial"/>
+              </a:rPr>
+              <a:t>Левус Є.В</a:t>
+            </a:r>
+            <a:r>
               <a:rPr lang="uk" sz="1800" dirty="0" smtClean="0">
                 <a:solidFill>
                   <a:schemeClr val="tx1"/>
@@ -13217,7 +13550,7 @@
                 <a:cs typeface="Arial"/>
                 <a:sym typeface="Arial"/>
               </a:rPr>
-              <a:t>Левус Євгенія Василівна</a:t>
+              <a:t>.</a:t>
             </a:r>
           </a:p>
           <a:p>
@@ -13267,44 +13600,9 @@
           </p:nvPr>
         </p:nvSpPr>
         <p:spPr>
-          <a:prstGeom prst="rect">
-            <a:avLst/>
-          </a:prstGeom>
-        </p:spPr>
-        <p:txBody>
-          <a:bodyPr wrap="square" lIns="91425" tIns="91425" rIns="91425" bIns="91425" anchor="t" anchorCtr="0">
-            <a:noAutofit/>
-          </a:bodyPr>
-          <a:lstStyle/>
-          <a:p>
-            <a:pPr marL="0" lvl="0" indent="0">
-              <a:spcBef>
-                <a:spcPts val="0"/>
-              </a:spcBef>
-              <a:buNone/>
-            </a:pPr>
-            <a:r>
-              <a:rPr lang="uk" dirty="0" smtClean="0"/>
-              <a:t>Результати</a:t>
-            </a:r>
-            <a:endParaRPr lang="uk" dirty="0"/>
-          </a:p>
-        </p:txBody>
-      </p:sp>
-      <p:sp>
-        <p:nvSpPr>
-          <p:cNvPr id="319" name="Shape 319"/>
-          <p:cNvSpPr txBox="1">
-            <a:spLocks noGrp="1"/>
-          </p:cNvSpPr>
-          <p:nvPr>
-            <p:ph type="body" idx="1"/>
-          </p:nvPr>
-        </p:nvSpPr>
-        <p:spPr>
           <a:xfrm>
-            <a:off x="1189725" y="1647850"/>
-            <a:ext cx="7030500" cy="2541600"/>
+            <a:off x="1303800" y="333103"/>
+            <a:ext cx="7030500" cy="549741"/>
           </a:xfrm>
           <a:prstGeom prst="rect">
             <a:avLst/>
@@ -13316,26 +13614,17 @@
           </a:bodyPr>
           <a:lstStyle/>
           <a:p>
-            <a:pPr marL="457200" lvl="0" indent="-342900" rtl="0">
-              <a:lnSpc>
-                <a:spcPct val="150000"/>
-              </a:lnSpc>
+            <a:pPr marL="0" lvl="0" indent="0" algn="ctr">
               <a:spcBef>
                 <a:spcPts val="0"/>
               </a:spcBef>
-              <a:spcAft>
-                <a:spcPts val="0"/>
-              </a:spcAft>
-              <a:buSzPts val="1800"/>
-              <a:buFont typeface="Times New Roman"/>
-              <a:buChar char="●"/>
+              <a:buNone/>
             </a:pPr>
-            <a:endParaRPr lang="uk" sz="1800" dirty="0">
-              <a:latin typeface="Times New Roman"/>
-              <a:ea typeface="Times New Roman"/>
-              <a:cs typeface="Times New Roman"/>
-              <a:sym typeface="Times New Roman"/>
-            </a:endParaRPr>
+            <a:r>
+              <a:rPr lang="uk-UA" sz="2800" dirty="0" smtClean="0"/>
+              <a:t>Вигляд роботи програми(1)</a:t>
+            </a:r>
+            <a:endParaRPr lang="uk" sz="2800" dirty="0"/>
           </a:p>
         </p:txBody>
       </p:sp>
@@ -13374,10 +13663,32 @@
           </a:p>
         </p:txBody>
       </p:sp>
+      <p:pic>
+        <p:nvPicPr>
+          <p:cNvPr id="6" name="Picture 5"/>
+          <p:cNvPicPr/>
+          <p:nvPr/>
+        </p:nvPicPr>
+        <p:blipFill>
+          <a:blip r:embed="rId3"/>
+          <a:stretch>
+            <a:fillRect/>
+          </a:stretch>
+        </p:blipFill>
+        <p:spPr>
+          <a:xfrm>
+            <a:off x="2333011" y="1148316"/>
+            <a:ext cx="4438650" cy="3848100"/>
+          </a:xfrm>
+          <a:prstGeom prst="rect">
+            <a:avLst/>
+          </a:prstGeom>
+        </p:spPr>
+      </p:pic>
     </p:spTree>
     <p:extLst>
       <p:ext uri="{BB962C8B-B14F-4D97-AF65-F5344CB8AC3E}">
-        <p14:creationId xmlns:p14="http://schemas.microsoft.com/office/powerpoint/2010/main" val="1545413636"/>
+        <p14:creationId xmlns:p14="http://schemas.microsoft.com/office/powerpoint/2010/main" val="3019004889"/>
       </p:ext>
     </p:extLst>
   </p:cSld>
@@ -13392,7 +13703,7 @@
   <p:cSld>
     <p:spTree>
       <p:nvGrpSpPr>
-        <p:cNvPr id="1" name="Shape 368"/>
+        <p:cNvPr id="1" name="Shape 317"/>
         <p:cNvGrpSpPr/>
         <p:nvPr/>
       </p:nvGrpSpPr>
@@ -13406,7 +13717,7 @@
       </p:grpSpPr>
       <p:sp>
         <p:nvSpPr>
-          <p:cNvPr id="369" name="Shape 369"/>
+          <p:cNvPr id="318" name="Shape 318"/>
           <p:cNvSpPr txBox="1">
             <a:spLocks noGrp="1"/>
           </p:cNvSpPr>
@@ -13415,43 +13726,9 @@
           </p:nvPr>
         </p:nvSpPr>
         <p:spPr>
-          <a:prstGeom prst="rect">
-            <a:avLst/>
-          </a:prstGeom>
-        </p:spPr>
-        <p:txBody>
-          <a:bodyPr wrap="square" lIns="91425" tIns="91425" rIns="91425" bIns="91425" anchor="t" anchorCtr="0">
-            <a:noAutofit/>
-          </a:bodyPr>
-          <a:lstStyle/>
-          <a:p>
-            <a:pPr marL="0" lvl="0" indent="0">
-              <a:spcBef>
-                <a:spcPts val="0"/>
-              </a:spcBef>
-              <a:buNone/>
-            </a:pPr>
-            <a:r>
-              <a:rPr lang="uk" dirty="0"/>
-              <a:t>Висновки</a:t>
-            </a:r>
-          </a:p>
-        </p:txBody>
-      </p:sp>
-      <p:sp>
-        <p:nvSpPr>
-          <p:cNvPr id="370" name="Shape 370"/>
-          <p:cNvSpPr txBox="1">
-            <a:spLocks noGrp="1"/>
-          </p:cNvSpPr>
-          <p:nvPr>
-            <p:ph type="body" idx="1"/>
-          </p:nvPr>
-        </p:nvSpPr>
-        <p:spPr>
           <a:xfrm>
-            <a:off x="1303800" y="1296250"/>
-            <a:ext cx="7030500" cy="2571900"/>
+            <a:off x="1303800" y="333103"/>
+            <a:ext cx="7030500" cy="549741"/>
           </a:xfrm>
           <a:prstGeom prst="rect">
             <a:avLst/>
@@ -13463,32 +13740,31 @@
           </a:bodyPr>
           <a:lstStyle/>
           <a:p>
-            <a:pPr marL="457200" lvl="0" indent="-342900" rtl="0">
-              <a:lnSpc>
-                <a:spcPct val="150000"/>
-              </a:lnSpc>
+            <a:pPr marL="0" lvl="0" indent="0" algn="ctr">
               <a:spcBef>
                 <a:spcPts val="0"/>
               </a:spcBef>
-              <a:spcAft>
-                <a:spcPts val="0"/>
-              </a:spcAft>
-              <a:buSzPts val="1800"/>
-              <a:buFont typeface="Times New Roman"/>
-              <a:buChar char="●"/>
+              <a:buNone/>
             </a:pPr>
-            <a:endParaRPr lang="uk" sz="1800" dirty="0">
-              <a:latin typeface="Times New Roman"/>
-              <a:ea typeface="Times New Roman"/>
-              <a:cs typeface="Times New Roman"/>
-              <a:sym typeface="Times New Roman"/>
-            </a:endParaRPr>
-          </a:p>
-        </p:txBody>
-      </p:sp>
-      <p:sp>
-        <p:nvSpPr>
-          <p:cNvPr id="371" name="Shape 371"/>
+            <a:r>
+              <a:rPr lang="uk-UA" sz="2800" dirty="0" smtClean="0"/>
+              <a:t>Вигляд роботи програми(</a:t>
+            </a:r>
+            <a:r>
+              <a:rPr lang="en-US" sz="2800" dirty="0" smtClean="0"/>
+              <a:t>2</a:t>
+            </a:r>
+            <a:r>
+              <a:rPr lang="uk-UA" sz="2800" dirty="0" smtClean="0"/>
+              <a:t>)</a:t>
+            </a:r>
+            <a:endParaRPr lang="uk" sz="2800" dirty="0"/>
+          </a:p>
+        </p:txBody>
+      </p:sp>
+      <p:sp>
+        <p:nvSpPr>
+          <p:cNvPr id="320" name="Shape 320"/>
           <p:cNvSpPr txBox="1">
             <a:spLocks noGrp="1"/>
           </p:cNvSpPr>
@@ -13521,7 +13797,34 @@
           </a:p>
         </p:txBody>
       </p:sp>
+      <p:pic>
+        <p:nvPicPr>
+          <p:cNvPr id="5" name="Picture 4"/>
+          <p:cNvPicPr/>
+          <p:nvPr/>
+        </p:nvPicPr>
+        <p:blipFill>
+          <a:blip r:embed="rId3"/>
+          <a:stretch>
+            <a:fillRect/>
+          </a:stretch>
+        </p:blipFill>
+        <p:spPr>
+          <a:xfrm>
+            <a:off x="1541749" y="972461"/>
+            <a:ext cx="6119495" cy="3886835"/>
+          </a:xfrm>
+          <a:prstGeom prst="rect">
+            <a:avLst/>
+          </a:prstGeom>
+        </p:spPr>
+      </p:pic>
     </p:spTree>
+    <p:extLst>
+      <p:ext uri="{BB962C8B-B14F-4D97-AF65-F5344CB8AC3E}">
+        <p14:creationId xmlns:p14="http://schemas.microsoft.com/office/powerpoint/2010/main" val="2583924303"/>
+      </p:ext>
+    </p:extLst>
   </p:cSld>
   <p:clrMapOvr>
     <a:masterClrMapping/>
@@ -13530,6 +13833,3559 @@
 </file>
 
 <file path=ppt/slides/slide12.xml><?xml version="1.0" encoding="utf-8"?>
+<p:sld xmlns:a="http://schemas.openxmlformats.org/drawingml/2006/main" xmlns:r="http://schemas.openxmlformats.org/officeDocument/2006/relationships" xmlns:p="http://schemas.openxmlformats.org/presentationml/2006/main">
+  <p:cSld>
+    <p:spTree>
+      <p:nvGrpSpPr>
+        <p:cNvPr id="1" name="Shape 317"/>
+        <p:cNvGrpSpPr/>
+        <p:nvPr/>
+      </p:nvGrpSpPr>
+      <p:grpSpPr>
+        <a:xfrm>
+          <a:off x="0" y="0"/>
+          <a:ext cx="0" cy="0"/>
+          <a:chOff x="0" y="0"/>
+          <a:chExt cx="0" cy="0"/>
+        </a:xfrm>
+      </p:grpSpPr>
+      <p:sp>
+        <p:nvSpPr>
+          <p:cNvPr id="318" name="Shape 318"/>
+          <p:cNvSpPr txBox="1">
+            <a:spLocks noGrp="1"/>
+          </p:cNvSpPr>
+          <p:nvPr>
+            <p:ph type="title"/>
+          </p:nvPr>
+        </p:nvSpPr>
+        <p:spPr>
+          <a:xfrm>
+            <a:off x="1293968" y="0"/>
+            <a:ext cx="7030500" cy="549741"/>
+          </a:xfrm>
+          <a:prstGeom prst="rect">
+            <a:avLst/>
+          </a:prstGeom>
+        </p:spPr>
+        <p:txBody>
+          <a:bodyPr wrap="square" lIns="91425" tIns="91425" rIns="91425" bIns="91425" anchor="t" anchorCtr="0">
+            <a:noAutofit/>
+          </a:bodyPr>
+          <a:lstStyle/>
+          <a:p>
+            <a:pPr marL="0" lvl="0" indent="0" algn="ctr">
+              <a:spcBef>
+                <a:spcPts val="0"/>
+              </a:spcBef>
+              <a:buNone/>
+            </a:pPr>
+            <a:r>
+              <a:rPr lang="uk-UA" sz="2800" dirty="0" smtClean="0"/>
+              <a:t>Результати експериментів(1)</a:t>
+            </a:r>
+            <a:endParaRPr lang="uk" sz="2800" dirty="0"/>
+          </a:p>
+        </p:txBody>
+      </p:sp>
+      <p:sp>
+        <p:nvSpPr>
+          <p:cNvPr id="320" name="Shape 320"/>
+          <p:cNvSpPr txBox="1">
+            <a:spLocks noGrp="1"/>
+          </p:cNvSpPr>
+          <p:nvPr>
+            <p:ph type="sldNum" idx="12"/>
+          </p:nvPr>
+        </p:nvSpPr>
+        <p:spPr>
+          <a:prstGeom prst="rect">
+            <a:avLst/>
+          </a:prstGeom>
+        </p:spPr>
+        <p:txBody>
+          <a:bodyPr wrap="square" lIns="91425" tIns="91425" rIns="91425" bIns="91425" anchor="ctr" anchorCtr="0">
+            <a:noAutofit/>
+          </a:bodyPr>
+          <a:lstStyle/>
+          <a:p>
+            <a:pPr marL="0" lvl="0" indent="0">
+              <a:spcBef>
+                <a:spcPts val="0"/>
+              </a:spcBef>
+              <a:buNone/>
+            </a:pPr>
+            <a:fld id="{00000000-1234-1234-1234-123412341234}" type="slidenum">
+              <a:rPr lang="uk"/>
+              <a:t>12</a:t>
+            </a:fld>
+            <a:endParaRPr lang="uk"/>
+          </a:p>
+        </p:txBody>
+      </p:sp>
+      <p:graphicFrame>
+        <p:nvGraphicFramePr>
+          <p:cNvPr id="4" name="Table 3"/>
+          <p:cNvGraphicFramePr>
+            <a:graphicFrameLocks noGrp="1"/>
+          </p:cNvGraphicFramePr>
+          <p:nvPr>
+            <p:extLst>
+              <p:ext uri="{D42A27DB-BD31-4B8C-83A1-F6EECF244321}">
+                <p14:modId xmlns:p14="http://schemas.microsoft.com/office/powerpoint/2010/main" val="2409874112"/>
+              </p:ext>
+            </p:extLst>
+          </p:nvPr>
+        </p:nvGraphicFramePr>
+        <p:xfrm>
+          <a:off x="1504334" y="688260"/>
+          <a:ext cx="6037008" cy="2535807"/>
+        </p:xfrm>
+        <a:graphic>
+          <a:graphicData uri="http://schemas.openxmlformats.org/drawingml/2006/table">
+            <a:tbl>
+              <a:tblPr firstRow="1" firstCol="1" bandRow="1">
+                <a:tableStyleId>{344513D4-3CC4-4AE7-BB52-9E0CC6B0FADD}</a:tableStyleId>
+              </a:tblPr>
+              <a:tblGrid>
+                <a:gridCol w="647214">
+                  <a:extLst>
+                    <a:ext uri="{9D8B030D-6E8A-4147-A177-3AD203B41FA5}">
+                      <a16:colId xmlns:a16="http://schemas.microsoft.com/office/drawing/2014/main" val="1042086973"/>
+                    </a:ext>
+                  </a:extLst>
+                </a:gridCol>
+                <a:gridCol w="891576">
+                  <a:extLst>
+                    <a:ext uri="{9D8B030D-6E8A-4147-A177-3AD203B41FA5}">
+                      <a16:colId xmlns:a16="http://schemas.microsoft.com/office/drawing/2014/main" val="2843880595"/>
+                    </a:ext>
+                  </a:extLst>
+                </a:gridCol>
+                <a:gridCol w="839705">
+                  <a:extLst>
+                    <a:ext uri="{9D8B030D-6E8A-4147-A177-3AD203B41FA5}">
+                      <a16:colId xmlns:a16="http://schemas.microsoft.com/office/drawing/2014/main" val="1505177358"/>
+                    </a:ext>
+                  </a:extLst>
+                </a:gridCol>
+                <a:gridCol w="842587">
+                  <a:extLst>
+                    <a:ext uri="{9D8B030D-6E8A-4147-A177-3AD203B41FA5}">
+                      <a16:colId xmlns:a16="http://schemas.microsoft.com/office/drawing/2014/main" val="4242861912"/>
+                    </a:ext>
+                  </a:extLst>
+                </a:gridCol>
+                <a:gridCol w="1066202">
+                  <a:extLst>
+                    <a:ext uri="{9D8B030D-6E8A-4147-A177-3AD203B41FA5}">
+                      <a16:colId xmlns:a16="http://schemas.microsoft.com/office/drawing/2014/main" val="824627822"/>
+                    </a:ext>
+                  </a:extLst>
+                </a:gridCol>
+                <a:gridCol w="763055">
+                  <a:extLst>
+                    <a:ext uri="{9D8B030D-6E8A-4147-A177-3AD203B41FA5}">
+                      <a16:colId xmlns:a16="http://schemas.microsoft.com/office/drawing/2014/main" val="334023138"/>
+                    </a:ext>
+                  </a:extLst>
+                </a:gridCol>
+                <a:gridCol w="986669">
+                  <a:extLst>
+                    <a:ext uri="{9D8B030D-6E8A-4147-A177-3AD203B41FA5}">
+                      <a16:colId xmlns:a16="http://schemas.microsoft.com/office/drawing/2014/main" val="1906666397"/>
+                    </a:ext>
+                  </a:extLst>
+                </a:gridCol>
+              </a:tblGrid>
+              <a:tr h="1001193">
+                <a:tc>
+                  <a:txBody>
+                    <a:bodyPr/>
+                    <a:lstStyle/>
+                    <a:p>
+                      <a:pPr marL="0" marR="0" algn="ctr">
+                        <a:lnSpc>
+                          <a:spcPct val="150000"/>
+                        </a:lnSpc>
+                        <a:spcBef>
+                          <a:spcPts val="0"/>
+                        </a:spcBef>
+                        <a:spcAft>
+                          <a:spcPts val="0"/>
+                        </a:spcAft>
+                      </a:pPr>
+                      <a:r>
+                        <a:rPr lang="uk-UA" sz="900" dirty="0" smtClean="0">
+                          <a:effectLst/>
+                        </a:rPr>
+                        <a:t>Номер досліду</a:t>
+                      </a:r>
+                      <a:endParaRPr lang="en-US" sz="900" dirty="0">
+                        <a:effectLst/>
+                        <a:latin typeface="Times New Roman" panose="02020603050405020304" pitchFamily="18" charset="0"/>
+                        <a:ea typeface="Calibri" panose="020F0502020204030204" pitchFamily="34" charset="0"/>
+                        <a:cs typeface="Times New Roman" panose="02020603050405020304" pitchFamily="18" charset="0"/>
+                      </a:endParaRPr>
+                    </a:p>
+                  </a:txBody>
+                  <a:tcPr marL="43692" marR="43692" marT="0" marB="0"/>
+                </a:tc>
+                <a:tc>
+                  <a:txBody>
+                    <a:bodyPr/>
+                    <a:lstStyle/>
+                    <a:p>
+                      <a:pPr marL="0" marR="0" algn="ctr">
+                        <a:lnSpc>
+                          <a:spcPct val="150000"/>
+                        </a:lnSpc>
+                        <a:spcBef>
+                          <a:spcPts val="0"/>
+                        </a:spcBef>
+                        <a:spcAft>
+                          <a:spcPts val="0"/>
+                        </a:spcAft>
+                      </a:pPr>
+                      <a:r>
+                        <a:rPr lang="uk-UA" sz="900">
+                          <a:effectLst/>
+                        </a:rPr>
+                        <a:t>Час виконання, мс</a:t>
+                      </a:r>
+                      <a:endParaRPr lang="en-US" sz="900">
+                        <a:effectLst/>
+                        <a:latin typeface="Times New Roman" panose="02020603050405020304" pitchFamily="18" charset="0"/>
+                        <a:ea typeface="Calibri" panose="020F0502020204030204" pitchFamily="34" charset="0"/>
+                        <a:cs typeface="Times New Roman" panose="02020603050405020304" pitchFamily="18" charset="0"/>
+                      </a:endParaRPr>
+                    </a:p>
+                  </a:txBody>
+                  <a:tcPr marL="43692" marR="43692" marT="0" marB="0"/>
+                </a:tc>
+                <a:tc>
+                  <a:txBody>
+                    <a:bodyPr/>
+                    <a:lstStyle/>
+                    <a:p>
+                      <a:pPr marL="0" marR="0" algn="ctr">
+                        <a:lnSpc>
+                          <a:spcPct val="150000"/>
+                        </a:lnSpc>
+                        <a:spcBef>
+                          <a:spcPts val="0"/>
+                        </a:spcBef>
+                        <a:spcAft>
+                          <a:spcPts val="0"/>
+                        </a:spcAft>
+                      </a:pPr>
+                      <a:r>
+                        <a:rPr lang="uk-UA" sz="900">
+                          <a:effectLst/>
+                        </a:rPr>
+                        <a:t>Кількість знайдених правил</a:t>
+                      </a:r>
+                      <a:endParaRPr lang="en-US" sz="900">
+                        <a:effectLst/>
+                        <a:latin typeface="Times New Roman" panose="02020603050405020304" pitchFamily="18" charset="0"/>
+                        <a:ea typeface="Calibri" panose="020F0502020204030204" pitchFamily="34" charset="0"/>
+                        <a:cs typeface="Times New Roman" panose="02020603050405020304" pitchFamily="18" charset="0"/>
+                      </a:endParaRPr>
+                    </a:p>
+                  </a:txBody>
+                  <a:tcPr marL="43692" marR="43692" marT="0" marB="0"/>
+                </a:tc>
+                <a:tc>
+                  <a:txBody>
+                    <a:bodyPr/>
+                    <a:lstStyle/>
+                    <a:p>
+                      <a:pPr marL="0" marR="0" algn="ctr">
+                        <a:lnSpc>
+                          <a:spcPct val="150000"/>
+                        </a:lnSpc>
+                        <a:spcBef>
+                          <a:spcPts val="0"/>
+                        </a:spcBef>
+                        <a:spcAft>
+                          <a:spcPts val="0"/>
+                        </a:spcAft>
+                      </a:pPr>
+                      <a:r>
+                        <a:rPr lang="uk-UA" sz="900" dirty="0">
+                          <a:effectLst/>
+                        </a:rPr>
+                        <a:t>Значення підтримки</a:t>
+                      </a:r>
+                      <a:endParaRPr lang="en-US" sz="900" dirty="0">
+                        <a:effectLst/>
+                        <a:latin typeface="Times New Roman" panose="02020603050405020304" pitchFamily="18" charset="0"/>
+                        <a:ea typeface="Calibri" panose="020F0502020204030204" pitchFamily="34" charset="0"/>
+                        <a:cs typeface="Times New Roman" panose="02020603050405020304" pitchFamily="18" charset="0"/>
+                      </a:endParaRPr>
+                    </a:p>
+                  </a:txBody>
+                  <a:tcPr marL="43692" marR="43692" marT="0" marB="0"/>
+                </a:tc>
+                <a:tc>
+                  <a:txBody>
+                    <a:bodyPr/>
+                    <a:lstStyle/>
+                    <a:p>
+                      <a:pPr marL="0" marR="0" algn="ctr">
+                        <a:lnSpc>
+                          <a:spcPct val="150000"/>
+                        </a:lnSpc>
+                        <a:spcBef>
+                          <a:spcPts val="0"/>
+                        </a:spcBef>
+                        <a:spcAft>
+                          <a:spcPts val="0"/>
+                        </a:spcAft>
+                      </a:pPr>
+                      <a:r>
+                        <a:rPr lang="uk-UA" sz="900">
+                          <a:effectLst/>
+                        </a:rPr>
+                        <a:t>Значення достовірності</a:t>
+                      </a:r>
+                      <a:endParaRPr lang="en-US" sz="900">
+                        <a:effectLst/>
+                        <a:latin typeface="Times New Roman" panose="02020603050405020304" pitchFamily="18" charset="0"/>
+                        <a:ea typeface="Calibri" panose="020F0502020204030204" pitchFamily="34" charset="0"/>
+                        <a:cs typeface="Times New Roman" panose="02020603050405020304" pitchFamily="18" charset="0"/>
+                      </a:endParaRPr>
+                    </a:p>
+                  </a:txBody>
+                  <a:tcPr marL="43692" marR="43692" marT="0" marB="0"/>
+                </a:tc>
+                <a:tc>
+                  <a:txBody>
+                    <a:bodyPr/>
+                    <a:lstStyle/>
+                    <a:p>
+                      <a:pPr marL="0" marR="0" algn="ctr">
+                        <a:lnSpc>
+                          <a:spcPct val="150000"/>
+                        </a:lnSpc>
+                        <a:spcBef>
+                          <a:spcPts val="0"/>
+                        </a:spcBef>
+                        <a:spcAft>
+                          <a:spcPts val="0"/>
+                        </a:spcAft>
+                      </a:pPr>
+                      <a:r>
+                        <a:rPr lang="uk-UA" sz="900">
+                          <a:effectLst/>
+                        </a:rPr>
+                        <a:t>Значення Ліфта</a:t>
+                      </a:r>
+                      <a:endParaRPr lang="en-US" sz="900">
+                        <a:effectLst/>
+                        <a:latin typeface="Times New Roman" panose="02020603050405020304" pitchFamily="18" charset="0"/>
+                        <a:ea typeface="Calibri" panose="020F0502020204030204" pitchFamily="34" charset="0"/>
+                        <a:cs typeface="Times New Roman" panose="02020603050405020304" pitchFamily="18" charset="0"/>
+                      </a:endParaRPr>
+                    </a:p>
+                  </a:txBody>
+                  <a:tcPr marL="43692" marR="43692" marT="0" marB="0"/>
+                </a:tc>
+                <a:tc>
+                  <a:txBody>
+                    <a:bodyPr/>
+                    <a:lstStyle/>
+                    <a:p>
+                      <a:pPr marL="0" marR="0" algn="ctr">
+                        <a:lnSpc>
+                          <a:spcPct val="150000"/>
+                        </a:lnSpc>
+                        <a:spcBef>
+                          <a:spcPts val="0"/>
+                        </a:spcBef>
+                        <a:spcAft>
+                          <a:spcPts val="0"/>
+                        </a:spcAft>
+                      </a:pPr>
+                      <a:r>
+                        <a:rPr lang="uk-UA" sz="900" dirty="0">
+                          <a:effectLst/>
+                        </a:rPr>
+                        <a:t>Причини завантажено</a:t>
+                      </a:r>
+                      <a:endParaRPr lang="en-US" sz="900" dirty="0">
+                        <a:effectLst/>
+                        <a:latin typeface="Times New Roman" panose="02020603050405020304" pitchFamily="18" charset="0"/>
+                        <a:ea typeface="Calibri" panose="020F0502020204030204" pitchFamily="34" charset="0"/>
+                        <a:cs typeface="Times New Roman" panose="02020603050405020304" pitchFamily="18" charset="0"/>
+                      </a:endParaRPr>
+                    </a:p>
+                  </a:txBody>
+                  <a:tcPr marL="43692" marR="43692" marT="0" marB="0"/>
+                </a:tc>
+                <a:extLst>
+                  <a:ext uri="{0D108BD9-81ED-4DB2-BD59-A6C34878D82A}">
+                    <a16:rowId xmlns:a16="http://schemas.microsoft.com/office/drawing/2014/main" val="3027572514"/>
+                  </a:ext>
+                </a:extLst>
+              </a:tr>
+              <a:tr h="511538">
+                <a:tc>
+                  <a:txBody>
+                    <a:bodyPr/>
+                    <a:lstStyle/>
+                    <a:p>
+                      <a:pPr marL="0" marR="0" algn="ctr">
+                        <a:lnSpc>
+                          <a:spcPct val="150000"/>
+                        </a:lnSpc>
+                        <a:spcBef>
+                          <a:spcPts val="0"/>
+                        </a:spcBef>
+                        <a:spcAft>
+                          <a:spcPts val="0"/>
+                        </a:spcAft>
+                      </a:pPr>
+                      <a:r>
+                        <a:rPr lang="uk-UA" sz="900">
+                          <a:effectLst/>
+                        </a:rPr>
+                        <a:t>1</a:t>
+                      </a:r>
+                      <a:endParaRPr lang="en-US" sz="900">
+                        <a:effectLst/>
+                        <a:latin typeface="Times New Roman" panose="02020603050405020304" pitchFamily="18" charset="0"/>
+                        <a:ea typeface="Calibri" panose="020F0502020204030204" pitchFamily="34" charset="0"/>
+                        <a:cs typeface="Times New Roman" panose="02020603050405020304" pitchFamily="18" charset="0"/>
+                      </a:endParaRPr>
+                    </a:p>
+                  </a:txBody>
+                  <a:tcPr marL="43692" marR="43692" marT="0" marB="0"/>
+                </a:tc>
+                <a:tc>
+                  <a:txBody>
+                    <a:bodyPr/>
+                    <a:lstStyle/>
+                    <a:p>
+                      <a:pPr marL="0" marR="0" algn="ctr">
+                        <a:lnSpc>
+                          <a:spcPct val="150000"/>
+                        </a:lnSpc>
+                        <a:spcBef>
+                          <a:spcPts val="0"/>
+                        </a:spcBef>
+                        <a:spcAft>
+                          <a:spcPts val="0"/>
+                        </a:spcAft>
+                      </a:pPr>
+                      <a:r>
+                        <a:rPr lang="uk-UA" sz="900" dirty="0" smtClean="0">
+                          <a:effectLst/>
+                        </a:rPr>
+                        <a:t>42878</a:t>
+                      </a:r>
+                      <a:endParaRPr lang="en-US" sz="900" dirty="0">
+                        <a:effectLst/>
+                        <a:latin typeface="Times New Roman" panose="02020603050405020304" pitchFamily="18" charset="0"/>
+                        <a:ea typeface="Calibri" panose="020F0502020204030204" pitchFamily="34" charset="0"/>
+                        <a:cs typeface="Times New Roman" panose="02020603050405020304" pitchFamily="18" charset="0"/>
+                      </a:endParaRPr>
+                    </a:p>
+                  </a:txBody>
+                  <a:tcPr marL="43692" marR="43692" marT="0" marB="0"/>
+                </a:tc>
+                <a:tc>
+                  <a:txBody>
+                    <a:bodyPr/>
+                    <a:lstStyle/>
+                    <a:p>
+                      <a:pPr marL="0" marR="0" algn="ctr">
+                        <a:lnSpc>
+                          <a:spcPct val="150000"/>
+                        </a:lnSpc>
+                        <a:spcBef>
+                          <a:spcPts val="0"/>
+                        </a:spcBef>
+                        <a:spcAft>
+                          <a:spcPts val="0"/>
+                        </a:spcAft>
+                      </a:pPr>
+                      <a:r>
+                        <a:rPr lang="uk-UA" sz="900">
+                          <a:effectLst/>
+                        </a:rPr>
+                        <a:t>2</a:t>
+                      </a:r>
+                      <a:endParaRPr lang="en-US" sz="900">
+                        <a:effectLst/>
+                        <a:latin typeface="Times New Roman" panose="02020603050405020304" pitchFamily="18" charset="0"/>
+                        <a:ea typeface="Calibri" panose="020F0502020204030204" pitchFamily="34" charset="0"/>
+                        <a:cs typeface="Times New Roman" panose="02020603050405020304" pitchFamily="18" charset="0"/>
+                      </a:endParaRPr>
+                    </a:p>
+                  </a:txBody>
+                  <a:tcPr marL="43692" marR="43692" marT="0" marB="0"/>
+                </a:tc>
+                <a:tc>
+                  <a:txBody>
+                    <a:bodyPr/>
+                    <a:lstStyle/>
+                    <a:p>
+                      <a:pPr marL="0" marR="0" algn="ctr">
+                        <a:lnSpc>
+                          <a:spcPct val="150000"/>
+                        </a:lnSpc>
+                        <a:spcBef>
+                          <a:spcPts val="0"/>
+                        </a:spcBef>
+                        <a:spcAft>
+                          <a:spcPts val="0"/>
+                        </a:spcAft>
+                      </a:pPr>
+                      <a:r>
+                        <a:rPr lang="uk-UA" sz="900">
+                          <a:effectLst/>
+                        </a:rPr>
+                        <a:t>0,4</a:t>
+                      </a:r>
+                      <a:endParaRPr lang="en-US" sz="900">
+                        <a:effectLst/>
+                        <a:latin typeface="Times New Roman" panose="02020603050405020304" pitchFamily="18" charset="0"/>
+                        <a:ea typeface="Calibri" panose="020F0502020204030204" pitchFamily="34" charset="0"/>
+                        <a:cs typeface="Times New Roman" panose="02020603050405020304" pitchFamily="18" charset="0"/>
+                      </a:endParaRPr>
+                    </a:p>
+                  </a:txBody>
+                  <a:tcPr marL="43692" marR="43692" marT="0" marB="0"/>
+                </a:tc>
+                <a:tc>
+                  <a:txBody>
+                    <a:bodyPr/>
+                    <a:lstStyle/>
+                    <a:p>
+                      <a:pPr marL="0" marR="0" algn="ctr">
+                        <a:lnSpc>
+                          <a:spcPct val="150000"/>
+                        </a:lnSpc>
+                        <a:spcBef>
+                          <a:spcPts val="0"/>
+                        </a:spcBef>
+                        <a:spcAft>
+                          <a:spcPts val="0"/>
+                        </a:spcAft>
+                      </a:pPr>
+                      <a:r>
+                        <a:rPr lang="uk-UA" sz="900">
+                          <a:effectLst/>
+                        </a:rPr>
+                        <a:t>0,5</a:t>
+                      </a:r>
+                      <a:endParaRPr lang="en-US" sz="900">
+                        <a:effectLst/>
+                        <a:latin typeface="Times New Roman" panose="02020603050405020304" pitchFamily="18" charset="0"/>
+                        <a:ea typeface="Calibri" panose="020F0502020204030204" pitchFamily="34" charset="0"/>
+                        <a:cs typeface="Times New Roman" panose="02020603050405020304" pitchFamily="18" charset="0"/>
+                      </a:endParaRPr>
+                    </a:p>
+                  </a:txBody>
+                  <a:tcPr marL="43692" marR="43692" marT="0" marB="0"/>
+                </a:tc>
+                <a:tc>
+                  <a:txBody>
+                    <a:bodyPr/>
+                    <a:lstStyle/>
+                    <a:p>
+                      <a:pPr marL="0" marR="0" algn="ctr">
+                        <a:lnSpc>
+                          <a:spcPct val="150000"/>
+                        </a:lnSpc>
+                        <a:spcBef>
+                          <a:spcPts val="0"/>
+                        </a:spcBef>
+                        <a:spcAft>
+                          <a:spcPts val="0"/>
+                        </a:spcAft>
+                      </a:pPr>
+                      <a:r>
+                        <a:rPr lang="uk-UA" sz="900">
+                          <a:effectLst/>
+                        </a:rPr>
+                        <a:t>Не вказано</a:t>
+                      </a:r>
+                      <a:endParaRPr lang="en-US" sz="900">
+                        <a:effectLst/>
+                        <a:latin typeface="Times New Roman" panose="02020603050405020304" pitchFamily="18" charset="0"/>
+                        <a:ea typeface="Calibri" panose="020F0502020204030204" pitchFamily="34" charset="0"/>
+                        <a:cs typeface="Times New Roman" panose="02020603050405020304" pitchFamily="18" charset="0"/>
+                      </a:endParaRPr>
+                    </a:p>
+                  </a:txBody>
+                  <a:tcPr marL="43692" marR="43692" marT="0" marB="0"/>
+                </a:tc>
+                <a:tc>
+                  <a:txBody>
+                    <a:bodyPr/>
+                    <a:lstStyle/>
+                    <a:p>
+                      <a:pPr marL="0" marR="0" algn="ctr">
+                        <a:lnSpc>
+                          <a:spcPct val="150000"/>
+                        </a:lnSpc>
+                        <a:spcBef>
+                          <a:spcPts val="0"/>
+                        </a:spcBef>
+                        <a:spcAft>
+                          <a:spcPts val="0"/>
+                        </a:spcAft>
+                      </a:pPr>
+                      <a:r>
+                        <a:rPr lang="uk-UA" sz="900" dirty="0">
+                          <a:effectLst/>
+                        </a:rPr>
+                        <a:t>Ні</a:t>
+                      </a:r>
+                      <a:endParaRPr lang="en-US" sz="900" dirty="0">
+                        <a:effectLst/>
+                        <a:latin typeface="Times New Roman" panose="02020603050405020304" pitchFamily="18" charset="0"/>
+                        <a:ea typeface="Calibri" panose="020F0502020204030204" pitchFamily="34" charset="0"/>
+                        <a:cs typeface="Times New Roman" panose="02020603050405020304" pitchFamily="18" charset="0"/>
+                      </a:endParaRPr>
+                    </a:p>
+                  </a:txBody>
+                  <a:tcPr marL="43692" marR="43692" marT="0" marB="0"/>
+                </a:tc>
+                <a:extLst>
+                  <a:ext uri="{0D108BD9-81ED-4DB2-BD59-A6C34878D82A}">
+                    <a16:rowId xmlns:a16="http://schemas.microsoft.com/office/drawing/2014/main" val="2559867931"/>
+                  </a:ext>
+                </a:extLst>
+              </a:tr>
+              <a:tr h="511538">
+                <a:tc>
+                  <a:txBody>
+                    <a:bodyPr/>
+                    <a:lstStyle/>
+                    <a:p>
+                      <a:pPr marL="0" marR="0" algn="ctr">
+                        <a:lnSpc>
+                          <a:spcPct val="150000"/>
+                        </a:lnSpc>
+                        <a:spcBef>
+                          <a:spcPts val="0"/>
+                        </a:spcBef>
+                        <a:spcAft>
+                          <a:spcPts val="0"/>
+                        </a:spcAft>
+                      </a:pPr>
+                      <a:r>
+                        <a:rPr lang="uk-UA" sz="900">
+                          <a:effectLst/>
+                        </a:rPr>
+                        <a:t>2</a:t>
+                      </a:r>
+                      <a:endParaRPr lang="en-US" sz="900">
+                        <a:effectLst/>
+                        <a:latin typeface="Times New Roman" panose="02020603050405020304" pitchFamily="18" charset="0"/>
+                        <a:ea typeface="Calibri" panose="020F0502020204030204" pitchFamily="34" charset="0"/>
+                        <a:cs typeface="Times New Roman" panose="02020603050405020304" pitchFamily="18" charset="0"/>
+                      </a:endParaRPr>
+                    </a:p>
+                  </a:txBody>
+                  <a:tcPr marL="43692" marR="43692" marT="0" marB="0"/>
+                </a:tc>
+                <a:tc>
+                  <a:txBody>
+                    <a:bodyPr/>
+                    <a:lstStyle/>
+                    <a:p>
+                      <a:pPr marL="0" marR="0" algn="ctr">
+                        <a:lnSpc>
+                          <a:spcPct val="150000"/>
+                        </a:lnSpc>
+                        <a:spcBef>
+                          <a:spcPts val="0"/>
+                        </a:spcBef>
+                        <a:spcAft>
+                          <a:spcPts val="0"/>
+                        </a:spcAft>
+                      </a:pPr>
+                      <a:r>
+                        <a:rPr lang="uk-UA" sz="900" dirty="0" smtClean="0">
+                          <a:effectLst/>
+                        </a:rPr>
+                        <a:t>38178</a:t>
+                      </a:r>
+                      <a:endParaRPr lang="en-US" sz="900" dirty="0">
+                        <a:effectLst/>
+                        <a:latin typeface="Times New Roman" panose="02020603050405020304" pitchFamily="18" charset="0"/>
+                        <a:ea typeface="Calibri" panose="020F0502020204030204" pitchFamily="34" charset="0"/>
+                        <a:cs typeface="Times New Roman" panose="02020603050405020304" pitchFamily="18" charset="0"/>
+                      </a:endParaRPr>
+                    </a:p>
+                  </a:txBody>
+                  <a:tcPr marL="43692" marR="43692" marT="0" marB="0"/>
+                </a:tc>
+                <a:tc>
+                  <a:txBody>
+                    <a:bodyPr/>
+                    <a:lstStyle/>
+                    <a:p>
+                      <a:pPr marL="0" marR="0" algn="ctr">
+                        <a:lnSpc>
+                          <a:spcPct val="150000"/>
+                        </a:lnSpc>
+                        <a:spcBef>
+                          <a:spcPts val="0"/>
+                        </a:spcBef>
+                        <a:spcAft>
+                          <a:spcPts val="0"/>
+                        </a:spcAft>
+                      </a:pPr>
+                      <a:r>
+                        <a:rPr lang="uk-UA" sz="900" dirty="0">
+                          <a:effectLst/>
+                        </a:rPr>
+                        <a:t>2</a:t>
+                      </a:r>
+                      <a:endParaRPr lang="en-US" sz="900" dirty="0">
+                        <a:effectLst/>
+                        <a:latin typeface="Times New Roman" panose="02020603050405020304" pitchFamily="18" charset="0"/>
+                        <a:ea typeface="Calibri" panose="020F0502020204030204" pitchFamily="34" charset="0"/>
+                        <a:cs typeface="Times New Roman" panose="02020603050405020304" pitchFamily="18" charset="0"/>
+                      </a:endParaRPr>
+                    </a:p>
+                  </a:txBody>
+                  <a:tcPr marL="43692" marR="43692" marT="0" marB="0"/>
+                </a:tc>
+                <a:tc>
+                  <a:txBody>
+                    <a:bodyPr/>
+                    <a:lstStyle/>
+                    <a:p>
+                      <a:pPr marL="0" marR="0" algn="ctr">
+                        <a:lnSpc>
+                          <a:spcPct val="150000"/>
+                        </a:lnSpc>
+                        <a:spcBef>
+                          <a:spcPts val="0"/>
+                        </a:spcBef>
+                        <a:spcAft>
+                          <a:spcPts val="0"/>
+                        </a:spcAft>
+                      </a:pPr>
+                      <a:r>
+                        <a:rPr lang="uk-UA" sz="900">
+                          <a:effectLst/>
+                        </a:rPr>
+                        <a:t>0.4</a:t>
+                      </a:r>
+                      <a:endParaRPr lang="en-US" sz="900">
+                        <a:effectLst/>
+                        <a:latin typeface="Times New Roman" panose="02020603050405020304" pitchFamily="18" charset="0"/>
+                        <a:ea typeface="Calibri" panose="020F0502020204030204" pitchFamily="34" charset="0"/>
+                        <a:cs typeface="Times New Roman" panose="02020603050405020304" pitchFamily="18" charset="0"/>
+                      </a:endParaRPr>
+                    </a:p>
+                  </a:txBody>
+                  <a:tcPr marL="43692" marR="43692" marT="0" marB="0"/>
+                </a:tc>
+                <a:tc>
+                  <a:txBody>
+                    <a:bodyPr/>
+                    <a:lstStyle/>
+                    <a:p>
+                      <a:pPr marL="0" marR="0" algn="ctr">
+                        <a:lnSpc>
+                          <a:spcPct val="150000"/>
+                        </a:lnSpc>
+                        <a:spcBef>
+                          <a:spcPts val="0"/>
+                        </a:spcBef>
+                        <a:spcAft>
+                          <a:spcPts val="0"/>
+                        </a:spcAft>
+                      </a:pPr>
+                      <a:r>
+                        <a:rPr lang="uk-UA" sz="900">
+                          <a:effectLst/>
+                        </a:rPr>
+                        <a:t>0,5</a:t>
+                      </a:r>
+                      <a:endParaRPr lang="en-US" sz="900">
+                        <a:effectLst/>
+                        <a:latin typeface="Times New Roman" panose="02020603050405020304" pitchFamily="18" charset="0"/>
+                        <a:ea typeface="Calibri" panose="020F0502020204030204" pitchFamily="34" charset="0"/>
+                        <a:cs typeface="Times New Roman" panose="02020603050405020304" pitchFamily="18" charset="0"/>
+                      </a:endParaRPr>
+                    </a:p>
+                  </a:txBody>
+                  <a:tcPr marL="43692" marR="43692" marT="0" marB="0"/>
+                </a:tc>
+                <a:tc>
+                  <a:txBody>
+                    <a:bodyPr/>
+                    <a:lstStyle/>
+                    <a:p>
+                      <a:pPr marL="0" marR="0" algn="ctr">
+                        <a:lnSpc>
+                          <a:spcPct val="150000"/>
+                        </a:lnSpc>
+                        <a:spcBef>
+                          <a:spcPts val="0"/>
+                        </a:spcBef>
+                        <a:spcAft>
+                          <a:spcPts val="0"/>
+                        </a:spcAft>
+                      </a:pPr>
+                      <a:r>
+                        <a:rPr lang="uk-UA" sz="900">
+                          <a:effectLst/>
+                        </a:rPr>
+                        <a:t>Не вказано</a:t>
+                      </a:r>
+                      <a:endParaRPr lang="en-US" sz="900">
+                        <a:effectLst/>
+                        <a:latin typeface="Times New Roman" panose="02020603050405020304" pitchFamily="18" charset="0"/>
+                        <a:ea typeface="Calibri" panose="020F0502020204030204" pitchFamily="34" charset="0"/>
+                        <a:cs typeface="Times New Roman" panose="02020603050405020304" pitchFamily="18" charset="0"/>
+                      </a:endParaRPr>
+                    </a:p>
+                  </a:txBody>
+                  <a:tcPr marL="43692" marR="43692" marT="0" marB="0"/>
+                </a:tc>
+                <a:tc>
+                  <a:txBody>
+                    <a:bodyPr/>
+                    <a:lstStyle/>
+                    <a:p>
+                      <a:pPr marL="0" marR="0" algn="ctr">
+                        <a:lnSpc>
+                          <a:spcPct val="150000"/>
+                        </a:lnSpc>
+                        <a:spcBef>
+                          <a:spcPts val="0"/>
+                        </a:spcBef>
+                        <a:spcAft>
+                          <a:spcPts val="0"/>
+                        </a:spcAft>
+                      </a:pPr>
+                      <a:r>
+                        <a:rPr lang="uk-UA" sz="900" dirty="0">
+                          <a:effectLst/>
+                        </a:rPr>
+                        <a:t>Так</a:t>
+                      </a:r>
+                      <a:endParaRPr lang="en-US" sz="900" dirty="0">
+                        <a:effectLst/>
+                      </a:endParaRPr>
+                    </a:p>
+                    <a:p>
+                      <a:pPr marL="0" marR="0" algn="ctr">
+                        <a:lnSpc>
+                          <a:spcPct val="150000"/>
+                        </a:lnSpc>
+                        <a:spcBef>
+                          <a:spcPts val="0"/>
+                        </a:spcBef>
+                        <a:spcAft>
+                          <a:spcPts val="0"/>
+                        </a:spcAft>
+                      </a:pPr>
+                      <a:r>
+                        <a:rPr lang="uk-UA" sz="900" dirty="0">
+                          <a:effectLst/>
+                        </a:rPr>
+                        <a:t> </a:t>
+                      </a:r>
+                      <a:endParaRPr lang="en-US" sz="900" dirty="0">
+                        <a:effectLst/>
+                        <a:latin typeface="Times New Roman" panose="02020603050405020304" pitchFamily="18" charset="0"/>
+                        <a:ea typeface="Calibri" panose="020F0502020204030204" pitchFamily="34" charset="0"/>
+                        <a:cs typeface="Times New Roman" panose="02020603050405020304" pitchFamily="18" charset="0"/>
+                      </a:endParaRPr>
+                    </a:p>
+                  </a:txBody>
+                  <a:tcPr marL="43692" marR="43692" marT="0" marB="0"/>
+                </a:tc>
+                <a:extLst>
+                  <a:ext uri="{0D108BD9-81ED-4DB2-BD59-A6C34878D82A}">
+                    <a16:rowId xmlns:a16="http://schemas.microsoft.com/office/drawing/2014/main" val="3642789281"/>
+                  </a:ext>
+                </a:extLst>
+              </a:tr>
+              <a:tr h="511538">
+                <a:tc>
+                  <a:txBody>
+                    <a:bodyPr/>
+                    <a:lstStyle/>
+                    <a:p>
+                      <a:pPr marL="0" marR="0" algn="ctr">
+                        <a:lnSpc>
+                          <a:spcPct val="150000"/>
+                        </a:lnSpc>
+                        <a:spcBef>
+                          <a:spcPts val="0"/>
+                        </a:spcBef>
+                        <a:spcAft>
+                          <a:spcPts val="0"/>
+                        </a:spcAft>
+                      </a:pPr>
+                      <a:r>
+                        <a:rPr lang="uk-UA" sz="900">
+                          <a:effectLst/>
+                        </a:rPr>
+                        <a:t>3</a:t>
+                      </a:r>
+                      <a:endParaRPr lang="en-US" sz="900">
+                        <a:effectLst/>
+                        <a:latin typeface="Times New Roman" panose="02020603050405020304" pitchFamily="18" charset="0"/>
+                        <a:ea typeface="Calibri" panose="020F0502020204030204" pitchFamily="34" charset="0"/>
+                        <a:cs typeface="Times New Roman" panose="02020603050405020304" pitchFamily="18" charset="0"/>
+                      </a:endParaRPr>
+                    </a:p>
+                  </a:txBody>
+                  <a:tcPr marL="43692" marR="43692" marT="0" marB="0"/>
+                </a:tc>
+                <a:tc>
+                  <a:txBody>
+                    <a:bodyPr/>
+                    <a:lstStyle/>
+                    <a:p>
+                      <a:pPr marL="0" marR="0" algn="ctr">
+                        <a:lnSpc>
+                          <a:spcPct val="150000"/>
+                        </a:lnSpc>
+                        <a:spcBef>
+                          <a:spcPts val="0"/>
+                        </a:spcBef>
+                        <a:spcAft>
+                          <a:spcPts val="0"/>
+                        </a:spcAft>
+                      </a:pPr>
+                      <a:r>
+                        <a:rPr lang="uk-UA" sz="900" dirty="0" smtClean="0">
+                          <a:effectLst/>
+                        </a:rPr>
+                        <a:t>43132</a:t>
+                      </a:r>
+                      <a:endParaRPr lang="en-US" sz="900" dirty="0">
+                        <a:effectLst/>
+                        <a:latin typeface="Times New Roman" panose="02020603050405020304" pitchFamily="18" charset="0"/>
+                        <a:ea typeface="Calibri" panose="020F0502020204030204" pitchFamily="34" charset="0"/>
+                        <a:cs typeface="Times New Roman" panose="02020603050405020304" pitchFamily="18" charset="0"/>
+                      </a:endParaRPr>
+                    </a:p>
+                  </a:txBody>
+                  <a:tcPr marL="43692" marR="43692" marT="0" marB="0"/>
+                </a:tc>
+                <a:tc>
+                  <a:txBody>
+                    <a:bodyPr/>
+                    <a:lstStyle/>
+                    <a:p>
+                      <a:pPr marL="0" marR="0" algn="ctr">
+                        <a:lnSpc>
+                          <a:spcPct val="150000"/>
+                        </a:lnSpc>
+                        <a:spcBef>
+                          <a:spcPts val="0"/>
+                        </a:spcBef>
+                        <a:spcAft>
+                          <a:spcPts val="0"/>
+                        </a:spcAft>
+                      </a:pPr>
+                      <a:r>
+                        <a:rPr lang="uk-UA" sz="900" dirty="0" smtClean="0">
+                          <a:effectLst/>
+                          <a:latin typeface="Arial"/>
+                          <a:ea typeface="Calibri" panose="020F0502020204030204" pitchFamily="34" charset="0"/>
+                          <a:cs typeface="Arial"/>
+                        </a:rPr>
+                        <a:t>2</a:t>
+                      </a:r>
+                      <a:endParaRPr lang="en-US" sz="900" dirty="0">
+                        <a:effectLst/>
+                        <a:latin typeface="Times New Roman" panose="02020603050405020304" pitchFamily="18" charset="0"/>
+                        <a:ea typeface="Calibri" panose="020F0502020204030204" pitchFamily="34" charset="0"/>
+                        <a:cs typeface="Times New Roman" panose="02020603050405020304" pitchFamily="18" charset="0"/>
+                      </a:endParaRPr>
+                    </a:p>
+                  </a:txBody>
+                  <a:tcPr marL="43692" marR="43692" marT="0" marB="0"/>
+                </a:tc>
+                <a:tc>
+                  <a:txBody>
+                    <a:bodyPr/>
+                    <a:lstStyle/>
+                    <a:p>
+                      <a:pPr marL="0" marR="0" algn="ctr">
+                        <a:lnSpc>
+                          <a:spcPct val="150000"/>
+                        </a:lnSpc>
+                        <a:spcBef>
+                          <a:spcPts val="0"/>
+                        </a:spcBef>
+                        <a:spcAft>
+                          <a:spcPts val="0"/>
+                        </a:spcAft>
+                      </a:pPr>
+                      <a:r>
+                        <a:rPr lang="uk-UA" sz="900" dirty="0" smtClean="0">
+                          <a:effectLst/>
+                        </a:rPr>
+                        <a:t>0,4</a:t>
+                      </a:r>
+                      <a:endParaRPr lang="en-US" sz="900" dirty="0">
+                        <a:effectLst/>
+                        <a:latin typeface="Times New Roman" panose="02020603050405020304" pitchFamily="18" charset="0"/>
+                        <a:ea typeface="Calibri" panose="020F0502020204030204" pitchFamily="34" charset="0"/>
+                        <a:cs typeface="Times New Roman" panose="02020603050405020304" pitchFamily="18" charset="0"/>
+                      </a:endParaRPr>
+                    </a:p>
+                  </a:txBody>
+                  <a:tcPr marL="43692" marR="43692" marT="0" marB="0"/>
+                </a:tc>
+                <a:tc>
+                  <a:txBody>
+                    <a:bodyPr/>
+                    <a:lstStyle/>
+                    <a:p>
+                      <a:pPr marL="0" marR="0" algn="ctr">
+                        <a:lnSpc>
+                          <a:spcPct val="150000"/>
+                        </a:lnSpc>
+                        <a:spcBef>
+                          <a:spcPts val="0"/>
+                        </a:spcBef>
+                        <a:spcAft>
+                          <a:spcPts val="0"/>
+                        </a:spcAft>
+                      </a:pPr>
+                      <a:r>
+                        <a:rPr lang="uk-UA" sz="900" dirty="0">
+                          <a:effectLst/>
+                        </a:rPr>
+                        <a:t>0,5</a:t>
+                      </a:r>
+                      <a:endParaRPr lang="en-US" sz="900" dirty="0">
+                        <a:effectLst/>
+                        <a:latin typeface="Times New Roman" panose="02020603050405020304" pitchFamily="18" charset="0"/>
+                        <a:ea typeface="Calibri" panose="020F0502020204030204" pitchFamily="34" charset="0"/>
+                        <a:cs typeface="Times New Roman" panose="02020603050405020304" pitchFamily="18" charset="0"/>
+                      </a:endParaRPr>
+                    </a:p>
+                  </a:txBody>
+                  <a:tcPr marL="43692" marR="43692" marT="0" marB="0"/>
+                </a:tc>
+                <a:tc>
+                  <a:txBody>
+                    <a:bodyPr/>
+                    <a:lstStyle/>
+                    <a:p>
+                      <a:pPr marL="0" marR="0" algn="ctr">
+                        <a:lnSpc>
+                          <a:spcPct val="150000"/>
+                        </a:lnSpc>
+                        <a:spcBef>
+                          <a:spcPts val="0"/>
+                        </a:spcBef>
+                        <a:spcAft>
+                          <a:spcPts val="0"/>
+                        </a:spcAft>
+                      </a:pPr>
+                      <a:r>
+                        <a:rPr lang="uk-UA" sz="900" dirty="0" smtClean="0">
+                          <a:effectLst/>
+                          <a:latin typeface="Times New Roman" panose="02020603050405020304" pitchFamily="18" charset="0"/>
+                          <a:ea typeface="Calibri" panose="020F0502020204030204" pitchFamily="34" charset="0"/>
+                          <a:cs typeface="Times New Roman" panose="02020603050405020304" pitchFamily="18" charset="0"/>
+                        </a:rPr>
+                        <a:t>1</a:t>
+                      </a:r>
+                      <a:endParaRPr lang="en-US" sz="900" dirty="0">
+                        <a:effectLst/>
+                        <a:latin typeface="Times New Roman" panose="02020603050405020304" pitchFamily="18" charset="0"/>
+                        <a:ea typeface="Calibri" panose="020F0502020204030204" pitchFamily="34" charset="0"/>
+                        <a:cs typeface="Times New Roman" panose="02020603050405020304" pitchFamily="18" charset="0"/>
+                      </a:endParaRPr>
+                    </a:p>
+                  </a:txBody>
+                  <a:tcPr marL="43692" marR="43692" marT="0" marB="0"/>
+                </a:tc>
+                <a:tc>
+                  <a:txBody>
+                    <a:bodyPr/>
+                    <a:lstStyle/>
+                    <a:p>
+                      <a:pPr marL="0" marR="0" algn="ctr">
+                        <a:lnSpc>
+                          <a:spcPct val="150000"/>
+                        </a:lnSpc>
+                        <a:spcBef>
+                          <a:spcPts val="0"/>
+                        </a:spcBef>
+                        <a:spcAft>
+                          <a:spcPts val="0"/>
+                        </a:spcAft>
+                      </a:pPr>
+                      <a:r>
+                        <a:rPr lang="uk-UA" sz="900" dirty="0" smtClean="0">
+                          <a:effectLst/>
+                        </a:rPr>
+                        <a:t>Ні</a:t>
+                      </a:r>
+                      <a:endParaRPr lang="en-US" sz="900" dirty="0">
+                        <a:effectLst/>
+                        <a:latin typeface="Times New Roman" panose="02020603050405020304" pitchFamily="18" charset="0"/>
+                        <a:ea typeface="Calibri" panose="020F0502020204030204" pitchFamily="34" charset="0"/>
+                        <a:cs typeface="Times New Roman" panose="02020603050405020304" pitchFamily="18" charset="0"/>
+                      </a:endParaRPr>
+                    </a:p>
+                  </a:txBody>
+                  <a:tcPr marL="43692" marR="43692" marT="0" marB="0"/>
+                </a:tc>
+                <a:extLst>
+                  <a:ext uri="{0D108BD9-81ED-4DB2-BD59-A6C34878D82A}">
+                    <a16:rowId xmlns:a16="http://schemas.microsoft.com/office/drawing/2014/main" val="546938724"/>
+                  </a:ext>
+                </a:extLst>
+              </a:tr>
+            </a:tbl>
+          </a:graphicData>
+        </a:graphic>
+      </p:graphicFrame>
+      <p:sp>
+        <p:nvSpPr>
+          <p:cNvPr id="2" name="Rectangle 1"/>
+          <p:cNvSpPr/>
+          <p:nvPr/>
+        </p:nvSpPr>
+        <p:spPr>
+          <a:xfrm>
+            <a:off x="1018665" y="3602045"/>
+            <a:ext cx="6522677" cy="923330"/>
+          </a:xfrm>
+          <a:prstGeom prst="rect">
+            <a:avLst/>
+          </a:prstGeom>
+        </p:spPr>
+        <p:txBody>
+          <a:bodyPr wrap="square">
+            <a:spAutoFit/>
+          </a:bodyPr>
+          <a:lstStyle/>
+          <a:p>
+            <a:pPr indent="360045" algn="just">
+              <a:lnSpc>
+                <a:spcPct val="150000"/>
+              </a:lnSpc>
+            </a:pPr>
+            <a:r>
+              <a:rPr lang="uk-UA" dirty="0">
+                <a:latin typeface="Times New Roman" panose="02020603050405020304" pitchFamily="18" charset="0"/>
+                <a:ea typeface="Calibri" panose="020F0502020204030204" pitchFamily="34" charset="0"/>
+                <a:cs typeface="Times New Roman" panose="02020603050405020304" pitchFamily="18" charset="0"/>
+              </a:rPr>
+              <a:t>{чоловіча –&gt;  місто}, вірогідність: </a:t>
+            </a:r>
+            <a:r>
+              <a:rPr lang="uk-UA" dirty="0" smtClean="0">
+                <a:latin typeface="Times New Roman" panose="02020603050405020304" pitchFamily="18" charset="0"/>
+                <a:ea typeface="Calibri" panose="020F0502020204030204" pitchFamily="34" charset="0"/>
+                <a:cs typeface="Times New Roman" panose="02020603050405020304" pitchFamily="18" charset="0"/>
+              </a:rPr>
+              <a:t>0.69</a:t>
+            </a:r>
+          </a:p>
+          <a:p>
+            <a:pPr indent="360045" algn="just">
+              <a:lnSpc>
+                <a:spcPct val="150000"/>
+              </a:lnSpc>
+            </a:pPr>
+            <a:r>
+              <a:rPr lang="en-US" dirty="0">
+                <a:latin typeface="Times New Roman" panose="02020603050405020304" pitchFamily="18" charset="0"/>
+                <a:ea typeface="Calibri" panose="020F0502020204030204" pitchFamily="34" charset="0"/>
+                <a:cs typeface="Times New Roman" panose="02020603050405020304" pitchFamily="18" charset="0"/>
+              </a:rPr>
+              <a:t>{</a:t>
+            </a:r>
+            <a:r>
+              <a:rPr lang="en-US" dirty="0" err="1">
+                <a:latin typeface="Times New Roman" panose="02020603050405020304" pitchFamily="18" charset="0"/>
+                <a:ea typeface="Calibri" panose="020F0502020204030204" pitchFamily="34" charset="0"/>
+                <a:cs typeface="Times New Roman" panose="02020603050405020304" pitchFamily="18" charset="0"/>
+              </a:rPr>
+              <a:t>alco</a:t>
+            </a:r>
+            <a:r>
+              <a:rPr lang="en-US" dirty="0">
+                <a:latin typeface="Times New Roman" panose="02020603050405020304" pitchFamily="18" charset="0"/>
+                <a:ea typeface="Calibri" panose="020F0502020204030204" pitchFamily="34" charset="0"/>
+                <a:cs typeface="Times New Roman" panose="02020603050405020304" pitchFamily="18" charset="0"/>
+              </a:rPr>
+              <a:t> 1.0-1.5 –&gt; </a:t>
+            </a:r>
+            <a:r>
+              <a:rPr lang="uk-UA" dirty="0">
+                <a:latin typeface="Times New Roman" panose="02020603050405020304" pitchFamily="18" charset="0"/>
+                <a:ea typeface="Calibri" panose="020F0502020204030204" pitchFamily="34" charset="0"/>
+                <a:cs typeface="Times New Roman" panose="02020603050405020304" pitchFamily="18" charset="0"/>
+              </a:rPr>
+              <a:t>чоловіча}, вірогідність: 0.75</a:t>
+            </a:r>
+            <a:endParaRPr lang="en-US" dirty="0">
+              <a:latin typeface="Times New Roman" panose="02020603050405020304" pitchFamily="18" charset="0"/>
+              <a:ea typeface="Calibri" panose="020F0502020204030204" pitchFamily="34" charset="0"/>
+              <a:cs typeface="Times New Roman" panose="02020603050405020304" pitchFamily="18" charset="0"/>
+            </a:endParaRPr>
+          </a:p>
+        </p:txBody>
+      </p:sp>
+    </p:spTree>
+    <p:extLst>
+      <p:ext uri="{BB962C8B-B14F-4D97-AF65-F5344CB8AC3E}">
+        <p14:creationId xmlns:p14="http://schemas.microsoft.com/office/powerpoint/2010/main" val="1554533844"/>
+      </p:ext>
+    </p:extLst>
+  </p:cSld>
+  <p:clrMapOvr>
+    <a:masterClrMapping/>
+  </p:clrMapOvr>
+</p:sld>
+</file>
+
+<file path=ppt/slides/slide13.xml><?xml version="1.0" encoding="utf-8"?>
+<p:sld xmlns:a="http://schemas.openxmlformats.org/drawingml/2006/main" xmlns:r="http://schemas.openxmlformats.org/officeDocument/2006/relationships" xmlns:p="http://schemas.openxmlformats.org/presentationml/2006/main">
+  <p:cSld>
+    <p:spTree>
+      <p:nvGrpSpPr>
+        <p:cNvPr id="1" name="Shape 317"/>
+        <p:cNvGrpSpPr/>
+        <p:nvPr/>
+      </p:nvGrpSpPr>
+      <p:grpSpPr>
+        <a:xfrm>
+          <a:off x="0" y="0"/>
+          <a:ext cx="0" cy="0"/>
+          <a:chOff x="0" y="0"/>
+          <a:chExt cx="0" cy="0"/>
+        </a:xfrm>
+      </p:grpSpPr>
+      <p:sp>
+        <p:nvSpPr>
+          <p:cNvPr id="318" name="Shape 318"/>
+          <p:cNvSpPr txBox="1">
+            <a:spLocks noGrp="1"/>
+          </p:cNvSpPr>
+          <p:nvPr>
+            <p:ph type="title"/>
+          </p:nvPr>
+        </p:nvSpPr>
+        <p:spPr>
+          <a:xfrm>
+            <a:off x="1293968" y="0"/>
+            <a:ext cx="7030500" cy="549741"/>
+          </a:xfrm>
+          <a:prstGeom prst="rect">
+            <a:avLst/>
+          </a:prstGeom>
+        </p:spPr>
+        <p:txBody>
+          <a:bodyPr wrap="square" lIns="91425" tIns="91425" rIns="91425" bIns="91425" anchor="t" anchorCtr="0">
+            <a:noAutofit/>
+          </a:bodyPr>
+          <a:lstStyle/>
+          <a:p>
+            <a:pPr marL="0" lvl="0" indent="0" algn="ctr">
+              <a:spcBef>
+                <a:spcPts val="0"/>
+              </a:spcBef>
+              <a:buNone/>
+            </a:pPr>
+            <a:r>
+              <a:rPr lang="uk-UA" sz="2800" dirty="0" smtClean="0"/>
+              <a:t>Результати експериментів(2)</a:t>
+            </a:r>
+            <a:endParaRPr lang="uk" sz="2800" dirty="0"/>
+          </a:p>
+        </p:txBody>
+      </p:sp>
+      <p:sp>
+        <p:nvSpPr>
+          <p:cNvPr id="320" name="Shape 320"/>
+          <p:cNvSpPr txBox="1">
+            <a:spLocks noGrp="1"/>
+          </p:cNvSpPr>
+          <p:nvPr>
+            <p:ph type="sldNum" idx="12"/>
+          </p:nvPr>
+        </p:nvSpPr>
+        <p:spPr>
+          <a:prstGeom prst="rect">
+            <a:avLst/>
+          </a:prstGeom>
+        </p:spPr>
+        <p:txBody>
+          <a:bodyPr wrap="square" lIns="91425" tIns="91425" rIns="91425" bIns="91425" anchor="ctr" anchorCtr="0">
+            <a:noAutofit/>
+          </a:bodyPr>
+          <a:lstStyle/>
+          <a:p>
+            <a:pPr marL="0" lvl="0" indent="0">
+              <a:spcBef>
+                <a:spcPts val="0"/>
+              </a:spcBef>
+              <a:buNone/>
+            </a:pPr>
+            <a:fld id="{00000000-1234-1234-1234-123412341234}" type="slidenum">
+              <a:rPr lang="uk"/>
+              <a:t>13</a:t>
+            </a:fld>
+            <a:endParaRPr lang="uk"/>
+          </a:p>
+        </p:txBody>
+      </p:sp>
+      <p:graphicFrame>
+        <p:nvGraphicFramePr>
+          <p:cNvPr id="3" name="Table 2"/>
+          <p:cNvGraphicFramePr>
+            <a:graphicFrameLocks noGrp="1"/>
+          </p:cNvGraphicFramePr>
+          <p:nvPr>
+            <p:extLst>
+              <p:ext uri="{D42A27DB-BD31-4B8C-83A1-F6EECF244321}">
+                <p14:modId xmlns:p14="http://schemas.microsoft.com/office/powerpoint/2010/main" val="2799831872"/>
+              </p:ext>
+            </p:extLst>
+          </p:nvPr>
+        </p:nvGraphicFramePr>
+        <p:xfrm>
+          <a:off x="1504334" y="688260"/>
+          <a:ext cx="6037008" cy="4326190"/>
+        </p:xfrm>
+        <a:graphic>
+          <a:graphicData uri="http://schemas.openxmlformats.org/drawingml/2006/table">
+            <a:tbl>
+              <a:tblPr firstRow="1" firstCol="1" bandRow="1">
+                <a:tableStyleId>{344513D4-3CC4-4AE7-BB52-9E0CC6B0FADD}</a:tableStyleId>
+              </a:tblPr>
+              <a:tblGrid>
+                <a:gridCol w="647214">
+                  <a:extLst>
+                    <a:ext uri="{9D8B030D-6E8A-4147-A177-3AD203B41FA5}">
+                      <a16:colId xmlns:a16="http://schemas.microsoft.com/office/drawing/2014/main" val="1042086973"/>
+                    </a:ext>
+                  </a:extLst>
+                </a:gridCol>
+                <a:gridCol w="891576">
+                  <a:extLst>
+                    <a:ext uri="{9D8B030D-6E8A-4147-A177-3AD203B41FA5}">
+                      <a16:colId xmlns:a16="http://schemas.microsoft.com/office/drawing/2014/main" val="2843880595"/>
+                    </a:ext>
+                  </a:extLst>
+                </a:gridCol>
+                <a:gridCol w="839705">
+                  <a:extLst>
+                    <a:ext uri="{9D8B030D-6E8A-4147-A177-3AD203B41FA5}">
+                      <a16:colId xmlns:a16="http://schemas.microsoft.com/office/drawing/2014/main" val="1505177358"/>
+                    </a:ext>
+                  </a:extLst>
+                </a:gridCol>
+                <a:gridCol w="842587">
+                  <a:extLst>
+                    <a:ext uri="{9D8B030D-6E8A-4147-A177-3AD203B41FA5}">
+                      <a16:colId xmlns:a16="http://schemas.microsoft.com/office/drawing/2014/main" val="4242861912"/>
+                    </a:ext>
+                  </a:extLst>
+                </a:gridCol>
+                <a:gridCol w="1066202">
+                  <a:extLst>
+                    <a:ext uri="{9D8B030D-6E8A-4147-A177-3AD203B41FA5}">
+                      <a16:colId xmlns:a16="http://schemas.microsoft.com/office/drawing/2014/main" val="824627822"/>
+                    </a:ext>
+                  </a:extLst>
+                </a:gridCol>
+                <a:gridCol w="763055">
+                  <a:extLst>
+                    <a:ext uri="{9D8B030D-6E8A-4147-A177-3AD203B41FA5}">
+                      <a16:colId xmlns:a16="http://schemas.microsoft.com/office/drawing/2014/main" val="334023138"/>
+                    </a:ext>
+                  </a:extLst>
+                </a:gridCol>
+                <a:gridCol w="986669">
+                  <a:extLst>
+                    <a:ext uri="{9D8B030D-6E8A-4147-A177-3AD203B41FA5}">
+                      <a16:colId xmlns:a16="http://schemas.microsoft.com/office/drawing/2014/main" val="1906666397"/>
+                    </a:ext>
+                  </a:extLst>
+                </a:gridCol>
+              </a:tblGrid>
+              <a:tr h="1001193">
+                <a:tc>
+                  <a:txBody>
+                    <a:bodyPr/>
+                    <a:lstStyle/>
+                    <a:p>
+                      <a:pPr marL="0" marR="0" algn="ctr">
+                        <a:lnSpc>
+                          <a:spcPct val="150000"/>
+                        </a:lnSpc>
+                        <a:spcBef>
+                          <a:spcPts val="0"/>
+                        </a:spcBef>
+                        <a:spcAft>
+                          <a:spcPts val="0"/>
+                        </a:spcAft>
+                      </a:pPr>
+                      <a:r>
+                        <a:rPr lang="uk-UA" sz="900" dirty="0">
+                          <a:effectLst/>
+                        </a:rPr>
+                        <a:t>Номер досліду</a:t>
+                      </a:r>
+                      <a:endParaRPr lang="en-US" sz="900" dirty="0">
+                        <a:effectLst/>
+                        <a:latin typeface="Times New Roman" panose="02020603050405020304" pitchFamily="18" charset="0"/>
+                        <a:ea typeface="Calibri" panose="020F0502020204030204" pitchFamily="34" charset="0"/>
+                        <a:cs typeface="Times New Roman" panose="02020603050405020304" pitchFamily="18" charset="0"/>
+                      </a:endParaRPr>
+                    </a:p>
+                  </a:txBody>
+                  <a:tcPr marL="43692" marR="43692" marT="0" marB="0"/>
+                </a:tc>
+                <a:tc>
+                  <a:txBody>
+                    <a:bodyPr/>
+                    <a:lstStyle/>
+                    <a:p>
+                      <a:pPr marL="0" marR="0" algn="ctr">
+                        <a:lnSpc>
+                          <a:spcPct val="150000"/>
+                        </a:lnSpc>
+                        <a:spcBef>
+                          <a:spcPts val="0"/>
+                        </a:spcBef>
+                        <a:spcAft>
+                          <a:spcPts val="0"/>
+                        </a:spcAft>
+                      </a:pPr>
+                      <a:r>
+                        <a:rPr lang="uk-UA" sz="900">
+                          <a:effectLst/>
+                        </a:rPr>
+                        <a:t>Час виконання, мс</a:t>
+                      </a:r>
+                      <a:endParaRPr lang="en-US" sz="900">
+                        <a:effectLst/>
+                        <a:latin typeface="Times New Roman" panose="02020603050405020304" pitchFamily="18" charset="0"/>
+                        <a:ea typeface="Calibri" panose="020F0502020204030204" pitchFamily="34" charset="0"/>
+                        <a:cs typeface="Times New Roman" panose="02020603050405020304" pitchFamily="18" charset="0"/>
+                      </a:endParaRPr>
+                    </a:p>
+                  </a:txBody>
+                  <a:tcPr marL="43692" marR="43692" marT="0" marB="0"/>
+                </a:tc>
+                <a:tc>
+                  <a:txBody>
+                    <a:bodyPr/>
+                    <a:lstStyle/>
+                    <a:p>
+                      <a:pPr marL="0" marR="0" algn="ctr">
+                        <a:lnSpc>
+                          <a:spcPct val="150000"/>
+                        </a:lnSpc>
+                        <a:spcBef>
+                          <a:spcPts val="0"/>
+                        </a:spcBef>
+                        <a:spcAft>
+                          <a:spcPts val="0"/>
+                        </a:spcAft>
+                      </a:pPr>
+                      <a:r>
+                        <a:rPr lang="uk-UA" sz="900">
+                          <a:effectLst/>
+                        </a:rPr>
+                        <a:t>Кількість знайдених правил</a:t>
+                      </a:r>
+                      <a:endParaRPr lang="en-US" sz="900">
+                        <a:effectLst/>
+                        <a:latin typeface="Times New Roman" panose="02020603050405020304" pitchFamily="18" charset="0"/>
+                        <a:ea typeface="Calibri" panose="020F0502020204030204" pitchFamily="34" charset="0"/>
+                        <a:cs typeface="Times New Roman" panose="02020603050405020304" pitchFamily="18" charset="0"/>
+                      </a:endParaRPr>
+                    </a:p>
+                  </a:txBody>
+                  <a:tcPr marL="43692" marR="43692" marT="0" marB="0"/>
+                </a:tc>
+                <a:tc>
+                  <a:txBody>
+                    <a:bodyPr/>
+                    <a:lstStyle/>
+                    <a:p>
+                      <a:pPr marL="0" marR="0" algn="ctr">
+                        <a:lnSpc>
+                          <a:spcPct val="150000"/>
+                        </a:lnSpc>
+                        <a:spcBef>
+                          <a:spcPts val="0"/>
+                        </a:spcBef>
+                        <a:spcAft>
+                          <a:spcPts val="0"/>
+                        </a:spcAft>
+                      </a:pPr>
+                      <a:r>
+                        <a:rPr lang="uk-UA" sz="900">
+                          <a:effectLst/>
+                        </a:rPr>
+                        <a:t>Значення підтримки</a:t>
+                      </a:r>
+                      <a:endParaRPr lang="en-US" sz="900">
+                        <a:effectLst/>
+                        <a:latin typeface="Times New Roman" panose="02020603050405020304" pitchFamily="18" charset="0"/>
+                        <a:ea typeface="Calibri" panose="020F0502020204030204" pitchFamily="34" charset="0"/>
+                        <a:cs typeface="Times New Roman" panose="02020603050405020304" pitchFamily="18" charset="0"/>
+                      </a:endParaRPr>
+                    </a:p>
+                  </a:txBody>
+                  <a:tcPr marL="43692" marR="43692" marT="0" marB="0"/>
+                </a:tc>
+                <a:tc>
+                  <a:txBody>
+                    <a:bodyPr/>
+                    <a:lstStyle/>
+                    <a:p>
+                      <a:pPr marL="0" marR="0" algn="ctr">
+                        <a:lnSpc>
+                          <a:spcPct val="150000"/>
+                        </a:lnSpc>
+                        <a:spcBef>
+                          <a:spcPts val="0"/>
+                        </a:spcBef>
+                        <a:spcAft>
+                          <a:spcPts val="0"/>
+                        </a:spcAft>
+                      </a:pPr>
+                      <a:r>
+                        <a:rPr lang="uk-UA" sz="900">
+                          <a:effectLst/>
+                        </a:rPr>
+                        <a:t>Значення достовірності</a:t>
+                      </a:r>
+                      <a:endParaRPr lang="en-US" sz="900">
+                        <a:effectLst/>
+                        <a:latin typeface="Times New Roman" panose="02020603050405020304" pitchFamily="18" charset="0"/>
+                        <a:ea typeface="Calibri" panose="020F0502020204030204" pitchFamily="34" charset="0"/>
+                        <a:cs typeface="Times New Roman" panose="02020603050405020304" pitchFamily="18" charset="0"/>
+                      </a:endParaRPr>
+                    </a:p>
+                  </a:txBody>
+                  <a:tcPr marL="43692" marR="43692" marT="0" marB="0"/>
+                </a:tc>
+                <a:tc>
+                  <a:txBody>
+                    <a:bodyPr/>
+                    <a:lstStyle/>
+                    <a:p>
+                      <a:pPr marL="0" marR="0" algn="ctr">
+                        <a:lnSpc>
+                          <a:spcPct val="150000"/>
+                        </a:lnSpc>
+                        <a:spcBef>
+                          <a:spcPts val="0"/>
+                        </a:spcBef>
+                        <a:spcAft>
+                          <a:spcPts val="0"/>
+                        </a:spcAft>
+                      </a:pPr>
+                      <a:r>
+                        <a:rPr lang="uk-UA" sz="900">
+                          <a:effectLst/>
+                        </a:rPr>
+                        <a:t>Значення Ліфта</a:t>
+                      </a:r>
+                      <a:endParaRPr lang="en-US" sz="900">
+                        <a:effectLst/>
+                        <a:latin typeface="Times New Roman" panose="02020603050405020304" pitchFamily="18" charset="0"/>
+                        <a:ea typeface="Calibri" panose="020F0502020204030204" pitchFamily="34" charset="0"/>
+                        <a:cs typeface="Times New Roman" panose="02020603050405020304" pitchFamily="18" charset="0"/>
+                      </a:endParaRPr>
+                    </a:p>
+                  </a:txBody>
+                  <a:tcPr marL="43692" marR="43692" marT="0" marB="0"/>
+                </a:tc>
+                <a:tc>
+                  <a:txBody>
+                    <a:bodyPr/>
+                    <a:lstStyle/>
+                    <a:p>
+                      <a:pPr marL="0" marR="0" algn="ctr">
+                        <a:lnSpc>
+                          <a:spcPct val="150000"/>
+                        </a:lnSpc>
+                        <a:spcBef>
+                          <a:spcPts val="0"/>
+                        </a:spcBef>
+                        <a:spcAft>
+                          <a:spcPts val="0"/>
+                        </a:spcAft>
+                      </a:pPr>
+                      <a:r>
+                        <a:rPr lang="uk-UA" sz="900" dirty="0">
+                          <a:effectLst/>
+                        </a:rPr>
+                        <a:t>Причини завантажено</a:t>
+                      </a:r>
+                      <a:endParaRPr lang="en-US" sz="900" dirty="0">
+                        <a:effectLst/>
+                        <a:latin typeface="Times New Roman" panose="02020603050405020304" pitchFamily="18" charset="0"/>
+                        <a:ea typeface="Calibri" panose="020F0502020204030204" pitchFamily="34" charset="0"/>
+                        <a:cs typeface="Times New Roman" panose="02020603050405020304" pitchFamily="18" charset="0"/>
+                      </a:endParaRPr>
+                    </a:p>
+                  </a:txBody>
+                  <a:tcPr marL="43692" marR="43692" marT="0" marB="0"/>
+                </a:tc>
+                <a:extLst>
+                  <a:ext uri="{0D108BD9-81ED-4DB2-BD59-A6C34878D82A}">
+                    <a16:rowId xmlns:a16="http://schemas.microsoft.com/office/drawing/2014/main" val="3027572514"/>
+                  </a:ext>
+                </a:extLst>
+              </a:tr>
+              <a:tr h="511538">
+                <a:tc>
+                  <a:txBody>
+                    <a:bodyPr/>
+                    <a:lstStyle/>
+                    <a:p>
+                      <a:pPr marL="0" marR="0" algn="ctr">
+                        <a:lnSpc>
+                          <a:spcPct val="150000"/>
+                        </a:lnSpc>
+                        <a:spcBef>
+                          <a:spcPts val="0"/>
+                        </a:spcBef>
+                        <a:spcAft>
+                          <a:spcPts val="0"/>
+                        </a:spcAft>
+                      </a:pPr>
+                      <a:r>
+                        <a:rPr lang="uk-UA" sz="900">
+                          <a:effectLst/>
+                        </a:rPr>
+                        <a:t>1</a:t>
+                      </a:r>
+                      <a:endParaRPr lang="en-US" sz="900">
+                        <a:effectLst/>
+                        <a:latin typeface="Times New Roman" panose="02020603050405020304" pitchFamily="18" charset="0"/>
+                        <a:ea typeface="Calibri" panose="020F0502020204030204" pitchFamily="34" charset="0"/>
+                        <a:cs typeface="Times New Roman" panose="02020603050405020304" pitchFamily="18" charset="0"/>
+                      </a:endParaRPr>
+                    </a:p>
+                  </a:txBody>
+                  <a:tcPr marL="43692" marR="43692" marT="0" marB="0"/>
+                </a:tc>
+                <a:tc>
+                  <a:txBody>
+                    <a:bodyPr/>
+                    <a:lstStyle/>
+                    <a:p>
+                      <a:pPr marL="0" marR="0" algn="ctr">
+                        <a:lnSpc>
+                          <a:spcPct val="150000"/>
+                        </a:lnSpc>
+                        <a:spcBef>
+                          <a:spcPts val="0"/>
+                        </a:spcBef>
+                        <a:spcAft>
+                          <a:spcPts val="0"/>
+                        </a:spcAft>
+                      </a:pPr>
+                      <a:r>
+                        <a:rPr lang="uk-UA" sz="900">
+                          <a:effectLst/>
+                        </a:rPr>
+                        <a:t>38784</a:t>
+                      </a:r>
+                      <a:endParaRPr lang="en-US" sz="900">
+                        <a:effectLst/>
+                        <a:latin typeface="Times New Roman" panose="02020603050405020304" pitchFamily="18" charset="0"/>
+                        <a:ea typeface="Calibri" panose="020F0502020204030204" pitchFamily="34" charset="0"/>
+                        <a:cs typeface="Times New Roman" panose="02020603050405020304" pitchFamily="18" charset="0"/>
+                      </a:endParaRPr>
+                    </a:p>
+                  </a:txBody>
+                  <a:tcPr marL="43692" marR="43692" marT="0" marB="0"/>
+                </a:tc>
+                <a:tc>
+                  <a:txBody>
+                    <a:bodyPr/>
+                    <a:lstStyle/>
+                    <a:p>
+                      <a:pPr marL="0" marR="0" algn="ctr">
+                        <a:lnSpc>
+                          <a:spcPct val="150000"/>
+                        </a:lnSpc>
+                        <a:spcBef>
+                          <a:spcPts val="0"/>
+                        </a:spcBef>
+                        <a:spcAft>
+                          <a:spcPts val="0"/>
+                        </a:spcAft>
+                      </a:pPr>
+                      <a:r>
+                        <a:rPr lang="uk-UA" sz="900">
+                          <a:effectLst/>
+                        </a:rPr>
+                        <a:t>2</a:t>
+                      </a:r>
+                      <a:endParaRPr lang="en-US" sz="900">
+                        <a:effectLst/>
+                        <a:latin typeface="Times New Roman" panose="02020603050405020304" pitchFamily="18" charset="0"/>
+                        <a:ea typeface="Calibri" panose="020F0502020204030204" pitchFamily="34" charset="0"/>
+                        <a:cs typeface="Times New Roman" panose="02020603050405020304" pitchFamily="18" charset="0"/>
+                      </a:endParaRPr>
+                    </a:p>
+                  </a:txBody>
+                  <a:tcPr marL="43692" marR="43692" marT="0" marB="0"/>
+                </a:tc>
+                <a:tc>
+                  <a:txBody>
+                    <a:bodyPr/>
+                    <a:lstStyle/>
+                    <a:p>
+                      <a:pPr marL="0" marR="0" algn="ctr">
+                        <a:lnSpc>
+                          <a:spcPct val="150000"/>
+                        </a:lnSpc>
+                        <a:spcBef>
+                          <a:spcPts val="0"/>
+                        </a:spcBef>
+                        <a:spcAft>
+                          <a:spcPts val="0"/>
+                        </a:spcAft>
+                      </a:pPr>
+                      <a:r>
+                        <a:rPr lang="uk-UA" sz="900">
+                          <a:effectLst/>
+                        </a:rPr>
+                        <a:t>0,4</a:t>
+                      </a:r>
+                      <a:endParaRPr lang="en-US" sz="900">
+                        <a:effectLst/>
+                        <a:latin typeface="Times New Roman" panose="02020603050405020304" pitchFamily="18" charset="0"/>
+                        <a:ea typeface="Calibri" panose="020F0502020204030204" pitchFamily="34" charset="0"/>
+                        <a:cs typeface="Times New Roman" panose="02020603050405020304" pitchFamily="18" charset="0"/>
+                      </a:endParaRPr>
+                    </a:p>
+                  </a:txBody>
+                  <a:tcPr marL="43692" marR="43692" marT="0" marB="0"/>
+                </a:tc>
+                <a:tc>
+                  <a:txBody>
+                    <a:bodyPr/>
+                    <a:lstStyle/>
+                    <a:p>
+                      <a:pPr marL="0" marR="0" algn="ctr">
+                        <a:lnSpc>
+                          <a:spcPct val="150000"/>
+                        </a:lnSpc>
+                        <a:spcBef>
+                          <a:spcPts val="0"/>
+                        </a:spcBef>
+                        <a:spcAft>
+                          <a:spcPts val="0"/>
+                        </a:spcAft>
+                      </a:pPr>
+                      <a:r>
+                        <a:rPr lang="uk-UA" sz="900">
+                          <a:effectLst/>
+                        </a:rPr>
+                        <a:t>0,5</a:t>
+                      </a:r>
+                      <a:endParaRPr lang="en-US" sz="900">
+                        <a:effectLst/>
+                        <a:latin typeface="Times New Roman" panose="02020603050405020304" pitchFamily="18" charset="0"/>
+                        <a:ea typeface="Calibri" panose="020F0502020204030204" pitchFamily="34" charset="0"/>
+                        <a:cs typeface="Times New Roman" panose="02020603050405020304" pitchFamily="18" charset="0"/>
+                      </a:endParaRPr>
+                    </a:p>
+                  </a:txBody>
+                  <a:tcPr marL="43692" marR="43692" marT="0" marB="0"/>
+                </a:tc>
+                <a:tc>
+                  <a:txBody>
+                    <a:bodyPr/>
+                    <a:lstStyle/>
+                    <a:p>
+                      <a:pPr marL="0" marR="0" algn="ctr">
+                        <a:lnSpc>
+                          <a:spcPct val="150000"/>
+                        </a:lnSpc>
+                        <a:spcBef>
+                          <a:spcPts val="0"/>
+                        </a:spcBef>
+                        <a:spcAft>
+                          <a:spcPts val="0"/>
+                        </a:spcAft>
+                      </a:pPr>
+                      <a:r>
+                        <a:rPr lang="uk-UA" sz="900">
+                          <a:effectLst/>
+                        </a:rPr>
+                        <a:t>Не вказано</a:t>
+                      </a:r>
+                      <a:endParaRPr lang="en-US" sz="900">
+                        <a:effectLst/>
+                        <a:latin typeface="Times New Roman" panose="02020603050405020304" pitchFamily="18" charset="0"/>
+                        <a:ea typeface="Calibri" panose="020F0502020204030204" pitchFamily="34" charset="0"/>
+                        <a:cs typeface="Times New Roman" panose="02020603050405020304" pitchFamily="18" charset="0"/>
+                      </a:endParaRPr>
+                    </a:p>
+                  </a:txBody>
+                  <a:tcPr marL="43692" marR="43692" marT="0" marB="0"/>
+                </a:tc>
+                <a:tc>
+                  <a:txBody>
+                    <a:bodyPr/>
+                    <a:lstStyle/>
+                    <a:p>
+                      <a:pPr marL="0" marR="0" algn="ctr">
+                        <a:lnSpc>
+                          <a:spcPct val="150000"/>
+                        </a:lnSpc>
+                        <a:spcBef>
+                          <a:spcPts val="0"/>
+                        </a:spcBef>
+                        <a:spcAft>
+                          <a:spcPts val="0"/>
+                        </a:spcAft>
+                      </a:pPr>
+                      <a:r>
+                        <a:rPr lang="uk-UA" sz="900" dirty="0">
+                          <a:effectLst/>
+                        </a:rPr>
+                        <a:t>Ні</a:t>
+                      </a:r>
+                      <a:endParaRPr lang="en-US" sz="900" dirty="0">
+                        <a:effectLst/>
+                        <a:latin typeface="Times New Roman" panose="02020603050405020304" pitchFamily="18" charset="0"/>
+                        <a:ea typeface="Calibri" panose="020F0502020204030204" pitchFamily="34" charset="0"/>
+                        <a:cs typeface="Times New Roman" panose="02020603050405020304" pitchFamily="18" charset="0"/>
+                      </a:endParaRPr>
+                    </a:p>
+                  </a:txBody>
+                  <a:tcPr marL="43692" marR="43692" marT="0" marB="0"/>
+                </a:tc>
+                <a:extLst>
+                  <a:ext uri="{0D108BD9-81ED-4DB2-BD59-A6C34878D82A}">
+                    <a16:rowId xmlns:a16="http://schemas.microsoft.com/office/drawing/2014/main" val="2559867931"/>
+                  </a:ext>
+                </a:extLst>
+              </a:tr>
+              <a:tr h="511538">
+                <a:tc>
+                  <a:txBody>
+                    <a:bodyPr/>
+                    <a:lstStyle/>
+                    <a:p>
+                      <a:pPr marL="0" marR="0" algn="ctr">
+                        <a:lnSpc>
+                          <a:spcPct val="150000"/>
+                        </a:lnSpc>
+                        <a:spcBef>
+                          <a:spcPts val="0"/>
+                        </a:spcBef>
+                        <a:spcAft>
+                          <a:spcPts val="0"/>
+                        </a:spcAft>
+                      </a:pPr>
+                      <a:r>
+                        <a:rPr lang="uk-UA" sz="900">
+                          <a:effectLst/>
+                        </a:rPr>
+                        <a:t>2</a:t>
+                      </a:r>
+                      <a:endParaRPr lang="en-US" sz="900">
+                        <a:effectLst/>
+                        <a:latin typeface="Times New Roman" panose="02020603050405020304" pitchFamily="18" charset="0"/>
+                        <a:ea typeface="Calibri" panose="020F0502020204030204" pitchFamily="34" charset="0"/>
+                        <a:cs typeface="Times New Roman" panose="02020603050405020304" pitchFamily="18" charset="0"/>
+                      </a:endParaRPr>
+                    </a:p>
+                  </a:txBody>
+                  <a:tcPr marL="43692" marR="43692" marT="0" marB="0"/>
+                </a:tc>
+                <a:tc>
+                  <a:txBody>
+                    <a:bodyPr/>
+                    <a:lstStyle/>
+                    <a:p>
+                      <a:pPr marL="0" marR="0" algn="ctr">
+                        <a:lnSpc>
+                          <a:spcPct val="150000"/>
+                        </a:lnSpc>
+                        <a:spcBef>
+                          <a:spcPts val="0"/>
+                        </a:spcBef>
+                        <a:spcAft>
+                          <a:spcPts val="0"/>
+                        </a:spcAft>
+                      </a:pPr>
+                      <a:r>
+                        <a:rPr lang="uk-UA" sz="900">
+                          <a:effectLst/>
+                        </a:rPr>
+                        <a:t>25751</a:t>
+                      </a:r>
+                      <a:endParaRPr lang="en-US" sz="900">
+                        <a:effectLst/>
+                        <a:latin typeface="Times New Roman" panose="02020603050405020304" pitchFamily="18" charset="0"/>
+                        <a:ea typeface="Calibri" panose="020F0502020204030204" pitchFamily="34" charset="0"/>
+                        <a:cs typeface="Times New Roman" panose="02020603050405020304" pitchFamily="18" charset="0"/>
+                      </a:endParaRPr>
+                    </a:p>
+                  </a:txBody>
+                  <a:tcPr marL="43692" marR="43692" marT="0" marB="0"/>
+                </a:tc>
+                <a:tc>
+                  <a:txBody>
+                    <a:bodyPr/>
+                    <a:lstStyle/>
+                    <a:p>
+                      <a:pPr marL="0" marR="0" algn="ctr">
+                        <a:lnSpc>
+                          <a:spcPct val="150000"/>
+                        </a:lnSpc>
+                        <a:spcBef>
+                          <a:spcPts val="0"/>
+                        </a:spcBef>
+                        <a:spcAft>
+                          <a:spcPts val="0"/>
+                        </a:spcAft>
+                      </a:pPr>
+                      <a:r>
+                        <a:rPr lang="uk-UA" sz="900" dirty="0">
+                          <a:effectLst/>
+                        </a:rPr>
+                        <a:t>2</a:t>
+                      </a:r>
+                      <a:endParaRPr lang="en-US" sz="900" dirty="0">
+                        <a:effectLst/>
+                        <a:latin typeface="Times New Roman" panose="02020603050405020304" pitchFamily="18" charset="0"/>
+                        <a:ea typeface="Calibri" panose="020F0502020204030204" pitchFamily="34" charset="0"/>
+                        <a:cs typeface="Times New Roman" panose="02020603050405020304" pitchFamily="18" charset="0"/>
+                      </a:endParaRPr>
+                    </a:p>
+                  </a:txBody>
+                  <a:tcPr marL="43692" marR="43692" marT="0" marB="0"/>
+                </a:tc>
+                <a:tc>
+                  <a:txBody>
+                    <a:bodyPr/>
+                    <a:lstStyle/>
+                    <a:p>
+                      <a:pPr marL="0" marR="0" algn="ctr">
+                        <a:lnSpc>
+                          <a:spcPct val="150000"/>
+                        </a:lnSpc>
+                        <a:spcBef>
+                          <a:spcPts val="0"/>
+                        </a:spcBef>
+                        <a:spcAft>
+                          <a:spcPts val="0"/>
+                        </a:spcAft>
+                      </a:pPr>
+                      <a:r>
+                        <a:rPr lang="uk-UA" sz="900">
+                          <a:effectLst/>
+                        </a:rPr>
+                        <a:t>0.4</a:t>
+                      </a:r>
+                      <a:endParaRPr lang="en-US" sz="900">
+                        <a:effectLst/>
+                        <a:latin typeface="Times New Roman" panose="02020603050405020304" pitchFamily="18" charset="0"/>
+                        <a:ea typeface="Calibri" panose="020F0502020204030204" pitchFamily="34" charset="0"/>
+                        <a:cs typeface="Times New Roman" panose="02020603050405020304" pitchFamily="18" charset="0"/>
+                      </a:endParaRPr>
+                    </a:p>
+                  </a:txBody>
+                  <a:tcPr marL="43692" marR="43692" marT="0" marB="0"/>
+                </a:tc>
+                <a:tc>
+                  <a:txBody>
+                    <a:bodyPr/>
+                    <a:lstStyle/>
+                    <a:p>
+                      <a:pPr marL="0" marR="0" algn="ctr">
+                        <a:lnSpc>
+                          <a:spcPct val="150000"/>
+                        </a:lnSpc>
+                        <a:spcBef>
+                          <a:spcPts val="0"/>
+                        </a:spcBef>
+                        <a:spcAft>
+                          <a:spcPts val="0"/>
+                        </a:spcAft>
+                      </a:pPr>
+                      <a:r>
+                        <a:rPr lang="uk-UA" sz="900">
+                          <a:effectLst/>
+                        </a:rPr>
+                        <a:t>0,5</a:t>
+                      </a:r>
+                      <a:endParaRPr lang="en-US" sz="900">
+                        <a:effectLst/>
+                        <a:latin typeface="Times New Roman" panose="02020603050405020304" pitchFamily="18" charset="0"/>
+                        <a:ea typeface="Calibri" panose="020F0502020204030204" pitchFamily="34" charset="0"/>
+                        <a:cs typeface="Times New Roman" panose="02020603050405020304" pitchFamily="18" charset="0"/>
+                      </a:endParaRPr>
+                    </a:p>
+                  </a:txBody>
+                  <a:tcPr marL="43692" marR="43692" marT="0" marB="0"/>
+                </a:tc>
+                <a:tc>
+                  <a:txBody>
+                    <a:bodyPr/>
+                    <a:lstStyle/>
+                    <a:p>
+                      <a:pPr marL="0" marR="0" algn="ctr">
+                        <a:lnSpc>
+                          <a:spcPct val="150000"/>
+                        </a:lnSpc>
+                        <a:spcBef>
+                          <a:spcPts val="0"/>
+                        </a:spcBef>
+                        <a:spcAft>
+                          <a:spcPts val="0"/>
+                        </a:spcAft>
+                      </a:pPr>
+                      <a:r>
+                        <a:rPr lang="uk-UA" sz="900">
+                          <a:effectLst/>
+                        </a:rPr>
+                        <a:t>Не вказано</a:t>
+                      </a:r>
+                      <a:endParaRPr lang="en-US" sz="900">
+                        <a:effectLst/>
+                        <a:latin typeface="Times New Roman" panose="02020603050405020304" pitchFamily="18" charset="0"/>
+                        <a:ea typeface="Calibri" panose="020F0502020204030204" pitchFamily="34" charset="0"/>
+                        <a:cs typeface="Times New Roman" panose="02020603050405020304" pitchFamily="18" charset="0"/>
+                      </a:endParaRPr>
+                    </a:p>
+                  </a:txBody>
+                  <a:tcPr marL="43692" marR="43692" marT="0" marB="0"/>
+                </a:tc>
+                <a:tc>
+                  <a:txBody>
+                    <a:bodyPr/>
+                    <a:lstStyle/>
+                    <a:p>
+                      <a:pPr marL="0" marR="0" algn="ctr">
+                        <a:lnSpc>
+                          <a:spcPct val="150000"/>
+                        </a:lnSpc>
+                        <a:spcBef>
+                          <a:spcPts val="0"/>
+                        </a:spcBef>
+                        <a:spcAft>
+                          <a:spcPts val="0"/>
+                        </a:spcAft>
+                      </a:pPr>
+                      <a:r>
+                        <a:rPr lang="uk-UA" sz="900" dirty="0">
+                          <a:effectLst/>
+                        </a:rPr>
+                        <a:t>Так</a:t>
+                      </a:r>
+                      <a:endParaRPr lang="en-US" sz="900" dirty="0">
+                        <a:effectLst/>
+                      </a:endParaRPr>
+                    </a:p>
+                    <a:p>
+                      <a:pPr marL="0" marR="0" algn="ctr">
+                        <a:lnSpc>
+                          <a:spcPct val="150000"/>
+                        </a:lnSpc>
+                        <a:spcBef>
+                          <a:spcPts val="0"/>
+                        </a:spcBef>
+                        <a:spcAft>
+                          <a:spcPts val="0"/>
+                        </a:spcAft>
+                      </a:pPr>
+                      <a:r>
+                        <a:rPr lang="uk-UA" sz="900" dirty="0">
+                          <a:effectLst/>
+                        </a:rPr>
+                        <a:t> </a:t>
+                      </a:r>
+                      <a:endParaRPr lang="en-US" sz="900" dirty="0">
+                        <a:effectLst/>
+                        <a:latin typeface="Times New Roman" panose="02020603050405020304" pitchFamily="18" charset="0"/>
+                        <a:ea typeface="Calibri" panose="020F0502020204030204" pitchFamily="34" charset="0"/>
+                        <a:cs typeface="Times New Roman" panose="02020603050405020304" pitchFamily="18" charset="0"/>
+                      </a:endParaRPr>
+                    </a:p>
+                  </a:txBody>
+                  <a:tcPr marL="43692" marR="43692" marT="0" marB="0"/>
+                </a:tc>
+                <a:extLst>
+                  <a:ext uri="{0D108BD9-81ED-4DB2-BD59-A6C34878D82A}">
+                    <a16:rowId xmlns:a16="http://schemas.microsoft.com/office/drawing/2014/main" val="3642789281"/>
+                  </a:ext>
+                </a:extLst>
+              </a:tr>
+              <a:tr h="511538">
+                <a:tc>
+                  <a:txBody>
+                    <a:bodyPr/>
+                    <a:lstStyle/>
+                    <a:p>
+                      <a:pPr marL="0" marR="0" algn="ctr">
+                        <a:lnSpc>
+                          <a:spcPct val="150000"/>
+                        </a:lnSpc>
+                        <a:spcBef>
+                          <a:spcPts val="0"/>
+                        </a:spcBef>
+                        <a:spcAft>
+                          <a:spcPts val="0"/>
+                        </a:spcAft>
+                      </a:pPr>
+                      <a:r>
+                        <a:rPr lang="uk-UA" sz="900">
+                          <a:effectLst/>
+                        </a:rPr>
+                        <a:t>3</a:t>
+                      </a:r>
+                      <a:endParaRPr lang="en-US" sz="900">
+                        <a:effectLst/>
+                        <a:latin typeface="Times New Roman" panose="02020603050405020304" pitchFamily="18" charset="0"/>
+                        <a:ea typeface="Calibri" panose="020F0502020204030204" pitchFamily="34" charset="0"/>
+                        <a:cs typeface="Times New Roman" panose="02020603050405020304" pitchFamily="18" charset="0"/>
+                      </a:endParaRPr>
+                    </a:p>
+                  </a:txBody>
+                  <a:tcPr marL="43692" marR="43692" marT="0" marB="0"/>
+                </a:tc>
+                <a:tc>
+                  <a:txBody>
+                    <a:bodyPr/>
+                    <a:lstStyle/>
+                    <a:p>
+                      <a:pPr marL="0" marR="0" algn="ctr">
+                        <a:lnSpc>
+                          <a:spcPct val="150000"/>
+                        </a:lnSpc>
+                        <a:spcBef>
+                          <a:spcPts val="0"/>
+                        </a:spcBef>
+                        <a:spcAft>
+                          <a:spcPts val="0"/>
+                        </a:spcAft>
+                      </a:pPr>
+                      <a:r>
+                        <a:rPr lang="uk-UA" sz="900">
+                          <a:effectLst/>
+                        </a:rPr>
+                        <a:t>36118</a:t>
+                      </a:r>
+                      <a:endParaRPr lang="en-US" sz="900">
+                        <a:effectLst/>
+                        <a:latin typeface="Times New Roman" panose="02020603050405020304" pitchFamily="18" charset="0"/>
+                        <a:ea typeface="Calibri" panose="020F0502020204030204" pitchFamily="34" charset="0"/>
+                        <a:cs typeface="Times New Roman" panose="02020603050405020304" pitchFamily="18" charset="0"/>
+                      </a:endParaRPr>
+                    </a:p>
+                  </a:txBody>
+                  <a:tcPr marL="43692" marR="43692" marT="0" marB="0"/>
+                </a:tc>
+                <a:tc>
+                  <a:txBody>
+                    <a:bodyPr/>
+                    <a:lstStyle/>
+                    <a:p>
+                      <a:pPr marL="0" marR="0" algn="ctr">
+                        <a:lnSpc>
+                          <a:spcPct val="150000"/>
+                        </a:lnSpc>
+                        <a:spcBef>
+                          <a:spcPts val="0"/>
+                        </a:spcBef>
+                        <a:spcAft>
+                          <a:spcPts val="0"/>
+                        </a:spcAft>
+                      </a:pPr>
+                      <a:r>
+                        <a:rPr lang="uk-UA" sz="900">
+                          <a:effectLst/>
+                        </a:rPr>
+                        <a:t>15</a:t>
+                      </a:r>
+                      <a:endParaRPr lang="en-US" sz="900">
+                        <a:effectLst/>
+                        <a:latin typeface="Times New Roman" panose="02020603050405020304" pitchFamily="18" charset="0"/>
+                        <a:ea typeface="Calibri" panose="020F0502020204030204" pitchFamily="34" charset="0"/>
+                        <a:cs typeface="Times New Roman" panose="02020603050405020304" pitchFamily="18" charset="0"/>
+                      </a:endParaRPr>
+                    </a:p>
+                  </a:txBody>
+                  <a:tcPr marL="43692" marR="43692" marT="0" marB="0"/>
+                </a:tc>
+                <a:tc>
+                  <a:txBody>
+                    <a:bodyPr/>
+                    <a:lstStyle/>
+                    <a:p>
+                      <a:pPr marL="0" marR="0" algn="ctr">
+                        <a:lnSpc>
+                          <a:spcPct val="150000"/>
+                        </a:lnSpc>
+                        <a:spcBef>
+                          <a:spcPts val="0"/>
+                        </a:spcBef>
+                        <a:spcAft>
+                          <a:spcPts val="0"/>
+                        </a:spcAft>
+                      </a:pPr>
+                      <a:r>
+                        <a:rPr lang="uk-UA" sz="900">
+                          <a:effectLst/>
+                        </a:rPr>
+                        <a:t>0,3</a:t>
+                      </a:r>
+                      <a:endParaRPr lang="en-US" sz="900">
+                        <a:effectLst/>
+                        <a:latin typeface="Times New Roman" panose="02020603050405020304" pitchFamily="18" charset="0"/>
+                        <a:ea typeface="Calibri" panose="020F0502020204030204" pitchFamily="34" charset="0"/>
+                        <a:cs typeface="Times New Roman" panose="02020603050405020304" pitchFamily="18" charset="0"/>
+                      </a:endParaRPr>
+                    </a:p>
+                  </a:txBody>
+                  <a:tcPr marL="43692" marR="43692" marT="0" marB="0"/>
+                </a:tc>
+                <a:tc>
+                  <a:txBody>
+                    <a:bodyPr/>
+                    <a:lstStyle/>
+                    <a:p>
+                      <a:pPr marL="0" marR="0" algn="ctr">
+                        <a:lnSpc>
+                          <a:spcPct val="150000"/>
+                        </a:lnSpc>
+                        <a:spcBef>
+                          <a:spcPts val="0"/>
+                        </a:spcBef>
+                        <a:spcAft>
+                          <a:spcPts val="0"/>
+                        </a:spcAft>
+                      </a:pPr>
+                      <a:r>
+                        <a:rPr lang="uk-UA" sz="900">
+                          <a:effectLst/>
+                        </a:rPr>
+                        <a:t>0,5</a:t>
+                      </a:r>
+                      <a:endParaRPr lang="en-US" sz="900">
+                        <a:effectLst/>
+                        <a:latin typeface="Times New Roman" panose="02020603050405020304" pitchFamily="18" charset="0"/>
+                        <a:ea typeface="Calibri" panose="020F0502020204030204" pitchFamily="34" charset="0"/>
+                        <a:cs typeface="Times New Roman" panose="02020603050405020304" pitchFamily="18" charset="0"/>
+                      </a:endParaRPr>
+                    </a:p>
+                  </a:txBody>
+                  <a:tcPr marL="43692" marR="43692" marT="0" marB="0"/>
+                </a:tc>
+                <a:tc>
+                  <a:txBody>
+                    <a:bodyPr/>
+                    <a:lstStyle/>
+                    <a:p>
+                      <a:pPr marL="0" marR="0" algn="ctr">
+                        <a:lnSpc>
+                          <a:spcPct val="150000"/>
+                        </a:lnSpc>
+                        <a:spcBef>
+                          <a:spcPts val="0"/>
+                        </a:spcBef>
+                        <a:spcAft>
+                          <a:spcPts val="0"/>
+                        </a:spcAft>
+                      </a:pPr>
+                      <a:r>
+                        <a:rPr lang="uk-UA" sz="900">
+                          <a:effectLst/>
+                        </a:rPr>
+                        <a:t>Не вказано</a:t>
+                      </a:r>
+                      <a:endParaRPr lang="en-US" sz="900">
+                        <a:effectLst/>
+                        <a:latin typeface="Times New Roman" panose="02020603050405020304" pitchFamily="18" charset="0"/>
+                        <a:ea typeface="Calibri" panose="020F0502020204030204" pitchFamily="34" charset="0"/>
+                        <a:cs typeface="Times New Roman" panose="02020603050405020304" pitchFamily="18" charset="0"/>
+                      </a:endParaRPr>
+                    </a:p>
+                  </a:txBody>
+                  <a:tcPr marL="43692" marR="43692" marT="0" marB="0"/>
+                </a:tc>
+                <a:tc>
+                  <a:txBody>
+                    <a:bodyPr/>
+                    <a:lstStyle/>
+                    <a:p>
+                      <a:pPr marL="0" marR="0" algn="ctr">
+                        <a:lnSpc>
+                          <a:spcPct val="150000"/>
+                        </a:lnSpc>
+                        <a:spcBef>
+                          <a:spcPts val="0"/>
+                        </a:spcBef>
+                        <a:spcAft>
+                          <a:spcPts val="0"/>
+                        </a:spcAft>
+                      </a:pPr>
+                      <a:r>
+                        <a:rPr lang="uk-UA" sz="900" dirty="0">
+                          <a:effectLst/>
+                        </a:rPr>
+                        <a:t>Так</a:t>
+                      </a:r>
+                      <a:endParaRPr lang="en-US" sz="900" dirty="0">
+                        <a:effectLst/>
+                        <a:latin typeface="Times New Roman" panose="02020603050405020304" pitchFamily="18" charset="0"/>
+                        <a:ea typeface="Calibri" panose="020F0502020204030204" pitchFamily="34" charset="0"/>
+                        <a:cs typeface="Times New Roman" panose="02020603050405020304" pitchFamily="18" charset="0"/>
+                      </a:endParaRPr>
+                    </a:p>
+                  </a:txBody>
+                  <a:tcPr marL="43692" marR="43692" marT="0" marB="0"/>
+                </a:tc>
+                <a:extLst>
+                  <a:ext uri="{0D108BD9-81ED-4DB2-BD59-A6C34878D82A}">
+                    <a16:rowId xmlns:a16="http://schemas.microsoft.com/office/drawing/2014/main" val="546938724"/>
+                  </a:ext>
+                </a:extLst>
+              </a:tr>
+              <a:tr h="511538">
+                <a:tc>
+                  <a:txBody>
+                    <a:bodyPr/>
+                    <a:lstStyle/>
+                    <a:p>
+                      <a:pPr marL="0" marR="0" algn="ctr">
+                        <a:lnSpc>
+                          <a:spcPct val="150000"/>
+                        </a:lnSpc>
+                        <a:spcBef>
+                          <a:spcPts val="0"/>
+                        </a:spcBef>
+                        <a:spcAft>
+                          <a:spcPts val="0"/>
+                        </a:spcAft>
+                      </a:pPr>
+                      <a:r>
+                        <a:rPr lang="uk-UA" sz="900">
+                          <a:effectLst/>
+                        </a:rPr>
+                        <a:t>4</a:t>
+                      </a:r>
+                      <a:endParaRPr lang="en-US" sz="900">
+                        <a:effectLst/>
+                        <a:latin typeface="Times New Roman" panose="02020603050405020304" pitchFamily="18" charset="0"/>
+                        <a:ea typeface="Calibri" panose="020F0502020204030204" pitchFamily="34" charset="0"/>
+                        <a:cs typeface="Times New Roman" panose="02020603050405020304" pitchFamily="18" charset="0"/>
+                      </a:endParaRPr>
+                    </a:p>
+                  </a:txBody>
+                  <a:tcPr marL="43692" marR="43692" marT="0" marB="0"/>
+                </a:tc>
+                <a:tc>
+                  <a:txBody>
+                    <a:bodyPr/>
+                    <a:lstStyle/>
+                    <a:p>
+                      <a:pPr marL="0" marR="0" algn="ctr">
+                        <a:lnSpc>
+                          <a:spcPct val="150000"/>
+                        </a:lnSpc>
+                        <a:spcBef>
+                          <a:spcPts val="0"/>
+                        </a:spcBef>
+                        <a:spcAft>
+                          <a:spcPts val="0"/>
+                        </a:spcAft>
+                      </a:pPr>
+                      <a:r>
+                        <a:rPr lang="uk-UA" sz="900">
+                          <a:effectLst/>
+                        </a:rPr>
+                        <a:t>38118</a:t>
+                      </a:r>
+                      <a:endParaRPr lang="en-US" sz="900">
+                        <a:effectLst/>
+                        <a:latin typeface="Times New Roman" panose="02020603050405020304" pitchFamily="18" charset="0"/>
+                        <a:ea typeface="Calibri" panose="020F0502020204030204" pitchFamily="34" charset="0"/>
+                        <a:cs typeface="Times New Roman" panose="02020603050405020304" pitchFamily="18" charset="0"/>
+                      </a:endParaRPr>
+                    </a:p>
+                  </a:txBody>
+                  <a:tcPr marL="43692" marR="43692" marT="0" marB="0"/>
+                </a:tc>
+                <a:tc>
+                  <a:txBody>
+                    <a:bodyPr/>
+                    <a:lstStyle/>
+                    <a:p>
+                      <a:pPr marL="0" marR="0" algn="ctr">
+                        <a:lnSpc>
+                          <a:spcPct val="150000"/>
+                        </a:lnSpc>
+                        <a:spcBef>
+                          <a:spcPts val="0"/>
+                        </a:spcBef>
+                        <a:spcAft>
+                          <a:spcPts val="0"/>
+                        </a:spcAft>
+                      </a:pPr>
+                      <a:r>
+                        <a:rPr lang="uk-UA" sz="900">
+                          <a:effectLst/>
+                        </a:rPr>
+                        <a:t>18</a:t>
+                      </a:r>
+                      <a:endParaRPr lang="en-US" sz="900">
+                        <a:effectLst/>
+                        <a:latin typeface="Times New Roman" panose="02020603050405020304" pitchFamily="18" charset="0"/>
+                        <a:ea typeface="Calibri" panose="020F0502020204030204" pitchFamily="34" charset="0"/>
+                        <a:cs typeface="Times New Roman" panose="02020603050405020304" pitchFamily="18" charset="0"/>
+                      </a:endParaRPr>
+                    </a:p>
+                  </a:txBody>
+                  <a:tcPr marL="43692" marR="43692" marT="0" marB="0"/>
+                </a:tc>
+                <a:tc>
+                  <a:txBody>
+                    <a:bodyPr/>
+                    <a:lstStyle/>
+                    <a:p>
+                      <a:pPr marL="0" marR="0" algn="ctr">
+                        <a:lnSpc>
+                          <a:spcPct val="150000"/>
+                        </a:lnSpc>
+                        <a:spcBef>
+                          <a:spcPts val="0"/>
+                        </a:spcBef>
+                        <a:spcAft>
+                          <a:spcPts val="0"/>
+                        </a:spcAft>
+                      </a:pPr>
+                      <a:r>
+                        <a:rPr lang="uk-UA" sz="900">
+                          <a:effectLst/>
+                        </a:rPr>
+                        <a:t>0,3</a:t>
+                      </a:r>
+                      <a:endParaRPr lang="en-US" sz="900">
+                        <a:effectLst/>
+                        <a:latin typeface="Times New Roman" panose="02020603050405020304" pitchFamily="18" charset="0"/>
+                        <a:ea typeface="Calibri" panose="020F0502020204030204" pitchFamily="34" charset="0"/>
+                        <a:cs typeface="Times New Roman" panose="02020603050405020304" pitchFamily="18" charset="0"/>
+                      </a:endParaRPr>
+                    </a:p>
+                  </a:txBody>
+                  <a:tcPr marL="43692" marR="43692" marT="0" marB="0"/>
+                </a:tc>
+                <a:tc>
+                  <a:txBody>
+                    <a:bodyPr/>
+                    <a:lstStyle/>
+                    <a:p>
+                      <a:pPr marL="0" marR="0" algn="ctr">
+                        <a:lnSpc>
+                          <a:spcPct val="150000"/>
+                        </a:lnSpc>
+                        <a:spcBef>
+                          <a:spcPts val="0"/>
+                        </a:spcBef>
+                        <a:spcAft>
+                          <a:spcPts val="0"/>
+                        </a:spcAft>
+                      </a:pPr>
+                      <a:r>
+                        <a:rPr lang="uk-UA" sz="900">
+                          <a:effectLst/>
+                        </a:rPr>
+                        <a:t>0,5</a:t>
+                      </a:r>
+                      <a:endParaRPr lang="en-US" sz="900">
+                        <a:effectLst/>
+                        <a:latin typeface="Times New Roman" panose="02020603050405020304" pitchFamily="18" charset="0"/>
+                        <a:ea typeface="Calibri" panose="020F0502020204030204" pitchFamily="34" charset="0"/>
+                        <a:cs typeface="Times New Roman" panose="02020603050405020304" pitchFamily="18" charset="0"/>
+                      </a:endParaRPr>
+                    </a:p>
+                  </a:txBody>
+                  <a:tcPr marL="43692" marR="43692" marT="0" marB="0"/>
+                </a:tc>
+                <a:tc>
+                  <a:txBody>
+                    <a:bodyPr/>
+                    <a:lstStyle/>
+                    <a:p>
+                      <a:pPr marL="0" marR="0" algn="ctr">
+                        <a:lnSpc>
+                          <a:spcPct val="150000"/>
+                        </a:lnSpc>
+                        <a:spcBef>
+                          <a:spcPts val="0"/>
+                        </a:spcBef>
+                        <a:spcAft>
+                          <a:spcPts val="0"/>
+                        </a:spcAft>
+                      </a:pPr>
+                      <a:r>
+                        <a:rPr lang="uk-UA" sz="900">
+                          <a:effectLst/>
+                        </a:rPr>
+                        <a:t>Не вказано</a:t>
+                      </a:r>
+                      <a:endParaRPr lang="en-US" sz="900">
+                        <a:effectLst/>
+                        <a:latin typeface="Times New Roman" panose="02020603050405020304" pitchFamily="18" charset="0"/>
+                        <a:ea typeface="Calibri" panose="020F0502020204030204" pitchFamily="34" charset="0"/>
+                        <a:cs typeface="Times New Roman" panose="02020603050405020304" pitchFamily="18" charset="0"/>
+                      </a:endParaRPr>
+                    </a:p>
+                  </a:txBody>
+                  <a:tcPr marL="43692" marR="43692" marT="0" marB="0"/>
+                </a:tc>
+                <a:tc>
+                  <a:txBody>
+                    <a:bodyPr/>
+                    <a:lstStyle/>
+                    <a:p>
+                      <a:pPr marL="0" marR="0" algn="ctr">
+                        <a:lnSpc>
+                          <a:spcPct val="150000"/>
+                        </a:lnSpc>
+                        <a:spcBef>
+                          <a:spcPts val="0"/>
+                        </a:spcBef>
+                        <a:spcAft>
+                          <a:spcPts val="0"/>
+                        </a:spcAft>
+                      </a:pPr>
+                      <a:r>
+                        <a:rPr lang="uk-UA" sz="900" dirty="0">
+                          <a:effectLst/>
+                        </a:rPr>
+                        <a:t>Ні</a:t>
+                      </a:r>
+                      <a:endParaRPr lang="en-US" sz="900" dirty="0">
+                        <a:effectLst/>
+                        <a:latin typeface="Times New Roman" panose="02020603050405020304" pitchFamily="18" charset="0"/>
+                        <a:ea typeface="Calibri" panose="020F0502020204030204" pitchFamily="34" charset="0"/>
+                        <a:cs typeface="Times New Roman" panose="02020603050405020304" pitchFamily="18" charset="0"/>
+                      </a:endParaRPr>
+                    </a:p>
+                  </a:txBody>
+                  <a:tcPr marL="43692" marR="43692" marT="0" marB="0"/>
+                </a:tc>
+                <a:extLst>
+                  <a:ext uri="{0D108BD9-81ED-4DB2-BD59-A6C34878D82A}">
+                    <a16:rowId xmlns:a16="http://schemas.microsoft.com/office/drawing/2014/main" val="283181456"/>
+                  </a:ext>
+                </a:extLst>
+              </a:tr>
+              <a:tr h="511538">
+                <a:tc>
+                  <a:txBody>
+                    <a:bodyPr/>
+                    <a:lstStyle/>
+                    <a:p>
+                      <a:pPr marL="0" marR="0" algn="ctr">
+                        <a:lnSpc>
+                          <a:spcPct val="150000"/>
+                        </a:lnSpc>
+                        <a:spcBef>
+                          <a:spcPts val="0"/>
+                        </a:spcBef>
+                        <a:spcAft>
+                          <a:spcPts val="0"/>
+                        </a:spcAft>
+                      </a:pPr>
+                      <a:r>
+                        <a:rPr lang="uk-UA" sz="900">
+                          <a:effectLst/>
+                        </a:rPr>
+                        <a:t>5</a:t>
+                      </a:r>
+                      <a:endParaRPr lang="en-US" sz="900">
+                        <a:effectLst/>
+                        <a:latin typeface="Times New Roman" panose="02020603050405020304" pitchFamily="18" charset="0"/>
+                        <a:ea typeface="Calibri" panose="020F0502020204030204" pitchFamily="34" charset="0"/>
+                        <a:cs typeface="Times New Roman" panose="02020603050405020304" pitchFamily="18" charset="0"/>
+                      </a:endParaRPr>
+                    </a:p>
+                  </a:txBody>
+                  <a:tcPr marL="43692" marR="43692" marT="0" marB="0"/>
+                </a:tc>
+                <a:tc>
+                  <a:txBody>
+                    <a:bodyPr/>
+                    <a:lstStyle/>
+                    <a:p>
+                      <a:pPr marL="0" marR="0" algn="ctr">
+                        <a:lnSpc>
+                          <a:spcPct val="150000"/>
+                        </a:lnSpc>
+                        <a:spcBef>
+                          <a:spcPts val="0"/>
+                        </a:spcBef>
+                        <a:spcAft>
+                          <a:spcPts val="0"/>
+                        </a:spcAft>
+                      </a:pPr>
+                      <a:r>
+                        <a:rPr lang="uk-UA" sz="900">
+                          <a:effectLst/>
+                        </a:rPr>
+                        <a:t>26680</a:t>
+                      </a:r>
+                      <a:endParaRPr lang="en-US" sz="900">
+                        <a:effectLst/>
+                        <a:latin typeface="Times New Roman" panose="02020603050405020304" pitchFamily="18" charset="0"/>
+                        <a:ea typeface="Calibri" panose="020F0502020204030204" pitchFamily="34" charset="0"/>
+                        <a:cs typeface="Times New Roman" panose="02020603050405020304" pitchFamily="18" charset="0"/>
+                      </a:endParaRPr>
+                    </a:p>
+                  </a:txBody>
+                  <a:tcPr marL="43692" marR="43692" marT="0" marB="0"/>
+                </a:tc>
+                <a:tc>
+                  <a:txBody>
+                    <a:bodyPr/>
+                    <a:lstStyle/>
+                    <a:p>
+                      <a:pPr marL="0" marR="0" algn="ctr">
+                        <a:lnSpc>
+                          <a:spcPct val="150000"/>
+                        </a:lnSpc>
+                        <a:spcBef>
+                          <a:spcPts val="0"/>
+                        </a:spcBef>
+                        <a:spcAft>
+                          <a:spcPts val="0"/>
+                        </a:spcAft>
+                      </a:pPr>
+                      <a:r>
+                        <a:rPr lang="uk-UA" sz="900">
+                          <a:effectLst/>
+                        </a:rPr>
+                        <a:t>4</a:t>
+                      </a:r>
+                      <a:endParaRPr lang="en-US" sz="900">
+                        <a:effectLst/>
+                        <a:latin typeface="Times New Roman" panose="02020603050405020304" pitchFamily="18" charset="0"/>
+                        <a:ea typeface="Calibri" panose="020F0502020204030204" pitchFamily="34" charset="0"/>
+                        <a:cs typeface="Times New Roman" panose="02020603050405020304" pitchFamily="18" charset="0"/>
+                      </a:endParaRPr>
+                    </a:p>
+                  </a:txBody>
+                  <a:tcPr marL="43692" marR="43692" marT="0" marB="0"/>
+                </a:tc>
+                <a:tc>
+                  <a:txBody>
+                    <a:bodyPr/>
+                    <a:lstStyle/>
+                    <a:p>
+                      <a:pPr marL="0" marR="0" algn="ctr">
+                        <a:lnSpc>
+                          <a:spcPct val="150000"/>
+                        </a:lnSpc>
+                        <a:spcBef>
+                          <a:spcPts val="0"/>
+                        </a:spcBef>
+                        <a:spcAft>
+                          <a:spcPts val="0"/>
+                        </a:spcAft>
+                      </a:pPr>
+                      <a:r>
+                        <a:rPr lang="uk-UA" sz="900">
+                          <a:effectLst/>
+                        </a:rPr>
+                        <a:t>0,35</a:t>
+                      </a:r>
+                      <a:endParaRPr lang="en-US" sz="900">
+                        <a:effectLst/>
+                        <a:latin typeface="Times New Roman" panose="02020603050405020304" pitchFamily="18" charset="0"/>
+                        <a:ea typeface="Calibri" panose="020F0502020204030204" pitchFamily="34" charset="0"/>
+                        <a:cs typeface="Times New Roman" panose="02020603050405020304" pitchFamily="18" charset="0"/>
+                      </a:endParaRPr>
+                    </a:p>
+                  </a:txBody>
+                  <a:tcPr marL="43692" marR="43692" marT="0" marB="0"/>
+                </a:tc>
+                <a:tc>
+                  <a:txBody>
+                    <a:bodyPr/>
+                    <a:lstStyle/>
+                    <a:p>
+                      <a:pPr marL="0" marR="0" algn="ctr">
+                        <a:lnSpc>
+                          <a:spcPct val="150000"/>
+                        </a:lnSpc>
+                        <a:spcBef>
+                          <a:spcPts val="0"/>
+                        </a:spcBef>
+                        <a:spcAft>
+                          <a:spcPts val="0"/>
+                        </a:spcAft>
+                      </a:pPr>
+                      <a:r>
+                        <a:rPr lang="uk-UA" sz="900">
+                          <a:effectLst/>
+                        </a:rPr>
+                        <a:t>0,5</a:t>
+                      </a:r>
+                      <a:endParaRPr lang="en-US" sz="900">
+                        <a:effectLst/>
+                        <a:latin typeface="Times New Roman" panose="02020603050405020304" pitchFamily="18" charset="0"/>
+                        <a:ea typeface="Calibri" panose="020F0502020204030204" pitchFamily="34" charset="0"/>
+                        <a:cs typeface="Times New Roman" panose="02020603050405020304" pitchFamily="18" charset="0"/>
+                      </a:endParaRPr>
+                    </a:p>
+                  </a:txBody>
+                  <a:tcPr marL="43692" marR="43692" marT="0" marB="0"/>
+                </a:tc>
+                <a:tc>
+                  <a:txBody>
+                    <a:bodyPr/>
+                    <a:lstStyle/>
+                    <a:p>
+                      <a:pPr marL="0" marR="0" algn="ctr">
+                        <a:lnSpc>
+                          <a:spcPct val="150000"/>
+                        </a:lnSpc>
+                        <a:spcBef>
+                          <a:spcPts val="0"/>
+                        </a:spcBef>
+                        <a:spcAft>
+                          <a:spcPts val="0"/>
+                        </a:spcAft>
+                      </a:pPr>
+                      <a:r>
+                        <a:rPr lang="uk-UA" sz="900">
+                          <a:effectLst/>
+                        </a:rPr>
+                        <a:t>Не вказано</a:t>
+                      </a:r>
+                      <a:endParaRPr lang="en-US" sz="900">
+                        <a:effectLst/>
+                        <a:latin typeface="Times New Roman" panose="02020603050405020304" pitchFamily="18" charset="0"/>
+                        <a:ea typeface="Calibri" panose="020F0502020204030204" pitchFamily="34" charset="0"/>
+                        <a:cs typeface="Times New Roman" panose="02020603050405020304" pitchFamily="18" charset="0"/>
+                      </a:endParaRPr>
+                    </a:p>
+                  </a:txBody>
+                  <a:tcPr marL="43692" marR="43692" marT="0" marB="0"/>
+                </a:tc>
+                <a:tc>
+                  <a:txBody>
+                    <a:bodyPr/>
+                    <a:lstStyle/>
+                    <a:p>
+                      <a:pPr marL="0" marR="0" algn="ctr">
+                        <a:lnSpc>
+                          <a:spcPct val="150000"/>
+                        </a:lnSpc>
+                        <a:spcBef>
+                          <a:spcPts val="0"/>
+                        </a:spcBef>
+                        <a:spcAft>
+                          <a:spcPts val="0"/>
+                        </a:spcAft>
+                      </a:pPr>
+                      <a:r>
+                        <a:rPr lang="uk-UA" sz="900" dirty="0">
+                          <a:effectLst/>
+                        </a:rPr>
+                        <a:t>Так</a:t>
+                      </a:r>
+                      <a:endParaRPr lang="en-US" sz="900" dirty="0">
+                        <a:effectLst/>
+                        <a:latin typeface="Times New Roman" panose="02020603050405020304" pitchFamily="18" charset="0"/>
+                        <a:ea typeface="Calibri" panose="020F0502020204030204" pitchFamily="34" charset="0"/>
+                        <a:cs typeface="Times New Roman" panose="02020603050405020304" pitchFamily="18" charset="0"/>
+                      </a:endParaRPr>
+                    </a:p>
+                  </a:txBody>
+                  <a:tcPr marL="43692" marR="43692" marT="0" marB="0"/>
+                </a:tc>
+                <a:extLst>
+                  <a:ext uri="{0D108BD9-81ED-4DB2-BD59-A6C34878D82A}">
+                    <a16:rowId xmlns:a16="http://schemas.microsoft.com/office/drawing/2014/main" val="1001394795"/>
+                  </a:ext>
+                </a:extLst>
+              </a:tr>
+              <a:tr h="255769">
+                <a:tc>
+                  <a:txBody>
+                    <a:bodyPr/>
+                    <a:lstStyle/>
+                    <a:p>
+                      <a:pPr marL="0" marR="0" algn="ctr">
+                        <a:lnSpc>
+                          <a:spcPct val="150000"/>
+                        </a:lnSpc>
+                        <a:spcBef>
+                          <a:spcPts val="0"/>
+                        </a:spcBef>
+                        <a:spcAft>
+                          <a:spcPts val="0"/>
+                        </a:spcAft>
+                      </a:pPr>
+                      <a:r>
+                        <a:rPr lang="uk-UA" sz="900">
+                          <a:effectLst/>
+                        </a:rPr>
+                        <a:t>6</a:t>
+                      </a:r>
+                      <a:endParaRPr lang="en-US" sz="900">
+                        <a:effectLst/>
+                        <a:latin typeface="Times New Roman" panose="02020603050405020304" pitchFamily="18" charset="0"/>
+                        <a:ea typeface="Calibri" panose="020F0502020204030204" pitchFamily="34" charset="0"/>
+                        <a:cs typeface="Times New Roman" panose="02020603050405020304" pitchFamily="18" charset="0"/>
+                      </a:endParaRPr>
+                    </a:p>
+                  </a:txBody>
+                  <a:tcPr marL="43692" marR="43692" marT="0" marB="0"/>
+                </a:tc>
+                <a:tc>
+                  <a:txBody>
+                    <a:bodyPr/>
+                    <a:lstStyle/>
+                    <a:p>
+                      <a:pPr marL="0" marR="0" algn="ctr">
+                        <a:lnSpc>
+                          <a:spcPct val="150000"/>
+                        </a:lnSpc>
+                        <a:spcBef>
+                          <a:spcPts val="0"/>
+                        </a:spcBef>
+                        <a:spcAft>
+                          <a:spcPts val="0"/>
+                        </a:spcAft>
+                      </a:pPr>
+                      <a:r>
+                        <a:rPr lang="uk-UA" sz="900">
+                          <a:effectLst/>
+                        </a:rPr>
+                        <a:t>26778</a:t>
+                      </a:r>
+                      <a:endParaRPr lang="en-US" sz="900">
+                        <a:effectLst/>
+                        <a:latin typeface="Times New Roman" panose="02020603050405020304" pitchFamily="18" charset="0"/>
+                        <a:ea typeface="Calibri" panose="020F0502020204030204" pitchFamily="34" charset="0"/>
+                        <a:cs typeface="Times New Roman" panose="02020603050405020304" pitchFamily="18" charset="0"/>
+                      </a:endParaRPr>
+                    </a:p>
+                  </a:txBody>
+                  <a:tcPr marL="43692" marR="43692" marT="0" marB="0"/>
+                </a:tc>
+                <a:tc>
+                  <a:txBody>
+                    <a:bodyPr/>
+                    <a:lstStyle/>
+                    <a:p>
+                      <a:pPr marL="0" marR="0" algn="ctr">
+                        <a:lnSpc>
+                          <a:spcPct val="150000"/>
+                        </a:lnSpc>
+                        <a:spcBef>
+                          <a:spcPts val="0"/>
+                        </a:spcBef>
+                        <a:spcAft>
+                          <a:spcPts val="0"/>
+                        </a:spcAft>
+                      </a:pPr>
+                      <a:r>
+                        <a:rPr lang="uk-UA" sz="900">
+                          <a:effectLst/>
+                        </a:rPr>
+                        <a:t>2</a:t>
+                      </a:r>
+                      <a:endParaRPr lang="en-US" sz="900">
+                        <a:effectLst/>
+                        <a:latin typeface="Times New Roman" panose="02020603050405020304" pitchFamily="18" charset="0"/>
+                        <a:ea typeface="Calibri" panose="020F0502020204030204" pitchFamily="34" charset="0"/>
+                        <a:cs typeface="Times New Roman" panose="02020603050405020304" pitchFamily="18" charset="0"/>
+                      </a:endParaRPr>
+                    </a:p>
+                  </a:txBody>
+                  <a:tcPr marL="43692" marR="43692" marT="0" marB="0"/>
+                </a:tc>
+                <a:tc>
+                  <a:txBody>
+                    <a:bodyPr/>
+                    <a:lstStyle/>
+                    <a:p>
+                      <a:pPr marL="0" marR="0" algn="ctr">
+                        <a:lnSpc>
+                          <a:spcPct val="150000"/>
+                        </a:lnSpc>
+                        <a:spcBef>
+                          <a:spcPts val="0"/>
+                        </a:spcBef>
+                        <a:spcAft>
+                          <a:spcPts val="0"/>
+                        </a:spcAft>
+                      </a:pPr>
+                      <a:r>
+                        <a:rPr lang="uk-UA" sz="900">
+                          <a:effectLst/>
+                        </a:rPr>
+                        <a:t>0,35</a:t>
+                      </a:r>
+                      <a:endParaRPr lang="en-US" sz="900">
+                        <a:effectLst/>
+                        <a:latin typeface="Times New Roman" panose="02020603050405020304" pitchFamily="18" charset="0"/>
+                        <a:ea typeface="Calibri" panose="020F0502020204030204" pitchFamily="34" charset="0"/>
+                        <a:cs typeface="Times New Roman" panose="02020603050405020304" pitchFamily="18" charset="0"/>
+                      </a:endParaRPr>
+                    </a:p>
+                  </a:txBody>
+                  <a:tcPr marL="43692" marR="43692" marT="0" marB="0"/>
+                </a:tc>
+                <a:tc>
+                  <a:txBody>
+                    <a:bodyPr/>
+                    <a:lstStyle/>
+                    <a:p>
+                      <a:pPr marL="0" marR="0" algn="ctr">
+                        <a:lnSpc>
+                          <a:spcPct val="150000"/>
+                        </a:lnSpc>
+                        <a:spcBef>
+                          <a:spcPts val="0"/>
+                        </a:spcBef>
+                        <a:spcAft>
+                          <a:spcPts val="0"/>
+                        </a:spcAft>
+                      </a:pPr>
+                      <a:r>
+                        <a:rPr lang="uk-UA" sz="900">
+                          <a:effectLst/>
+                        </a:rPr>
+                        <a:t>0,5</a:t>
+                      </a:r>
+                      <a:endParaRPr lang="en-US" sz="900">
+                        <a:effectLst/>
+                        <a:latin typeface="Times New Roman" panose="02020603050405020304" pitchFamily="18" charset="0"/>
+                        <a:ea typeface="Calibri" panose="020F0502020204030204" pitchFamily="34" charset="0"/>
+                        <a:cs typeface="Times New Roman" panose="02020603050405020304" pitchFamily="18" charset="0"/>
+                      </a:endParaRPr>
+                    </a:p>
+                  </a:txBody>
+                  <a:tcPr marL="43692" marR="43692" marT="0" marB="0"/>
+                </a:tc>
+                <a:tc>
+                  <a:txBody>
+                    <a:bodyPr/>
+                    <a:lstStyle/>
+                    <a:p>
+                      <a:pPr marL="0" marR="0" algn="ctr">
+                        <a:lnSpc>
+                          <a:spcPct val="150000"/>
+                        </a:lnSpc>
+                        <a:spcBef>
+                          <a:spcPts val="0"/>
+                        </a:spcBef>
+                        <a:spcAft>
+                          <a:spcPts val="0"/>
+                        </a:spcAft>
+                      </a:pPr>
+                      <a:r>
+                        <a:rPr lang="uk-UA" sz="900">
+                          <a:effectLst/>
+                        </a:rPr>
+                        <a:t>1</a:t>
+                      </a:r>
+                      <a:endParaRPr lang="en-US" sz="900">
+                        <a:effectLst/>
+                        <a:latin typeface="Times New Roman" panose="02020603050405020304" pitchFamily="18" charset="0"/>
+                        <a:ea typeface="Calibri" panose="020F0502020204030204" pitchFamily="34" charset="0"/>
+                        <a:cs typeface="Times New Roman" panose="02020603050405020304" pitchFamily="18" charset="0"/>
+                      </a:endParaRPr>
+                    </a:p>
+                  </a:txBody>
+                  <a:tcPr marL="43692" marR="43692" marT="0" marB="0"/>
+                </a:tc>
+                <a:tc>
+                  <a:txBody>
+                    <a:bodyPr/>
+                    <a:lstStyle/>
+                    <a:p>
+                      <a:pPr marL="0" marR="0" algn="ctr">
+                        <a:lnSpc>
+                          <a:spcPct val="150000"/>
+                        </a:lnSpc>
+                        <a:spcBef>
+                          <a:spcPts val="0"/>
+                        </a:spcBef>
+                        <a:spcAft>
+                          <a:spcPts val="0"/>
+                        </a:spcAft>
+                      </a:pPr>
+                      <a:r>
+                        <a:rPr lang="uk-UA" sz="900" dirty="0">
+                          <a:effectLst/>
+                        </a:rPr>
+                        <a:t>Так</a:t>
+                      </a:r>
+                      <a:endParaRPr lang="en-US" sz="900" dirty="0">
+                        <a:effectLst/>
+                        <a:latin typeface="Times New Roman" panose="02020603050405020304" pitchFamily="18" charset="0"/>
+                        <a:ea typeface="Calibri" panose="020F0502020204030204" pitchFamily="34" charset="0"/>
+                        <a:cs typeface="Times New Roman" panose="02020603050405020304" pitchFamily="18" charset="0"/>
+                      </a:endParaRPr>
+                    </a:p>
+                  </a:txBody>
+                  <a:tcPr marL="43692" marR="43692" marT="0" marB="0"/>
+                </a:tc>
+                <a:extLst>
+                  <a:ext uri="{0D108BD9-81ED-4DB2-BD59-A6C34878D82A}">
+                    <a16:rowId xmlns:a16="http://schemas.microsoft.com/office/drawing/2014/main" val="2329196613"/>
+                  </a:ext>
+                </a:extLst>
+              </a:tr>
+              <a:tr h="511538">
+                <a:tc>
+                  <a:txBody>
+                    <a:bodyPr/>
+                    <a:lstStyle/>
+                    <a:p>
+                      <a:pPr marL="0" marR="0" algn="ctr">
+                        <a:lnSpc>
+                          <a:spcPct val="150000"/>
+                        </a:lnSpc>
+                        <a:spcBef>
+                          <a:spcPts val="0"/>
+                        </a:spcBef>
+                        <a:spcAft>
+                          <a:spcPts val="0"/>
+                        </a:spcAft>
+                      </a:pPr>
+                      <a:r>
+                        <a:rPr lang="uk-UA" sz="900">
+                          <a:effectLst/>
+                        </a:rPr>
+                        <a:t>7</a:t>
+                      </a:r>
+                      <a:endParaRPr lang="en-US" sz="900">
+                        <a:effectLst/>
+                        <a:latin typeface="Times New Roman" panose="02020603050405020304" pitchFamily="18" charset="0"/>
+                        <a:ea typeface="Calibri" panose="020F0502020204030204" pitchFamily="34" charset="0"/>
+                        <a:cs typeface="Times New Roman" panose="02020603050405020304" pitchFamily="18" charset="0"/>
+                      </a:endParaRPr>
+                    </a:p>
+                  </a:txBody>
+                  <a:tcPr marL="43692" marR="43692" marT="0" marB="0"/>
+                </a:tc>
+                <a:tc>
+                  <a:txBody>
+                    <a:bodyPr/>
+                    <a:lstStyle/>
+                    <a:p>
+                      <a:pPr marL="0" marR="0" algn="ctr">
+                        <a:lnSpc>
+                          <a:spcPct val="150000"/>
+                        </a:lnSpc>
+                        <a:spcBef>
+                          <a:spcPts val="0"/>
+                        </a:spcBef>
+                        <a:spcAft>
+                          <a:spcPts val="0"/>
+                        </a:spcAft>
+                      </a:pPr>
+                      <a:r>
+                        <a:rPr lang="uk-UA" sz="900">
+                          <a:effectLst/>
+                        </a:rPr>
+                        <a:t>30564</a:t>
+                      </a:r>
+                      <a:endParaRPr lang="en-US" sz="900">
+                        <a:effectLst/>
+                        <a:latin typeface="Times New Roman" panose="02020603050405020304" pitchFamily="18" charset="0"/>
+                        <a:ea typeface="Calibri" panose="020F0502020204030204" pitchFamily="34" charset="0"/>
+                        <a:cs typeface="Times New Roman" panose="02020603050405020304" pitchFamily="18" charset="0"/>
+                      </a:endParaRPr>
+                    </a:p>
+                  </a:txBody>
+                  <a:tcPr marL="43692" marR="43692" marT="0" marB="0"/>
+                </a:tc>
+                <a:tc>
+                  <a:txBody>
+                    <a:bodyPr/>
+                    <a:lstStyle/>
+                    <a:p>
+                      <a:pPr marL="0" marR="0" algn="ctr">
+                        <a:lnSpc>
+                          <a:spcPct val="150000"/>
+                        </a:lnSpc>
+                        <a:spcBef>
+                          <a:spcPts val="0"/>
+                        </a:spcBef>
+                        <a:spcAft>
+                          <a:spcPts val="0"/>
+                        </a:spcAft>
+                      </a:pPr>
+                      <a:r>
+                        <a:rPr lang="uk-UA" sz="900">
+                          <a:effectLst/>
+                        </a:rPr>
+                        <a:t>6</a:t>
+                      </a:r>
+                      <a:endParaRPr lang="en-US" sz="900">
+                        <a:effectLst/>
+                        <a:latin typeface="Times New Roman" panose="02020603050405020304" pitchFamily="18" charset="0"/>
+                        <a:ea typeface="Calibri" panose="020F0502020204030204" pitchFamily="34" charset="0"/>
+                        <a:cs typeface="Times New Roman" panose="02020603050405020304" pitchFamily="18" charset="0"/>
+                      </a:endParaRPr>
+                    </a:p>
+                  </a:txBody>
+                  <a:tcPr marL="43692" marR="43692" marT="0" marB="0"/>
+                </a:tc>
+                <a:tc>
+                  <a:txBody>
+                    <a:bodyPr/>
+                    <a:lstStyle/>
+                    <a:p>
+                      <a:pPr marL="0" marR="0" algn="ctr">
+                        <a:lnSpc>
+                          <a:spcPct val="150000"/>
+                        </a:lnSpc>
+                        <a:spcBef>
+                          <a:spcPts val="0"/>
+                        </a:spcBef>
+                        <a:spcAft>
+                          <a:spcPts val="0"/>
+                        </a:spcAft>
+                      </a:pPr>
+                      <a:r>
+                        <a:rPr lang="uk-UA" sz="900">
+                          <a:effectLst/>
+                        </a:rPr>
+                        <a:t>0,3</a:t>
+                      </a:r>
+                      <a:endParaRPr lang="en-US" sz="900">
+                        <a:effectLst/>
+                        <a:latin typeface="Times New Roman" panose="02020603050405020304" pitchFamily="18" charset="0"/>
+                        <a:ea typeface="Calibri" panose="020F0502020204030204" pitchFamily="34" charset="0"/>
+                        <a:cs typeface="Times New Roman" panose="02020603050405020304" pitchFamily="18" charset="0"/>
+                      </a:endParaRPr>
+                    </a:p>
+                  </a:txBody>
+                  <a:tcPr marL="43692" marR="43692" marT="0" marB="0"/>
+                </a:tc>
+                <a:tc>
+                  <a:txBody>
+                    <a:bodyPr/>
+                    <a:lstStyle/>
+                    <a:p>
+                      <a:pPr marL="0" marR="0" algn="ctr">
+                        <a:lnSpc>
+                          <a:spcPct val="150000"/>
+                        </a:lnSpc>
+                        <a:spcBef>
+                          <a:spcPts val="0"/>
+                        </a:spcBef>
+                        <a:spcAft>
+                          <a:spcPts val="0"/>
+                        </a:spcAft>
+                      </a:pPr>
+                      <a:r>
+                        <a:rPr lang="uk-UA" sz="900">
+                          <a:effectLst/>
+                        </a:rPr>
+                        <a:t>0,6</a:t>
+                      </a:r>
+                      <a:endParaRPr lang="en-US" sz="900">
+                        <a:effectLst/>
+                        <a:latin typeface="Times New Roman" panose="02020603050405020304" pitchFamily="18" charset="0"/>
+                        <a:ea typeface="Calibri" panose="020F0502020204030204" pitchFamily="34" charset="0"/>
+                        <a:cs typeface="Times New Roman" panose="02020603050405020304" pitchFamily="18" charset="0"/>
+                      </a:endParaRPr>
+                    </a:p>
+                  </a:txBody>
+                  <a:tcPr marL="43692" marR="43692" marT="0" marB="0"/>
+                </a:tc>
+                <a:tc>
+                  <a:txBody>
+                    <a:bodyPr/>
+                    <a:lstStyle/>
+                    <a:p>
+                      <a:pPr marL="0" marR="0" algn="ctr">
+                        <a:lnSpc>
+                          <a:spcPct val="150000"/>
+                        </a:lnSpc>
+                        <a:spcBef>
+                          <a:spcPts val="0"/>
+                        </a:spcBef>
+                        <a:spcAft>
+                          <a:spcPts val="0"/>
+                        </a:spcAft>
+                      </a:pPr>
+                      <a:r>
+                        <a:rPr lang="uk-UA" sz="900">
+                          <a:effectLst/>
+                        </a:rPr>
+                        <a:t>Не вказано</a:t>
+                      </a:r>
+                      <a:endParaRPr lang="en-US" sz="900">
+                        <a:effectLst/>
+                        <a:latin typeface="Times New Roman" panose="02020603050405020304" pitchFamily="18" charset="0"/>
+                        <a:ea typeface="Calibri" panose="020F0502020204030204" pitchFamily="34" charset="0"/>
+                        <a:cs typeface="Times New Roman" panose="02020603050405020304" pitchFamily="18" charset="0"/>
+                      </a:endParaRPr>
+                    </a:p>
+                  </a:txBody>
+                  <a:tcPr marL="43692" marR="43692" marT="0" marB="0"/>
+                </a:tc>
+                <a:tc>
+                  <a:txBody>
+                    <a:bodyPr/>
+                    <a:lstStyle/>
+                    <a:p>
+                      <a:pPr marL="0" marR="0" algn="ctr">
+                        <a:lnSpc>
+                          <a:spcPct val="150000"/>
+                        </a:lnSpc>
+                        <a:spcBef>
+                          <a:spcPts val="0"/>
+                        </a:spcBef>
+                        <a:spcAft>
+                          <a:spcPts val="0"/>
+                        </a:spcAft>
+                      </a:pPr>
+                      <a:r>
+                        <a:rPr lang="uk-UA" sz="900" dirty="0">
+                          <a:effectLst/>
+                        </a:rPr>
+                        <a:t>Так</a:t>
+                      </a:r>
+                      <a:endParaRPr lang="en-US" sz="900" dirty="0">
+                        <a:effectLst/>
+                        <a:latin typeface="Times New Roman" panose="02020603050405020304" pitchFamily="18" charset="0"/>
+                        <a:ea typeface="Calibri" panose="020F0502020204030204" pitchFamily="34" charset="0"/>
+                        <a:cs typeface="Times New Roman" panose="02020603050405020304" pitchFamily="18" charset="0"/>
+                      </a:endParaRPr>
+                    </a:p>
+                  </a:txBody>
+                  <a:tcPr marL="43692" marR="43692" marT="0" marB="0"/>
+                </a:tc>
+                <a:extLst>
+                  <a:ext uri="{0D108BD9-81ED-4DB2-BD59-A6C34878D82A}">
+                    <a16:rowId xmlns:a16="http://schemas.microsoft.com/office/drawing/2014/main" val="3222299438"/>
+                  </a:ext>
+                </a:extLst>
+              </a:tr>
+            </a:tbl>
+          </a:graphicData>
+        </a:graphic>
+      </p:graphicFrame>
+    </p:spTree>
+    <p:extLst>
+      <p:ext uri="{BB962C8B-B14F-4D97-AF65-F5344CB8AC3E}">
+        <p14:creationId xmlns:p14="http://schemas.microsoft.com/office/powerpoint/2010/main" val="3588248520"/>
+      </p:ext>
+    </p:extLst>
+  </p:cSld>
+  <p:clrMapOvr>
+    <a:masterClrMapping/>
+  </p:clrMapOvr>
+</p:sld>
+</file>
+
+<file path=ppt/slides/slide14.xml><?xml version="1.0" encoding="utf-8"?>
+<p:sld xmlns:a="http://schemas.openxmlformats.org/drawingml/2006/main" xmlns:r="http://schemas.openxmlformats.org/officeDocument/2006/relationships" xmlns:p="http://schemas.openxmlformats.org/presentationml/2006/main">
+  <p:cSld>
+    <p:spTree>
+      <p:nvGrpSpPr>
+        <p:cNvPr id="1" name="Shape 317"/>
+        <p:cNvGrpSpPr/>
+        <p:nvPr/>
+      </p:nvGrpSpPr>
+      <p:grpSpPr>
+        <a:xfrm>
+          <a:off x="0" y="0"/>
+          <a:ext cx="0" cy="0"/>
+          <a:chOff x="0" y="0"/>
+          <a:chExt cx="0" cy="0"/>
+        </a:xfrm>
+      </p:grpSpPr>
+      <p:sp>
+        <p:nvSpPr>
+          <p:cNvPr id="318" name="Shape 318"/>
+          <p:cNvSpPr txBox="1">
+            <a:spLocks noGrp="1"/>
+          </p:cNvSpPr>
+          <p:nvPr>
+            <p:ph type="title"/>
+          </p:nvPr>
+        </p:nvSpPr>
+        <p:spPr>
+          <a:xfrm>
+            <a:off x="1303800" y="333103"/>
+            <a:ext cx="7030500" cy="549741"/>
+          </a:xfrm>
+          <a:prstGeom prst="rect">
+            <a:avLst/>
+          </a:prstGeom>
+        </p:spPr>
+        <p:txBody>
+          <a:bodyPr wrap="square" lIns="91425" tIns="91425" rIns="91425" bIns="91425" anchor="t" anchorCtr="0">
+            <a:noAutofit/>
+          </a:bodyPr>
+          <a:lstStyle/>
+          <a:p>
+            <a:pPr marL="0" lvl="0" indent="0" algn="ctr">
+              <a:spcBef>
+                <a:spcPts val="0"/>
+              </a:spcBef>
+              <a:buNone/>
+            </a:pPr>
+            <a:r>
+              <a:rPr lang="uk-UA" sz="2800" dirty="0" smtClean="0"/>
+              <a:t>Висновки</a:t>
+            </a:r>
+            <a:endParaRPr lang="uk" sz="2800" dirty="0"/>
+          </a:p>
+        </p:txBody>
+      </p:sp>
+      <p:sp>
+        <p:nvSpPr>
+          <p:cNvPr id="320" name="Shape 320"/>
+          <p:cNvSpPr txBox="1">
+            <a:spLocks noGrp="1"/>
+          </p:cNvSpPr>
+          <p:nvPr>
+            <p:ph type="sldNum" idx="12"/>
+          </p:nvPr>
+        </p:nvSpPr>
+        <p:spPr>
+          <a:prstGeom prst="rect">
+            <a:avLst/>
+          </a:prstGeom>
+        </p:spPr>
+        <p:txBody>
+          <a:bodyPr wrap="square" lIns="91425" tIns="91425" rIns="91425" bIns="91425" anchor="ctr" anchorCtr="0">
+            <a:noAutofit/>
+          </a:bodyPr>
+          <a:lstStyle/>
+          <a:p>
+            <a:pPr marL="0" lvl="0" indent="0">
+              <a:spcBef>
+                <a:spcPts val="0"/>
+              </a:spcBef>
+              <a:buNone/>
+            </a:pPr>
+            <a:fld id="{00000000-1234-1234-1234-123412341234}" type="slidenum">
+              <a:rPr lang="uk"/>
+              <a:t>14</a:t>
+            </a:fld>
+            <a:endParaRPr lang="uk"/>
+          </a:p>
+        </p:txBody>
+      </p:sp>
+      <p:sp>
+        <p:nvSpPr>
+          <p:cNvPr id="4" name="Shape 305"/>
+          <p:cNvSpPr txBox="1"/>
+          <p:nvPr/>
+        </p:nvSpPr>
+        <p:spPr>
+          <a:xfrm>
+            <a:off x="1160206" y="882844"/>
+            <a:ext cx="7290840" cy="3854132"/>
+          </a:xfrm>
+          <a:prstGeom prst="rect">
+            <a:avLst/>
+          </a:prstGeom>
+          <a:noFill/>
+          <a:ln>
+            <a:noFill/>
+          </a:ln>
+        </p:spPr>
+        <p:txBody>
+          <a:bodyPr wrap="square" lIns="91425" tIns="91425" rIns="91425" bIns="91425" anchor="t" anchorCtr="0">
+            <a:noAutofit/>
+          </a:bodyPr>
+          <a:lstStyle/>
+          <a:p>
+            <a:pPr marL="114300" lvl="0" algn="just">
+              <a:lnSpc>
+                <a:spcPct val="150000"/>
+              </a:lnSpc>
+              <a:buClr>
+                <a:srgbClr val="000000"/>
+              </a:buClr>
+              <a:buSzPts val="1800"/>
+            </a:pPr>
+            <a:r>
+              <a:rPr lang="uk" dirty="0" smtClean="0">
+                <a:highlight>
+                  <a:srgbClr val="FFFFFF"/>
+                </a:highlight>
+                <a:latin typeface="Times New Roman"/>
+                <a:ea typeface="Times New Roman"/>
+                <a:cs typeface="Times New Roman"/>
+                <a:sym typeface="Times New Roman"/>
+              </a:rPr>
+              <a:t>	Після проведених досліджень можна сказати що модифікація №1 є найкращою так як вдалось збільшити швидкість роботи алгоритму на 11%. Варіан</a:t>
+            </a:r>
+            <a:r>
+              <a:rPr lang="uk" dirty="0">
+                <a:highlight>
+                  <a:srgbClr val="FFFFFF"/>
+                </a:highlight>
+                <a:latin typeface="Times New Roman"/>
+                <a:ea typeface="Times New Roman"/>
+                <a:cs typeface="Times New Roman"/>
+                <a:sym typeface="Times New Roman"/>
+              </a:rPr>
+              <a:t>т модифікації №2 </a:t>
+            </a:r>
+            <a:r>
+              <a:rPr lang="uk-UA" dirty="0">
+                <a:highlight>
+                  <a:srgbClr val="FFFFFF"/>
+                </a:highlight>
+                <a:latin typeface="Times New Roman"/>
+                <a:ea typeface="Times New Roman"/>
+                <a:cs typeface="Times New Roman"/>
+              </a:rPr>
+              <a:t>не вдалось реалізувати як було описано в теорії, </a:t>
+            </a:r>
+            <a:r>
+              <a:rPr lang="uk-UA" dirty="0" smtClean="0">
+                <a:highlight>
+                  <a:srgbClr val="FFFFFF"/>
+                </a:highlight>
+                <a:latin typeface="Times New Roman"/>
+                <a:ea typeface="Times New Roman"/>
+                <a:cs typeface="Times New Roman"/>
+              </a:rPr>
+              <a:t>проте із дослідження видно що для деяких вибірок покращується точність роботи алгоритму. Накращими </a:t>
+            </a:r>
+            <a:r>
+              <a:rPr lang="uk-UA" dirty="0">
+                <a:highlight>
+                  <a:srgbClr val="FFFFFF"/>
+                </a:highlight>
+                <a:latin typeface="Times New Roman"/>
+                <a:ea typeface="Times New Roman"/>
+                <a:cs typeface="Times New Roman"/>
+              </a:rPr>
+              <a:t>коєфіцієнтами є: достовірність 0,5 , підтримки 0,4. Було </a:t>
+            </a:r>
+            <a:r>
+              <a:rPr lang="uk-UA" dirty="0" smtClean="0">
+                <a:highlight>
+                  <a:srgbClr val="FFFFFF"/>
+                </a:highlight>
+                <a:latin typeface="Times New Roman"/>
+                <a:ea typeface="Times New Roman"/>
+                <a:cs typeface="Times New Roman"/>
+              </a:rPr>
+              <a:t>опубліковано матеріали </a:t>
+            </a:r>
+            <a:r>
+              <a:rPr lang="uk-UA" dirty="0">
+                <a:highlight>
+                  <a:srgbClr val="FFFFFF"/>
+                </a:highlight>
+                <a:latin typeface="Times New Roman"/>
+                <a:ea typeface="Times New Roman"/>
+                <a:cs typeface="Times New Roman"/>
+              </a:rPr>
+              <a:t>доповіді на Міжнародній науковій інтернет-конференції </a:t>
+            </a:r>
+            <a:r>
+              <a:rPr lang="uk-UA" dirty="0" smtClean="0">
+                <a:highlight>
+                  <a:srgbClr val="FFFFFF"/>
+                </a:highlight>
+                <a:latin typeface="Times New Roman"/>
+                <a:ea typeface="Times New Roman"/>
+                <a:cs typeface="Times New Roman"/>
+              </a:rPr>
+              <a:t>“нформаційне </a:t>
+            </a:r>
+            <a:r>
+              <a:rPr lang="uk-UA" dirty="0">
+                <a:highlight>
+                  <a:srgbClr val="FFFFFF"/>
+                </a:highlight>
+                <a:latin typeface="Times New Roman"/>
+                <a:ea typeface="Times New Roman"/>
+                <a:cs typeface="Times New Roman"/>
+              </a:rPr>
+              <a:t>суспільство: технологічні, економічні та технічні аспекти </a:t>
+            </a:r>
+            <a:r>
+              <a:rPr lang="uk-UA" dirty="0" smtClean="0">
+                <a:highlight>
+                  <a:srgbClr val="FFFFFF"/>
+                </a:highlight>
+                <a:latin typeface="Times New Roman"/>
+                <a:ea typeface="Times New Roman"/>
+                <a:cs typeface="Times New Roman"/>
+              </a:rPr>
+              <a:t>становлення</a:t>
+            </a:r>
+            <a:r>
+              <a:rPr lang="en-US" dirty="0" smtClean="0">
+                <a:highlight>
+                  <a:srgbClr val="FFFFFF"/>
+                </a:highlight>
+                <a:latin typeface="Times New Roman"/>
+                <a:ea typeface="Times New Roman"/>
+                <a:cs typeface="Times New Roman"/>
+              </a:rPr>
+              <a:t>” </a:t>
+            </a:r>
+            <a:r>
+              <a:rPr lang="uk-UA" dirty="0" smtClean="0">
+                <a:highlight>
+                  <a:srgbClr val="FFFFFF"/>
+                </a:highlight>
+                <a:latin typeface="Times New Roman"/>
+                <a:ea typeface="Times New Roman"/>
+                <a:cs typeface="Times New Roman"/>
+              </a:rPr>
+              <a:t>(випуск 33)</a:t>
+            </a:r>
+            <a:endParaRPr dirty="0"/>
+          </a:p>
+        </p:txBody>
+      </p:sp>
+    </p:spTree>
+    <p:extLst>
+      <p:ext uri="{BB962C8B-B14F-4D97-AF65-F5344CB8AC3E}">
+        <p14:creationId xmlns:p14="http://schemas.microsoft.com/office/powerpoint/2010/main" val="1364606103"/>
+      </p:ext>
+    </p:extLst>
+  </p:cSld>
+  <p:clrMapOvr>
+    <a:masterClrMapping/>
+  </p:clrMapOvr>
+</p:sld>
+</file>
+
+<file path=ppt/slides/slide15.xml><?xml version="1.0" encoding="utf-8"?>
 <p:sld xmlns:a="http://schemas.openxmlformats.org/drawingml/2006/main" xmlns:r="http://schemas.openxmlformats.org/officeDocument/2006/relationships" xmlns:p="http://schemas.openxmlformats.org/presentationml/2006/main">
   <p:cSld>
     <p:spTree>
@@ -13575,7 +17431,7 @@
             </a:pPr>
             <a:fld id="{00000000-1234-1234-1234-123412341234}" type="slidenum">
               <a:rPr lang="uk"/>
-              <a:t>12</a:t>
+              <a:t>15</a:t>
             </a:fld>
             <a:endParaRPr lang="uk"/>
           </a:p>
@@ -13589,8 +17445,8 @@
         </p:nvSpPr>
         <p:spPr>
           <a:xfrm>
-            <a:off x="3177530" y="2220476"/>
-            <a:ext cx="3509700" cy="633000"/>
+            <a:off x="3580652" y="2230308"/>
+            <a:ext cx="2210548" cy="633000"/>
           </a:xfrm>
           <a:prstGeom prst="rect">
             <a:avLst/>
@@ -13685,7 +17541,7 @@
         </p:nvSpPr>
         <p:spPr>
           <a:xfrm>
-            <a:off x="1303800" y="598575"/>
+            <a:off x="1254638" y="116794"/>
             <a:ext cx="7030500" cy="528476"/>
           </a:xfrm>
           <a:prstGeom prst="rect">
@@ -13710,11 +17566,7 @@
             </a:r>
             <a:r>
               <a:rPr lang="uk" sz="2800" dirty="0" smtClean="0"/>
-              <a:t>роботи</a:t>
-            </a:r>
-            <a:r>
-              <a:rPr lang="en-US" sz="2800" dirty="0" smtClean="0"/>
-              <a:t>(1)</a:t>
+              <a:t>роботи(1)</a:t>
             </a:r>
             <a:endParaRPr lang="uk" sz="2800" dirty="0"/>
           </a:p>
@@ -13755,144 +17607,36 @@
           </a:p>
         </p:txBody>
       </p:sp>
-      <p:sp>
-        <p:nvSpPr>
-          <p:cNvPr id="305" name="Shape 305"/>
-          <p:cNvSpPr txBox="1"/>
+      <p:pic>
+        <p:nvPicPr>
+          <p:cNvPr id="2" name="Picture 1"/>
+          <p:cNvPicPr>
+            <a:picLocks noChangeAspect="1"/>
+          </p:cNvPicPr>
           <p:nvPr/>
-        </p:nvSpPr>
+        </p:nvPicPr>
+        <p:blipFill>
+          <a:blip r:embed="rId3">
+            <a:extLst>
+              <a:ext uri="{28A0092B-C50C-407E-A947-70E740481C1C}">
+                <a14:useLocalDpi xmlns:a14="http://schemas.microsoft.com/office/drawing/2010/main" val="0"/>
+              </a:ext>
+            </a:extLst>
+          </a:blip>
+          <a:stretch>
+            <a:fillRect/>
+          </a:stretch>
+        </p:blipFill>
         <p:spPr>
           <a:xfrm>
-            <a:off x="1071716" y="1720646"/>
-            <a:ext cx="6813755" cy="2054942"/>
+            <a:off x="539694" y="796414"/>
+            <a:ext cx="8093029" cy="4080582"/>
           </a:xfrm>
           <a:prstGeom prst="rect">
             <a:avLst/>
           </a:prstGeom>
-          <a:noFill/>
-          <a:ln>
-            <a:noFill/>
-          </a:ln>
         </p:spPr>
-        <p:txBody>
-          <a:bodyPr wrap="square" lIns="91425" tIns="91425" rIns="91425" bIns="91425" anchor="t" anchorCtr="0">
-            <a:noAutofit/>
-          </a:bodyPr>
-          <a:lstStyle/>
-          <a:p>
-            <a:pPr marL="457200" lvl="0" indent="-342900">
-              <a:lnSpc>
-                <a:spcPct val="150000"/>
-              </a:lnSpc>
-              <a:buClr>
-                <a:srgbClr val="000000"/>
-              </a:buClr>
-              <a:buSzPts val="1800"/>
-              <a:buFont typeface="Times New Roman"/>
-              <a:buChar char="●"/>
-            </a:pPr>
-            <a:r>
-              <a:rPr lang="uk-UA" sz="1800" dirty="0" smtClean="0">
-                <a:latin typeface="Times New Roman"/>
-                <a:ea typeface="Times New Roman"/>
-                <a:cs typeface="Times New Roman"/>
-                <a:sym typeface="Times New Roman"/>
-              </a:rPr>
-              <a:t>Величезне нагромадження інформації.</a:t>
-            </a:r>
-            <a:endParaRPr lang="uk" sz="1800" dirty="0">
-              <a:latin typeface="Times New Roman"/>
-              <a:ea typeface="Times New Roman"/>
-              <a:cs typeface="Times New Roman"/>
-              <a:sym typeface="Times New Roman"/>
-            </a:endParaRPr>
-          </a:p>
-          <a:p>
-            <a:pPr marL="457200" lvl="0" indent="-342900" algn="just">
-              <a:lnSpc>
-                <a:spcPct val="150000"/>
-              </a:lnSpc>
-              <a:buClr>
-                <a:srgbClr val="000000"/>
-              </a:buClr>
-              <a:buSzPts val="1800"/>
-              <a:buFont typeface="Times New Roman"/>
-              <a:buChar char="●"/>
-            </a:pPr>
-            <a:r>
-              <a:rPr lang="uk-UA" sz="1800" dirty="0" smtClean="0">
-                <a:latin typeface="Times New Roman"/>
-                <a:ea typeface="Times New Roman"/>
-                <a:cs typeface="Times New Roman"/>
-                <a:sym typeface="Times New Roman"/>
-              </a:rPr>
-              <a:t>Обробка великих даних.</a:t>
-            </a:r>
-            <a:endParaRPr lang="uk" sz="1800" dirty="0">
-              <a:latin typeface="Times New Roman"/>
-              <a:ea typeface="Times New Roman"/>
-              <a:cs typeface="Times New Roman"/>
-              <a:sym typeface="Times New Roman"/>
-            </a:endParaRPr>
-          </a:p>
-          <a:p>
-            <a:pPr marL="114300" lvl="0" algn="just">
-              <a:lnSpc>
-                <a:spcPct val="150000"/>
-              </a:lnSpc>
-              <a:buClr>
-                <a:srgbClr val="000000"/>
-              </a:buClr>
-              <a:buSzPts val="1800"/>
-            </a:pPr>
-            <a:endParaRPr lang="uk" sz="1800" dirty="0">
-              <a:highlight>
-                <a:srgbClr val="FFFFFF"/>
-              </a:highlight>
-              <a:latin typeface="Times New Roman"/>
-              <a:ea typeface="Times New Roman"/>
-              <a:cs typeface="Times New Roman"/>
-              <a:sym typeface="Times New Roman"/>
-            </a:endParaRPr>
-          </a:p>
-          <a:p>
-            <a:pPr lvl="0" algn="just" rtl="0">
-              <a:lnSpc>
-                <a:spcPct val="107000"/>
-              </a:lnSpc>
-              <a:spcBef>
-                <a:spcPts val="0"/>
-              </a:spcBef>
-              <a:spcAft>
-                <a:spcPts val="800"/>
-              </a:spcAft>
-            </a:pPr>
-            <a:endParaRPr sz="1800" dirty="0">
-              <a:highlight>
-                <a:srgbClr val="FFFFFF"/>
-              </a:highlight>
-              <a:latin typeface="Times New Roman"/>
-              <a:ea typeface="Times New Roman"/>
-              <a:cs typeface="Times New Roman"/>
-              <a:sym typeface="Times New Roman"/>
-            </a:endParaRPr>
-          </a:p>
-          <a:p>
-            <a:pPr lvl="0" algn="just" rtl="0">
-              <a:lnSpc>
-                <a:spcPct val="107000"/>
-              </a:lnSpc>
-              <a:spcBef>
-                <a:spcPts val="0"/>
-              </a:spcBef>
-              <a:spcAft>
-                <a:spcPts val="800"/>
-              </a:spcAft>
-            </a:pPr>
-            <a:endParaRPr dirty="0"/>
-          </a:p>
-        </p:txBody>
-      </p:sp>
+      </p:pic>
     </p:spTree>
   </p:cSld>
   <p:clrMapOvr>
@@ -13931,7 +17675,7 @@
         <p:spPr>
           <a:xfrm>
             <a:off x="1303800" y="598575"/>
-            <a:ext cx="7030500" cy="602904"/>
+            <a:ext cx="7030500" cy="528476"/>
           </a:xfrm>
           <a:prstGeom prst="rect">
             <a:avLst/>
@@ -13955,19 +17699,7 @@
             </a:r>
             <a:r>
               <a:rPr lang="uk" sz="2800" dirty="0" smtClean="0"/>
-              <a:t>роботи</a:t>
-            </a:r>
-            <a:r>
-              <a:rPr lang="en-US" sz="2800" dirty="0" smtClean="0"/>
-              <a:t>(</a:t>
-            </a:r>
-            <a:r>
-              <a:rPr lang="uk-UA" sz="2800" dirty="0" smtClean="0"/>
-              <a:t>2</a:t>
-            </a:r>
-            <a:r>
-              <a:rPr lang="en-US" sz="2800" dirty="0" smtClean="0"/>
-              <a:t>)</a:t>
+              <a:t>роботи(2)</a:t>
             </a:r>
             <a:endParaRPr lang="uk" sz="2800" dirty="0"/>
           </a:p>
@@ -14149,7 +17881,7 @@
     </p:spTree>
     <p:extLst>
       <p:ext uri="{BB962C8B-B14F-4D97-AF65-F5344CB8AC3E}">
-        <p14:creationId xmlns:p14="http://schemas.microsoft.com/office/powerpoint/2010/main" val="2993658736"/>
+        <p14:creationId xmlns:p14="http://schemas.microsoft.com/office/powerpoint/2010/main" val="2425540653"/>
       </p:ext>
     </p:extLst>
   </p:cSld>
@@ -15137,403 +18869,6 @@
         </p:nvSpPr>
         <p:spPr>
           <a:xfrm>
-            <a:off x="1303800" y="598575"/>
-            <a:ext cx="7030500" cy="539109"/>
-          </a:xfrm>
-          <a:prstGeom prst="rect">
-            <a:avLst/>
-          </a:prstGeom>
-        </p:spPr>
-        <p:txBody>
-          <a:bodyPr wrap="square" lIns="91425" tIns="91425" rIns="91425" bIns="91425" anchor="t" anchorCtr="0">
-            <a:noAutofit/>
-          </a:bodyPr>
-          <a:lstStyle/>
-          <a:p>
-            <a:pPr marL="0" lvl="0" indent="0" algn="ctr">
-              <a:spcBef>
-                <a:spcPts val="0"/>
-              </a:spcBef>
-              <a:buNone/>
-            </a:pPr>
-            <a:r>
-              <a:rPr lang="uk" sz="2800" dirty="0" smtClean="0"/>
-              <a:t>Запропоновані </a:t>
-            </a:r>
-            <a:r>
-              <a:rPr lang="uk" sz="2800" dirty="0" smtClean="0"/>
-              <a:t>модифікації</a:t>
-            </a:r>
-            <a:r>
-              <a:rPr lang="en-US" sz="2800" dirty="0" smtClean="0"/>
-              <a:t>(1)</a:t>
-            </a:r>
-            <a:endParaRPr lang="uk" sz="2800" dirty="0"/>
-          </a:p>
-        </p:txBody>
-      </p:sp>
-      <p:sp>
-        <p:nvSpPr>
-          <p:cNvPr id="319" name="Shape 319"/>
-          <p:cNvSpPr txBox="1">
-            <a:spLocks noGrp="1"/>
-          </p:cNvSpPr>
-          <p:nvPr>
-            <p:ph type="body" idx="1"/>
-          </p:nvPr>
-        </p:nvSpPr>
-        <p:spPr>
-          <a:xfrm>
-            <a:off x="1189725" y="1647850"/>
-            <a:ext cx="7030500" cy="2541600"/>
-          </a:xfrm>
-          <a:prstGeom prst="rect">
-            <a:avLst/>
-          </a:prstGeom>
-        </p:spPr>
-        <p:txBody>
-          <a:bodyPr wrap="square" lIns="91425" tIns="91425" rIns="91425" bIns="91425" anchor="t" anchorCtr="0">
-            <a:noAutofit/>
-          </a:bodyPr>
-          <a:lstStyle/>
-          <a:p>
-            <a:pPr lvl="0">
-              <a:buNone/>
-            </a:pPr>
-            <a:r>
-              <a:rPr lang="uk-UA" dirty="0"/>
-              <a:t>Розбиття множини всіх можливих транспортних пригод </a:t>
-            </a:r>
-            <a:r>
-              <a:rPr lang="uk-UA" i="1" dirty="0"/>
-              <a:t>I = {I</a:t>
-            </a:r>
-            <a:r>
-              <a:rPr lang="en-US" i="1" baseline="-25000" dirty="0"/>
-              <a:t>s</a:t>
-            </a:r>
-            <a:r>
-              <a:rPr lang="uk-UA" i="1" dirty="0"/>
-              <a:t>, I</a:t>
-            </a:r>
-            <a:r>
-              <a:rPr lang="en-US" i="1" baseline="-25000" dirty="0"/>
-              <a:t>d</a:t>
-            </a:r>
-            <a:r>
-              <a:rPr lang="uk-UA" dirty="0"/>
-              <a:t>} на дві </a:t>
-            </a:r>
-            <a:r>
-              <a:rPr lang="uk-UA" dirty="0" smtClean="0"/>
-              <a:t>підмножини</a:t>
-            </a:r>
-            <a:r>
-              <a:rPr lang="en-US" dirty="0" smtClean="0"/>
-              <a:t>:</a:t>
-            </a:r>
-            <a:endParaRPr lang="en-US" dirty="0"/>
-          </a:p>
-          <a:p>
-            <a:pPr marL="285750" indent="-285750"/>
-            <a:r>
-              <a:rPr lang="en-US" i="1" dirty="0"/>
-              <a:t>I</a:t>
-            </a:r>
-            <a:r>
-              <a:rPr lang="en-US" i="1" baseline="-25000" dirty="0"/>
-              <a:t>s</a:t>
-            </a:r>
-            <a:r>
-              <a:rPr lang="uk-UA" dirty="0"/>
-              <a:t> – множина характеристик, дані якої для нашого випадку є абсурдними або загальновідомими фактами (стан алкогольного сп’яніння, технічний стан автомобіля, вік водія, вік авто тощо).</a:t>
-            </a:r>
-            <a:endParaRPr lang="en-US" dirty="0"/>
-          </a:p>
-          <a:p>
-            <a:pPr marL="285750" indent="-285750"/>
-            <a:r>
-              <a:rPr lang="en-US" i="1" dirty="0"/>
-              <a:t>I</a:t>
-            </a:r>
-            <a:r>
-              <a:rPr lang="en-US" i="1" baseline="-25000" dirty="0"/>
-              <a:t>d</a:t>
-            </a:r>
-            <a:r>
-              <a:rPr lang="en-US" i="1" dirty="0"/>
-              <a:t> </a:t>
-            </a:r>
-            <a:r>
-              <a:rPr lang="uk-UA" dirty="0"/>
-              <a:t>– множина характеристик, дані якої для нашого випадку будуть цікавими (місце проживання – село/місто, освіта, колір машини, кількість пасажирів, порядок власника авто тощо).</a:t>
-            </a:r>
-            <a:endParaRPr lang="en-US" dirty="0"/>
-          </a:p>
-          <a:p>
-            <a:pPr marL="114300" lvl="0" rtl="0">
-              <a:lnSpc>
-                <a:spcPct val="150000"/>
-              </a:lnSpc>
-              <a:spcBef>
-                <a:spcPts val="0"/>
-              </a:spcBef>
-              <a:spcAft>
-                <a:spcPts val="0"/>
-              </a:spcAft>
-              <a:buSzPts val="1800"/>
-              <a:buNone/>
-            </a:pPr>
-            <a:endParaRPr lang="uk" sz="1800" dirty="0">
-              <a:latin typeface="Times New Roman"/>
-              <a:ea typeface="Times New Roman"/>
-              <a:cs typeface="Times New Roman"/>
-              <a:sym typeface="Times New Roman"/>
-            </a:endParaRPr>
-          </a:p>
-        </p:txBody>
-      </p:sp>
-      <p:sp>
-        <p:nvSpPr>
-          <p:cNvPr id="320" name="Shape 320"/>
-          <p:cNvSpPr txBox="1">
-            <a:spLocks noGrp="1"/>
-          </p:cNvSpPr>
-          <p:nvPr>
-            <p:ph type="sldNum" idx="12"/>
-          </p:nvPr>
-        </p:nvSpPr>
-        <p:spPr>
-          <a:prstGeom prst="rect">
-            <a:avLst/>
-          </a:prstGeom>
-        </p:spPr>
-        <p:txBody>
-          <a:bodyPr wrap="square" lIns="91425" tIns="91425" rIns="91425" bIns="91425" anchor="ctr" anchorCtr="0">
-            <a:noAutofit/>
-          </a:bodyPr>
-          <a:lstStyle/>
-          <a:p>
-            <a:pPr marL="0" lvl="0" indent="0">
-              <a:spcBef>
-                <a:spcPts val="0"/>
-              </a:spcBef>
-              <a:buNone/>
-            </a:pPr>
-            <a:fld id="{00000000-1234-1234-1234-123412341234}" type="slidenum">
-              <a:rPr lang="uk"/>
-              <a:t>6</a:t>
-            </a:fld>
-            <a:endParaRPr lang="uk"/>
-          </a:p>
-        </p:txBody>
-      </p:sp>
-    </p:spTree>
-    <p:extLst>
-      <p:ext uri="{BB962C8B-B14F-4D97-AF65-F5344CB8AC3E}">
-        <p14:creationId xmlns:p14="http://schemas.microsoft.com/office/powerpoint/2010/main" val="1868316812"/>
-      </p:ext>
-    </p:extLst>
-  </p:cSld>
-  <p:clrMapOvr>
-    <a:masterClrMapping/>
-  </p:clrMapOvr>
-</p:sld>
-</file>
-
-<file path=ppt/slides/slide7.xml><?xml version="1.0" encoding="utf-8"?>
-<p:sld xmlns:a="http://schemas.openxmlformats.org/drawingml/2006/main" xmlns:r="http://schemas.openxmlformats.org/officeDocument/2006/relationships" xmlns:p="http://schemas.openxmlformats.org/presentationml/2006/main">
-  <p:cSld>
-    <p:spTree>
-      <p:nvGrpSpPr>
-        <p:cNvPr id="1" name="Shape 317"/>
-        <p:cNvGrpSpPr/>
-        <p:nvPr/>
-      </p:nvGrpSpPr>
-      <p:grpSpPr>
-        <a:xfrm>
-          <a:off x="0" y="0"/>
-          <a:ext cx="0" cy="0"/>
-          <a:chOff x="0" y="0"/>
-          <a:chExt cx="0" cy="0"/>
-        </a:xfrm>
-      </p:grpSpPr>
-      <p:sp>
-        <p:nvSpPr>
-          <p:cNvPr id="318" name="Shape 318"/>
-          <p:cNvSpPr txBox="1">
-            <a:spLocks noGrp="1"/>
-          </p:cNvSpPr>
-          <p:nvPr>
-            <p:ph type="title"/>
-          </p:nvPr>
-        </p:nvSpPr>
-        <p:spPr>
-          <a:xfrm>
-            <a:off x="1303800" y="598575"/>
-            <a:ext cx="7030500" cy="549741"/>
-          </a:xfrm>
-          <a:prstGeom prst="rect">
-            <a:avLst/>
-          </a:prstGeom>
-        </p:spPr>
-        <p:txBody>
-          <a:bodyPr wrap="square" lIns="91425" tIns="91425" rIns="91425" bIns="91425" anchor="t" anchorCtr="0">
-            <a:noAutofit/>
-          </a:bodyPr>
-          <a:lstStyle/>
-          <a:p>
-            <a:pPr marL="0" lvl="0" indent="0" algn="ctr">
-              <a:spcBef>
-                <a:spcPts val="0"/>
-              </a:spcBef>
-              <a:buNone/>
-            </a:pPr>
-            <a:r>
-              <a:rPr lang="uk" sz="2800" dirty="0" smtClean="0"/>
-              <a:t>Запропоновані </a:t>
-            </a:r>
-            <a:r>
-              <a:rPr lang="uk" sz="2800" dirty="0" smtClean="0"/>
-              <a:t>модифікації</a:t>
-            </a:r>
-            <a:r>
-              <a:rPr lang="en-US" sz="2800" dirty="0" smtClean="0"/>
-              <a:t>(2)</a:t>
-            </a:r>
-            <a:endParaRPr lang="uk" sz="2800" dirty="0"/>
-          </a:p>
-        </p:txBody>
-      </p:sp>
-      <p:sp>
-        <p:nvSpPr>
-          <p:cNvPr id="319" name="Shape 319"/>
-          <p:cNvSpPr txBox="1">
-            <a:spLocks noGrp="1"/>
-          </p:cNvSpPr>
-          <p:nvPr>
-            <p:ph type="body" idx="1"/>
-          </p:nvPr>
-        </p:nvSpPr>
-        <p:spPr>
-          <a:xfrm>
-            <a:off x="1189725" y="1647850"/>
-            <a:ext cx="7030500" cy="2052280"/>
-          </a:xfrm>
-          <a:prstGeom prst="rect">
-            <a:avLst/>
-          </a:prstGeom>
-        </p:spPr>
-        <p:txBody>
-          <a:bodyPr wrap="square" lIns="91425" tIns="91425" rIns="91425" bIns="91425" anchor="t" anchorCtr="0">
-            <a:noAutofit/>
-          </a:bodyPr>
-          <a:lstStyle/>
-          <a:p>
-            <a:pPr lvl="0">
-              <a:buNone/>
-            </a:pPr>
-            <a:r>
-              <a:rPr lang="uk-UA" dirty="0" smtClean="0"/>
-              <a:t>	Додати </a:t>
-            </a:r>
-            <a:r>
-              <a:rPr lang="uk-UA" dirty="0"/>
-              <a:t>ще одну характеристику асоціативних правил Ліфт</a:t>
-            </a:r>
-            <a:r>
-              <a:rPr lang="en-US" dirty="0" smtClean="0"/>
-              <a:t>,</a:t>
-            </a:r>
-            <a:r>
-              <a:rPr lang="uk-UA" dirty="0" smtClean="0"/>
-              <a:t> та </a:t>
-            </a:r>
-            <a:r>
-              <a:rPr lang="uk-UA" dirty="0"/>
-              <a:t>обраховувати Ліфт на кожному кроці алгоритму в такому випадку можна здійснити більше відсікання абсурдних або випадкових правил, отже швидкість алгоритму повинна зрости адже не потрібно здійснювати наступні кроки по вже відкинутих правилах.</a:t>
-            </a:r>
-            <a:endParaRPr lang="en-US" dirty="0" smtClean="0"/>
-          </a:p>
-        </p:txBody>
-      </p:sp>
-      <p:sp>
-        <p:nvSpPr>
-          <p:cNvPr id="320" name="Shape 320"/>
-          <p:cNvSpPr txBox="1">
-            <a:spLocks noGrp="1"/>
-          </p:cNvSpPr>
-          <p:nvPr>
-            <p:ph type="sldNum" idx="12"/>
-          </p:nvPr>
-        </p:nvSpPr>
-        <p:spPr>
-          <a:prstGeom prst="rect">
-            <a:avLst/>
-          </a:prstGeom>
-        </p:spPr>
-        <p:txBody>
-          <a:bodyPr wrap="square" lIns="91425" tIns="91425" rIns="91425" bIns="91425" anchor="ctr" anchorCtr="0">
-            <a:noAutofit/>
-          </a:bodyPr>
-          <a:lstStyle/>
-          <a:p>
-            <a:pPr marL="0" lvl="0" indent="0">
-              <a:spcBef>
-                <a:spcPts val="0"/>
-              </a:spcBef>
-              <a:buNone/>
-            </a:pPr>
-            <a:fld id="{00000000-1234-1234-1234-123412341234}" type="slidenum">
-              <a:rPr lang="uk"/>
-              <a:t>7</a:t>
-            </a:fld>
-            <a:endParaRPr lang="uk"/>
-          </a:p>
-        </p:txBody>
-      </p:sp>
-    </p:spTree>
-    <p:extLst>
-      <p:ext uri="{BB962C8B-B14F-4D97-AF65-F5344CB8AC3E}">
-        <p14:creationId xmlns:p14="http://schemas.microsoft.com/office/powerpoint/2010/main" val="301181759"/>
-      </p:ext>
-    </p:extLst>
-  </p:cSld>
-  <p:clrMapOvr>
-    <a:masterClrMapping/>
-  </p:clrMapOvr>
-</p:sld>
-</file>
-
-<file path=ppt/slides/slide8.xml><?xml version="1.0" encoding="utf-8"?>
-<p:sld xmlns:a="http://schemas.openxmlformats.org/drawingml/2006/main" xmlns:r="http://schemas.openxmlformats.org/officeDocument/2006/relationships" xmlns:p="http://schemas.openxmlformats.org/presentationml/2006/main">
-  <p:cSld>
-    <p:spTree>
-      <p:nvGrpSpPr>
-        <p:cNvPr id="1" name="Shape 317"/>
-        <p:cNvGrpSpPr/>
-        <p:nvPr/>
-      </p:nvGrpSpPr>
-      <p:grpSpPr>
-        <a:xfrm>
-          <a:off x="0" y="0"/>
-          <a:ext cx="0" cy="0"/>
-          <a:chOff x="0" y="0"/>
-          <a:chExt cx="0" cy="0"/>
-        </a:xfrm>
-      </p:grpSpPr>
-      <p:sp>
-        <p:nvSpPr>
-          <p:cNvPr id="318" name="Shape 318"/>
-          <p:cNvSpPr txBox="1">
-            <a:spLocks noGrp="1"/>
-          </p:cNvSpPr>
-          <p:nvPr>
-            <p:ph type="title"/>
-          </p:nvPr>
-        </p:nvSpPr>
-        <p:spPr>
-          <a:xfrm>
             <a:off x="1303800" y="0"/>
             <a:ext cx="7030500" cy="999300"/>
           </a:xfrm>
@@ -15555,7 +18890,11 @@
             </a:pPr>
             <a:r>
               <a:rPr lang="uk-UA" sz="2800" dirty="0" smtClean="0"/>
-              <a:t>Блок схема базового алгоритму</a:t>
+              <a:t>Блок схема алгоритму </a:t>
+            </a:r>
+            <a:r>
+              <a:rPr lang="en-US" sz="2800" dirty="0" err="1" smtClean="0"/>
+              <a:t>Apriori</a:t>
             </a:r>
             <a:endParaRPr lang="uk" sz="2800" dirty="0"/>
           </a:p>
@@ -15590,7 +18929,7 @@
             </a:pPr>
             <a:fld id="{00000000-1234-1234-1234-123412341234}" type="slidenum">
               <a:rPr lang="uk"/>
-              <a:t>8</a:t>
+              <a:t>6</a:t>
             </a:fld>
             <a:endParaRPr lang="uk"/>
           </a:p>
@@ -15643,6 +18982,539 @@
 </p:sld>
 </file>
 
+<file path=ppt/slides/slide7.xml><?xml version="1.0" encoding="utf-8"?>
+<p:sld xmlns:a="http://schemas.openxmlformats.org/drawingml/2006/main" xmlns:r="http://schemas.openxmlformats.org/officeDocument/2006/relationships" xmlns:p="http://schemas.openxmlformats.org/presentationml/2006/main">
+  <p:cSld>
+    <p:spTree>
+      <p:nvGrpSpPr>
+        <p:cNvPr id="1" name="Shape 317"/>
+        <p:cNvGrpSpPr/>
+        <p:nvPr/>
+      </p:nvGrpSpPr>
+      <p:grpSpPr>
+        <a:xfrm>
+          <a:off x="0" y="0"/>
+          <a:ext cx="0" cy="0"/>
+          <a:chOff x="0" y="0"/>
+          <a:chExt cx="0" cy="0"/>
+        </a:xfrm>
+      </p:grpSpPr>
+      <p:sp>
+        <p:nvSpPr>
+          <p:cNvPr id="318" name="Shape 318"/>
+          <p:cNvSpPr txBox="1">
+            <a:spLocks noGrp="1"/>
+          </p:cNvSpPr>
+          <p:nvPr>
+            <p:ph type="title"/>
+          </p:nvPr>
+        </p:nvSpPr>
+        <p:spPr>
+          <a:xfrm>
+            <a:off x="1303800" y="598575"/>
+            <a:ext cx="7030500" cy="539109"/>
+          </a:xfrm>
+          <a:prstGeom prst="rect">
+            <a:avLst/>
+          </a:prstGeom>
+        </p:spPr>
+        <p:txBody>
+          <a:bodyPr wrap="square" lIns="91425" tIns="91425" rIns="91425" bIns="91425" anchor="t" anchorCtr="0">
+            <a:noAutofit/>
+          </a:bodyPr>
+          <a:lstStyle/>
+          <a:p>
+            <a:pPr marL="0" lvl="0" indent="0" algn="ctr">
+              <a:spcBef>
+                <a:spcPts val="0"/>
+              </a:spcBef>
+              <a:buNone/>
+            </a:pPr>
+            <a:r>
+              <a:rPr lang="uk" sz="2800" dirty="0" smtClean="0"/>
+              <a:t>Запропоновані модифікації</a:t>
+            </a:r>
+            <a:r>
+              <a:rPr lang="en-US" sz="2800" dirty="0" smtClean="0"/>
+              <a:t>(1)</a:t>
+            </a:r>
+            <a:endParaRPr lang="uk" sz="2800" dirty="0"/>
+          </a:p>
+        </p:txBody>
+      </p:sp>
+      <p:sp>
+        <p:nvSpPr>
+          <p:cNvPr id="319" name="Shape 319"/>
+          <p:cNvSpPr txBox="1">
+            <a:spLocks noGrp="1"/>
+          </p:cNvSpPr>
+          <p:nvPr>
+            <p:ph type="body" idx="1"/>
+          </p:nvPr>
+        </p:nvSpPr>
+        <p:spPr>
+          <a:xfrm>
+            <a:off x="1061906" y="1215230"/>
+            <a:ext cx="7030500" cy="3521746"/>
+          </a:xfrm>
+          <a:prstGeom prst="rect">
+            <a:avLst/>
+          </a:prstGeom>
+        </p:spPr>
+        <p:txBody>
+          <a:bodyPr wrap="square" lIns="91425" tIns="91425" rIns="91425" bIns="91425" anchor="t" anchorCtr="0">
+            <a:noAutofit/>
+          </a:bodyPr>
+          <a:lstStyle/>
+          <a:p>
+            <a:pPr marL="114300" algn="just" defTabSz="914400">
+              <a:lnSpc>
+                <a:spcPct val="150000"/>
+              </a:lnSpc>
+              <a:buClr>
+                <a:srgbClr val="000000"/>
+              </a:buClr>
+              <a:buSzPts val="1800"/>
+              <a:buNone/>
+            </a:pPr>
+            <a:r>
+              <a:rPr lang="en-US" dirty="0" smtClean="0"/>
+              <a:t>	</a:t>
+            </a:r>
+            <a:r>
+              <a:rPr lang="uk-UA" sz="1800" dirty="0">
+                <a:highlight>
+                  <a:srgbClr val="FFFFFF"/>
+                </a:highlight>
+                <a:latin typeface="Times New Roman"/>
+                <a:ea typeface="Times New Roman"/>
+                <a:cs typeface="Times New Roman"/>
+              </a:rPr>
+              <a:t>Розбиття множини всіх можливих транспортних пригод I = {I</a:t>
+            </a:r>
+            <a:r>
+              <a:rPr lang="en-US" sz="1800" dirty="0">
+                <a:highlight>
+                  <a:srgbClr val="FFFFFF"/>
+                </a:highlight>
+                <a:latin typeface="Times New Roman"/>
+                <a:ea typeface="Times New Roman"/>
+                <a:cs typeface="Times New Roman"/>
+              </a:rPr>
+              <a:t>s</a:t>
+            </a:r>
+            <a:r>
+              <a:rPr lang="uk-UA" sz="1800" dirty="0">
+                <a:highlight>
+                  <a:srgbClr val="FFFFFF"/>
+                </a:highlight>
+                <a:latin typeface="Times New Roman"/>
+                <a:ea typeface="Times New Roman"/>
+                <a:cs typeface="Times New Roman"/>
+              </a:rPr>
+              <a:t>, I</a:t>
+            </a:r>
+            <a:r>
+              <a:rPr lang="en-US" sz="1800" dirty="0">
+                <a:highlight>
+                  <a:srgbClr val="FFFFFF"/>
+                </a:highlight>
+                <a:latin typeface="Times New Roman"/>
+                <a:ea typeface="Times New Roman"/>
+                <a:cs typeface="Times New Roman"/>
+              </a:rPr>
+              <a:t>d</a:t>
+            </a:r>
+            <a:r>
+              <a:rPr lang="uk-UA" sz="1800" dirty="0">
+                <a:highlight>
+                  <a:srgbClr val="FFFFFF"/>
+                </a:highlight>
+                <a:latin typeface="Times New Roman"/>
+                <a:ea typeface="Times New Roman"/>
+                <a:cs typeface="Times New Roman"/>
+              </a:rPr>
+              <a:t>} на дві підмножини</a:t>
+            </a:r>
+            <a:r>
+              <a:rPr lang="en-US" sz="1800" dirty="0">
+                <a:highlight>
+                  <a:srgbClr val="FFFFFF"/>
+                </a:highlight>
+                <a:latin typeface="Times New Roman"/>
+                <a:ea typeface="Times New Roman"/>
+                <a:cs typeface="Times New Roman"/>
+              </a:rPr>
+              <a:t>:</a:t>
+            </a:r>
+          </a:p>
+          <a:p>
+            <a:pPr marL="457200" indent="-342900" algn="just">
+              <a:lnSpc>
+                <a:spcPct val="150000"/>
+              </a:lnSpc>
+              <a:buClr>
+                <a:srgbClr val="000000"/>
+              </a:buClr>
+              <a:buSzPts val="1800"/>
+              <a:buFont typeface="Times New Roman"/>
+              <a:buChar char="●"/>
+            </a:pPr>
+            <a:r>
+              <a:rPr lang="en-US" sz="1800" dirty="0">
+                <a:solidFill>
+                  <a:srgbClr val="000000"/>
+                </a:solidFill>
+                <a:latin typeface="Times New Roman"/>
+                <a:ea typeface="Times New Roman"/>
+                <a:cs typeface="Times New Roman"/>
+              </a:rPr>
+              <a:t>Is</a:t>
+            </a:r>
+            <a:r>
+              <a:rPr lang="uk-UA" sz="1800" dirty="0">
+                <a:solidFill>
+                  <a:srgbClr val="000000"/>
+                </a:solidFill>
+                <a:latin typeface="Times New Roman"/>
+                <a:ea typeface="Times New Roman"/>
+                <a:cs typeface="Times New Roman"/>
+              </a:rPr>
+              <a:t> – множина характеристик, дані якої для нашого випадку є абсурдними або загальновідомими фактами (стан алкогольного сп’яніння, технічний стан автомобіля, вік водія, вік авто тощо).</a:t>
+            </a:r>
+            <a:endParaRPr lang="en-US" sz="1800" dirty="0">
+              <a:solidFill>
+                <a:srgbClr val="000000"/>
+              </a:solidFill>
+              <a:latin typeface="Times New Roman"/>
+              <a:ea typeface="Times New Roman"/>
+              <a:cs typeface="Times New Roman"/>
+            </a:endParaRPr>
+          </a:p>
+          <a:p>
+            <a:pPr marL="457200" indent="-342900" algn="just">
+              <a:lnSpc>
+                <a:spcPct val="150000"/>
+              </a:lnSpc>
+              <a:buClr>
+                <a:srgbClr val="000000"/>
+              </a:buClr>
+              <a:buSzPts val="1800"/>
+              <a:buFont typeface="Times New Roman"/>
+              <a:buChar char="●"/>
+            </a:pPr>
+            <a:r>
+              <a:rPr lang="en-US" sz="1800" dirty="0">
+                <a:solidFill>
+                  <a:srgbClr val="000000"/>
+                </a:solidFill>
+                <a:latin typeface="Times New Roman"/>
+                <a:ea typeface="Times New Roman"/>
+                <a:cs typeface="Times New Roman"/>
+              </a:rPr>
+              <a:t>Id </a:t>
+            </a:r>
+            <a:r>
+              <a:rPr lang="uk-UA" sz="1800" dirty="0">
+                <a:solidFill>
+                  <a:srgbClr val="000000"/>
+                </a:solidFill>
+                <a:latin typeface="Times New Roman"/>
+                <a:ea typeface="Times New Roman"/>
+                <a:cs typeface="Times New Roman"/>
+              </a:rPr>
+              <a:t>– множина характеристик, дані якої для нашого випадку будуть цікавими (місце проживання – село/місто, освіта, колір машини, кількість пасажирів, порядок власника авто тощо).</a:t>
+            </a:r>
+            <a:endParaRPr lang="en-US" sz="1800" dirty="0">
+              <a:solidFill>
+                <a:srgbClr val="000000"/>
+              </a:solidFill>
+              <a:latin typeface="Times New Roman"/>
+              <a:ea typeface="Times New Roman"/>
+              <a:cs typeface="Times New Roman"/>
+            </a:endParaRPr>
+          </a:p>
+          <a:p>
+            <a:pPr marL="114300" lvl="0" rtl="0">
+              <a:lnSpc>
+                <a:spcPct val="150000"/>
+              </a:lnSpc>
+              <a:spcBef>
+                <a:spcPts val="0"/>
+              </a:spcBef>
+              <a:spcAft>
+                <a:spcPts val="0"/>
+              </a:spcAft>
+              <a:buSzPts val="1800"/>
+              <a:buNone/>
+            </a:pPr>
+            <a:endParaRPr lang="uk" sz="1800" dirty="0">
+              <a:latin typeface="Times New Roman"/>
+              <a:ea typeface="Times New Roman"/>
+              <a:cs typeface="Times New Roman"/>
+              <a:sym typeface="Times New Roman"/>
+            </a:endParaRPr>
+          </a:p>
+        </p:txBody>
+      </p:sp>
+      <p:sp>
+        <p:nvSpPr>
+          <p:cNvPr id="320" name="Shape 320"/>
+          <p:cNvSpPr txBox="1">
+            <a:spLocks noGrp="1"/>
+          </p:cNvSpPr>
+          <p:nvPr>
+            <p:ph type="sldNum" idx="12"/>
+          </p:nvPr>
+        </p:nvSpPr>
+        <p:spPr>
+          <a:prstGeom prst="rect">
+            <a:avLst/>
+          </a:prstGeom>
+        </p:spPr>
+        <p:txBody>
+          <a:bodyPr wrap="square" lIns="91425" tIns="91425" rIns="91425" bIns="91425" anchor="ctr" anchorCtr="0">
+            <a:noAutofit/>
+          </a:bodyPr>
+          <a:lstStyle/>
+          <a:p>
+            <a:pPr marL="0" lvl="0" indent="0">
+              <a:spcBef>
+                <a:spcPts val="0"/>
+              </a:spcBef>
+              <a:buNone/>
+            </a:pPr>
+            <a:fld id="{00000000-1234-1234-1234-123412341234}" type="slidenum">
+              <a:rPr lang="uk"/>
+              <a:t>7</a:t>
+            </a:fld>
+            <a:endParaRPr lang="uk"/>
+          </a:p>
+        </p:txBody>
+      </p:sp>
+    </p:spTree>
+    <p:extLst>
+      <p:ext uri="{BB962C8B-B14F-4D97-AF65-F5344CB8AC3E}">
+        <p14:creationId xmlns:p14="http://schemas.microsoft.com/office/powerpoint/2010/main" val="1868316812"/>
+      </p:ext>
+    </p:extLst>
+  </p:cSld>
+  <p:clrMapOvr>
+    <a:masterClrMapping/>
+  </p:clrMapOvr>
+</p:sld>
+</file>
+
+<file path=ppt/slides/slide8.xml><?xml version="1.0" encoding="utf-8"?>
+<p:sld xmlns:a="http://schemas.openxmlformats.org/drawingml/2006/main" xmlns:r="http://schemas.openxmlformats.org/officeDocument/2006/relationships" xmlns:p="http://schemas.openxmlformats.org/presentationml/2006/main">
+  <p:cSld>
+    <p:spTree>
+      <p:nvGrpSpPr>
+        <p:cNvPr id="1" name="Shape 317"/>
+        <p:cNvGrpSpPr/>
+        <p:nvPr/>
+      </p:nvGrpSpPr>
+      <p:grpSpPr>
+        <a:xfrm>
+          <a:off x="0" y="0"/>
+          <a:ext cx="0" cy="0"/>
+          <a:chOff x="0" y="0"/>
+          <a:chExt cx="0" cy="0"/>
+        </a:xfrm>
+      </p:grpSpPr>
+      <p:sp>
+        <p:nvSpPr>
+          <p:cNvPr id="318" name="Shape 318"/>
+          <p:cNvSpPr txBox="1">
+            <a:spLocks noGrp="1"/>
+          </p:cNvSpPr>
+          <p:nvPr>
+            <p:ph type="title"/>
+          </p:nvPr>
+        </p:nvSpPr>
+        <p:spPr>
+          <a:xfrm>
+            <a:off x="1303800" y="598575"/>
+            <a:ext cx="7030500" cy="549741"/>
+          </a:xfrm>
+          <a:prstGeom prst="rect">
+            <a:avLst/>
+          </a:prstGeom>
+        </p:spPr>
+        <p:txBody>
+          <a:bodyPr wrap="square" lIns="91425" tIns="91425" rIns="91425" bIns="91425" anchor="t" anchorCtr="0">
+            <a:noAutofit/>
+          </a:bodyPr>
+          <a:lstStyle/>
+          <a:p>
+            <a:pPr marL="0" lvl="0" indent="0" algn="ctr">
+              <a:spcBef>
+                <a:spcPts val="0"/>
+              </a:spcBef>
+              <a:buNone/>
+            </a:pPr>
+            <a:r>
+              <a:rPr lang="uk" sz="2800" dirty="0" smtClean="0"/>
+              <a:t>Запропоновані модифікації</a:t>
+            </a:r>
+            <a:r>
+              <a:rPr lang="en-US" sz="2800" dirty="0" smtClean="0"/>
+              <a:t>(2)</a:t>
+            </a:r>
+            <a:endParaRPr lang="uk" sz="2800" dirty="0"/>
+          </a:p>
+        </p:txBody>
+      </p:sp>
+      <p:sp>
+        <p:nvSpPr>
+          <p:cNvPr id="319" name="Shape 319"/>
+          <p:cNvSpPr txBox="1">
+            <a:spLocks noGrp="1"/>
+          </p:cNvSpPr>
+          <p:nvPr>
+            <p:ph type="body" idx="1"/>
+          </p:nvPr>
+        </p:nvSpPr>
+        <p:spPr>
+          <a:xfrm>
+            <a:off x="1189725" y="1647849"/>
+            <a:ext cx="7030500" cy="2353879"/>
+          </a:xfrm>
+          <a:prstGeom prst="rect">
+            <a:avLst/>
+          </a:prstGeom>
+        </p:spPr>
+        <p:txBody>
+          <a:bodyPr wrap="square" lIns="91425" tIns="91425" rIns="91425" bIns="91425" anchor="t" anchorCtr="0">
+            <a:noAutofit/>
+          </a:bodyPr>
+          <a:lstStyle/>
+          <a:p>
+            <a:pPr marL="114300" algn="just" defTabSz="914400">
+              <a:lnSpc>
+                <a:spcPct val="150000"/>
+              </a:lnSpc>
+              <a:buClr>
+                <a:srgbClr val="000000"/>
+              </a:buClr>
+              <a:buSzPts val="1800"/>
+              <a:buNone/>
+            </a:pPr>
+            <a:r>
+              <a:rPr lang="uk-UA" dirty="0" smtClean="0"/>
+              <a:t>	</a:t>
+            </a:r>
+            <a:r>
+              <a:rPr lang="en-US" dirty="0"/>
+              <a:t> </a:t>
+            </a:r>
+            <a:r>
+              <a:rPr lang="en-US" dirty="0" smtClean="0"/>
+              <a:t>      </a:t>
+            </a:r>
+            <a:r>
+              <a:rPr lang="uk-UA" sz="1800" dirty="0" smtClean="0">
+                <a:highlight>
+                  <a:srgbClr val="FFFFFF"/>
+                </a:highlight>
+                <a:latin typeface="Times New Roman"/>
+                <a:ea typeface="Times New Roman"/>
+                <a:cs typeface="Times New Roman"/>
+              </a:rPr>
+              <a:t>Додати </a:t>
+            </a:r>
+            <a:r>
+              <a:rPr lang="uk-UA" sz="1800" dirty="0">
+                <a:highlight>
+                  <a:srgbClr val="FFFFFF"/>
+                </a:highlight>
+                <a:latin typeface="Times New Roman"/>
+                <a:ea typeface="Times New Roman"/>
+                <a:cs typeface="Times New Roman"/>
+              </a:rPr>
+              <a:t>ще одну характеристику асоціативних правил Ліфт</a:t>
+            </a:r>
+            <a:r>
+              <a:rPr lang="en-US" sz="1800" dirty="0">
+                <a:highlight>
+                  <a:srgbClr val="FFFFFF"/>
+                </a:highlight>
+                <a:latin typeface="Times New Roman"/>
+                <a:ea typeface="Times New Roman"/>
+                <a:cs typeface="Times New Roman"/>
+              </a:rPr>
+              <a:t>,</a:t>
+            </a:r>
+            <a:r>
+              <a:rPr lang="uk-UA" sz="1800" dirty="0">
+                <a:highlight>
+                  <a:srgbClr val="FFFFFF"/>
+                </a:highlight>
+                <a:latin typeface="Times New Roman"/>
+                <a:ea typeface="Times New Roman"/>
+                <a:cs typeface="Times New Roman"/>
+              </a:rPr>
+              <a:t> та обраховувати Ліфт на кожному кроці алгоритму в такому випадку можна здійснити більше відсікання абсурдних або випадкових правил, отже швидкість алгоритму повинна зрости адже не потрібно здійснювати наступні кроки по вже відкинутих правилах.</a:t>
+            </a:r>
+            <a:endParaRPr lang="en-US" sz="1800" dirty="0">
+              <a:highlight>
+                <a:srgbClr val="FFFFFF"/>
+              </a:highlight>
+              <a:latin typeface="Times New Roman"/>
+              <a:ea typeface="Times New Roman"/>
+              <a:cs typeface="Times New Roman"/>
+            </a:endParaRPr>
+          </a:p>
+        </p:txBody>
+      </p:sp>
+      <p:sp>
+        <p:nvSpPr>
+          <p:cNvPr id="320" name="Shape 320"/>
+          <p:cNvSpPr txBox="1">
+            <a:spLocks noGrp="1"/>
+          </p:cNvSpPr>
+          <p:nvPr>
+            <p:ph type="sldNum" idx="12"/>
+          </p:nvPr>
+        </p:nvSpPr>
+        <p:spPr>
+          <a:prstGeom prst="rect">
+            <a:avLst/>
+          </a:prstGeom>
+        </p:spPr>
+        <p:txBody>
+          <a:bodyPr wrap="square" lIns="91425" tIns="91425" rIns="91425" bIns="91425" anchor="ctr" anchorCtr="0">
+            <a:noAutofit/>
+          </a:bodyPr>
+          <a:lstStyle/>
+          <a:p>
+            <a:pPr marL="0" lvl="0" indent="0">
+              <a:spcBef>
+                <a:spcPts val="0"/>
+              </a:spcBef>
+              <a:buNone/>
+            </a:pPr>
+            <a:fld id="{00000000-1234-1234-1234-123412341234}" type="slidenum">
+              <a:rPr lang="uk"/>
+              <a:t>8</a:t>
+            </a:fld>
+            <a:endParaRPr lang="uk"/>
+          </a:p>
+        </p:txBody>
+      </p:sp>
+    </p:spTree>
+    <p:extLst>
+      <p:ext uri="{BB962C8B-B14F-4D97-AF65-F5344CB8AC3E}">
+        <p14:creationId xmlns:p14="http://schemas.microsoft.com/office/powerpoint/2010/main" val="301181759"/>
+      </p:ext>
+    </p:extLst>
+  </p:cSld>
+  <p:clrMapOvr>
+    <a:masterClrMapping/>
+  </p:clrMapOvr>
+</p:sld>
+</file>
+
 <file path=ppt/slides/slide9.xml><?xml version="1.0" encoding="utf-8"?>
 <p:sld xmlns:a="http://schemas.openxmlformats.org/drawingml/2006/main" xmlns:r="http://schemas.openxmlformats.org/officeDocument/2006/relationships" xmlns:p="http://schemas.openxmlformats.org/presentationml/2006/main">
   <p:cSld>
@@ -15672,8 +19544,8 @@
         </p:nvSpPr>
         <p:spPr>
           <a:xfrm>
-            <a:off x="1303800" y="0"/>
-            <a:ext cx="7030500" cy="999300"/>
+            <a:off x="1303800" y="598575"/>
+            <a:ext cx="7030500" cy="549741"/>
           </a:xfrm>
           <a:prstGeom prst="rect">
             <a:avLst/>
@@ -15685,7 +19557,7 @@
           </a:bodyPr>
           <a:lstStyle/>
           <a:p>
-            <a:pPr marL="0" lvl="0" indent="0">
+            <a:pPr marL="0" lvl="0" indent="0" algn="ctr">
               <a:spcBef>
                 <a:spcPts val="0"/>
               </a:spcBef>
@@ -15693,7 +19565,7 @@
             </a:pPr>
             <a:r>
               <a:rPr lang="uk-UA" sz="2800" dirty="0" smtClean="0"/>
-              <a:t>Блок схема модифікованого алгоритму</a:t>
+              <a:t>Технології</a:t>
             </a:r>
             <a:endParaRPr lang="uk" sz="2800" dirty="0"/>
           </a:p>
@@ -15736,30 +19608,90 @@
       </p:sp>
       <p:pic>
         <p:nvPicPr>
-          <p:cNvPr id="6" name="Picture 5"/>
-          <p:cNvPicPr/>
+          <p:cNvPr id="1026" name="Picture 2" descr="Ð ÐµÐ·ÑÐ»ÑÑÐ°Ñ Ð¿Ð¾ÑÑÐºÑ Ð·Ð¾Ð±ÑÐ°Ð¶ÐµÐ½Ñ Ð·Ð° Ð·Ð°Ð¿Ð¸ÑÐ¾Ð¼ &quot;.net WPF&quot;"/>
+          <p:cNvPicPr>
+            <a:picLocks noChangeAspect="1" noChangeArrowheads="1"/>
+          </p:cNvPicPr>
           <p:nvPr/>
         </p:nvPicPr>
         <p:blipFill>
-          <a:blip r:embed="rId3"/>
+          <a:blip r:embed="rId3">
+            <a:extLst>
+              <a:ext uri="{28A0092B-C50C-407E-A947-70E740481C1C}">
+                <a14:useLocalDpi xmlns:a14="http://schemas.microsoft.com/office/drawing/2010/main" val="0"/>
+              </a:ext>
+            </a:extLst>
+          </a:blip>
+          <a:srcRect/>
           <a:stretch>
             <a:fillRect/>
           </a:stretch>
         </p:blipFill>
-        <p:spPr>
+        <p:spPr bwMode="auto">
           <a:xfrm>
-            <a:off x="3424238" y="560439"/>
-            <a:ext cx="1963839" cy="4570137"/>
+            <a:off x="1482953" y="1848464"/>
+            <a:ext cx="1826628" cy="1826628"/>
           </a:xfrm>
           <a:prstGeom prst="rect">
             <a:avLst/>
           </a:prstGeom>
+          <a:noFill/>
+          <a:extLst>
+            <a:ext uri="{909E8E84-426E-40DD-AFC4-6F175D3DCCD1}">
+              <a14:hiddenFill xmlns:a14="http://schemas.microsoft.com/office/drawing/2010/main">
+                <a:solidFill>
+                  <a:srgbClr val="FFFFFF"/>
+                </a:solidFill>
+              </a14:hiddenFill>
+            </a:ext>
+          </a:extLst>
+        </p:spPr>
+      </p:pic>
+      <p:pic>
+        <p:nvPicPr>
+          <p:cNvPr id="1028" name="Picture 4" descr="Ð ÐµÐ·ÑÐ»ÑÑÐ°Ñ Ð¿Ð¾ÑÑÐºÑ Ð·Ð¾Ð±ÑÐ°Ð¶ÐµÐ½Ñ Ð·Ð° Ð·Ð°Ð¿Ð¸ÑÐ¾Ð¼ &quot;Git&quot;"/>
+          <p:cNvPicPr>
+            <a:picLocks noChangeAspect="1" noChangeArrowheads="1"/>
+          </p:cNvPicPr>
+          <p:nvPr/>
+        </p:nvPicPr>
+        <p:blipFill>
+          <a:blip r:embed="rId4">
+            <a:extLst>
+              <a:ext uri="{28A0092B-C50C-407E-A947-70E740481C1C}">
+                <a14:useLocalDpi xmlns:a14="http://schemas.microsoft.com/office/drawing/2010/main" val="0"/>
+              </a:ext>
+            </a:extLst>
+          </a:blip>
+          <a:srcRect/>
+          <a:stretch>
+            <a:fillRect/>
+          </a:stretch>
+        </p:blipFill>
+        <p:spPr bwMode="auto">
+          <a:xfrm>
+            <a:off x="4483510" y="2208587"/>
+            <a:ext cx="2650014" cy="1106381"/>
+          </a:xfrm>
+          <a:prstGeom prst="rect">
+            <a:avLst/>
+          </a:prstGeom>
+          <a:noFill/>
+          <a:extLst>
+            <a:ext uri="{909E8E84-426E-40DD-AFC4-6F175D3DCCD1}">
+              <a14:hiddenFill xmlns:a14="http://schemas.microsoft.com/office/drawing/2010/main">
+                <a:solidFill>
+                  <a:srgbClr val="FFFFFF"/>
+                </a:solidFill>
+              </a14:hiddenFill>
+            </a:ext>
+          </a:extLst>
         </p:spPr>
       </p:pic>
     </p:spTree>
     <p:extLst>
       <p:ext uri="{BB962C8B-B14F-4D97-AF65-F5344CB8AC3E}">
-        <p14:creationId xmlns:p14="http://schemas.microsoft.com/office/powerpoint/2010/main" val="1868822326"/>
+        <p14:creationId xmlns:p14="http://schemas.microsoft.com/office/powerpoint/2010/main" val="1293220632"/>
       </p:ext>
     </p:extLst>
   </p:cSld>
